--- a/Day_5/Day_5.pptx
+++ b/Day_5/Day_5.pptx
@@ -21,19 +21,27 @@
     <p:sldId id="331" r:id="rId15"/>
     <p:sldId id="332" r:id="rId16"/>
     <p:sldId id="333" r:id="rId17"/>
-    <p:sldId id="329" r:id="rId18"/>
-    <p:sldId id="321" r:id="rId19"/>
-    <p:sldId id="265" r:id="rId20"/>
-    <p:sldId id="280" r:id="rId21"/>
-    <p:sldId id="281" r:id="rId22"/>
-    <p:sldId id="322" r:id="rId23"/>
-    <p:sldId id="323" r:id="rId24"/>
-    <p:sldId id="326" r:id="rId25"/>
-    <p:sldId id="327" r:id="rId26"/>
-    <p:sldId id="328" r:id="rId27"/>
-    <p:sldId id="288" r:id="rId28"/>
-    <p:sldId id="324" r:id="rId29"/>
-    <p:sldId id="325" r:id="rId30"/>
+    <p:sldId id="334" r:id="rId18"/>
+    <p:sldId id="335" r:id="rId19"/>
+    <p:sldId id="329" r:id="rId20"/>
+    <p:sldId id="336" r:id="rId21"/>
+    <p:sldId id="337" r:id="rId22"/>
+    <p:sldId id="338" r:id="rId23"/>
+    <p:sldId id="339" r:id="rId24"/>
+    <p:sldId id="340" r:id="rId25"/>
+    <p:sldId id="341" r:id="rId26"/>
+    <p:sldId id="321" r:id="rId27"/>
+    <p:sldId id="265" r:id="rId28"/>
+    <p:sldId id="280" r:id="rId29"/>
+    <p:sldId id="281" r:id="rId30"/>
+    <p:sldId id="322" r:id="rId31"/>
+    <p:sldId id="323" r:id="rId32"/>
+    <p:sldId id="326" r:id="rId33"/>
+    <p:sldId id="327" r:id="rId34"/>
+    <p:sldId id="328" r:id="rId35"/>
+    <p:sldId id="288" r:id="rId36"/>
+    <p:sldId id="324" r:id="rId37"/>
+    <p:sldId id="325" r:id="rId38"/>
   </p:sldIdLst>
   <p:sldSz cx="12192000" cy="6858000"/>
   <p:notesSz cx="6858000" cy="9144000"/>
@@ -190,7 +198,7 @@
           <a:noFill/>
           <a:extLst>
             <a:ext uri="{909E8E84-426E-40dd-AFC4-6F175D3DCCD1}">
-              <a14:hiddenFill xmlns="" xmlns:a14="http://schemas.microsoft.com/office/drawing/2010/main">
+              <a14:hiddenFill xmlns:a14="http://schemas.microsoft.com/office/drawing/2010/main" xmlns="">
                 <a:solidFill>
                   <a:srgbClr val="FFFFFF"/>
                 </a:solidFill>
@@ -250,7 +258,7 @@
             </a:ln>
             <a:extLst>
               <a:ext uri="{91240B29-F687-4f45-9708-019B960494DF}">
-                <a14:hiddenLine xmlns="" xmlns:a14="http://schemas.microsoft.com/office/drawing/2010/main" w="9525">
+                <a14:hiddenLine xmlns:a14="http://schemas.microsoft.com/office/drawing/2010/main" xmlns="" w="9525">
                   <a:solidFill>
                     <a:srgbClr val="000000"/>
                   </a:solidFill>
@@ -340,7 +348,7 @@
             </a:ln>
             <a:extLst>
               <a:ext uri="{91240B29-F687-4f45-9708-019B960494DF}">
-                <a14:hiddenLine xmlns="" xmlns:a14="http://schemas.microsoft.com/office/drawing/2010/main" w="9525">
+                <a14:hiddenLine xmlns:a14="http://schemas.microsoft.com/office/drawing/2010/main" xmlns="" w="9525">
                   <a:solidFill>
                     <a:srgbClr val="000000"/>
                   </a:solidFill>
@@ -430,7 +438,7 @@
             </a:ln>
             <a:extLst>
               <a:ext uri="{91240B29-F687-4f45-9708-019B960494DF}">
-                <a14:hiddenLine xmlns="" xmlns:a14="http://schemas.microsoft.com/office/drawing/2010/main" w="9525">
+                <a14:hiddenLine xmlns:a14="http://schemas.microsoft.com/office/drawing/2010/main" xmlns="" w="9525">
                   <a:solidFill>
                     <a:srgbClr val="000000"/>
                   </a:solidFill>
@@ -464,7 +472,7 @@
             </a:ln>
             <a:extLst>
               <a:ext uri="{91240B29-F687-4f45-9708-019B960494DF}">
-                <a14:hiddenLine xmlns="" xmlns:a14="http://schemas.microsoft.com/office/drawing/2010/main" w="9525">
+                <a14:hiddenLine xmlns:a14="http://schemas.microsoft.com/office/drawing/2010/main" xmlns="" w="9525">
                   <a:solidFill>
                     <a:srgbClr val="000000"/>
                   </a:solidFill>
@@ -554,7 +562,7 @@
             </a:ln>
             <a:extLst>
               <a:ext uri="{91240B29-F687-4f45-9708-019B960494DF}">
-                <a14:hiddenLine xmlns="" xmlns:a14="http://schemas.microsoft.com/office/drawing/2010/main" w="9525">
+                <a14:hiddenLine xmlns:a14="http://schemas.microsoft.com/office/drawing/2010/main" xmlns="" w="9525">
                   <a:solidFill>
                     <a:srgbClr val="000000"/>
                   </a:solidFill>
@@ -616,7 +624,7 @@
             </a:ln>
             <a:extLst>
               <a:ext uri="{91240B29-F687-4f45-9708-019B960494DF}">
-                <a14:hiddenLine xmlns="" xmlns:a14="http://schemas.microsoft.com/office/drawing/2010/main" w="9525">
+                <a14:hiddenLine xmlns:a14="http://schemas.microsoft.com/office/drawing/2010/main" xmlns="" w="9525">
                   <a:solidFill>
                     <a:srgbClr val="000000"/>
                   </a:solidFill>
@@ -678,7 +686,7 @@
             </a:ln>
             <a:extLst>
               <a:ext uri="{91240B29-F687-4f45-9708-019B960494DF}">
-                <a14:hiddenLine xmlns="" xmlns:a14="http://schemas.microsoft.com/office/drawing/2010/main" w="9525">
+                <a14:hiddenLine xmlns:a14="http://schemas.microsoft.com/office/drawing/2010/main" xmlns="" w="9525">
                   <a:solidFill>
                     <a:srgbClr val="000000"/>
                   </a:solidFill>
@@ -768,7 +776,7 @@
             </a:ln>
             <a:extLst>
               <a:ext uri="{91240B29-F687-4f45-9708-019B960494DF}">
-                <a14:hiddenLine xmlns="" xmlns:a14="http://schemas.microsoft.com/office/drawing/2010/main" w="9525">
+                <a14:hiddenLine xmlns:a14="http://schemas.microsoft.com/office/drawing/2010/main" xmlns="" w="9525">
                   <a:solidFill>
                     <a:srgbClr val="000000"/>
                   </a:solidFill>
@@ -830,7 +838,7 @@
             </a:ln>
             <a:extLst>
               <a:ext uri="{91240B29-F687-4f45-9708-019B960494DF}">
-                <a14:hiddenLine xmlns="" xmlns:a14="http://schemas.microsoft.com/office/drawing/2010/main" w="9525">
+                <a14:hiddenLine xmlns:a14="http://schemas.microsoft.com/office/drawing/2010/main" xmlns="" w="9525">
                   <a:solidFill>
                     <a:srgbClr val="000000"/>
                   </a:solidFill>
@@ -892,7 +900,7 @@
             </a:ln>
             <a:extLst>
               <a:ext uri="{91240B29-F687-4f45-9708-019B960494DF}">
-                <a14:hiddenLine xmlns="" xmlns:a14="http://schemas.microsoft.com/office/drawing/2010/main" w="9525">
+                <a14:hiddenLine xmlns:a14="http://schemas.microsoft.com/office/drawing/2010/main" xmlns="" w="9525">
                   <a:solidFill>
                     <a:srgbClr val="000000"/>
                   </a:solidFill>
@@ -982,7 +990,7 @@
             </a:ln>
             <a:extLst>
               <a:ext uri="{91240B29-F687-4f45-9708-019B960494DF}">
-                <a14:hiddenLine xmlns="" xmlns:a14="http://schemas.microsoft.com/office/drawing/2010/main" w="9525">
+                <a14:hiddenLine xmlns:a14="http://schemas.microsoft.com/office/drawing/2010/main" xmlns="" w="9525">
                   <a:solidFill>
                     <a:srgbClr val="000000"/>
                   </a:solidFill>
@@ -1072,7 +1080,7 @@
             </a:ln>
             <a:extLst>
               <a:ext uri="{91240B29-F687-4f45-9708-019B960494DF}">
-                <a14:hiddenLine xmlns="" xmlns:a14="http://schemas.microsoft.com/office/drawing/2010/main" w="9525">
+                <a14:hiddenLine xmlns:a14="http://schemas.microsoft.com/office/drawing/2010/main" xmlns="" w="9525">
                   <a:solidFill>
                     <a:srgbClr val="000000"/>
                   </a:solidFill>
@@ -1134,7 +1142,7 @@
             </a:ln>
             <a:extLst>
               <a:ext uri="{91240B29-F687-4f45-9708-019B960494DF}">
-                <a14:hiddenLine xmlns="" xmlns:a14="http://schemas.microsoft.com/office/drawing/2010/main" w="9525">
+                <a14:hiddenLine xmlns:a14="http://schemas.microsoft.com/office/drawing/2010/main" xmlns="" w="9525">
                   <a:solidFill>
                     <a:srgbClr val="000000"/>
                   </a:solidFill>
@@ -1244,7 +1252,7 @@
             </a:ln>
             <a:extLst>
               <a:ext uri="{91240B29-F687-4f45-9708-019B960494DF}">
-                <a14:hiddenLine xmlns="" xmlns:a14="http://schemas.microsoft.com/office/drawing/2010/main" w="9525">
+                <a14:hiddenLine xmlns:a14="http://schemas.microsoft.com/office/drawing/2010/main" xmlns="" w="9525">
                   <a:solidFill>
                     <a:srgbClr val="000000"/>
                   </a:solidFill>
@@ -1306,7 +1314,7 @@
             </a:ln>
             <a:extLst>
               <a:ext uri="{91240B29-F687-4f45-9708-019B960494DF}">
-                <a14:hiddenLine xmlns="" xmlns:a14="http://schemas.microsoft.com/office/drawing/2010/main" w="9525">
+                <a14:hiddenLine xmlns:a14="http://schemas.microsoft.com/office/drawing/2010/main" xmlns="" w="9525">
                   <a:solidFill>
                     <a:srgbClr val="000000"/>
                   </a:solidFill>
@@ -1396,7 +1404,7 @@
             </a:ln>
             <a:extLst>
               <a:ext uri="{91240B29-F687-4f45-9708-019B960494DF}">
-                <a14:hiddenLine xmlns="" xmlns:a14="http://schemas.microsoft.com/office/drawing/2010/main" w="9525">
+                <a14:hiddenLine xmlns:a14="http://schemas.microsoft.com/office/drawing/2010/main" xmlns="" w="9525">
                   <a:solidFill>
                     <a:srgbClr val="000000"/>
                   </a:solidFill>
@@ -1486,7 +1494,7 @@
             </a:ln>
             <a:extLst>
               <a:ext uri="{91240B29-F687-4f45-9708-019B960494DF}">
-                <a14:hiddenLine xmlns="" xmlns:a14="http://schemas.microsoft.com/office/drawing/2010/main" w="9525">
+                <a14:hiddenLine xmlns:a14="http://schemas.microsoft.com/office/drawing/2010/main" xmlns="" w="9525">
                   <a:solidFill>
                     <a:srgbClr val="000000"/>
                   </a:solidFill>
@@ -1548,7 +1556,7 @@
             </a:ln>
             <a:extLst>
               <a:ext uri="{91240B29-F687-4f45-9708-019B960494DF}">
-                <a14:hiddenLine xmlns="" xmlns:a14="http://schemas.microsoft.com/office/drawing/2010/main" w="9525">
+                <a14:hiddenLine xmlns:a14="http://schemas.microsoft.com/office/drawing/2010/main" xmlns="" w="9525">
                   <a:solidFill>
                     <a:srgbClr val="000000"/>
                   </a:solidFill>
@@ -1638,7 +1646,7 @@
             </a:ln>
             <a:extLst>
               <a:ext uri="{91240B29-F687-4f45-9708-019B960494DF}">
-                <a14:hiddenLine xmlns="" xmlns:a14="http://schemas.microsoft.com/office/drawing/2010/main" w="9525">
+                <a14:hiddenLine xmlns:a14="http://schemas.microsoft.com/office/drawing/2010/main" xmlns="" w="9525">
                   <a:solidFill>
                     <a:srgbClr val="000000"/>
                   </a:solidFill>
@@ -1728,7 +1736,7 @@
             </a:ln>
             <a:extLst>
               <a:ext uri="{91240B29-F687-4f45-9708-019B960494DF}">
-                <a14:hiddenLine xmlns="" xmlns:a14="http://schemas.microsoft.com/office/drawing/2010/main" w="9525">
+                <a14:hiddenLine xmlns:a14="http://schemas.microsoft.com/office/drawing/2010/main" xmlns="" w="9525">
                   <a:solidFill>
                     <a:srgbClr val="000000"/>
                   </a:solidFill>
@@ -1784,7 +1792,7 @@
             </a:ln>
             <a:extLst>
               <a:ext uri="{91240B29-F687-4f45-9708-019B960494DF}">
-                <a14:hiddenLine xmlns="" xmlns:a14="http://schemas.microsoft.com/office/drawing/2010/main" w="9525">
+                <a14:hiddenLine xmlns:a14="http://schemas.microsoft.com/office/drawing/2010/main" xmlns="" w="9525">
                   <a:solidFill>
                     <a:srgbClr val="000000"/>
                   </a:solidFill>
@@ -1874,7 +1882,7 @@
             </a:ln>
             <a:extLst>
               <a:ext uri="{91240B29-F687-4f45-9708-019B960494DF}">
-                <a14:hiddenLine xmlns="" xmlns:a14="http://schemas.microsoft.com/office/drawing/2010/main" w="9525">
+                <a14:hiddenLine xmlns:a14="http://schemas.microsoft.com/office/drawing/2010/main" xmlns="" w="9525">
                   <a:solidFill>
                     <a:srgbClr val="000000"/>
                   </a:solidFill>
@@ -1930,7 +1938,7 @@
             </a:ln>
             <a:extLst>
               <a:ext uri="{91240B29-F687-4f45-9708-019B960494DF}">
-                <a14:hiddenLine xmlns="" xmlns:a14="http://schemas.microsoft.com/office/drawing/2010/main" w="9525">
+                <a14:hiddenLine xmlns:a14="http://schemas.microsoft.com/office/drawing/2010/main" xmlns="" w="9525">
                   <a:solidFill>
                     <a:srgbClr val="000000"/>
                   </a:solidFill>
@@ -2020,7 +2028,7 @@
             </a:ln>
             <a:extLst>
               <a:ext uri="{91240B29-F687-4f45-9708-019B960494DF}">
-                <a14:hiddenLine xmlns="" xmlns:a14="http://schemas.microsoft.com/office/drawing/2010/main" w="9525">
+                <a14:hiddenLine xmlns:a14="http://schemas.microsoft.com/office/drawing/2010/main" xmlns="" w="9525">
                   <a:solidFill>
                     <a:srgbClr val="000000"/>
                   </a:solidFill>
@@ -2088,7 +2096,7 @@
             </a:ln>
             <a:extLst>
               <a:ext uri="{91240B29-F687-4f45-9708-019B960494DF}">
-                <a14:hiddenLine xmlns="" xmlns:a14="http://schemas.microsoft.com/office/drawing/2010/main" w="9525">
+                <a14:hiddenLine xmlns:a14="http://schemas.microsoft.com/office/drawing/2010/main" xmlns="" w="9525">
                   <a:solidFill>
                     <a:srgbClr val="000000"/>
                   </a:solidFill>
@@ -2178,7 +2186,7 @@
             </a:ln>
             <a:extLst>
               <a:ext uri="{91240B29-F687-4f45-9708-019B960494DF}">
-                <a14:hiddenLine xmlns="" xmlns:a14="http://schemas.microsoft.com/office/drawing/2010/main" w="9525">
+                <a14:hiddenLine xmlns:a14="http://schemas.microsoft.com/office/drawing/2010/main" xmlns="" w="9525">
                   <a:solidFill>
                     <a:srgbClr val="000000"/>
                   </a:solidFill>
@@ -2246,7 +2254,7 @@
             </a:ln>
             <a:extLst>
               <a:ext uri="{91240B29-F687-4f45-9708-019B960494DF}">
-                <a14:hiddenLine xmlns="" xmlns:a14="http://schemas.microsoft.com/office/drawing/2010/main" w="9525">
+                <a14:hiddenLine xmlns:a14="http://schemas.microsoft.com/office/drawing/2010/main" xmlns="" w="9525">
                   <a:solidFill>
                     <a:srgbClr val="000000"/>
                   </a:solidFill>
@@ -2336,7 +2344,7 @@
             </a:ln>
             <a:extLst>
               <a:ext uri="{91240B29-F687-4f45-9708-019B960494DF}">
-                <a14:hiddenLine xmlns="" xmlns:a14="http://schemas.microsoft.com/office/drawing/2010/main" w="9525">
+                <a14:hiddenLine xmlns:a14="http://schemas.microsoft.com/office/drawing/2010/main" xmlns="" w="9525">
                   <a:solidFill>
                     <a:srgbClr val="000000"/>
                   </a:solidFill>
@@ -2370,7 +2378,7 @@
             </a:ln>
             <a:extLst>
               <a:ext uri="{91240B29-F687-4f45-9708-019B960494DF}">
-                <a14:hiddenLine xmlns="" xmlns:a14="http://schemas.microsoft.com/office/drawing/2010/main" w="9525">
+                <a14:hiddenLine xmlns:a14="http://schemas.microsoft.com/office/drawing/2010/main" xmlns="" w="9525">
                   <a:solidFill>
                     <a:srgbClr val="000000"/>
                   </a:solidFill>
@@ -2460,7 +2468,7 @@
             </a:ln>
             <a:extLst>
               <a:ext uri="{91240B29-F687-4f45-9708-019B960494DF}">
-                <a14:hiddenLine xmlns="" xmlns:a14="http://schemas.microsoft.com/office/drawing/2010/main" w="9525">
+                <a14:hiddenLine xmlns:a14="http://schemas.microsoft.com/office/drawing/2010/main" xmlns="" w="9525">
                   <a:solidFill>
                     <a:srgbClr val="000000"/>
                   </a:solidFill>
@@ -2522,7 +2530,7 @@
             </a:ln>
             <a:extLst>
               <a:ext uri="{91240B29-F687-4f45-9708-019B960494DF}">
-                <a14:hiddenLine xmlns="" xmlns:a14="http://schemas.microsoft.com/office/drawing/2010/main" w="9525">
+                <a14:hiddenLine xmlns:a14="http://schemas.microsoft.com/office/drawing/2010/main" xmlns="" w="9525">
                   <a:solidFill>
                     <a:srgbClr val="000000"/>
                   </a:solidFill>
@@ -2584,7 +2592,7 @@
             </a:ln>
             <a:extLst>
               <a:ext uri="{91240B29-F687-4f45-9708-019B960494DF}">
-                <a14:hiddenLine xmlns="" xmlns:a14="http://schemas.microsoft.com/office/drawing/2010/main" w="9525">
+                <a14:hiddenLine xmlns:a14="http://schemas.microsoft.com/office/drawing/2010/main" xmlns="" w="9525">
                   <a:solidFill>
                     <a:srgbClr val="000000"/>
                   </a:solidFill>
@@ -2674,7 +2682,7 @@
             </a:ln>
             <a:extLst>
               <a:ext uri="{91240B29-F687-4f45-9708-019B960494DF}">
-                <a14:hiddenLine xmlns="" xmlns:a14="http://schemas.microsoft.com/office/drawing/2010/main" w="9525">
+                <a14:hiddenLine xmlns:a14="http://schemas.microsoft.com/office/drawing/2010/main" xmlns="" w="9525">
                   <a:solidFill>
                     <a:srgbClr val="000000"/>
                   </a:solidFill>
@@ -2742,7 +2750,7 @@
             </a:ln>
             <a:extLst>
               <a:ext uri="{91240B29-F687-4f45-9708-019B960494DF}">
-                <a14:hiddenLine xmlns="" xmlns:a14="http://schemas.microsoft.com/office/drawing/2010/main" w="9525">
+                <a14:hiddenLine xmlns:a14="http://schemas.microsoft.com/office/drawing/2010/main" xmlns="" w="9525">
                   <a:solidFill>
                     <a:srgbClr val="000000"/>
                   </a:solidFill>
@@ -2804,7 +2812,7 @@
             </a:ln>
             <a:extLst>
               <a:ext uri="{91240B29-F687-4f45-9708-019B960494DF}">
-                <a14:hiddenLine xmlns="" xmlns:a14="http://schemas.microsoft.com/office/drawing/2010/main" w="9525">
+                <a14:hiddenLine xmlns:a14="http://schemas.microsoft.com/office/drawing/2010/main" xmlns="" w="9525">
                   <a:solidFill>
                     <a:srgbClr val="000000"/>
                   </a:solidFill>
@@ -2894,7 +2902,7 @@
             </a:ln>
             <a:extLst>
               <a:ext uri="{91240B29-F687-4f45-9708-019B960494DF}">
-                <a14:hiddenLine xmlns="" xmlns:a14="http://schemas.microsoft.com/office/drawing/2010/main" w="9525">
+                <a14:hiddenLine xmlns:a14="http://schemas.microsoft.com/office/drawing/2010/main" xmlns="" w="9525">
                   <a:solidFill>
                     <a:srgbClr val="000000"/>
                   </a:solidFill>
@@ -2956,7 +2964,7 @@
             </a:ln>
             <a:extLst>
               <a:ext uri="{91240B29-F687-4f45-9708-019B960494DF}">
-                <a14:hiddenLine xmlns="" xmlns:a14="http://schemas.microsoft.com/office/drawing/2010/main" w="9525">
+                <a14:hiddenLine xmlns:a14="http://schemas.microsoft.com/office/drawing/2010/main" xmlns="" w="9525">
                   <a:solidFill>
                     <a:srgbClr val="000000"/>
                   </a:solidFill>
@@ -3046,7 +3054,7 @@
             </a:ln>
             <a:extLst>
               <a:ext uri="{91240B29-F687-4f45-9708-019B960494DF}">
-                <a14:hiddenLine xmlns="" xmlns:a14="http://schemas.microsoft.com/office/drawing/2010/main" w="9525">
+                <a14:hiddenLine xmlns:a14="http://schemas.microsoft.com/office/drawing/2010/main" xmlns="" w="9525">
                   <a:solidFill>
                     <a:srgbClr val="000000"/>
                   </a:solidFill>
@@ -3108,7 +3116,7 @@
             </a:ln>
             <a:extLst>
               <a:ext uri="{91240B29-F687-4f45-9708-019B960494DF}">
-                <a14:hiddenLine xmlns="" xmlns:a14="http://schemas.microsoft.com/office/drawing/2010/main" w="9525">
+                <a14:hiddenLine xmlns:a14="http://schemas.microsoft.com/office/drawing/2010/main" xmlns="" w="9525">
                   <a:solidFill>
                     <a:srgbClr val="000000"/>
                   </a:solidFill>
@@ -3198,7 +3206,7 @@
             </a:ln>
             <a:extLst>
               <a:ext uri="{91240B29-F687-4f45-9708-019B960494DF}">
-                <a14:hiddenLine xmlns="" xmlns:a14="http://schemas.microsoft.com/office/drawing/2010/main" w="9525">
+                <a14:hiddenLine xmlns:a14="http://schemas.microsoft.com/office/drawing/2010/main" xmlns="" w="9525">
                   <a:solidFill>
                     <a:srgbClr val="000000"/>
                   </a:solidFill>
@@ -3232,7 +3240,7 @@
             </a:ln>
             <a:extLst>
               <a:ext uri="{91240B29-F687-4f45-9708-019B960494DF}">
-                <a14:hiddenLine xmlns="" xmlns:a14="http://schemas.microsoft.com/office/drawing/2010/main" w="9525">
+                <a14:hiddenLine xmlns:a14="http://schemas.microsoft.com/office/drawing/2010/main" xmlns="" w="9525">
                   <a:solidFill>
                     <a:srgbClr val="000000"/>
                   </a:solidFill>
@@ -3297,7 +3305,7 @@
             </a:ln>
             <a:extLst>
               <a:ext uri="{91240B29-F687-4f45-9708-019B960494DF}">
-                <a14:hiddenLine xmlns="" xmlns:a14="http://schemas.microsoft.com/office/drawing/2010/main" w="9525">
+                <a14:hiddenLine xmlns:a14="http://schemas.microsoft.com/office/drawing/2010/main" xmlns="" w="9525">
                   <a:solidFill>
                     <a:srgbClr val="000000"/>
                   </a:solidFill>
@@ -3387,7 +3395,7 @@
             </a:ln>
             <a:extLst>
               <a:ext uri="{91240B29-F687-4f45-9708-019B960494DF}">
-                <a14:hiddenLine xmlns="" xmlns:a14="http://schemas.microsoft.com/office/drawing/2010/main" w="9525">
+                <a14:hiddenLine xmlns:a14="http://schemas.microsoft.com/office/drawing/2010/main" xmlns="" w="9525">
                   <a:solidFill>
                     <a:srgbClr val="000000"/>
                   </a:solidFill>
@@ -3449,7 +3457,7 @@
             </a:ln>
             <a:extLst>
               <a:ext uri="{91240B29-F687-4f45-9708-019B960494DF}">
-                <a14:hiddenLine xmlns="" xmlns:a14="http://schemas.microsoft.com/office/drawing/2010/main" w="9525">
+                <a14:hiddenLine xmlns:a14="http://schemas.microsoft.com/office/drawing/2010/main" xmlns="" w="9525">
                   <a:solidFill>
                     <a:srgbClr val="000000"/>
                   </a:solidFill>
@@ -3539,7 +3547,7 @@
             </a:ln>
             <a:extLst>
               <a:ext uri="{91240B29-F687-4f45-9708-019B960494DF}">
-                <a14:hiddenLine xmlns="" xmlns:a14="http://schemas.microsoft.com/office/drawing/2010/main" w="9525">
+                <a14:hiddenLine xmlns:a14="http://schemas.microsoft.com/office/drawing/2010/main" xmlns="" w="9525">
                   <a:solidFill>
                     <a:srgbClr val="000000"/>
                   </a:solidFill>
@@ -3629,7 +3637,7 @@
             </a:ln>
             <a:extLst>
               <a:ext uri="{91240B29-F687-4f45-9708-019B960494DF}">
-                <a14:hiddenLine xmlns="" xmlns:a14="http://schemas.microsoft.com/office/drawing/2010/main" w="9525">
+                <a14:hiddenLine xmlns:a14="http://schemas.microsoft.com/office/drawing/2010/main" xmlns="" w="9525">
                   <a:solidFill>
                     <a:srgbClr val="000000"/>
                   </a:solidFill>
@@ -3694,7 +3702,7 @@
             </a:ln>
             <a:extLst>
               <a:ext uri="{91240B29-F687-4f45-9708-019B960494DF}">
-                <a14:hiddenLine xmlns="" xmlns:a14="http://schemas.microsoft.com/office/drawing/2010/main" w="9525">
+                <a14:hiddenLine xmlns:a14="http://schemas.microsoft.com/office/drawing/2010/main" xmlns="" w="9525">
                   <a:solidFill>
                     <a:srgbClr val="000000"/>
                   </a:solidFill>
@@ -3756,7 +3764,7 @@
             </a:ln>
             <a:extLst>
               <a:ext uri="{91240B29-F687-4f45-9708-019B960494DF}">
-                <a14:hiddenLine xmlns="" xmlns:a14="http://schemas.microsoft.com/office/drawing/2010/main" w="9525">
+                <a14:hiddenLine xmlns:a14="http://schemas.microsoft.com/office/drawing/2010/main" xmlns="" w="9525">
                   <a:solidFill>
                     <a:srgbClr val="000000"/>
                   </a:solidFill>
@@ -3846,7 +3854,7 @@
             </a:ln>
             <a:extLst>
               <a:ext uri="{91240B29-F687-4f45-9708-019B960494DF}">
-                <a14:hiddenLine xmlns="" xmlns:a14="http://schemas.microsoft.com/office/drawing/2010/main" w="9525">
+                <a14:hiddenLine xmlns:a14="http://schemas.microsoft.com/office/drawing/2010/main" xmlns="" w="9525">
                   <a:solidFill>
                     <a:srgbClr val="000000"/>
                   </a:solidFill>
@@ -3936,7 +3944,7 @@
             </a:ln>
             <a:extLst>
               <a:ext uri="{91240B29-F687-4f45-9708-019B960494DF}">
-                <a14:hiddenLine xmlns="" xmlns:a14="http://schemas.microsoft.com/office/drawing/2010/main" w="9525">
+                <a14:hiddenLine xmlns:a14="http://schemas.microsoft.com/office/drawing/2010/main" xmlns="" w="9525">
                   <a:solidFill>
                     <a:srgbClr val="000000"/>
                   </a:solidFill>
@@ -3998,7 +4006,7 @@
             </a:ln>
             <a:extLst>
               <a:ext uri="{91240B29-F687-4f45-9708-019B960494DF}">
-                <a14:hiddenLine xmlns="" xmlns:a14="http://schemas.microsoft.com/office/drawing/2010/main" w="9525">
+                <a14:hiddenLine xmlns:a14="http://schemas.microsoft.com/office/drawing/2010/main" xmlns="" w="9525">
                   <a:solidFill>
                     <a:srgbClr val="000000"/>
                   </a:solidFill>
@@ -4118,7 +4126,7 @@
             </a:ln>
             <a:extLst>
               <a:ext uri="{91240B29-F687-4f45-9708-019B960494DF}">
-                <a14:hiddenLine xmlns="" xmlns:a14="http://schemas.microsoft.com/office/drawing/2010/main" w="9525">
+                <a14:hiddenLine xmlns:a14="http://schemas.microsoft.com/office/drawing/2010/main" xmlns="" w="9525">
                   <a:solidFill>
                     <a:srgbClr val="000000"/>
                   </a:solidFill>
@@ -4186,7 +4194,7 @@
             </a:ln>
             <a:extLst>
               <a:ext uri="{91240B29-F687-4f45-9708-019B960494DF}">
-                <a14:hiddenLine xmlns="" xmlns:a14="http://schemas.microsoft.com/office/drawing/2010/main" w="9525">
+                <a14:hiddenLine xmlns:a14="http://schemas.microsoft.com/office/drawing/2010/main" xmlns="" w="9525">
                   <a:solidFill>
                     <a:srgbClr val="000000"/>
                   </a:solidFill>
@@ -4276,7 +4284,7 @@
             </a:ln>
             <a:extLst>
               <a:ext uri="{91240B29-F687-4f45-9708-019B960494DF}">
-                <a14:hiddenLine xmlns="" xmlns:a14="http://schemas.microsoft.com/office/drawing/2010/main" w="9525">
+                <a14:hiddenLine xmlns:a14="http://schemas.microsoft.com/office/drawing/2010/main" xmlns="" w="9525">
                   <a:solidFill>
                     <a:srgbClr val="000000"/>
                   </a:solidFill>
@@ -9003,7 +9011,7 @@
           <a:noFill/>
           <a:extLst>
             <a:ext uri="{909E8E84-426E-40dd-AFC4-6F175D3DCCD1}">
-              <a14:hiddenFill xmlns="" xmlns:a14="http://schemas.microsoft.com/office/drawing/2010/main">
+              <a14:hiddenFill xmlns:a14="http://schemas.microsoft.com/office/drawing/2010/main" xmlns="">
                 <a:solidFill>
                   <a:srgbClr val="FFFFFF"/>
                 </a:solidFill>
@@ -9077,7 +9085,7 @@
               </a:ln>
               <a:extLst>
                 <a:ext uri="{91240B29-F687-4f45-9708-019B960494DF}">
-                  <a14:hiddenLine xmlns="" xmlns:a14="http://schemas.microsoft.com/office/drawing/2010/main" w="9525">
+                  <a14:hiddenLine xmlns:a14="http://schemas.microsoft.com/office/drawing/2010/main" xmlns="" w="9525">
                     <a:solidFill>
                       <a:srgbClr val="000000"/>
                     </a:solidFill>
@@ -9167,7 +9175,7 @@
               </a:ln>
               <a:extLst>
                 <a:ext uri="{91240B29-F687-4f45-9708-019B960494DF}">
-                  <a14:hiddenLine xmlns="" xmlns:a14="http://schemas.microsoft.com/office/drawing/2010/main" w="9525">
+                  <a14:hiddenLine xmlns:a14="http://schemas.microsoft.com/office/drawing/2010/main" xmlns="" w="9525">
                     <a:solidFill>
                       <a:srgbClr val="000000"/>
                     </a:solidFill>
@@ -9257,7 +9265,7 @@
               </a:ln>
               <a:extLst>
                 <a:ext uri="{91240B29-F687-4f45-9708-019B960494DF}">
-                  <a14:hiddenLine xmlns="" xmlns:a14="http://schemas.microsoft.com/office/drawing/2010/main" w="9525">
+                  <a14:hiddenLine xmlns:a14="http://schemas.microsoft.com/office/drawing/2010/main" xmlns="" w="9525">
                     <a:solidFill>
                       <a:srgbClr val="000000"/>
                     </a:solidFill>
@@ -9319,7 +9327,7 @@
               </a:ln>
               <a:extLst>
                 <a:ext uri="{91240B29-F687-4f45-9708-019B960494DF}">
-                  <a14:hiddenLine xmlns="" xmlns:a14="http://schemas.microsoft.com/office/drawing/2010/main" w="9525">
+                  <a14:hiddenLine xmlns:a14="http://schemas.microsoft.com/office/drawing/2010/main" xmlns="" w="9525">
                     <a:solidFill>
                       <a:srgbClr val="000000"/>
                     </a:solidFill>
@@ -9409,7 +9417,7 @@
               </a:ln>
               <a:extLst>
                 <a:ext uri="{91240B29-F687-4f45-9708-019B960494DF}">
-                  <a14:hiddenLine xmlns="" xmlns:a14="http://schemas.microsoft.com/office/drawing/2010/main" w="9525">
+                  <a14:hiddenLine xmlns:a14="http://schemas.microsoft.com/office/drawing/2010/main" xmlns="" w="9525">
                     <a:solidFill>
                       <a:srgbClr val="000000"/>
                     </a:solidFill>
@@ -9471,7 +9479,7 @@
               </a:ln>
               <a:extLst>
                 <a:ext uri="{91240B29-F687-4f45-9708-019B960494DF}">
-                  <a14:hiddenLine xmlns="" xmlns:a14="http://schemas.microsoft.com/office/drawing/2010/main" w="9525">
+                  <a14:hiddenLine xmlns:a14="http://schemas.microsoft.com/office/drawing/2010/main" xmlns="" w="9525">
                     <a:solidFill>
                       <a:srgbClr val="000000"/>
                     </a:solidFill>
@@ -9533,7 +9541,7 @@
               </a:ln>
               <a:extLst>
                 <a:ext uri="{91240B29-F687-4f45-9708-019B960494DF}">
-                  <a14:hiddenLine xmlns="" xmlns:a14="http://schemas.microsoft.com/office/drawing/2010/main" w="9525">
+                  <a14:hiddenLine xmlns:a14="http://schemas.microsoft.com/office/drawing/2010/main" xmlns="" w="9525">
                     <a:solidFill>
                       <a:srgbClr val="000000"/>
                     </a:solidFill>
@@ -9623,7 +9631,7 @@
               </a:ln>
               <a:extLst>
                 <a:ext uri="{91240B29-F687-4f45-9708-019B960494DF}">
-                  <a14:hiddenLine xmlns="" xmlns:a14="http://schemas.microsoft.com/office/drawing/2010/main" w="9525">
+                  <a14:hiddenLine xmlns:a14="http://schemas.microsoft.com/office/drawing/2010/main" xmlns="" w="9525">
                     <a:solidFill>
                       <a:srgbClr val="000000"/>
                     </a:solidFill>
@@ -9713,7 +9721,7 @@
               </a:ln>
               <a:extLst>
                 <a:ext uri="{91240B29-F687-4f45-9708-019B960494DF}">
-                  <a14:hiddenLine xmlns="" xmlns:a14="http://schemas.microsoft.com/office/drawing/2010/main" w="9525">
+                  <a14:hiddenLine xmlns:a14="http://schemas.microsoft.com/office/drawing/2010/main" xmlns="" w="9525">
                     <a:solidFill>
                       <a:srgbClr val="000000"/>
                     </a:solidFill>
@@ -9775,7 +9783,7 @@
               </a:ln>
               <a:extLst>
                 <a:ext uri="{91240B29-F687-4f45-9708-019B960494DF}">
-                  <a14:hiddenLine xmlns="" xmlns:a14="http://schemas.microsoft.com/office/drawing/2010/main" w="9525">
+                  <a14:hiddenLine xmlns:a14="http://schemas.microsoft.com/office/drawing/2010/main" xmlns="" w="9525">
                     <a:solidFill>
                       <a:srgbClr val="000000"/>
                     </a:solidFill>
@@ -9885,7 +9893,7 @@
               </a:ln>
               <a:extLst>
                 <a:ext uri="{91240B29-F687-4f45-9708-019B960494DF}">
-                  <a14:hiddenLine xmlns="" xmlns:a14="http://schemas.microsoft.com/office/drawing/2010/main" w="9525">
+                  <a14:hiddenLine xmlns:a14="http://schemas.microsoft.com/office/drawing/2010/main" xmlns="" w="9525">
                     <a:solidFill>
                       <a:srgbClr val="000000"/>
                     </a:solidFill>
@@ -9969,7 +9977,7 @@
               </a:ln>
               <a:extLst>
                 <a:ext uri="{91240B29-F687-4f45-9708-019B960494DF}">
-                  <a14:hiddenLine xmlns="" xmlns:a14="http://schemas.microsoft.com/office/drawing/2010/main" w="9525">
+                  <a14:hiddenLine xmlns:a14="http://schemas.microsoft.com/office/drawing/2010/main" xmlns="" w="9525">
                     <a:solidFill>
                       <a:srgbClr val="000000"/>
                     </a:solidFill>
@@ -10031,7 +10039,7 @@
               </a:ln>
               <a:extLst>
                 <a:ext uri="{91240B29-F687-4f45-9708-019B960494DF}">
-                  <a14:hiddenLine xmlns="" xmlns:a14="http://schemas.microsoft.com/office/drawing/2010/main" w="9525">
+                  <a14:hiddenLine xmlns:a14="http://schemas.microsoft.com/office/drawing/2010/main" xmlns="" w="9525">
                     <a:solidFill>
                       <a:srgbClr val="000000"/>
                     </a:solidFill>
@@ -10093,7 +10101,7 @@
               </a:ln>
               <a:extLst>
                 <a:ext uri="{91240B29-F687-4f45-9708-019B960494DF}">
-                  <a14:hiddenLine xmlns="" xmlns:a14="http://schemas.microsoft.com/office/drawing/2010/main" w="9525">
+                  <a14:hiddenLine xmlns:a14="http://schemas.microsoft.com/office/drawing/2010/main" xmlns="" w="9525">
                     <a:solidFill>
                       <a:srgbClr val="000000"/>
                     </a:solidFill>
@@ -10183,7 +10191,7 @@
               </a:ln>
               <a:extLst>
                 <a:ext uri="{91240B29-F687-4f45-9708-019B960494DF}">
-                  <a14:hiddenLine xmlns="" xmlns:a14="http://schemas.microsoft.com/office/drawing/2010/main" w="9525">
+                  <a14:hiddenLine xmlns:a14="http://schemas.microsoft.com/office/drawing/2010/main" xmlns="" w="9525">
                     <a:solidFill>
                       <a:srgbClr val="000000"/>
                     </a:solidFill>
@@ -10217,7 +10225,7 @@
               </a:ln>
               <a:extLst>
                 <a:ext uri="{91240B29-F687-4f45-9708-019B960494DF}">
-                  <a14:hiddenLine xmlns="" xmlns:a14="http://schemas.microsoft.com/office/drawing/2010/main" w="9525">
+                  <a14:hiddenLine xmlns:a14="http://schemas.microsoft.com/office/drawing/2010/main" xmlns="" w="9525">
                     <a:solidFill>
                       <a:srgbClr val="000000"/>
                     </a:solidFill>
@@ -10282,7 +10290,7 @@
               </a:ln>
               <a:extLst>
                 <a:ext uri="{91240B29-F687-4f45-9708-019B960494DF}">
-                  <a14:hiddenLine xmlns="" xmlns:a14="http://schemas.microsoft.com/office/drawing/2010/main" w="9525">
+                  <a14:hiddenLine xmlns:a14="http://schemas.microsoft.com/office/drawing/2010/main" xmlns="" w="9525">
                     <a:solidFill>
                       <a:srgbClr val="000000"/>
                     </a:solidFill>
@@ -10372,7 +10380,7 @@
               </a:ln>
               <a:extLst>
                 <a:ext uri="{91240B29-F687-4f45-9708-019B960494DF}">
-                  <a14:hiddenLine xmlns="" xmlns:a14="http://schemas.microsoft.com/office/drawing/2010/main" w="9525">
+                  <a14:hiddenLine xmlns:a14="http://schemas.microsoft.com/office/drawing/2010/main" xmlns="" w="9525">
                     <a:solidFill>
                       <a:srgbClr val="000000"/>
                     </a:solidFill>
@@ -10434,7 +10442,7 @@
               </a:ln>
               <a:extLst>
                 <a:ext uri="{91240B29-F687-4f45-9708-019B960494DF}">
-                  <a14:hiddenLine xmlns="" xmlns:a14="http://schemas.microsoft.com/office/drawing/2010/main" w="9525">
+                  <a14:hiddenLine xmlns:a14="http://schemas.microsoft.com/office/drawing/2010/main" xmlns="" w="9525">
                     <a:solidFill>
                       <a:srgbClr val="000000"/>
                     </a:solidFill>
@@ -10524,7 +10532,7 @@
               </a:ln>
               <a:extLst>
                 <a:ext uri="{91240B29-F687-4f45-9708-019B960494DF}">
-                  <a14:hiddenLine xmlns="" xmlns:a14="http://schemas.microsoft.com/office/drawing/2010/main" w="9525">
+                  <a14:hiddenLine xmlns:a14="http://schemas.microsoft.com/office/drawing/2010/main" xmlns="" w="9525">
                     <a:solidFill>
                       <a:srgbClr val="000000"/>
                     </a:solidFill>
@@ -10589,7 +10597,7 @@
               </a:ln>
               <a:extLst>
                 <a:ext uri="{91240B29-F687-4f45-9708-019B960494DF}">
-                  <a14:hiddenLine xmlns="" xmlns:a14="http://schemas.microsoft.com/office/drawing/2010/main" w="9525">
+                  <a14:hiddenLine xmlns:a14="http://schemas.microsoft.com/office/drawing/2010/main" xmlns="" w="9525">
                     <a:solidFill>
                       <a:srgbClr val="000000"/>
                     </a:solidFill>
@@ -10651,7 +10659,7 @@
               </a:ln>
               <a:extLst>
                 <a:ext uri="{91240B29-F687-4f45-9708-019B960494DF}">
-                  <a14:hiddenLine xmlns="" xmlns:a14="http://schemas.microsoft.com/office/drawing/2010/main" w="9525">
+                  <a14:hiddenLine xmlns:a14="http://schemas.microsoft.com/office/drawing/2010/main" xmlns="" w="9525">
                     <a:solidFill>
                       <a:srgbClr val="000000"/>
                     </a:solidFill>
@@ -10741,7 +10749,7 @@
               </a:ln>
               <a:extLst>
                 <a:ext uri="{91240B29-F687-4f45-9708-019B960494DF}">
-                  <a14:hiddenLine xmlns="" xmlns:a14="http://schemas.microsoft.com/office/drawing/2010/main" w="9525">
+                  <a14:hiddenLine xmlns:a14="http://schemas.microsoft.com/office/drawing/2010/main" xmlns="" w="9525">
                     <a:solidFill>
                       <a:srgbClr val="000000"/>
                     </a:solidFill>
@@ -10831,7 +10839,7 @@
               </a:ln>
               <a:extLst>
                 <a:ext uri="{91240B29-F687-4f45-9708-019B960494DF}">
-                  <a14:hiddenLine xmlns="" xmlns:a14="http://schemas.microsoft.com/office/drawing/2010/main" w="9525">
+                  <a14:hiddenLine xmlns:a14="http://schemas.microsoft.com/office/drawing/2010/main" xmlns="" w="9525">
                     <a:solidFill>
                       <a:srgbClr val="000000"/>
                     </a:solidFill>
@@ -10896,7 +10904,7 @@
               </a:ln>
               <a:extLst>
                 <a:ext uri="{91240B29-F687-4f45-9708-019B960494DF}">
-                  <a14:hiddenLine xmlns="" xmlns:a14="http://schemas.microsoft.com/office/drawing/2010/main" w="9525">
+                  <a14:hiddenLine xmlns:a14="http://schemas.microsoft.com/office/drawing/2010/main" xmlns="" w="9525">
                     <a:solidFill>
                       <a:srgbClr val="000000"/>
                     </a:solidFill>
@@ -11016,7 +11024,7 @@
               </a:ln>
               <a:extLst>
                 <a:ext uri="{91240B29-F687-4f45-9708-019B960494DF}">
-                  <a14:hiddenLine xmlns="" xmlns:a14="http://schemas.microsoft.com/office/drawing/2010/main" w="9525">
+                  <a14:hiddenLine xmlns:a14="http://schemas.microsoft.com/office/drawing/2010/main" xmlns="" w="9525">
                     <a:solidFill>
                       <a:srgbClr val="000000"/>
                     </a:solidFill>
@@ -11114,7 +11122,7 @@
               </a:ln>
               <a:extLst>
                 <a:ext uri="{91240B29-F687-4f45-9708-019B960494DF}">
-                  <a14:hiddenLine xmlns="" xmlns:a14="http://schemas.microsoft.com/office/drawing/2010/main" w="9525">
+                  <a14:hiddenLine xmlns:a14="http://schemas.microsoft.com/office/drawing/2010/main" xmlns="" w="9525">
                     <a:solidFill>
                       <a:srgbClr val="000000"/>
                     </a:solidFill>
@@ -11229,7 +11237,7 @@
               </a:ln>
               <a:extLst>
                 <a:ext uri="{91240B29-F687-4f45-9708-019B960494DF}">
-                  <a14:hiddenLine xmlns="" xmlns:a14="http://schemas.microsoft.com/office/drawing/2010/main" w="9525">
+                  <a14:hiddenLine xmlns:a14="http://schemas.microsoft.com/office/drawing/2010/main" xmlns="" w="9525">
                     <a:solidFill>
                       <a:srgbClr val="000000"/>
                     </a:solidFill>
@@ -11319,7 +11327,7 @@
               </a:ln>
               <a:extLst>
                 <a:ext uri="{91240B29-F687-4f45-9708-019B960494DF}">
-                  <a14:hiddenLine xmlns="" xmlns:a14="http://schemas.microsoft.com/office/drawing/2010/main" w="9525">
+                  <a14:hiddenLine xmlns:a14="http://schemas.microsoft.com/office/drawing/2010/main" xmlns="" w="9525">
                     <a:solidFill>
                       <a:srgbClr val="000000"/>
                     </a:solidFill>
@@ -11384,7 +11392,7 @@
               </a:ln>
               <a:extLst>
                 <a:ext uri="{91240B29-F687-4f45-9708-019B960494DF}">
-                  <a14:hiddenLine xmlns="" xmlns:a14="http://schemas.microsoft.com/office/drawing/2010/main" w="9525">
+                  <a14:hiddenLine xmlns:a14="http://schemas.microsoft.com/office/drawing/2010/main" xmlns="" w="9525">
                     <a:solidFill>
                       <a:srgbClr val="000000"/>
                     </a:solidFill>
@@ -11474,7 +11482,7 @@
               </a:ln>
               <a:extLst>
                 <a:ext uri="{91240B29-F687-4f45-9708-019B960494DF}">
-                  <a14:hiddenLine xmlns="" xmlns:a14="http://schemas.microsoft.com/office/drawing/2010/main" w="9525">
+                  <a14:hiddenLine xmlns:a14="http://schemas.microsoft.com/office/drawing/2010/main" xmlns="" w="9525">
                     <a:solidFill>
                       <a:srgbClr val="000000"/>
                     </a:solidFill>
@@ -11542,7 +11550,7 @@
               </a:ln>
               <a:extLst>
                 <a:ext uri="{91240B29-F687-4f45-9708-019B960494DF}">
-                  <a14:hiddenLine xmlns="" xmlns:a14="http://schemas.microsoft.com/office/drawing/2010/main" w="9525">
+                  <a14:hiddenLine xmlns:a14="http://schemas.microsoft.com/office/drawing/2010/main" xmlns="" w="9525">
                     <a:solidFill>
                       <a:srgbClr val="000000"/>
                     </a:solidFill>
@@ -11632,7 +11640,7 @@
               </a:ln>
               <a:extLst>
                 <a:ext uri="{91240B29-F687-4f45-9708-019B960494DF}">
-                  <a14:hiddenLine xmlns="" xmlns:a14="http://schemas.microsoft.com/office/drawing/2010/main" w="9525">
+                  <a14:hiddenLine xmlns:a14="http://schemas.microsoft.com/office/drawing/2010/main" xmlns="" w="9525">
                     <a:solidFill>
                       <a:srgbClr val="000000"/>
                     </a:solidFill>
@@ -11700,7 +11708,7 @@
               </a:ln>
               <a:extLst>
                 <a:ext uri="{91240B29-F687-4f45-9708-019B960494DF}">
-                  <a14:hiddenLine xmlns="" xmlns:a14="http://schemas.microsoft.com/office/drawing/2010/main" w="9525">
+                  <a14:hiddenLine xmlns:a14="http://schemas.microsoft.com/office/drawing/2010/main" xmlns="" w="9525">
                     <a:solidFill>
                       <a:srgbClr val="000000"/>
                     </a:solidFill>
@@ -11790,7 +11798,7 @@
               </a:ln>
               <a:extLst>
                 <a:ext uri="{91240B29-F687-4f45-9708-019B960494DF}">
-                  <a14:hiddenLine xmlns="" xmlns:a14="http://schemas.microsoft.com/office/drawing/2010/main" w="9525">
+                  <a14:hiddenLine xmlns:a14="http://schemas.microsoft.com/office/drawing/2010/main" xmlns="" w="9525">
                     <a:solidFill>
                       <a:srgbClr val="000000"/>
                     </a:solidFill>
@@ -11824,7 +11832,7 @@
               </a:ln>
               <a:extLst>
                 <a:ext uri="{91240B29-F687-4f45-9708-019B960494DF}">
-                  <a14:hiddenLine xmlns="" xmlns:a14="http://schemas.microsoft.com/office/drawing/2010/main" w="9525">
+                  <a14:hiddenLine xmlns:a14="http://schemas.microsoft.com/office/drawing/2010/main" xmlns="" w="9525">
                     <a:solidFill>
                       <a:srgbClr val="000000"/>
                     </a:solidFill>
@@ -15453,22 +15461,107 @@
             <p:ph idx="1"/>
           </p:nvPr>
         </p:nvSpPr>
-        <p:spPr/>
+        <p:spPr>
+          <a:xfrm>
+            <a:off x="1141412" y="2249487"/>
+            <a:ext cx="9905999" cy="3280093"/>
+          </a:xfrm>
+        </p:spPr>
         <p:txBody>
           <a:bodyPr/>
           <a:lstStyle/>
           <a:p>
             <a:r>
               <a:rPr lang="en-US" dirty="0"/>
-              <a:t>How do you think we could go through and access </a:t>
-            </a:r>
-            <a:r>
-              <a:rPr lang="en-US"/>
-              <a:t>the variables?</a:t>
+              <a:t>How do you think we could go through and </a:t>
+            </a:r>
+            <a:r>
+              <a:rPr lang="en-US" b="1" dirty="0"/>
+              <a:t>access the variables</a:t>
+            </a:r>
+            <a:r>
+              <a:rPr lang="en-US" dirty="0"/>
+              <a:t>?</a:t>
+            </a:r>
+          </a:p>
+          <a:p>
+            <a:endParaRPr lang="en-US" dirty="0"/>
+          </a:p>
+          <a:p>
+            <a:r>
+              <a:rPr lang="en-US" dirty="0"/>
+              <a:t>It’s done exactly like we would do it with a 1D array, the only difference is that we </a:t>
+            </a:r>
+            <a:r>
+              <a:rPr lang="en-US" b="1" dirty="0"/>
+              <a:t>must specify 2 indices</a:t>
+            </a:r>
+          </a:p>
+          <a:p>
+            <a:endParaRPr lang="en-US" dirty="0"/>
+          </a:p>
+          <a:p>
+            <a:r>
+              <a:rPr lang="en-US" dirty="0"/>
+              <a:t> Getting the </a:t>
+            </a:r>
+            <a:r>
+              <a:rPr lang="en-US" b="1" dirty="0"/>
+              <a:t>first</a:t>
+            </a:r>
+            <a:r>
+              <a:rPr lang="en-US" dirty="0"/>
+              <a:t> and </a:t>
+            </a:r>
+            <a:r>
+              <a:rPr lang="en-US" b="1" dirty="0"/>
+              <a:t>second</a:t>
+            </a:r>
+            <a:r>
+              <a:rPr lang="en-US" dirty="0"/>
+              <a:t> </a:t>
+            </a:r>
+            <a:r>
+              <a:rPr lang="en-US" b="1" dirty="0"/>
+              <a:t>element</a:t>
+            </a:r>
+            <a:r>
+              <a:rPr lang="en-US" dirty="0"/>
+              <a:t> looks as follows:</a:t>
             </a:r>
           </a:p>
         </p:txBody>
       </p:sp>
+      <p:pic>
+        <p:nvPicPr>
+          <p:cNvPr id="7" name="Picture 6">
+            <a:extLst>
+              <a:ext uri="{FF2B5EF4-FFF2-40B4-BE49-F238E27FC236}">
+                <a16:creationId xmlns:a16="http://schemas.microsoft.com/office/drawing/2014/main" id="{974A91BF-631F-D744-B795-CA0A8B9E2C12}"/>
+              </a:ext>
+            </a:extLst>
+          </p:cNvPr>
+          <p:cNvPicPr>
+            <a:picLocks noChangeAspect="1"/>
+          </p:cNvPicPr>
+          <p:nvPr/>
+        </p:nvPicPr>
+        <p:blipFill>
+          <a:blip r:embed="rId2"/>
+          <a:stretch>
+            <a:fillRect/>
+          </a:stretch>
+        </p:blipFill>
+        <p:spPr>
+          <a:xfrm>
+            <a:off x="1476692" y="5618478"/>
+            <a:ext cx="6881664" cy="664182"/>
+          </a:xfrm>
+          <a:prstGeom prst="rect">
+            <a:avLst/>
+          </a:prstGeom>
+        </p:spPr>
+      </p:pic>
     </p:spTree>
     <p:extLst>
       <p:ext uri="{BB962C8B-B14F-4D97-AF65-F5344CB8AC3E}">
@@ -15479,10 +15572,1712 @@
   <p:clrMapOvr>
     <a:masterClrMapping/>
   </p:clrMapOvr>
+  <p:timing>
+    <p:tnLst>
+      <p:par>
+        <p:cTn id="1" dur="indefinite" restart="never" nodeType="tmRoot">
+          <p:childTnLst>
+            <p:seq concurrent="1" nextAc="seek">
+              <p:cTn id="2" dur="indefinite" nodeType="mainSeq">
+                <p:childTnLst>
+                  <p:par>
+                    <p:cTn id="3" fill="hold">
+                      <p:stCondLst>
+                        <p:cond delay="indefinite"/>
+                      </p:stCondLst>
+                      <p:childTnLst>
+                        <p:par>
+                          <p:cTn id="4" fill="hold">
+                            <p:stCondLst>
+                              <p:cond delay="0"/>
+                            </p:stCondLst>
+                            <p:childTnLst>
+                              <p:par>
+                                <p:cTn id="5" presetID="2" presetClass="entr" presetSubtype="4" fill="hold" grpId="0" nodeType="clickEffect">
+                                  <p:stCondLst>
+                                    <p:cond delay="0"/>
+                                  </p:stCondLst>
+                                  <p:childTnLst>
+                                    <p:set>
+                                      <p:cBhvr>
+                                        <p:cTn id="6" dur="1" fill="hold">
+                                          <p:stCondLst>
+                                            <p:cond delay="0"/>
+                                          </p:stCondLst>
+                                        </p:cTn>
+                                        <p:tgtEl>
+                                          <p:spTgt spid="3">
+                                            <p:txEl>
+                                              <p:pRg st="0" end="0"/>
+                                            </p:txEl>
+                                          </p:spTgt>
+                                        </p:tgtEl>
+                                        <p:attrNameLst>
+                                          <p:attrName>style.visibility</p:attrName>
+                                        </p:attrNameLst>
+                                      </p:cBhvr>
+                                      <p:to>
+                                        <p:strVal val="visible"/>
+                                      </p:to>
+                                    </p:set>
+                                    <p:anim calcmode="lin" valueType="num">
+                                      <p:cBhvr additive="base">
+                                        <p:cTn id="7" dur="500" fill="hold"/>
+                                        <p:tgtEl>
+                                          <p:spTgt spid="3">
+                                            <p:txEl>
+                                              <p:pRg st="0" end="0"/>
+                                            </p:txEl>
+                                          </p:spTgt>
+                                        </p:tgtEl>
+                                        <p:attrNameLst>
+                                          <p:attrName>ppt_x</p:attrName>
+                                        </p:attrNameLst>
+                                      </p:cBhvr>
+                                      <p:tavLst>
+                                        <p:tav tm="0">
+                                          <p:val>
+                                            <p:strVal val="#ppt_x"/>
+                                          </p:val>
+                                        </p:tav>
+                                        <p:tav tm="100000">
+                                          <p:val>
+                                            <p:strVal val="#ppt_x"/>
+                                          </p:val>
+                                        </p:tav>
+                                      </p:tavLst>
+                                    </p:anim>
+                                    <p:anim calcmode="lin" valueType="num">
+                                      <p:cBhvr additive="base">
+                                        <p:cTn id="8" dur="500" fill="hold"/>
+                                        <p:tgtEl>
+                                          <p:spTgt spid="3">
+                                            <p:txEl>
+                                              <p:pRg st="0" end="0"/>
+                                            </p:txEl>
+                                          </p:spTgt>
+                                        </p:tgtEl>
+                                        <p:attrNameLst>
+                                          <p:attrName>ppt_y</p:attrName>
+                                        </p:attrNameLst>
+                                      </p:cBhvr>
+                                      <p:tavLst>
+                                        <p:tav tm="0">
+                                          <p:val>
+                                            <p:strVal val="1+#ppt_h/2"/>
+                                          </p:val>
+                                        </p:tav>
+                                        <p:tav tm="100000">
+                                          <p:val>
+                                            <p:strVal val="#ppt_y"/>
+                                          </p:val>
+                                        </p:tav>
+                                      </p:tavLst>
+                                    </p:anim>
+                                  </p:childTnLst>
+                                </p:cTn>
+                              </p:par>
+                            </p:childTnLst>
+                          </p:cTn>
+                        </p:par>
+                      </p:childTnLst>
+                    </p:cTn>
+                  </p:par>
+                  <p:par>
+                    <p:cTn id="9" fill="hold">
+                      <p:stCondLst>
+                        <p:cond delay="indefinite"/>
+                      </p:stCondLst>
+                      <p:childTnLst>
+                        <p:par>
+                          <p:cTn id="10" fill="hold">
+                            <p:stCondLst>
+                              <p:cond delay="0"/>
+                            </p:stCondLst>
+                            <p:childTnLst>
+                              <p:par>
+                                <p:cTn id="11" presetID="2" presetClass="entr" presetSubtype="4" fill="hold" grpId="0" nodeType="clickEffect">
+                                  <p:stCondLst>
+                                    <p:cond delay="0"/>
+                                  </p:stCondLst>
+                                  <p:childTnLst>
+                                    <p:set>
+                                      <p:cBhvr>
+                                        <p:cTn id="12" dur="1" fill="hold">
+                                          <p:stCondLst>
+                                            <p:cond delay="0"/>
+                                          </p:stCondLst>
+                                        </p:cTn>
+                                        <p:tgtEl>
+                                          <p:spTgt spid="3">
+                                            <p:txEl>
+                                              <p:pRg st="2" end="2"/>
+                                            </p:txEl>
+                                          </p:spTgt>
+                                        </p:tgtEl>
+                                        <p:attrNameLst>
+                                          <p:attrName>style.visibility</p:attrName>
+                                        </p:attrNameLst>
+                                      </p:cBhvr>
+                                      <p:to>
+                                        <p:strVal val="visible"/>
+                                      </p:to>
+                                    </p:set>
+                                    <p:anim calcmode="lin" valueType="num">
+                                      <p:cBhvr additive="base">
+                                        <p:cTn id="13" dur="500" fill="hold"/>
+                                        <p:tgtEl>
+                                          <p:spTgt spid="3">
+                                            <p:txEl>
+                                              <p:pRg st="2" end="2"/>
+                                            </p:txEl>
+                                          </p:spTgt>
+                                        </p:tgtEl>
+                                        <p:attrNameLst>
+                                          <p:attrName>ppt_x</p:attrName>
+                                        </p:attrNameLst>
+                                      </p:cBhvr>
+                                      <p:tavLst>
+                                        <p:tav tm="0">
+                                          <p:val>
+                                            <p:strVal val="#ppt_x"/>
+                                          </p:val>
+                                        </p:tav>
+                                        <p:tav tm="100000">
+                                          <p:val>
+                                            <p:strVal val="#ppt_x"/>
+                                          </p:val>
+                                        </p:tav>
+                                      </p:tavLst>
+                                    </p:anim>
+                                    <p:anim calcmode="lin" valueType="num">
+                                      <p:cBhvr additive="base">
+                                        <p:cTn id="14" dur="500" fill="hold"/>
+                                        <p:tgtEl>
+                                          <p:spTgt spid="3">
+                                            <p:txEl>
+                                              <p:pRg st="2" end="2"/>
+                                            </p:txEl>
+                                          </p:spTgt>
+                                        </p:tgtEl>
+                                        <p:attrNameLst>
+                                          <p:attrName>ppt_y</p:attrName>
+                                        </p:attrNameLst>
+                                      </p:cBhvr>
+                                      <p:tavLst>
+                                        <p:tav tm="0">
+                                          <p:val>
+                                            <p:strVal val="1+#ppt_h/2"/>
+                                          </p:val>
+                                        </p:tav>
+                                        <p:tav tm="100000">
+                                          <p:val>
+                                            <p:strVal val="#ppt_y"/>
+                                          </p:val>
+                                        </p:tav>
+                                      </p:tavLst>
+                                    </p:anim>
+                                  </p:childTnLst>
+                                </p:cTn>
+                              </p:par>
+                            </p:childTnLst>
+                          </p:cTn>
+                        </p:par>
+                      </p:childTnLst>
+                    </p:cTn>
+                  </p:par>
+                  <p:par>
+                    <p:cTn id="15" fill="hold">
+                      <p:stCondLst>
+                        <p:cond delay="indefinite"/>
+                      </p:stCondLst>
+                      <p:childTnLst>
+                        <p:par>
+                          <p:cTn id="16" fill="hold">
+                            <p:stCondLst>
+                              <p:cond delay="0"/>
+                            </p:stCondLst>
+                            <p:childTnLst>
+                              <p:par>
+                                <p:cTn id="17" presetID="2" presetClass="entr" presetSubtype="4" fill="hold" grpId="0" nodeType="clickEffect">
+                                  <p:stCondLst>
+                                    <p:cond delay="0"/>
+                                  </p:stCondLst>
+                                  <p:childTnLst>
+                                    <p:set>
+                                      <p:cBhvr>
+                                        <p:cTn id="18" dur="1" fill="hold">
+                                          <p:stCondLst>
+                                            <p:cond delay="0"/>
+                                          </p:stCondLst>
+                                        </p:cTn>
+                                        <p:tgtEl>
+                                          <p:spTgt spid="3">
+                                            <p:txEl>
+                                              <p:pRg st="4" end="4"/>
+                                            </p:txEl>
+                                          </p:spTgt>
+                                        </p:tgtEl>
+                                        <p:attrNameLst>
+                                          <p:attrName>style.visibility</p:attrName>
+                                        </p:attrNameLst>
+                                      </p:cBhvr>
+                                      <p:to>
+                                        <p:strVal val="visible"/>
+                                      </p:to>
+                                    </p:set>
+                                    <p:anim calcmode="lin" valueType="num">
+                                      <p:cBhvr additive="base">
+                                        <p:cTn id="19" dur="500" fill="hold"/>
+                                        <p:tgtEl>
+                                          <p:spTgt spid="3">
+                                            <p:txEl>
+                                              <p:pRg st="4" end="4"/>
+                                            </p:txEl>
+                                          </p:spTgt>
+                                        </p:tgtEl>
+                                        <p:attrNameLst>
+                                          <p:attrName>ppt_x</p:attrName>
+                                        </p:attrNameLst>
+                                      </p:cBhvr>
+                                      <p:tavLst>
+                                        <p:tav tm="0">
+                                          <p:val>
+                                            <p:strVal val="#ppt_x"/>
+                                          </p:val>
+                                        </p:tav>
+                                        <p:tav tm="100000">
+                                          <p:val>
+                                            <p:strVal val="#ppt_x"/>
+                                          </p:val>
+                                        </p:tav>
+                                      </p:tavLst>
+                                    </p:anim>
+                                    <p:anim calcmode="lin" valueType="num">
+                                      <p:cBhvr additive="base">
+                                        <p:cTn id="20" dur="500" fill="hold"/>
+                                        <p:tgtEl>
+                                          <p:spTgt spid="3">
+                                            <p:txEl>
+                                              <p:pRg st="4" end="4"/>
+                                            </p:txEl>
+                                          </p:spTgt>
+                                        </p:tgtEl>
+                                        <p:attrNameLst>
+                                          <p:attrName>ppt_y</p:attrName>
+                                        </p:attrNameLst>
+                                      </p:cBhvr>
+                                      <p:tavLst>
+                                        <p:tav tm="0">
+                                          <p:val>
+                                            <p:strVal val="1+#ppt_h/2"/>
+                                          </p:val>
+                                        </p:tav>
+                                        <p:tav tm="100000">
+                                          <p:val>
+                                            <p:strVal val="#ppt_y"/>
+                                          </p:val>
+                                        </p:tav>
+                                      </p:tavLst>
+                                    </p:anim>
+                                  </p:childTnLst>
+                                </p:cTn>
+                              </p:par>
+                            </p:childTnLst>
+                          </p:cTn>
+                        </p:par>
+                        <p:par>
+                          <p:cTn id="21" fill="hold">
+                            <p:stCondLst>
+                              <p:cond delay="500"/>
+                            </p:stCondLst>
+                            <p:childTnLst>
+                              <p:par>
+                                <p:cTn id="22" presetID="2" presetClass="entr" presetSubtype="6" fill="hold" nodeType="afterEffect">
+                                  <p:stCondLst>
+                                    <p:cond delay="0"/>
+                                  </p:stCondLst>
+                                  <p:childTnLst>
+                                    <p:set>
+                                      <p:cBhvr>
+                                        <p:cTn id="23" dur="1" fill="hold">
+                                          <p:stCondLst>
+                                            <p:cond delay="0"/>
+                                          </p:stCondLst>
+                                        </p:cTn>
+                                        <p:tgtEl>
+                                          <p:spTgt spid="7"/>
+                                        </p:tgtEl>
+                                        <p:attrNameLst>
+                                          <p:attrName>style.visibility</p:attrName>
+                                        </p:attrNameLst>
+                                      </p:cBhvr>
+                                      <p:to>
+                                        <p:strVal val="visible"/>
+                                      </p:to>
+                                    </p:set>
+                                    <p:anim calcmode="lin" valueType="num">
+                                      <p:cBhvr additive="base">
+                                        <p:cTn id="24" dur="500" fill="hold"/>
+                                        <p:tgtEl>
+                                          <p:spTgt spid="7"/>
+                                        </p:tgtEl>
+                                        <p:attrNameLst>
+                                          <p:attrName>ppt_x</p:attrName>
+                                        </p:attrNameLst>
+                                      </p:cBhvr>
+                                      <p:tavLst>
+                                        <p:tav tm="0">
+                                          <p:val>
+                                            <p:strVal val="1+#ppt_w/2"/>
+                                          </p:val>
+                                        </p:tav>
+                                        <p:tav tm="100000">
+                                          <p:val>
+                                            <p:strVal val="#ppt_x"/>
+                                          </p:val>
+                                        </p:tav>
+                                      </p:tavLst>
+                                    </p:anim>
+                                    <p:anim calcmode="lin" valueType="num">
+                                      <p:cBhvr additive="base">
+                                        <p:cTn id="25" dur="500" fill="hold"/>
+                                        <p:tgtEl>
+                                          <p:spTgt spid="7"/>
+                                        </p:tgtEl>
+                                        <p:attrNameLst>
+                                          <p:attrName>ppt_y</p:attrName>
+                                        </p:attrNameLst>
+                                      </p:cBhvr>
+                                      <p:tavLst>
+                                        <p:tav tm="0">
+                                          <p:val>
+                                            <p:strVal val="1+#ppt_h/2"/>
+                                          </p:val>
+                                        </p:tav>
+                                        <p:tav tm="100000">
+                                          <p:val>
+                                            <p:strVal val="#ppt_y"/>
+                                          </p:val>
+                                        </p:tav>
+                                      </p:tavLst>
+                                    </p:anim>
+                                  </p:childTnLst>
+                                </p:cTn>
+                              </p:par>
+                            </p:childTnLst>
+                          </p:cTn>
+                        </p:par>
+                      </p:childTnLst>
+                    </p:cTn>
+                  </p:par>
+                </p:childTnLst>
+              </p:cTn>
+              <p:prevCondLst>
+                <p:cond evt="onPrev" delay="0">
+                  <p:tgtEl>
+                    <p:sldTgt/>
+                  </p:tgtEl>
+                </p:cond>
+              </p:prevCondLst>
+              <p:nextCondLst>
+                <p:cond evt="onNext" delay="0">
+                  <p:tgtEl>
+                    <p:sldTgt/>
+                  </p:tgtEl>
+                </p:cond>
+              </p:nextCondLst>
+            </p:seq>
+          </p:childTnLst>
+        </p:cTn>
+      </p:par>
+    </p:tnLst>
+    <p:bldLst>
+      <p:bldP spid="3" grpId="0" build="p"/>
+    </p:bldLst>
+  </p:timing>
 </p:sld>
 </file>
 
 <file path=ppt/slides/slide17.xml><?xml version="1.0" encoding="utf-8"?>
+<p:sld xmlns:a="http://schemas.openxmlformats.org/drawingml/2006/main" xmlns:r="http://schemas.openxmlformats.org/officeDocument/2006/relationships" xmlns:p="http://schemas.openxmlformats.org/presentationml/2006/main">
+  <p:cSld>
+    <p:spTree>
+      <p:nvGrpSpPr>
+        <p:cNvPr id="1" name=""/>
+        <p:cNvGrpSpPr/>
+        <p:nvPr/>
+      </p:nvGrpSpPr>
+      <p:grpSpPr>
+        <a:xfrm>
+          <a:off x="0" y="0"/>
+          <a:ext cx="0" cy="0"/>
+          <a:chOff x="0" y="0"/>
+          <a:chExt cx="0" cy="0"/>
+        </a:xfrm>
+      </p:grpSpPr>
+      <p:sp>
+        <p:nvSpPr>
+          <p:cNvPr id="2" name="Title 1">
+            <a:extLst>
+              <a:ext uri="{FF2B5EF4-FFF2-40B4-BE49-F238E27FC236}">
+                <a16:creationId xmlns:a16="http://schemas.microsoft.com/office/drawing/2014/main" id="{C1E91322-6496-A34A-8DEB-150E5DCF7CB5}"/>
+              </a:ext>
+            </a:extLst>
+          </p:cNvPr>
+          <p:cNvSpPr>
+            <a:spLocks noGrp="1"/>
+          </p:cNvSpPr>
+          <p:nvPr>
+            <p:ph type="title"/>
+          </p:nvPr>
+        </p:nvSpPr>
+        <p:spPr/>
+        <p:txBody>
+          <a:bodyPr/>
+          <a:lstStyle/>
+          <a:p>
+            <a:pPr algn="ctr"/>
+            <a:r>
+              <a:rPr lang="en-US" b="1" dirty="0"/>
+              <a:t>10 minute Exercise</a:t>
+            </a:r>
+          </a:p>
+        </p:txBody>
+      </p:sp>
+      <p:sp>
+        <p:nvSpPr>
+          <p:cNvPr id="3" name="Content Placeholder 2">
+            <a:extLst>
+              <a:ext uri="{FF2B5EF4-FFF2-40B4-BE49-F238E27FC236}">
+                <a16:creationId xmlns:a16="http://schemas.microsoft.com/office/drawing/2014/main" id="{830A40FB-AFDB-7141-ABAA-67371CAC9430}"/>
+              </a:ext>
+            </a:extLst>
+          </p:cNvPr>
+          <p:cNvSpPr>
+            <a:spLocks noGrp="1"/>
+          </p:cNvSpPr>
+          <p:nvPr>
+            <p:ph idx="1"/>
+          </p:nvPr>
+        </p:nvSpPr>
+        <p:spPr/>
+        <p:txBody>
+          <a:bodyPr/>
+          <a:lstStyle/>
+          <a:p>
+            <a:r>
+              <a:rPr lang="en-US" dirty="0"/>
+              <a:t>Create some multi dimensional arrays of your choosing</a:t>
+            </a:r>
+          </a:p>
+          <a:p>
+            <a:endParaRPr lang="en-US" dirty="0"/>
+          </a:p>
+          <a:p>
+            <a:r>
+              <a:rPr lang="en-US" dirty="0"/>
+              <a:t>Create a loop construct that will iterate through the 2D array</a:t>
+            </a:r>
+          </a:p>
+          <a:p>
+            <a:pPr lvl="1"/>
+            <a:r>
+              <a:rPr lang="en-US" b="1" dirty="0"/>
+              <a:t>Hint</a:t>
+            </a:r>
+            <a:r>
+              <a:rPr lang="en-US" dirty="0"/>
+              <a:t>: I showed you nested loops for a reason</a:t>
+            </a:r>
+          </a:p>
+          <a:p>
+            <a:pPr lvl="1"/>
+            <a:endParaRPr lang="en-US" dirty="0"/>
+          </a:p>
+          <a:p>
+            <a:r>
+              <a:rPr lang="en-US" dirty="0"/>
+              <a:t>If you finish early, try playing around with the loops and the multidimensional arrays</a:t>
+            </a:r>
+          </a:p>
+        </p:txBody>
+      </p:sp>
+    </p:spTree>
+    <p:extLst>
+      <p:ext uri="{BB962C8B-B14F-4D97-AF65-F5344CB8AC3E}">
+        <p14:creationId xmlns:p14="http://schemas.microsoft.com/office/powerpoint/2010/main" val="865430323"/>
+      </p:ext>
+    </p:extLst>
+  </p:cSld>
+  <p:clrMapOvr>
+    <a:masterClrMapping/>
+  </p:clrMapOvr>
+  <p:timing>
+    <p:tnLst>
+      <p:par>
+        <p:cTn id="1" dur="indefinite" restart="never" nodeType="tmRoot">
+          <p:childTnLst>
+            <p:seq concurrent="1" nextAc="seek">
+              <p:cTn id="2" dur="indefinite" nodeType="mainSeq">
+                <p:childTnLst>
+                  <p:par>
+                    <p:cTn id="3" fill="hold">
+                      <p:stCondLst>
+                        <p:cond delay="indefinite"/>
+                      </p:stCondLst>
+                      <p:childTnLst>
+                        <p:par>
+                          <p:cTn id="4" fill="hold">
+                            <p:stCondLst>
+                              <p:cond delay="0"/>
+                            </p:stCondLst>
+                            <p:childTnLst>
+                              <p:par>
+                                <p:cTn id="5" presetID="2" presetClass="entr" presetSubtype="4" fill="hold" grpId="0" nodeType="clickEffect">
+                                  <p:stCondLst>
+                                    <p:cond delay="0"/>
+                                  </p:stCondLst>
+                                  <p:childTnLst>
+                                    <p:set>
+                                      <p:cBhvr>
+                                        <p:cTn id="6" dur="1" fill="hold">
+                                          <p:stCondLst>
+                                            <p:cond delay="0"/>
+                                          </p:stCondLst>
+                                        </p:cTn>
+                                        <p:tgtEl>
+                                          <p:spTgt spid="3">
+                                            <p:txEl>
+                                              <p:pRg st="0" end="0"/>
+                                            </p:txEl>
+                                          </p:spTgt>
+                                        </p:tgtEl>
+                                        <p:attrNameLst>
+                                          <p:attrName>style.visibility</p:attrName>
+                                        </p:attrNameLst>
+                                      </p:cBhvr>
+                                      <p:to>
+                                        <p:strVal val="visible"/>
+                                      </p:to>
+                                    </p:set>
+                                    <p:anim calcmode="lin" valueType="num">
+                                      <p:cBhvr additive="base">
+                                        <p:cTn id="7" dur="500" fill="hold"/>
+                                        <p:tgtEl>
+                                          <p:spTgt spid="3">
+                                            <p:txEl>
+                                              <p:pRg st="0" end="0"/>
+                                            </p:txEl>
+                                          </p:spTgt>
+                                        </p:tgtEl>
+                                        <p:attrNameLst>
+                                          <p:attrName>ppt_x</p:attrName>
+                                        </p:attrNameLst>
+                                      </p:cBhvr>
+                                      <p:tavLst>
+                                        <p:tav tm="0">
+                                          <p:val>
+                                            <p:strVal val="#ppt_x"/>
+                                          </p:val>
+                                        </p:tav>
+                                        <p:tav tm="100000">
+                                          <p:val>
+                                            <p:strVal val="#ppt_x"/>
+                                          </p:val>
+                                        </p:tav>
+                                      </p:tavLst>
+                                    </p:anim>
+                                    <p:anim calcmode="lin" valueType="num">
+                                      <p:cBhvr additive="base">
+                                        <p:cTn id="8" dur="500" fill="hold"/>
+                                        <p:tgtEl>
+                                          <p:spTgt spid="3">
+                                            <p:txEl>
+                                              <p:pRg st="0" end="0"/>
+                                            </p:txEl>
+                                          </p:spTgt>
+                                        </p:tgtEl>
+                                        <p:attrNameLst>
+                                          <p:attrName>ppt_y</p:attrName>
+                                        </p:attrNameLst>
+                                      </p:cBhvr>
+                                      <p:tavLst>
+                                        <p:tav tm="0">
+                                          <p:val>
+                                            <p:strVal val="1+#ppt_h/2"/>
+                                          </p:val>
+                                        </p:tav>
+                                        <p:tav tm="100000">
+                                          <p:val>
+                                            <p:strVal val="#ppt_y"/>
+                                          </p:val>
+                                        </p:tav>
+                                      </p:tavLst>
+                                    </p:anim>
+                                  </p:childTnLst>
+                                </p:cTn>
+                              </p:par>
+                            </p:childTnLst>
+                          </p:cTn>
+                        </p:par>
+                      </p:childTnLst>
+                    </p:cTn>
+                  </p:par>
+                  <p:par>
+                    <p:cTn id="9" fill="hold">
+                      <p:stCondLst>
+                        <p:cond delay="indefinite"/>
+                      </p:stCondLst>
+                      <p:childTnLst>
+                        <p:par>
+                          <p:cTn id="10" fill="hold">
+                            <p:stCondLst>
+                              <p:cond delay="0"/>
+                            </p:stCondLst>
+                            <p:childTnLst>
+                              <p:par>
+                                <p:cTn id="11" presetID="2" presetClass="entr" presetSubtype="4" fill="hold" grpId="0" nodeType="clickEffect">
+                                  <p:stCondLst>
+                                    <p:cond delay="0"/>
+                                  </p:stCondLst>
+                                  <p:childTnLst>
+                                    <p:set>
+                                      <p:cBhvr>
+                                        <p:cTn id="12" dur="1" fill="hold">
+                                          <p:stCondLst>
+                                            <p:cond delay="0"/>
+                                          </p:stCondLst>
+                                        </p:cTn>
+                                        <p:tgtEl>
+                                          <p:spTgt spid="3">
+                                            <p:txEl>
+                                              <p:pRg st="2" end="2"/>
+                                            </p:txEl>
+                                          </p:spTgt>
+                                        </p:tgtEl>
+                                        <p:attrNameLst>
+                                          <p:attrName>style.visibility</p:attrName>
+                                        </p:attrNameLst>
+                                      </p:cBhvr>
+                                      <p:to>
+                                        <p:strVal val="visible"/>
+                                      </p:to>
+                                    </p:set>
+                                    <p:anim calcmode="lin" valueType="num">
+                                      <p:cBhvr additive="base">
+                                        <p:cTn id="13" dur="500" fill="hold"/>
+                                        <p:tgtEl>
+                                          <p:spTgt spid="3">
+                                            <p:txEl>
+                                              <p:pRg st="2" end="2"/>
+                                            </p:txEl>
+                                          </p:spTgt>
+                                        </p:tgtEl>
+                                        <p:attrNameLst>
+                                          <p:attrName>ppt_x</p:attrName>
+                                        </p:attrNameLst>
+                                      </p:cBhvr>
+                                      <p:tavLst>
+                                        <p:tav tm="0">
+                                          <p:val>
+                                            <p:strVal val="#ppt_x"/>
+                                          </p:val>
+                                        </p:tav>
+                                        <p:tav tm="100000">
+                                          <p:val>
+                                            <p:strVal val="#ppt_x"/>
+                                          </p:val>
+                                        </p:tav>
+                                      </p:tavLst>
+                                    </p:anim>
+                                    <p:anim calcmode="lin" valueType="num">
+                                      <p:cBhvr additive="base">
+                                        <p:cTn id="14" dur="500" fill="hold"/>
+                                        <p:tgtEl>
+                                          <p:spTgt spid="3">
+                                            <p:txEl>
+                                              <p:pRg st="2" end="2"/>
+                                            </p:txEl>
+                                          </p:spTgt>
+                                        </p:tgtEl>
+                                        <p:attrNameLst>
+                                          <p:attrName>ppt_y</p:attrName>
+                                        </p:attrNameLst>
+                                      </p:cBhvr>
+                                      <p:tavLst>
+                                        <p:tav tm="0">
+                                          <p:val>
+                                            <p:strVal val="1+#ppt_h/2"/>
+                                          </p:val>
+                                        </p:tav>
+                                        <p:tav tm="100000">
+                                          <p:val>
+                                            <p:strVal val="#ppt_y"/>
+                                          </p:val>
+                                        </p:tav>
+                                      </p:tavLst>
+                                    </p:anim>
+                                  </p:childTnLst>
+                                </p:cTn>
+                              </p:par>
+                              <p:par>
+                                <p:cTn id="15" presetID="2" presetClass="entr" presetSubtype="4" fill="hold" grpId="0" nodeType="withEffect">
+                                  <p:stCondLst>
+                                    <p:cond delay="0"/>
+                                  </p:stCondLst>
+                                  <p:childTnLst>
+                                    <p:set>
+                                      <p:cBhvr>
+                                        <p:cTn id="16" dur="1" fill="hold">
+                                          <p:stCondLst>
+                                            <p:cond delay="0"/>
+                                          </p:stCondLst>
+                                        </p:cTn>
+                                        <p:tgtEl>
+                                          <p:spTgt spid="3">
+                                            <p:txEl>
+                                              <p:pRg st="3" end="3"/>
+                                            </p:txEl>
+                                          </p:spTgt>
+                                        </p:tgtEl>
+                                        <p:attrNameLst>
+                                          <p:attrName>style.visibility</p:attrName>
+                                        </p:attrNameLst>
+                                      </p:cBhvr>
+                                      <p:to>
+                                        <p:strVal val="visible"/>
+                                      </p:to>
+                                    </p:set>
+                                    <p:anim calcmode="lin" valueType="num">
+                                      <p:cBhvr additive="base">
+                                        <p:cTn id="17" dur="500" fill="hold"/>
+                                        <p:tgtEl>
+                                          <p:spTgt spid="3">
+                                            <p:txEl>
+                                              <p:pRg st="3" end="3"/>
+                                            </p:txEl>
+                                          </p:spTgt>
+                                        </p:tgtEl>
+                                        <p:attrNameLst>
+                                          <p:attrName>ppt_x</p:attrName>
+                                        </p:attrNameLst>
+                                      </p:cBhvr>
+                                      <p:tavLst>
+                                        <p:tav tm="0">
+                                          <p:val>
+                                            <p:strVal val="#ppt_x"/>
+                                          </p:val>
+                                        </p:tav>
+                                        <p:tav tm="100000">
+                                          <p:val>
+                                            <p:strVal val="#ppt_x"/>
+                                          </p:val>
+                                        </p:tav>
+                                      </p:tavLst>
+                                    </p:anim>
+                                    <p:anim calcmode="lin" valueType="num">
+                                      <p:cBhvr additive="base">
+                                        <p:cTn id="18" dur="500" fill="hold"/>
+                                        <p:tgtEl>
+                                          <p:spTgt spid="3">
+                                            <p:txEl>
+                                              <p:pRg st="3" end="3"/>
+                                            </p:txEl>
+                                          </p:spTgt>
+                                        </p:tgtEl>
+                                        <p:attrNameLst>
+                                          <p:attrName>ppt_y</p:attrName>
+                                        </p:attrNameLst>
+                                      </p:cBhvr>
+                                      <p:tavLst>
+                                        <p:tav tm="0">
+                                          <p:val>
+                                            <p:strVal val="1+#ppt_h/2"/>
+                                          </p:val>
+                                        </p:tav>
+                                        <p:tav tm="100000">
+                                          <p:val>
+                                            <p:strVal val="#ppt_y"/>
+                                          </p:val>
+                                        </p:tav>
+                                      </p:tavLst>
+                                    </p:anim>
+                                  </p:childTnLst>
+                                </p:cTn>
+                              </p:par>
+                            </p:childTnLst>
+                          </p:cTn>
+                        </p:par>
+                      </p:childTnLst>
+                    </p:cTn>
+                  </p:par>
+                  <p:par>
+                    <p:cTn id="19" fill="hold">
+                      <p:stCondLst>
+                        <p:cond delay="indefinite"/>
+                      </p:stCondLst>
+                      <p:childTnLst>
+                        <p:par>
+                          <p:cTn id="20" fill="hold">
+                            <p:stCondLst>
+                              <p:cond delay="0"/>
+                            </p:stCondLst>
+                            <p:childTnLst>
+                              <p:par>
+                                <p:cTn id="21" presetID="2" presetClass="entr" presetSubtype="4" fill="hold" grpId="0" nodeType="clickEffect">
+                                  <p:stCondLst>
+                                    <p:cond delay="0"/>
+                                  </p:stCondLst>
+                                  <p:childTnLst>
+                                    <p:set>
+                                      <p:cBhvr>
+                                        <p:cTn id="22" dur="1" fill="hold">
+                                          <p:stCondLst>
+                                            <p:cond delay="0"/>
+                                          </p:stCondLst>
+                                        </p:cTn>
+                                        <p:tgtEl>
+                                          <p:spTgt spid="3">
+                                            <p:txEl>
+                                              <p:pRg st="5" end="5"/>
+                                            </p:txEl>
+                                          </p:spTgt>
+                                        </p:tgtEl>
+                                        <p:attrNameLst>
+                                          <p:attrName>style.visibility</p:attrName>
+                                        </p:attrNameLst>
+                                      </p:cBhvr>
+                                      <p:to>
+                                        <p:strVal val="visible"/>
+                                      </p:to>
+                                    </p:set>
+                                    <p:anim calcmode="lin" valueType="num">
+                                      <p:cBhvr additive="base">
+                                        <p:cTn id="23" dur="500" fill="hold"/>
+                                        <p:tgtEl>
+                                          <p:spTgt spid="3">
+                                            <p:txEl>
+                                              <p:pRg st="5" end="5"/>
+                                            </p:txEl>
+                                          </p:spTgt>
+                                        </p:tgtEl>
+                                        <p:attrNameLst>
+                                          <p:attrName>ppt_x</p:attrName>
+                                        </p:attrNameLst>
+                                      </p:cBhvr>
+                                      <p:tavLst>
+                                        <p:tav tm="0">
+                                          <p:val>
+                                            <p:strVal val="#ppt_x"/>
+                                          </p:val>
+                                        </p:tav>
+                                        <p:tav tm="100000">
+                                          <p:val>
+                                            <p:strVal val="#ppt_x"/>
+                                          </p:val>
+                                        </p:tav>
+                                      </p:tavLst>
+                                    </p:anim>
+                                    <p:anim calcmode="lin" valueType="num">
+                                      <p:cBhvr additive="base">
+                                        <p:cTn id="24" dur="500" fill="hold"/>
+                                        <p:tgtEl>
+                                          <p:spTgt spid="3">
+                                            <p:txEl>
+                                              <p:pRg st="5" end="5"/>
+                                            </p:txEl>
+                                          </p:spTgt>
+                                        </p:tgtEl>
+                                        <p:attrNameLst>
+                                          <p:attrName>ppt_y</p:attrName>
+                                        </p:attrNameLst>
+                                      </p:cBhvr>
+                                      <p:tavLst>
+                                        <p:tav tm="0">
+                                          <p:val>
+                                            <p:strVal val="1+#ppt_h/2"/>
+                                          </p:val>
+                                        </p:tav>
+                                        <p:tav tm="100000">
+                                          <p:val>
+                                            <p:strVal val="#ppt_y"/>
+                                          </p:val>
+                                        </p:tav>
+                                      </p:tavLst>
+                                    </p:anim>
+                                  </p:childTnLst>
+                                </p:cTn>
+                              </p:par>
+                            </p:childTnLst>
+                          </p:cTn>
+                        </p:par>
+                      </p:childTnLst>
+                    </p:cTn>
+                  </p:par>
+                </p:childTnLst>
+              </p:cTn>
+              <p:prevCondLst>
+                <p:cond evt="onPrev" delay="0">
+                  <p:tgtEl>
+                    <p:sldTgt/>
+                  </p:tgtEl>
+                </p:cond>
+              </p:prevCondLst>
+              <p:nextCondLst>
+                <p:cond evt="onNext" delay="0">
+                  <p:tgtEl>
+                    <p:sldTgt/>
+                  </p:tgtEl>
+                </p:cond>
+              </p:nextCondLst>
+            </p:seq>
+          </p:childTnLst>
+        </p:cTn>
+      </p:par>
+    </p:tnLst>
+    <p:bldLst>
+      <p:bldP spid="3" grpId="0" build="p"/>
+    </p:bldLst>
+  </p:timing>
+</p:sld>
+</file>
+
+<file path=ppt/slides/slide18.xml><?xml version="1.0" encoding="utf-8"?>
+<p:sld xmlns:a="http://schemas.openxmlformats.org/drawingml/2006/main" xmlns:r="http://schemas.openxmlformats.org/officeDocument/2006/relationships" xmlns:p="http://schemas.openxmlformats.org/presentationml/2006/main">
+  <p:cSld>
+    <p:spTree>
+      <p:nvGrpSpPr>
+        <p:cNvPr id="1" name=""/>
+        <p:cNvGrpSpPr/>
+        <p:nvPr/>
+      </p:nvGrpSpPr>
+      <p:grpSpPr>
+        <a:xfrm>
+          <a:off x="0" y="0"/>
+          <a:ext cx="0" cy="0"/>
+          <a:chOff x="0" y="0"/>
+          <a:chExt cx="0" cy="0"/>
+        </a:xfrm>
+      </p:grpSpPr>
+      <p:sp>
+        <p:nvSpPr>
+          <p:cNvPr id="2" name="Title 1">
+            <a:extLst>
+              <a:ext uri="{FF2B5EF4-FFF2-40B4-BE49-F238E27FC236}">
+                <a16:creationId xmlns:a16="http://schemas.microsoft.com/office/drawing/2014/main" id="{902108C9-EC39-6D41-9C8A-098F456215F7}"/>
+              </a:ext>
+            </a:extLst>
+          </p:cNvPr>
+          <p:cNvSpPr>
+            <a:spLocks noGrp="1"/>
+          </p:cNvSpPr>
+          <p:nvPr>
+            <p:ph type="title"/>
+          </p:nvPr>
+        </p:nvSpPr>
+        <p:spPr/>
+        <p:txBody>
+          <a:bodyPr/>
+          <a:lstStyle/>
+          <a:p>
+            <a:pPr algn="ctr"/>
+            <a:r>
+              <a:rPr lang="en-US" b="1" dirty="0"/>
+              <a:t>N-Dimensional arrays</a:t>
+            </a:r>
+          </a:p>
+        </p:txBody>
+      </p:sp>
+      <mc:AlternateContent xmlns:mc="http://schemas.openxmlformats.org/markup-compatibility/2006">
+        <mc:Choice xmlns:a14="http://schemas.microsoft.com/office/drawing/2010/main" Requires="a14">
+          <p:sp>
+            <p:nvSpPr>
+              <p:cNvPr id="3" name="Content Placeholder 2">
+                <a:extLst>
+                  <a:ext uri="{FF2B5EF4-FFF2-40B4-BE49-F238E27FC236}">
+                    <a16:creationId xmlns:a16="http://schemas.microsoft.com/office/drawing/2014/main" id="{BDEF7063-9CC2-D649-907B-45F9493B4CF1}"/>
+                  </a:ext>
+                </a:extLst>
+              </p:cNvPr>
+              <p:cNvSpPr>
+                <a:spLocks noGrp="1"/>
+              </p:cNvSpPr>
+              <p:nvPr>
+                <p:ph idx="1"/>
+              </p:nvPr>
+            </p:nvSpPr>
+            <p:spPr/>
+            <p:txBody>
+              <a:bodyPr/>
+              <a:lstStyle/>
+              <a:p>
+                <a:r>
+                  <a:rPr lang="en-US" dirty="0"/>
+                  <a:t>We are not restricted to 2 dimensions, we can create an array of the </a:t>
+                </a:r>
+                <a14:m>
+                  <m:oMath xmlns:m="http://schemas.openxmlformats.org/officeDocument/2006/math">
+                    <m:sSup>
+                      <m:sSupPr>
+                        <m:ctrlPr>
+                          <a:rPr lang="en-US" b="0" i="1" smtClean="0">
+                            <a:latin typeface="Cambria Math" panose="02040503050406030204" pitchFamily="18" charset="0"/>
+                          </a:rPr>
+                        </m:ctrlPr>
+                      </m:sSupPr>
+                      <m:e>
+                        <m:r>
+                          <a:rPr lang="en-US" b="0" i="1" smtClean="0">
+                            <a:latin typeface="Cambria Math" panose="02040503050406030204" pitchFamily="18" charset="0"/>
+                          </a:rPr>
+                          <m:t>𝑛</m:t>
+                        </m:r>
+                      </m:e>
+                      <m:sup>
+                        <m:r>
+                          <a:rPr lang="en-US" b="0" i="1" smtClean="0">
+                            <a:latin typeface="Cambria Math" panose="02040503050406030204" pitchFamily="18" charset="0"/>
+                          </a:rPr>
+                          <m:t>𝑡h</m:t>
+                        </m:r>
+                      </m:sup>
+                    </m:sSup>
+                    <m:r>
+                      <a:rPr lang="en-US" b="0" i="1" smtClean="0">
+                        <a:latin typeface="Cambria Math" panose="02040503050406030204" pitchFamily="18" charset="0"/>
+                      </a:rPr>
+                      <m:t> </m:t>
+                    </m:r>
+                  </m:oMath>
+                </a14:m>
+                <a:r>
+                  <a:rPr lang="en-US" dirty="0"/>
+                  <a:t>dimension</a:t>
+                </a:r>
+              </a:p>
+              <a:p>
+                <a:endParaRPr lang="en-US" dirty="0"/>
+              </a:p>
+              <a:p>
+                <a:endParaRPr lang="en-US" dirty="0"/>
+              </a:p>
+              <a:p>
+                <a:r>
+                  <a:rPr lang="en-US" dirty="0"/>
+                  <a:t>Doing something like this is perfectly possible, but it can get VERY CONFUSING when we try to use it.</a:t>
+                </a:r>
+              </a:p>
+            </p:txBody>
+          </p:sp>
+        </mc:Choice>
+        <mc:Fallback>
+          <p:sp>
+            <p:nvSpPr>
+              <p:cNvPr id="3" name="Content Placeholder 2">
+                <a:extLst>
+                  <a:ext uri="{FF2B5EF4-FFF2-40B4-BE49-F238E27FC236}">
+                    <a16:creationId xmlns:a16="http://schemas.microsoft.com/office/drawing/2014/main" id="{BDEF7063-9CC2-D649-907B-45F9493B4CF1}"/>
+                  </a:ext>
+                </a:extLst>
+              </p:cNvPr>
+              <p:cNvSpPr>
+                <a:spLocks noGrp="1" noRot="1" noChangeAspect="1" noMove="1" noResize="1" noEditPoints="1" noAdjustHandles="1" noChangeArrowheads="1" noChangeShapeType="1" noTextEdit="1"/>
+              </p:cNvSpPr>
+              <p:nvPr>
+                <p:ph idx="1"/>
+              </p:nvPr>
+            </p:nvSpPr>
+            <p:spPr>
+              <a:blipFill>
+                <a:blip r:embed="rId2"/>
+                <a:stretch>
+                  <a:fillRect l="-1280" t="-2143"/>
+                </a:stretch>
+              </a:blipFill>
+            </p:spPr>
+            <p:txBody>
+              <a:bodyPr/>
+              <a:lstStyle/>
+              <a:p>
+                <a:r>
+                  <a:rPr lang="en-US">
+                    <a:noFill/>
+                  </a:rPr>
+                  <a:t> </a:t>
+                </a:r>
+              </a:p>
+            </p:txBody>
+          </p:sp>
+        </mc:Fallback>
+      </mc:AlternateContent>
+      <p:pic>
+        <p:nvPicPr>
+          <p:cNvPr id="5" name="Picture 4">
+            <a:extLst>
+              <a:ext uri="{FF2B5EF4-FFF2-40B4-BE49-F238E27FC236}">
+                <a16:creationId xmlns:a16="http://schemas.microsoft.com/office/drawing/2014/main" id="{8BAF5446-150A-F14B-A45F-AFB3E02F3B5D}"/>
+              </a:ext>
+            </a:extLst>
+          </p:cNvPr>
+          <p:cNvPicPr>
+            <a:picLocks noChangeAspect="1"/>
+          </p:cNvPicPr>
+          <p:nvPr/>
+        </p:nvPicPr>
+        <p:blipFill>
+          <a:blip r:embed="rId3"/>
+          <a:stretch>
+            <a:fillRect/>
+          </a:stretch>
+        </p:blipFill>
+        <p:spPr>
+          <a:xfrm>
+            <a:off x="1141412" y="3786029"/>
+            <a:ext cx="8256814" cy="468630"/>
+          </a:xfrm>
+          <a:prstGeom prst="rect">
+            <a:avLst/>
+          </a:prstGeom>
+        </p:spPr>
+      </p:pic>
+    </p:spTree>
+    <p:extLst>
+      <p:ext uri="{BB962C8B-B14F-4D97-AF65-F5344CB8AC3E}">
+        <p14:creationId xmlns:p14="http://schemas.microsoft.com/office/powerpoint/2010/main" val="2797497290"/>
+      </p:ext>
+    </p:extLst>
+  </p:cSld>
+  <p:clrMapOvr>
+    <a:masterClrMapping/>
+  </p:clrMapOvr>
+  <p:timing>
+    <p:tnLst>
+      <p:par>
+        <p:cTn id="1" dur="indefinite" restart="never" nodeType="tmRoot">
+          <p:childTnLst>
+            <p:seq concurrent="1" nextAc="seek">
+              <p:cTn id="2" dur="indefinite" nodeType="mainSeq">
+                <p:childTnLst>
+                  <p:par>
+                    <p:cTn id="3" fill="hold">
+                      <p:stCondLst>
+                        <p:cond delay="indefinite"/>
+                      </p:stCondLst>
+                      <p:childTnLst>
+                        <p:par>
+                          <p:cTn id="4" fill="hold">
+                            <p:stCondLst>
+                              <p:cond delay="0"/>
+                            </p:stCondLst>
+                            <p:childTnLst>
+                              <p:par>
+                                <p:cTn id="5" presetID="30" presetClass="entr" presetSubtype="0" fill="hold" grpId="0" nodeType="clickEffect">
+                                  <p:stCondLst>
+                                    <p:cond delay="0"/>
+                                  </p:stCondLst>
+                                  <p:childTnLst>
+                                    <p:set>
+                                      <p:cBhvr>
+                                        <p:cTn id="6" dur="1" fill="hold">
+                                          <p:stCondLst>
+                                            <p:cond delay="0"/>
+                                          </p:stCondLst>
+                                        </p:cTn>
+                                        <p:tgtEl>
+                                          <p:spTgt spid="3">
+                                            <p:txEl>
+                                              <p:pRg st="0" end="0"/>
+                                            </p:txEl>
+                                          </p:spTgt>
+                                        </p:tgtEl>
+                                        <p:attrNameLst>
+                                          <p:attrName>style.visibility</p:attrName>
+                                        </p:attrNameLst>
+                                      </p:cBhvr>
+                                      <p:to>
+                                        <p:strVal val="visible"/>
+                                      </p:to>
+                                    </p:set>
+                                    <p:animEffect transition="in" filter="fade">
+                                      <p:cBhvr>
+                                        <p:cTn id="7" dur="800" decel="100000"/>
+                                        <p:tgtEl>
+                                          <p:spTgt spid="3">
+                                            <p:txEl>
+                                              <p:pRg st="0" end="0"/>
+                                            </p:txEl>
+                                          </p:spTgt>
+                                        </p:tgtEl>
+                                      </p:cBhvr>
+                                    </p:animEffect>
+                                    <p:anim calcmode="lin" valueType="num">
+                                      <p:cBhvr>
+                                        <p:cTn id="8" dur="800" decel="100000" fill="hold"/>
+                                        <p:tgtEl>
+                                          <p:spTgt spid="3">
+                                            <p:txEl>
+                                              <p:pRg st="0" end="0"/>
+                                            </p:txEl>
+                                          </p:spTgt>
+                                        </p:tgtEl>
+                                        <p:attrNameLst>
+                                          <p:attrName>style.rotation</p:attrName>
+                                        </p:attrNameLst>
+                                      </p:cBhvr>
+                                      <p:tavLst>
+                                        <p:tav tm="0">
+                                          <p:val>
+                                            <p:fltVal val="-90"/>
+                                          </p:val>
+                                        </p:tav>
+                                        <p:tav tm="100000">
+                                          <p:val>
+                                            <p:fltVal val="0"/>
+                                          </p:val>
+                                        </p:tav>
+                                      </p:tavLst>
+                                    </p:anim>
+                                    <p:anim calcmode="lin" valueType="num">
+                                      <p:cBhvr>
+                                        <p:cTn id="9" dur="800" decel="100000" fill="hold"/>
+                                        <p:tgtEl>
+                                          <p:spTgt spid="3">
+                                            <p:txEl>
+                                              <p:pRg st="0" end="0"/>
+                                            </p:txEl>
+                                          </p:spTgt>
+                                        </p:tgtEl>
+                                        <p:attrNameLst>
+                                          <p:attrName>ppt_x</p:attrName>
+                                        </p:attrNameLst>
+                                      </p:cBhvr>
+                                      <p:tavLst>
+                                        <p:tav tm="0">
+                                          <p:val>
+                                            <p:strVal val="#ppt_x+0.4"/>
+                                          </p:val>
+                                        </p:tav>
+                                        <p:tav tm="100000">
+                                          <p:val>
+                                            <p:strVal val="#ppt_x-0.05"/>
+                                          </p:val>
+                                        </p:tav>
+                                      </p:tavLst>
+                                    </p:anim>
+                                    <p:anim calcmode="lin" valueType="num">
+                                      <p:cBhvr>
+                                        <p:cTn id="10" dur="800" decel="100000" fill="hold"/>
+                                        <p:tgtEl>
+                                          <p:spTgt spid="3">
+                                            <p:txEl>
+                                              <p:pRg st="0" end="0"/>
+                                            </p:txEl>
+                                          </p:spTgt>
+                                        </p:tgtEl>
+                                        <p:attrNameLst>
+                                          <p:attrName>ppt_y</p:attrName>
+                                        </p:attrNameLst>
+                                      </p:cBhvr>
+                                      <p:tavLst>
+                                        <p:tav tm="0">
+                                          <p:val>
+                                            <p:strVal val="#ppt_y-0.4"/>
+                                          </p:val>
+                                        </p:tav>
+                                        <p:tav tm="100000">
+                                          <p:val>
+                                            <p:strVal val="#ppt_y+0.1"/>
+                                          </p:val>
+                                        </p:tav>
+                                      </p:tavLst>
+                                    </p:anim>
+                                    <p:anim calcmode="lin" valueType="num">
+                                      <p:cBhvr>
+                                        <p:cTn id="11" dur="200" accel="100000" fill="hold">
+                                          <p:stCondLst>
+                                            <p:cond delay="800"/>
+                                          </p:stCondLst>
+                                        </p:cTn>
+                                        <p:tgtEl>
+                                          <p:spTgt spid="3">
+                                            <p:txEl>
+                                              <p:pRg st="0" end="0"/>
+                                            </p:txEl>
+                                          </p:spTgt>
+                                        </p:tgtEl>
+                                        <p:attrNameLst>
+                                          <p:attrName>ppt_x</p:attrName>
+                                        </p:attrNameLst>
+                                      </p:cBhvr>
+                                      <p:tavLst>
+                                        <p:tav tm="0">
+                                          <p:val>
+                                            <p:strVal val="#ppt_x-0.05"/>
+                                          </p:val>
+                                        </p:tav>
+                                        <p:tav tm="100000">
+                                          <p:val>
+                                            <p:strVal val="#ppt_x"/>
+                                          </p:val>
+                                        </p:tav>
+                                      </p:tavLst>
+                                    </p:anim>
+                                    <p:anim calcmode="lin" valueType="num">
+                                      <p:cBhvr>
+                                        <p:cTn id="12" dur="200" accel="100000" fill="hold">
+                                          <p:stCondLst>
+                                            <p:cond delay="800"/>
+                                          </p:stCondLst>
+                                        </p:cTn>
+                                        <p:tgtEl>
+                                          <p:spTgt spid="3">
+                                            <p:txEl>
+                                              <p:pRg st="0" end="0"/>
+                                            </p:txEl>
+                                          </p:spTgt>
+                                        </p:tgtEl>
+                                        <p:attrNameLst>
+                                          <p:attrName>ppt_y</p:attrName>
+                                        </p:attrNameLst>
+                                      </p:cBhvr>
+                                      <p:tavLst>
+                                        <p:tav tm="0">
+                                          <p:val>
+                                            <p:strVal val="#ppt_y+0.1"/>
+                                          </p:val>
+                                        </p:tav>
+                                        <p:tav tm="100000">
+                                          <p:val>
+                                            <p:strVal val="#ppt_y"/>
+                                          </p:val>
+                                        </p:tav>
+                                      </p:tavLst>
+                                    </p:anim>
+                                  </p:childTnLst>
+                                </p:cTn>
+                              </p:par>
+                            </p:childTnLst>
+                          </p:cTn>
+                        </p:par>
+                        <p:par>
+                          <p:cTn id="13" fill="hold">
+                            <p:stCondLst>
+                              <p:cond delay="1000"/>
+                            </p:stCondLst>
+                            <p:childTnLst>
+                              <p:par>
+                                <p:cTn id="14" presetID="2" presetClass="entr" presetSubtype="4" fill="hold" nodeType="afterEffect">
+                                  <p:stCondLst>
+                                    <p:cond delay="0"/>
+                                  </p:stCondLst>
+                                  <p:childTnLst>
+                                    <p:set>
+                                      <p:cBhvr>
+                                        <p:cTn id="15" dur="1" fill="hold">
+                                          <p:stCondLst>
+                                            <p:cond delay="0"/>
+                                          </p:stCondLst>
+                                        </p:cTn>
+                                        <p:tgtEl>
+                                          <p:spTgt spid="5"/>
+                                        </p:tgtEl>
+                                        <p:attrNameLst>
+                                          <p:attrName>style.visibility</p:attrName>
+                                        </p:attrNameLst>
+                                      </p:cBhvr>
+                                      <p:to>
+                                        <p:strVal val="visible"/>
+                                      </p:to>
+                                    </p:set>
+                                    <p:anim calcmode="lin" valueType="num">
+                                      <p:cBhvr additive="base">
+                                        <p:cTn id="16" dur="500" fill="hold"/>
+                                        <p:tgtEl>
+                                          <p:spTgt spid="5"/>
+                                        </p:tgtEl>
+                                        <p:attrNameLst>
+                                          <p:attrName>ppt_x</p:attrName>
+                                        </p:attrNameLst>
+                                      </p:cBhvr>
+                                      <p:tavLst>
+                                        <p:tav tm="0">
+                                          <p:val>
+                                            <p:strVal val="#ppt_x"/>
+                                          </p:val>
+                                        </p:tav>
+                                        <p:tav tm="100000">
+                                          <p:val>
+                                            <p:strVal val="#ppt_x"/>
+                                          </p:val>
+                                        </p:tav>
+                                      </p:tavLst>
+                                    </p:anim>
+                                    <p:anim calcmode="lin" valueType="num">
+                                      <p:cBhvr additive="base">
+                                        <p:cTn id="17" dur="500" fill="hold"/>
+                                        <p:tgtEl>
+                                          <p:spTgt spid="5"/>
+                                        </p:tgtEl>
+                                        <p:attrNameLst>
+                                          <p:attrName>ppt_y</p:attrName>
+                                        </p:attrNameLst>
+                                      </p:cBhvr>
+                                      <p:tavLst>
+                                        <p:tav tm="0">
+                                          <p:val>
+                                            <p:strVal val="1+#ppt_h/2"/>
+                                          </p:val>
+                                        </p:tav>
+                                        <p:tav tm="100000">
+                                          <p:val>
+                                            <p:strVal val="#ppt_y"/>
+                                          </p:val>
+                                        </p:tav>
+                                      </p:tavLst>
+                                    </p:anim>
+                                  </p:childTnLst>
+                                </p:cTn>
+                              </p:par>
+                            </p:childTnLst>
+                          </p:cTn>
+                        </p:par>
+                      </p:childTnLst>
+                    </p:cTn>
+                  </p:par>
+                  <p:par>
+                    <p:cTn id="18" fill="hold">
+                      <p:stCondLst>
+                        <p:cond delay="indefinite"/>
+                      </p:stCondLst>
+                      <p:childTnLst>
+                        <p:par>
+                          <p:cTn id="19" fill="hold">
+                            <p:stCondLst>
+                              <p:cond delay="0"/>
+                            </p:stCondLst>
+                            <p:childTnLst>
+                              <p:par>
+                                <p:cTn id="20" presetID="30" presetClass="entr" presetSubtype="0" fill="hold" grpId="0" nodeType="clickEffect">
+                                  <p:stCondLst>
+                                    <p:cond delay="0"/>
+                                  </p:stCondLst>
+                                  <p:childTnLst>
+                                    <p:set>
+                                      <p:cBhvr>
+                                        <p:cTn id="21" dur="1" fill="hold">
+                                          <p:stCondLst>
+                                            <p:cond delay="0"/>
+                                          </p:stCondLst>
+                                        </p:cTn>
+                                        <p:tgtEl>
+                                          <p:spTgt spid="3">
+                                            <p:txEl>
+                                              <p:pRg st="3" end="3"/>
+                                            </p:txEl>
+                                          </p:spTgt>
+                                        </p:tgtEl>
+                                        <p:attrNameLst>
+                                          <p:attrName>style.visibility</p:attrName>
+                                        </p:attrNameLst>
+                                      </p:cBhvr>
+                                      <p:to>
+                                        <p:strVal val="visible"/>
+                                      </p:to>
+                                    </p:set>
+                                    <p:animEffect transition="in" filter="fade">
+                                      <p:cBhvr>
+                                        <p:cTn id="22" dur="800" decel="100000"/>
+                                        <p:tgtEl>
+                                          <p:spTgt spid="3">
+                                            <p:txEl>
+                                              <p:pRg st="3" end="3"/>
+                                            </p:txEl>
+                                          </p:spTgt>
+                                        </p:tgtEl>
+                                      </p:cBhvr>
+                                    </p:animEffect>
+                                    <p:anim calcmode="lin" valueType="num">
+                                      <p:cBhvr>
+                                        <p:cTn id="23" dur="800" decel="100000" fill="hold"/>
+                                        <p:tgtEl>
+                                          <p:spTgt spid="3">
+                                            <p:txEl>
+                                              <p:pRg st="3" end="3"/>
+                                            </p:txEl>
+                                          </p:spTgt>
+                                        </p:tgtEl>
+                                        <p:attrNameLst>
+                                          <p:attrName>style.rotation</p:attrName>
+                                        </p:attrNameLst>
+                                      </p:cBhvr>
+                                      <p:tavLst>
+                                        <p:tav tm="0">
+                                          <p:val>
+                                            <p:fltVal val="-90"/>
+                                          </p:val>
+                                        </p:tav>
+                                        <p:tav tm="100000">
+                                          <p:val>
+                                            <p:fltVal val="0"/>
+                                          </p:val>
+                                        </p:tav>
+                                      </p:tavLst>
+                                    </p:anim>
+                                    <p:anim calcmode="lin" valueType="num">
+                                      <p:cBhvr>
+                                        <p:cTn id="24" dur="800" decel="100000" fill="hold"/>
+                                        <p:tgtEl>
+                                          <p:spTgt spid="3">
+                                            <p:txEl>
+                                              <p:pRg st="3" end="3"/>
+                                            </p:txEl>
+                                          </p:spTgt>
+                                        </p:tgtEl>
+                                        <p:attrNameLst>
+                                          <p:attrName>ppt_x</p:attrName>
+                                        </p:attrNameLst>
+                                      </p:cBhvr>
+                                      <p:tavLst>
+                                        <p:tav tm="0">
+                                          <p:val>
+                                            <p:strVal val="#ppt_x+0.4"/>
+                                          </p:val>
+                                        </p:tav>
+                                        <p:tav tm="100000">
+                                          <p:val>
+                                            <p:strVal val="#ppt_x-0.05"/>
+                                          </p:val>
+                                        </p:tav>
+                                      </p:tavLst>
+                                    </p:anim>
+                                    <p:anim calcmode="lin" valueType="num">
+                                      <p:cBhvr>
+                                        <p:cTn id="25" dur="800" decel="100000" fill="hold"/>
+                                        <p:tgtEl>
+                                          <p:spTgt spid="3">
+                                            <p:txEl>
+                                              <p:pRg st="3" end="3"/>
+                                            </p:txEl>
+                                          </p:spTgt>
+                                        </p:tgtEl>
+                                        <p:attrNameLst>
+                                          <p:attrName>ppt_y</p:attrName>
+                                        </p:attrNameLst>
+                                      </p:cBhvr>
+                                      <p:tavLst>
+                                        <p:tav tm="0">
+                                          <p:val>
+                                            <p:strVal val="#ppt_y-0.4"/>
+                                          </p:val>
+                                        </p:tav>
+                                        <p:tav tm="100000">
+                                          <p:val>
+                                            <p:strVal val="#ppt_y+0.1"/>
+                                          </p:val>
+                                        </p:tav>
+                                      </p:tavLst>
+                                    </p:anim>
+                                    <p:anim calcmode="lin" valueType="num">
+                                      <p:cBhvr>
+                                        <p:cTn id="26" dur="200" accel="100000" fill="hold">
+                                          <p:stCondLst>
+                                            <p:cond delay="800"/>
+                                          </p:stCondLst>
+                                        </p:cTn>
+                                        <p:tgtEl>
+                                          <p:spTgt spid="3">
+                                            <p:txEl>
+                                              <p:pRg st="3" end="3"/>
+                                            </p:txEl>
+                                          </p:spTgt>
+                                        </p:tgtEl>
+                                        <p:attrNameLst>
+                                          <p:attrName>ppt_x</p:attrName>
+                                        </p:attrNameLst>
+                                      </p:cBhvr>
+                                      <p:tavLst>
+                                        <p:tav tm="0">
+                                          <p:val>
+                                            <p:strVal val="#ppt_x-0.05"/>
+                                          </p:val>
+                                        </p:tav>
+                                        <p:tav tm="100000">
+                                          <p:val>
+                                            <p:strVal val="#ppt_x"/>
+                                          </p:val>
+                                        </p:tav>
+                                      </p:tavLst>
+                                    </p:anim>
+                                    <p:anim calcmode="lin" valueType="num">
+                                      <p:cBhvr>
+                                        <p:cTn id="27" dur="200" accel="100000" fill="hold">
+                                          <p:stCondLst>
+                                            <p:cond delay="800"/>
+                                          </p:stCondLst>
+                                        </p:cTn>
+                                        <p:tgtEl>
+                                          <p:spTgt spid="3">
+                                            <p:txEl>
+                                              <p:pRg st="3" end="3"/>
+                                            </p:txEl>
+                                          </p:spTgt>
+                                        </p:tgtEl>
+                                        <p:attrNameLst>
+                                          <p:attrName>ppt_y</p:attrName>
+                                        </p:attrNameLst>
+                                      </p:cBhvr>
+                                      <p:tavLst>
+                                        <p:tav tm="0">
+                                          <p:val>
+                                            <p:strVal val="#ppt_y+0.1"/>
+                                          </p:val>
+                                        </p:tav>
+                                        <p:tav tm="100000">
+                                          <p:val>
+                                            <p:strVal val="#ppt_y"/>
+                                          </p:val>
+                                        </p:tav>
+                                      </p:tavLst>
+                                    </p:anim>
+                                  </p:childTnLst>
+                                </p:cTn>
+                              </p:par>
+                            </p:childTnLst>
+                          </p:cTn>
+                        </p:par>
+                      </p:childTnLst>
+                    </p:cTn>
+                  </p:par>
+                </p:childTnLst>
+              </p:cTn>
+              <p:prevCondLst>
+                <p:cond evt="onPrev" delay="0">
+                  <p:tgtEl>
+                    <p:sldTgt/>
+                  </p:tgtEl>
+                </p:cond>
+              </p:prevCondLst>
+              <p:nextCondLst>
+                <p:cond evt="onNext" delay="0">
+                  <p:tgtEl>
+                    <p:sldTgt/>
+                  </p:tgtEl>
+                </p:cond>
+              </p:nextCondLst>
+            </p:seq>
+          </p:childTnLst>
+        </p:cTn>
+      </p:par>
+    </p:tnLst>
+    <p:bldLst>
+      <p:bldP spid="3" grpId="0" uiExpand="1" build="p"/>
+    </p:bldLst>
+  </p:timing>
+</p:sld>
+</file>
+
+<file path=ppt/slides/slide19.xml><?xml version="1.0" encoding="utf-8"?>
 <p:sld xmlns:a="http://schemas.openxmlformats.org/drawingml/2006/main" xmlns:r="http://schemas.openxmlformats.org/officeDocument/2006/relationships" xmlns:p="http://schemas.openxmlformats.org/presentationml/2006/main">
   <p:cSld>
     <p:spTree>
@@ -15523,7 +17318,7 @@
             <a:pPr algn="ctr"/>
             <a:r>
               <a:rPr lang="en-US" b="1" dirty="0"/>
-              <a:t>Structs</a:t>
+              <a:t>Data-types</a:t>
             </a:r>
           </a:p>
         </p:txBody>
@@ -15546,10 +17341,40 @@
         </p:nvSpPr>
         <p:spPr/>
         <p:txBody>
-          <a:bodyPr/>
+          <a:bodyPr>
+            <a:normAutofit lnSpcReduction="10000"/>
+          </a:bodyPr>
           <a:lstStyle/>
           <a:p>
+            <a:r>
+              <a:rPr lang="en-US" dirty="0"/>
+              <a:t>So far we have been using simple data-types </a:t>
+            </a:r>
+          </a:p>
+          <a:p>
             <a:endParaRPr lang="en-US" dirty="0"/>
+          </a:p>
+          <a:p>
+            <a:r>
+              <a:rPr lang="en-US" dirty="0"/>
+              <a:t>But we probably want to do a bit more than just use numbers and text types</a:t>
+            </a:r>
+          </a:p>
+          <a:p>
+            <a:endParaRPr lang="en-US" dirty="0"/>
+          </a:p>
+          <a:p>
+            <a:r>
+              <a:rPr lang="en-US" dirty="0"/>
+              <a:t>What if you wanted to create a datatype for a student?</a:t>
+            </a:r>
+          </a:p>
+          <a:p>
+            <a:pPr lvl="1"/>
+            <a:r>
+              <a:rPr lang="en-US" dirty="0"/>
+              <a:t>For the next 10-15 minutes, try and come up with a program that allows you to fill in a student record </a:t>
+            </a:r>
           </a:p>
         </p:txBody>
       </p:sp>
@@ -15563,10 +17388,4376 @@
   <p:clrMapOvr>
     <a:masterClrMapping/>
   </p:clrMapOvr>
+  <p:timing>
+    <p:tnLst>
+      <p:par>
+        <p:cTn id="1" dur="indefinite" restart="never" nodeType="tmRoot">
+          <p:childTnLst>
+            <p:seq concurrent="1" nextAc="seek">
+              <p:cTn id="2" dur="indefinite" nodeType="mainSeq">
+                <p:childTnLst>
+                  <p:par>
+                    <p:cTn id="3" fill="hold">
+                      <p:stCondLst>
+                        <p:cond delay="indefinite"/>
+                      </p:stCondLst>
+                      <p:childTnLst>
+                        <p:par>
+                          <p:cTn id="4" fill="hold">
+                            <p:stCondLst>
+                              <p:cond delay="0"/>
+                            </p:stCondLst>
+                            <p:childTnLst>
+                              <p:par>
+                                <p:cTn id="5" presetID="2" presetClass="entr" presetSubtype="6" fill="hold" grpId="0" nodeType="clickEffect">
+                                  <p:stCondLst>
+                                    <p:cond delay="0"/>
+                                  </p:stCondLst>
+                                  <p:childTnLst>
+                                    <p:set>
+                                      <p:cBhvr>
+                                        <p:cTn id="6" dur="1" fill="hold">
+                                          <p:stCondLst>
+                                            <p:cond delay="0"/>
+                                          </p:stCondLst>
+                                        </p:cTn>
+                                        <p:tgtEl>
+                                          <p:spTgt spid="3">
+                                            <p:txEl>
+                                              <p:pRg st="0" end="0"/>
+                                            </p:txEl>
+                                          </p:spTgt>
+                                        </p:tgtEl>
+                                        <p:attrNameLst>
+                                          <p:attrName>style.visibility</p:attrName>
+                                        </p:attrNameLst>
+                                      </p:cBhvr>
+                                      <p:to>
+                                        <p:strVal val="visible"/>
+                                      </p:to>
+                                    </p:set>
+                                    <p:anim calcmode="lin" valueType="num">
+                                      <p:cBhvr additive="base">
+                                        <p:cTn id="7" dur="500" fill="hold"/>
+                                        <p:tgtEl>
+                                          <p:spTgt spid="3">
+                                            <p:txEl>
+                                              <p:pRg st="0" end="0"/>
+                                            </p:txEl>
+                                          </p:spTgt>
+                                        </p:tgtEl>
+                                        <p:attrNameLst>
+                                          <p:attrName>ppt_x</p:attrName>
+                                        </p:attrNameLst>
+                                      </p:cBhvr>
+                                      <p:tavLst>
+                                        <p:tav tm="0">
+                                          <p:val>
+                                            <p:strVal val="1+#ppt_w/2"/>
+                                          </p:val>
+                                        </p:tav>
+                                        <p:tav tm="100000">
+                                          <p:val>
+                                            <p:strVal val="#ppt_x"/>
+                                          </p:val>
+                                        </p:tav>
+                                      </p:tavLst>
+                                    </p:anim>
+                                    <p:anim calcmode="lin" valueType="num">
+                                      <p:cBhvr additive="base">
+                                        <p:cTn id="8" dur="500" fill="hold"/>
+                                        <p:tgtEl>
+                                          <p:spTgt spid="3">
+                                            <p:txEl>
+                                              <p:pRg st="0" end="0"/>
+                                            </p:txEl>
+                                          </p:spTgt>
+                                        </p:tgtEl>
+                                        <p:attrNameLst>
+                                          <p:attrName>ppt_y</p:attrName>
+                                        </p:attrNameLst>
+                                      </p:cBhvr>
+                                      <p:tavLst>
+                                        <p:tav tm="0">
+                                          <p:val>
+                                            <p:strVal val="1+#ppt_h/2"/>
+                                          </p:val>
+                                        </p:tav>
+                                        <p:tav tm="100000">
+                                          <p:val>
+                                            <p:strVal val="#ppt_y"/>
+                                          </p:val>
+                                        </p:tav>
+                                      </p:tavLst>
+                                    </p:anim>
+                                  </p:childTnLst>
+                                </p:cTn>
+                              </p:par>
+                            </p:childTnLst>
+                          </p:cTn>
+                        </p:par>
+                      </p:childTnLst>
+                    </p:cTn>
+                  </p:par>
+                  <p:par>
+                    <p:cTn id="9" fill="hold">
+                      <p:stCondLst>
+                        <p:cond delay="indefinite"/>
+                      </p:stCondLst>
+                      <p:childTnLst>
+                        <p:par>
+                          <p:cTn id="10" fill="hold">
+                            <p:stCondLst>
+                              <p:cond delay="0"/>
+                            </p:stCondLst>
+                            <p:childTnLst>
+                              <p:par>
+                                <p:cTn id="11" presetID="2" presetClass="entr" presetSubtype="6" fill="hold" grpId="0" nodeType="clickEffect">
+                                  <p:stCondLst>
+                                    <p:cond delay="0"/>
+                                  </p:stCondLst>
+                                  <p:childTnLst>
+                                    <p:set>
+                                      <p:cBhvr>
+                                        <p:cTn id="12" dur="1" fill="hold">
+                                          <p:stCondLst>
+                                            <p:cond delay="0"/>
+                                          </p:stCondLst>
+                                        </p:cTn>
+                                        <p:tgtEl>
+                                          <p:spTgt spid="3">
+                                            <p:txEl>
+                                              <p:pRg st="2" end="2"/>
+                                            </p:txEl>
+                                          </p:spTgt>
+                                        </p:tgtEl>
+                                        <p:attrNameLst>
+                                          <p:attrName>style.visibility</p:attrName>
+                                        </p:attrNameLst>
+                                      </p:cBhvr>
+                                      <p:to>
+                                        <p:strVal val="visible"/>
+                                      </p:to>
+                                    </p:set>
+                                    <p:anim calcmode="lin" valueType="num">
+                                      <p:cBhvr additive="base">
+                                        <p:cTn id="13" dur="500" fill="hold"/>
+                                        <p:tgtEl>
+                                          <p:spTgt spid="3">
+                                            <p:txEl>
+                                              <p:pRg st="2" end="2"/>
+                                            </p:txEl>
+                                          </p:spTgt>
+                                        </p:tgtEl>
+                                        <p:attrNameLst>
+                                          <p:attrName>ppt_x</p:attrName>
+                                        </p:attrNameLst>
+                                      </p:cBhvr>
+                                      <p:tavLst>
+                                        <p:tav tm="0">
+                                          <p:val>
+                                            <p:strVal val="1+#ppt_w/2"/>
+                                          </p:val>
+                                        </p:tav>
+                                        <p:tav tm="100000">
+                                          <p:val>
+                                            <p:strVal val="#ppt_x"/>
+                                          </p:val>
+                                        </p:tav>
+                                      </p:tavLst>
+                                    </p:anim>
+                                    <p:anim calcmode="lin" valueType="num">
+                                      <p:cBhvr additive="base">
+                                        <p:cTn id="14" dur="500" fill="hold"/>
+                                        <p:tgtEl>
+                                          <p:spTgt spid="3">
+                                            <p:txEl>
+                                              <p:pRg st="2" end="2"/>
+                                            </p:txEl>
+                                          </p:spTgt>
+                                        </p:tgtEl>
+                                        <p:attrNameLst>
+                                          <p:attrName>ppt_y</p:attrName>
+                                        </p:attrNameLst>
+                                      </p:cBhvr>
+                                      <p:tavLst>
+                                        <p:tav tm="0">
+                                          <p:val>
+                                            <p:strVal val="1+#ppt_h/2"/>
+                                          </p:val>
+                                        </p:tav>
+                                        <p:tav tm="100000">
+                                          <p:val>
+                                            <p:strVal val="#ppt_y"/>
+                                          </p:val>
+                                        </p:tav>
+                                      </p:tavLst>
+                                    </p:anim>
+                                  </p:childTnLst>
+                                </p:cTn>
+                              </p:par>
+                            </p:childTnLst>
+                          </p:cTn>
+                        </p:par>
+                      </p:childTnLst>
+                    </p:cTn>
+                  </p:par>
+                  <p:par>
+                    <p:cTn id="15" fill="hold">
+                      <p:stCondLst>
+                        <p:cond delay="indefinite"/>
+                      </p:stCondLst>
+                      <p:childTnLst>
+                        <p:par>
+                          <p:cTn id="16" fill="hold">
+                            <p:stCondLst>
+                              <p:cond delay="0"/>
+                            </p:stCondLst>
+                            <p:childTnLst>
+                              <p:par>
+                                <p:cTn id="17" presetID="2" presetClass="entr" presetSubtype="6" fill="hold" grpId="0" nodeType="clickEffect">
+                                  <p:stCondLst>
+                                    <p:cond delay="0"/>
+                                  </p:stCondLst>
+                                  <p:childTnLst>
+                                    <p:set>
+                                      <p:cBhvr>
+                                        <p:cTn id="18" dur="1" fill="hold">
+                                          <p:stCondLst>
+                                            <p:cond delay="0"/>
+                                          </p:stCondLst>
+                                        </p:cTn>
+                                        <p:tgtEl>
+                                          <p:spTgt spid="3">
+                                            <p:txEl>
+                                              <p:pRg st="4" end="4"/>
+                                            </p:txEl>
+                                          </p:spTgt>
+                                        </p:tgtEl>
+                                        <p:attrNameLst>
+                                          <p:attrName>style.visibility</p:attrName>
+                                        </p:attrNameLst>
+                                      </p:cBhvr>
+                                      <p:to>
+                                        <p:strVal val="visible"/>
+                                      </p:to>
+                                    </p:set>
+                                    <p:anim calcmode="lin" valueType="num">
+                                      <p:cBhvr additive="base">
+                                        <p:cTn id="19" dur="500" fill="hold"/>
+                                        <p:tgtEl>
+                                          <p:spTgt spid="3">
+                                            <p:txEl>
+                                              <p:pRg st="4" end="4"/>
+                                            </p:txEl>
+                                          </p:spTgt>
+                                        </p:tgtEl>
+                                        <p:attrNameLst>
+                                          <p:attrName>ppt_x</p:attrName>
+                                        </p:attrNameLst>
+                                      </p:cBhvr>
+                                      <p:tavLst>
+                                        <p:tav tm="0">
+                                          <p:val>
+                                            <p:strVal val="1+#ppt_w/2"/>
+                                          </p:val>
+                                        </p:tav>
+                                        <p:tav tm="100000">
+                                          <p:val>
+                                            <p:strVal val="#ppt_x"/>
+                                          </p:val>
+                                        </p:tav>
+                                      </p:tavLst>
+                                    </p:anim>
+                                    <p:anim calcmode="lin" valueType="num">
+                                      <p:cBhvr additive="base">
+                                        <p:cTn id="20" dur="500" fill="hold"/>
+                                        <p:tgtEl>
+                                          <p:spTgt spid="3">
+                                            <p:txEl>
+                                              <p:pRg st="4" end="4"/>
+                                            </p:txEl>
+                                          </p:spTgt>
+                                        </p:tgtEl>
+                                        <p:attrNameLst>
+                                          <p:attrName>ppt_y</p:attrName>
+                                        </p:attrNameLst>
+                                      </p:cBhvr>
+                                      <p:tavLst>
+                                        <p:tav tm="0">
+                                          <p:val>
+                                            <p:strVal val="1+#ppt_h/2"/>
+                                          </p:val>
+                                        </p:tav>
+                                        <p:tav tm="100000">
+                                          <p:val>
+                                            <p:strVal val="#ppt_y"/>
+                                          </p:val>
+                                        </p:tav>
+                                      </p:tavLst>
+                                    </p:anim>
+                                  </p:childTnLst>
+                                </p:cTn>
+                              </p:par>
+                              <p:par>
+                                <p:cTn id="21" presetID="2" presetClass="entr" presetSubtype="6" fill="hold" grpId="0" nodeType="withEffect">
+                                  <p:stCondLst>
+                                    <p:cond delay="0"/>
+                                  </p:stCondLst>
+                                  <p:childTnLst>
+                                    <p:set>
+                                      <p:cBhvr>
+                                        <p:cTn id="22" dur="1" fill="hold">
+                                          <p:stCondLst>
+                                            <p:cond delay="0"/>
+                                          </p:stCondLst>
+                                        </p:cTn>
+                                        <p:tgtEl>
+                                          <p:spTgt spid="3">
+                                            <p:txEl>
+                                              <p:pRg st="5" end="5"/>
+                                            </p:txEl>
+                                          </p:spTgt>
+                                        </p:tgtEl>
+                                        <p:attrNameLst>
+                                          <p:attrName>style.visibility</p:attrName>
+                                        </p:attrNameLst>
+                                      </p:cBhvr>
+                                      <p:to>
+                                        <p:strVal val="visible"/>
+                                      </p:to>
+                                    </p:set>
+                                    <p:anim calcmode="lin" valueType="num">
+                                      <p:cBhvr additive="base">
+                                        <p:cTn id="23" dur="500" fill="hold"/>
+                                        <p:tgtEl>
+                                          <p:spTgt spid="3">
+                                            <p:txEl>
+                                              <p:pRg st="5" end="5"/>
+                                            </p:txEl>
+                                          </p:spTgt>
+                                        </p:tgtEl>
+                                        <p:attrNameLst>
+                                          <p:attrName>ppt_x</p:attrName>
+                                        </p:attrNameLst>
+                                      </p:cBhvr>
+                                      <p:tavLst>
+                                        <p:tav tm="0">
+                                          <p:val>
+                                            <p:strVal val="1+#ppt_w/2"/>
+                                          </p:val>
+                                        </p:tav>
+                                        <p:tav tm="100000">
+                                          <p:val>
+                                            <p:strVal val="#ppt_x"/>
+                                          </p:val>
+                                        </p:tav>
+                                      </p:tavLst>
+                                    </p:anim>
+                                    <p:anim calcmode="lin" valueType="num">
+                                      <p:cBhvr additive="base">
+                                        <p:cTn id="24" dur="500" fill="hold"/>
+                                        <p:tgtEl>
+                                          <p:spTgt spid="3">
+                                            <p:txEl>
+                                              <p:pRg st="5" end="5"/>
+                                            </p:txEl>
+                                          </p:spTgt>
+                                        </p:tgtEl>
+                                        <p:attrNameLst>
+                                          <p:attrName>ppt_y</p:attrName>
+                                        </p:attrNameLst>
+                                      </p:cBhvr>
+                                      <p:tavLst>
+                                        <p:tav tm="0">
+                                          <p:val>
+                                            <p:strVal val="1+#ppt_h/2"/>
+                                          </p:val>
+                                        </p:tav>
+                                        <p:tav tm="100000">
+                                          <p:val>
+                                            <p:strVal val="#ppt_y"/>
+                                          </p:val>
+                                        </p:tav>
+                                      </p:tavLst>
+                                    </p:anim>
+                                  </p:childTnLst>
+                                </p:cTn>
+                              </p:par>
+                            </p:childTnLst>
+                          </p:cTn>
+                        </p:par>
+                      </p:childTnLst>
+                    </p:cTn>
+                  </p:par>
+                </p:childTnLst>
+              </p:cTn>
+              <p:prevCondLst>
+                <p:cond evt="onPrev" delay="0">
+                  <p:tgtEl>
+                    <p:sldTgt/>
+                  </p:tgtEl>
+                </p:cond>
+              </p:prevCondLst>
+              <p:nextCondLst>
+                <p:cond evt="onNext" delay="0">
+                  <p:tgtEl>
+                    <p:sldTgt/>
+                  </p:tgtEl>
+                </p:cond>
+              </p:nextCondLst>
+            </p:seq>
+          </p:childTnLst>
+        </p:cTn>
+      </p:par>
+    </p:tnLst>
+    <p:bldLst>
+      <p:bldP spid="3" grpId="0" build="p"/>
+    </p:bldLst>
+  </p:timing>
 </p:sld>
 </file>
 
-<file path=ppt/slides/slide18.xml><?xml version="1.0" encoding="utf-8"?>
+<file path=ppt/slides/slide2.xml><?xml version="1.0" encoding="utf-8"?>
+<p:sld xmlns:a="http://schemas.openxmlformats.org/drawingml/2006/main" xmlns:r="http://schemas.openxmlformats.org/officeDocument/2006/relationships" xmlns:p="http://schemas.openxmlformats.org/presentationml/2006/main">
+  <p:cSld>
+    <p:spTree>
+      <p:nvGrpSpPr>
+        <p:cNvPr id="1" name=""/>
+        <p:cNvGrpSpPr/>
+        <p:nvPr/>
+      </p:nvGrpSpPr>
+      <p:grpSpPr>
+        <a:xfrm>
+          <a:off x="0" y="0"/>
+          <a:ext cx="0" cy="0"/>
+          <a:chOff x="0" y="0"/>
+          <a:chExt cx="0" cy="0"/>
+        </a:xfrm>
+      </p:grpSpPr>
+      <p:sp>
+        <p:nvSpPr>
+          <p:cNvPr id="2" name="Title 1">
+            <a:extLst>
+              <a:ext uri="{FF2B5EF4-FFF2-40B4-BE49-F238E27FC236}">
+                <a16:creationId xmlns:a16="http://schemas.microsoft.com/office/drawing/2014/main" id="{F20BE667-C98D-9144-9E17-7CE2D19C88A4}"/>
+              </a:ext>
+            </a:extLst>
+          </p:cNvPr>
+          <p:cNvSpPr>
+            <a:spLocks noGrp="1"/>
+          </p:cNvSpPr>
+          <p:nvPr>
+            <p:ph type="title"/>
+          </p:nvPr>
+        </p:nvSpPr>
+        <p:spPr>
+          <a:xfrm>
+            <a:off x="1141413" y="618518"/>
+            <a:ext cx="9905998" cy="1210282"/>
+          </a:xfrm>
+        </p:spPr>
+        <p:txBody>
+          <a:bodyPr/>
+          <a:lstStyle/>
+          <a:p>
+            <a:pPr algn="ctr"/>
+            <a:r>
+              <a:rPr lang="en-US" b="1" dirty="0"/>
+              <a:t>Goals for today</a:t>
+            </a:r>
+          </a:p>
+        </p:txBody>
+      </p:sp>
+      <p:sp>
+        <p:nvSpPr>
+          <p:cNvPr id="3" name="Content Placeholder 2">
+            <a:extLst>
+              <a:ext uri="{FF2B5EF4-FFF2-40B4-BE49-F238E27FC236}">
+                <a16:creationId xmlns:a16="http://schemas.microsoft.com/office/drawing/2014/main" id="{0E12CCC8-EDEC-EB41-A02A-9DF49915A958}"/>
+              </a:ext>
+            </a:extLst>
+          </p:cNvPr>
+          <p:cNvSpPr>
+            <a:spLocks noGrp="1"/>
+          </p:cNvSpPr>
+          <p:nvPr>
+            <p:ph idx="1"/>
+          </p:nvPr>
+        </p:nvSpPr>
+        <p:spPr>
+          <a:xfrm>
+            <a:off x="1141412" y="1828800"/>
+            <a:ext cx="9905999" cy="5029200"/>
+          </a:xfrm>
+        </p:spPr>
+        <p:txBody>
+          <a:bodyPr>
+            <a:normAutofit fontScale="55000" lnSpcReduction="20000"/>
+          </a:bodyPr>
+          <a:lstStyle/>
+          <a:p>
+            <a:r>
+              <a:rPr lang="en-US" b="1" dirty="0"/>
+              <a:t>Memory</a:t>
+            </a:r>
+            <a:r>
+              <a:rPr lang="en-US" dirty="0"/>
+              <a:t> revision</a:t>
+            </a:r>
+          </a:p>
+          <a:p>
+            <a:pPr lvl="1"/>
+            <a:r>
+              <a:rPr lang="en-US" dirty="0"/>
+              <a:t>How does memory work in terms of saving variables?</a:t>
+            </a:r>
+          </a:p>
+          <a:p>
+            <a:pPr lvl="1"/>
+            <a:r>
+              <a:rPr lang="en-US" dirty="0"/>
+              <a:t>What are variable names in the context of memory? </a:t>
+            </a:r>
+          </a:p>
+          <a:p>
+            <a:pPr lvl="1"/>
+            <a:endParaRPr lang="en-US" dirty="0"/>
+          </a:p>
+          <a:p>
+            <a:r>
+              <a:rPr lang="en-US" b="1" dirty="0"/>
+              <a:t>Multidimensional</a:t>
+            </a:r>
+            <a:r>
+              <a:rPr lang="en-US" dirty="0"/>
+              <a:t> arrays</a:t>
+            </a:r>
+          </a:p>
+          <a:p>
+            <a:pPr lvl="1"/>
+            <a:r>
+              <a:rPr lang="en-US" dirty="0"/>
+              <a:t>What is a multidimensional array?</a:t>
+            </a:r>
+          </a:p>
+          <a:p>
+            <a:endParaRPr lang="en-US" dirty="0"/>
+          </a:p>
+          <a:p>
+            <a:r>
+              <a:rPr lang="en-US" b="1" dirty="0"/>
+              <a:t>Structs</a:t>
+            </a:r>
+          </a:p>
+          <a:p>
+            <a:pPr lvl="1"/>
+            <a:r>
+              <a:rPr lang="en-US" dirty="0"/>
+              <a:t>What are structs?</a:t>
+            </a:r>
+          </a:p>
+          <a:p>
+            <a:pPr lvl="1"/>
+            <a:endParaRPr lang="en-US" b="1" dirty="0"/>
+          </a:p>
+          <a:p>
+            <a:r>
+              <a:rPr lang="en-US" dirty="0"/>
+              <a:t>An introduction to </a:t>
+            </a:r>
+            <a:r>
+              <a:rPr lang="en-US" b="1" dirty="0"/>
+              <a:t>pointers</a:t>
+            </a:r>
+          </a:p>
+          <a:p>
+            <a:pPr lvl="1"/>
+            <a:r>
+              <a:rPr lang="en-US" dirty="0"/>
+              <a:t>What is a pointer?</a:t>
+            </a:r>
+          </a:p>
+          <a:p>
+            <a:pPr lvl="1"/>
+            <a:r>
+              <a:rPr lang="en-US" dirty="0"/>
+              <a:t>Why are pointers so useful?</a:t>
+            </a:r>
+          </a:p>
+          <a:p>
+            <a:pPr marL="457200" lvl="1" indent="0">
+              <a:buNone/>
+            </a:pPr>
+            <a:endParaRPr lang="en-US" b="1" dirty="0"/>
+          </a:p>
+          <a:p>
+            <a:r>
+              <a:rPr lang="en-US" b="1" dirty="0"/>
+              <a:t>Revision</a:t>
+            </a:r>
+            <a:r>
+              <a:rPr lang="en-US" dirty="0"/>
+              <a:t> of previous topics</a:t>
+            </a:r>
+          </a:p>
+          <a:p>
+            <a:pPr lvl="1"/>
+            <a:r>
+              <a:rPr lang="en-US" dirty="0"/>
+              <a:t>Manipulating variables</a:t>
+            </a:r>
+          </a:p>
+          <a:p>
+            <a:pPr lvl="1"/>
+            <a:r>
+              <a:rPr lang="en-US" dirty="0"/>
+              <a:t>Nested loops</a:t>
+            </a:r>
+          </a:p>
+          <a:p>
+            <a:pPr lvl="1"/>
+            <a:r>
+              <a:rPr lang="en-US" dirty="0"/>
+              <a:t>Variable scope</a:t>
+            </a:r>
+          </a:p>
+        </p:txBody>
+      </p:sp>
+    </p:spTree>
+    <p:extLst>
+      <p:ext uri="{BB962C8B-B14F-4D97-AF65-F5344CB8AC3E}">
+        <p14:creationId xmlns:p14="http://schemas.microsoft.com/office/powerpoint/2010/main" val="3929659060"/>
+      </p:ext>
+    </p:extLst>
+  </p:cSld>
+  <p:clrMapOvr>
+    <a:masterClrMapping/>
+  </p:clrMapOvr>
+  <p:timing>
+    <p:tnLst>
+      <p:par>
+        <p:cTn id="1" dur="indefinite" restart="never" nodeType="tmRoot">
+          <p:childTnLst>
+            <p:seq concurrent="1" nextAc="seek">
+              <p:cTn id="2" dur="indefinite" nodeType="mainSeq">
+                <p:childTnLst>
+                  <p:par>
+                    <p:cTn id="3" fill="hold">
+                      <p:stCondLst>
+                        <p:cond delay="indefinite"/>
+                      </p:stCondLst>
+                      <p:childTnLst>
+                        <p:par>
+                          <p:cTn id="4" fill="hold">
+                            <p:stCondLst>
+                              <p:cond delay="0"/>
+                            </p:stCondLst>
+                            <p:childTnLst>
+                              <p:par>
+                                <p:cTn id="5" presetID="2" presetClass="entr" presetSubtype="4" fill="hold" grpId="0" nodeType="clickEffect">
+                                  <p:stCondLst>
+                                    <p:cond delay="0"/>
+                                  </p:stCondLst>
+                                  <p:childTnLst>
+                                    <p:set>
+                                      <p:cBhvr>
+                                        <p:cTn id="6" dur="1" fill="hold">
+                                          <p:stCondLst>
+                                            <p:cond delay="0"/>
+                                          </p:stCondLst>
+                                        </p:cTn>
+                                        <p:tgtEl>
+                                          <p:spTgt spid="3">
+                                            <p:txEl>
+                                              <p:pRg st="0" end="0"/>
+                                            </p:txEl>
+                                          </p:spTgt>
+                                        </p:tgtEl>
+                                        <p:attrNameLst>
+                                          <p:attrName>style.visibility</p:attrName>
+                                        </p:attrNameLst>
+                                      </p:cBhvr>
+                                      <p:to>
+                                        <p:strVal val="visible"/>
+                                      </p:to>
+                                    </p:set>
+                                    <p:anim calcmode="lin" valueType="num">
+                                      <p:cBhvr additive="base">
+                                        <p:cTn id="7" dur="500" fill="hold"/>
+                                        <p:tgtEl>
+                                          <p:spTgt spid="3">
+                                            <p:txEl>
+                                              <p:pRg st="0" end="0"/>
+                                            </p:txEl>
+                                          </p:spTgt>
+                                        </p:tgtEl>
+                                        <p:attrNameLst>
+                                          <p:attrName>ppt_x</p:attrName>
+                                        </p:attrNameLst>
+                                      </p:cBhvr>
+                                      <p:tavLst>
+                                        <p:tav tm="0">
+                                          <p:val>
+                                            <p:strVal val="#ppt_x"/>
+                                          </p:val>
+                                        </p:tav>
+                                        <p:tav tm="100000">
+                                          <p:val>
+                                            <p:strVal val="#ppt_x"/>
+                                          </p:val>
+                                        </p:tav>
+                                      </p:tavLst>
+                                    </p:anim>
+                                    <p:anim calcmode="lin" valueType="num">
+                                      <p:cBhvr additive="base">
+                                        <p:cTn id="8" dur="500" fill="hold"/>
+                                        <p:tgtEl>
+                                          <p:spTgt spid="3">
+                                            <p:txEl>
+                                              <p:pRg st="0" end="0"/>
+                                            </p:txEl>
+                                          </p:spTgt>
+                                        </p:tgtEl>
+                                        <p:attrNameLst>
+                                          <p:attrName>ppt_y</p:attrName>
+                                        </p:attrNameLst>
+                                      </p:cBhvr>
+                                      <p:tavLst>
+                                        <p:tav tm="0">
+                                          <p:val>
+                                            <p:strVal val="1+#ppt_h/2"/>
+                                          </p:val>
+                                        </p:tav>
+                                        <p:tav tm="100000">
+                                          <p:val>
+                                            <p:strVal val="#ppt_y"/>
+                                          </p:val>
+                                        </p:tav>
+                                      </p:tavLst>
+                                    </p:anim>
+                                  </p:childTnLst>
+                                </p:cTn>
+                              </p:par>
+                              <p:par>
+                                <p:cTn id="9" presetID="2" presetClass="entr" presetSubtype="4" fill="hold" grpId="0" nodeType="withEffect">
+                                  <p:stCondLst>
+                                    <p:cond delay="0"/>
+                                  </p:stCondLst>
+                                  <p:childTnLst>
+                                    <p:set>
+                                      <p:cBhvr>
+                                        <p:cTn id="10" dur="1" fill="hold">
+                                          <p:stCondLst>
+                                            <p:cond delay="0"/>
+                                          </p:stCondLst>
+                                        </p:cTn>
+                                        <p:tgtEl>
+                                          <p:spTgt spid="3">
+                                            <p:txEl>
+                                              <p:pRg st="1" end="1"/>
+                                            </p:txEl>
+                                          </p:spTgt>
+                                        </p:tgtEl>
+                                        <p:attrNameLst>
+                                          <p:attrName>style.visibility</p:attrName>
+                                        </p:attrNameLst>
+                                      </p:cBhvr>
+                                      <p:to>
+                                        <p:strVal val="visible"/>
+                                      </p:to>
+                                    </p:set>
+                                    <p:anim calcmode="lin" valueType="num">
+                                      <p:cBhvr additive="base">
+                                        <p:cTn id="11" dur="500" fill="hold"/>
+                                        <p:tgtEl>
+                                          <p:spTgt spid="3">
+                                            <p:txEl>
+                                              <p:pRg st="1" end="1"/>
+                                            </p:txEl>
+                                          </p:spTgt>
+                                        </p:tgtEl>
+                                        <p:attrNameLst>
+                                          <p:attrName>ppt_x</p:attrName>
+                                        </p:attrNameLst>
+                                      </p:cBhvr>
+                                      <p:tavLst>
+                                        <p:tav tm="0">
+                                          <p:val>
+                                            <p:strVal val="#ppt_x"/>
+                                          </p:val>
+                                        </p:tav>
+                                        <p:tav tm="100000">
+                                          <p:val>
+                                            <p:strVal val="#ppt_x"/>
+                                          </p:val>
+                                        </p:tav>
+                                      </p:tavLst>
+                                    </p:anim>
+                                    <p:anim calcmode="lin" valueType="num">
+                                      <p:cBhvr additive="base">
+                                        <p:cTn id="12" dur="500" fill="hold"/>
+                                        <p:tgtEl>
+                                          <p:spTgt spid="3">
+                                            <p:txEl>
+                                              <p:pRg st="1" end="1"/>
+                                            </p:txEl>
+                                          </p:spTgt>
+                                        </p:tgtEl>
+                                        <p:attrNameLst>
+                                          <p:attrName>ppt_y</p:attrName>
+                                        </p:attrNameLst>
+                                      </p:cBhvr>
+                                      <p:tavLst>
+                                        <p:tav tm="0">
+                                          <p:val>
+                                            <p:strVal val="1+#ppt_h/2"/>
+                                          </p:val>
+                                        </p:tav>
+                                        <p:tav tm="100000">
+                                          <p:val>
+                                            <p:strVal val="#ppt_y"/>
+                                          </p:val>
+                                        </p:tav>
+                                      </p:tavLst>
+                                    </p:anim>
+                                  </p:childTnLst>
+                                </p:cTn>
+                              </p:par>
+                              <p:par>
+                                <p:cTn id="13" presetID="2" presetClass="entr" presetSubtype="4" fill="hold" grpId="0" nodeType="withEffect">
+                                  <p:stCondLst>
+                                    <p:cond delay="0"/>
+                                  </p:stCondLst>
+                                  <p:childTnLst>
+                                    <p:set>
+                                      <p:cBhvr>
+                                        <p:cTn id="14" dur="1" fill="hold">
+                                          <p:stCondLst>
+                                            <p:cond delay="0"/>
+                                          </p:stCondLst>
+                                        </p:cTn>
+                                        <p:tgtEl>
+                                          <p:spTgt spid="3">
+                                            <p:txEl>
+                                              <p:pRg st="2" end="2"/>
+                                            </p:txEl>
+                                          </p:spTgt>
+                                        </p:tgtEl>
+                                        <p:attrNameLst>
+                                          <p:attrName>style.visibility</p:attrName>
+                                        </p:attrNameLst>
+                                      </p:cBhvr>
+                                      <p:to>
+                                        <p:strVal val="visible"/>
+                                      </p:to>
+                                    </p:set>
+                                    <p:anim calcmode="lin" valueType="num">
+                                      <p:cBhvr additive="base">
+                                        <p:cTn id="15" dur="500" fill="hold"/>
+                                        <p:tgtEl>
+                                          <p:spTgt spid="3">
+                                            <p:txEl>
+                                              <p:pRg st="2" end="2"/>
+                                            </p:txEl>
+                                          </p:spTgt>
+                                        </p:tgtEl>
+                                        <p:attrNameLst>
+                                          <p:attrName>ppt_x</p:attrName>
+                                        </p:attrNameLst>
+                                      </p:cBhvr>
+                                      <p:tavLst>
+                                        <p:tav tm="0">
+                                          <p:val>
+                                            <p:strVal val="#ppt_x"/>
+                                          </p:val>
+                                        </p:tav>
+                                        <p:tav tm="100000">
+                                          <p:val>
+                                            <p:strVal val="#ppt_x"/>
+                                          </p:val>
+                                        </p:tav>
+                                      </p:tavLst>
+                                    </p:anim>
+                                    <p:anim calcmode="lin" valueType="num">
+                                      <p:cBhvr additive="base">
+                                        <p:cTn id="16" dur="500" fill="hold"/>
+                                        <p:tgtEl>
+                                          <p:spTgt spid="3">
+                                            <p:txEl>
+                                              <p:pRg st="2" end="2"/>
+                                            </p:txEl>
+                                          </p:spTgt>
+                                        </p:tgtEl>
+                                        <p:attrNameLst>
+                                          <p:attrName>ppt_y</p:attrName>
+                                        </p:attrNameLst>
+                                      </p:cBhvr>
+                                      <p:tavLst>
+                                        <p:tav tm="0">
+                                          <p:val>
+                                            <p:strVal val="1+#ppt_h/2"/>
+                                          </p:val>
+                                        </p:tav>
+                                        <p:tav tm="100000">
+                                          <p:val>
+                                            <p:strVal val="#ppt_y"/>
+                                          </p:val>
+                                        </p:tav>
+                                      </p:tavLst>
+                                    </p:anim>
+                                  </p:childTnLst>
+                                </p:cTn>
+                              </p:par>
+                            </p:childTnLst>
+                          </p:cTn>
+                        </p:par>
+                      </p:childTnLst>
+                    </p:cTn>
+                  </p:par>
+                  <p:par>
+                    <p:cTn id="17" fill="hold">
+                      <p:stCondLst>
+                        <p:cond delay="indefinite"/>
+                      </p:stCondLst>
+                      <p:childTnLst>
+                        <p:par>
+                          <p:cTn id="18" fill="hold">
+                            <p:stCondLst>
+                              <p:cond delay="0"/>
+                            </p:stCondLst>
+                            <p:childTnLst>
+                              <p:par>
+                                <p:cTn id="19" presetID="2" presetClass="entr" presetSubtype="4" fill="hold" grpId="0" nodeType="clickEffect">
+                                  <p:stCondLst>
+                                    <p:cond delay="0"/>
+                                  </p:stCondLst>
+                                  <p:childTnLst>
+                                    <p:set>
+                                      <p:cBhvr>
+                                        <p:cTn id="20" dur="1" fill="hold">
+                                          <p:stCondLst>
+                                            <p:cond delay="0"/>
+                                          </p:stCondLst>
+                                        </p:cTn>
+                                        <p:tgtEl>
+                                          <p:spTgt spid="3">
+                                            <p:txEl>
+                                              <p:pRg st="4" end="4"/>
+                                            </p:txEl>
+                                          </p:spTgt>
+                                        </p:tgtEl>
+                                        <p:attrNameLst>
+                                          <p:attrName>style.visibility</p:attrName>
+                                        </p:attrNameLst>
+                                      </p:cBhvr>
+                                      <p:to>
+                                        <p:strVal val="visible"/>
+                                      </p:to>
+                                    </p:set>
+                                    <p:anim calcmode="lin" valueType="num">
+                                      <p:cBhvr additive="base">
+                                        <p:cTn id="21" dur="500" fill="hold"/>
+                                        <p:tgtEl>
+                                          <p:spTgt spid="3">
+                                            <p:txEl>
+                                              <p:pRg st="4" end="4"/>
+                                            </p:txEl>
+                                          </p:spTgt>
+                                        </p:tgtEl>
+                                        <p:attrNameLst>
+                                          <p:attrName>ppt_x</p:attrName>
+                                        </p:attrNameLst>
+                                      </p:cBhvr>
+                                      <p:tavLst>
+                                        <p:tav tm="0">
+                                          <p:val>
+                                            <p:strVal val="#ppt_x"/>
+                                          </p:val>
+                                        </p:tav>
+                                        <p:tav tm="100000">
+                                          <p:val>
+                                            <p:strVal val="#ppt_x"/>
+                                          </p:val>
+                                        </p:tav>
+                                      </p:tavLst>
+                                    </p:anim>
+                                    <p:anim calcmode="lin" valueType="num">
+                                      <p:cBhvr additive="base">
+                                        <p:cTn id="22" dur="500" fill="hold"/>
+                                        <p:tgtEl>
+                                          <p:spTgt spid="3">
+                                            <p:txEl>
+                                              <p:pRg st="4" end="4"/>
+                                            </p:txEl>
+                                          </p:spTgt>
+                                        </p:tgtEl>
+                                        <p:attrNameLst>
+                                          <p:attrName>ppt_y</p:attrName>
+                                        </p:attrNameLst>
+                                      </p:cBhvr>
+                                      <p:tavLst>
+                                        <p:tav tm="0">
+                                          <p:val>
+                                            <p:strVal val="1+#ppt_h/2"/>
+                                          </p:val>
+                                        </p:tav>
+                                        <p:tav tm="100000">
+                                          <p:val>
+                                            <p:strVal val="#ppt_y"/>
+                                          </p:val>
+                                        </p:tav>
+                                      </p:tavLst>
+                                    </p:anim>
+                                  </p:childTnLst>
+                                </p:cTn>
+                              </p:par>
+                              <p:par>
+                                <p:cTn id="23" presetID="2" presetClass="entr" presetSubtype="4" fill="hold" grpId="0" nodeType="withEffect">
+                                  <p:stCondLst>
+                                    <p:cond delay="0"/>
+                                  </p:stCondLst>
+                                  <p:childTnLst>
+                                    <p:set>
+                                      <p:cBhvr>
+                                        <p:cTn id="24" dur="1" fill="hold">
+                                          <p:stCondLst>
+                                            <p:cond delay="0"/>
+                                          </p:stCondLst>
+                                        </p:cTn>
+                                        <p:tgtEl>
+                                          <p:spTgt spid="3">
+                                            <p:txEl>
+                                              <p:pRg st="5" end="5"/>
+                                            </p:txEl>
+                                          </p:spTgt>
+                                        </p:tgtEl>
+                                        <p:attrNameLst>
+                                          <p:attrName>style.visibility</p:attrName>
+                                        </p:attrNameLst>
+                                      </p:cBhvr>
+                                      <p:to>
+                                        <p:strVal val="visible"/>
+                                      </p:to>
+                                    </p:set>
+                                    <p:anim calcmode="lin" valueType="num">
+                                      <p:cBhvr additive="base">
+                                        <p:cTn id="25" dur="500" fill="hold"/>
+                                        <p:tgtEl>
+                                          <p:spTgt spid="3">
+                                            <p:txEl>
+                                              <p:pRg st="5" end="5"/>
+                                            </p:txEl>
+                                          </p:spTgt>
+                                        </p:tgtEl>
+                                        <p:attrNameLst>
+                                          <p:attrName>ppt_x</p:attrName>
+                                        </p:attrNameLst>
+                                      </p:cBhvr>
+                                      <p:tavLst>
+                                        <p:tav tm="0">
+                                          <p:val>
+                                            <p:strVal val="#ppt_x"/>
+                                          </p:val>
+                                        </p:tav>
+                                        <p:tav tm="100000">
+                                          <p:val>
+                                            <p:strVal val="#ppt_x"/>
+                                          </p:val>
+                                        </p:tav>
+                                      </p:tavLst>
+                                    </p:anim>
+                                    <p:anim calcmode="lin" valueType="num">
+                                      <p:cBhvr additive="base">
+                                        <p:cTn id="26" dur="500" fill="hold"/>
+                                        <p:tgtEl>
+                                          <p:spTgt spid="3">
+                                            <p:txEl>
+                                              <p:pRg st="5" end="5"/>
+                                            </p:txEl>
+                                          </p:spTgt>
+                                        </p:tgtEl>
+                                        <p:attrNameLst>
+                                          <p:attrName>ppt_y</p:attrName>
+                                        </p:attrNameLst>
+                                      </p:cBhvr>
+                                      <p:tavLst>
+                                        <p:tav tm="0">
+                                          <p:val>
+                                            <p:strVal val="1+#ppt_h/2"/>
+                                          </p:val>
+                                        </p:tav>
+                                        <p:tav tm="100000">
+                                          <p:val>
+                                            <p:strVal val="#ppt_y"/>
+                                          </p:val>
+                                        </p:tav>
+                                      </p:tavLst>
+                                    </p:anim>
+                                  </p:childTnLst>
+                                </p:cTn>
+                              </p:par>
+                            </p:childTnLst>
+                          </p:cTn>
+                        </p:par>
+                      </p:childTnLst>
+                    </p:cTn>
+                  </p:par>
+                  <p:par>
+                    <p:cTn id="27" fill="hold">
+                      <p:stCondLst>
+                        <p:cond delay="indefinite"/>
+                      </p:stCondLst>
+                      <p:childTnLst>
+                        <p:par>
+                          <p:cTn id="28" fill="hold">
+                            <p:stCondLst>
+                              <p:cond delay="0"/>
+                            </p:stCondLst>
+                            <p:childTnLst>
+                              <p:par>
+                                <p:cTn id="29" presetID="2" presetClass="entr" presetSubtype="4" fill="hold" grpId="0" nodeType="clickEffect">
+                                  <p:stCondLst>
+                                    <p:cond delay="0"/>
+                                  </p:stCondLst>
+                                  <p:childTnLst>
+                                    <p:set>
+                                      <p:cBhvr>
+                                        <p:cTn id="30" dur="1" fill="hold">
+                                          <p:stCondLst>
+                                            <p:cond delay="0"/>
+                                          </p:stCondLst>
+                                        </p:cTn>
+                                        <p:tgtEl>
+                                          <p:spTgt spid="3">
+                                            <p:txEl>
+                                              <p:pRg st="7" end="7"/>
+                                            </p:txEl>
+                                          </p:spTgt>
+                                        </p:tgtEl>
+                                        <p:attrNameLst>
+                                          <p:attrName>style.visibility</p:attrName>
+                                        </p:attrNameLst>
+                                      </p:cBhvr>
+                                      <p:to>
+                                        <p:strVal val="visible"/>
+                                      </p:to>
+                                    </p:set>
+                                    <p:anim calcmode="lin" valueType="num">
+                                      <p:cBhvr additive="base">
+                                        <p:cTn id="31" dur="500" fill="hold"/>
+                                        <p:tgtEl>
+                                          <p:spTgt spid="3">
+                                            <p:txEl>
+                                              <p:pRg st="7" end="7"/>
+                                            </p:txEl>
+                                          </p:spTgt>
+                                        </p:tgtEl>
+                                        <p:attrNameLst>
+                                          <p:attrName>ppt_x</p:attrName>
+                                        </p:attrNameLst>
+                                      </p:cBhvr>
+                                      <p:tavLst>
+                                        <p:tav tm="0">
+                                          <p:val>
+                                            <p:strVal val="#ppt_x"/>
+                                          </p:val>
+                                        </p:tav>
+                                        <p:tav tm="100000">
+                                          <p:val>
+                                            <p:strVal val="#ppt_x"/>
+                                          </p:val>
+                                        </p:tav>
+                                      </p:tavLst>
+                                    </p:anim>
+                                    <p:anim calcmode="lin" valueType="num">
+                                      <p:cBhvr additive="base">
+                                        <p:cTn id="32" dur="500" fill="hold"/>
+                                        <p:tgtEl>
+                                          <p:spTgt spid="3">
+                                            <p:txEl>
+                                              <p:pRg st="7" end="7"/>
+                                            </p:txEl>
+                                          </p:spTgt>
+                                        </p:tgtEl>
+                                        <p:attrNameLst>
+                                          <p:attrName>ppt_y</p:attrName>
+                                        </p:attrNameLst>
+                                      </p:cBhvr>
+                                      <p:tavLst>
+                                        <p:tav tm="0">
+                                          <p:val>
+                                            <p:strVal val="1+#ppt_h/2"/>
+                                          </p:val>
+                                        </p:tav>
+                                        <p:tav tm="100000">
+                                          <p:val>
+                                            <p:strVal val="#ppt_y"/>
+                                          </p:val>
+                                        </p:tav>
+                                      </p:tavLst>
+                                    </p:anim>
+                                  </p:childTnLst>
+                                </p:cTn>
+                              </p:par>
+                              <p:par>
+                                <p:cTn id="33" presetID="2" presetClass="entr" presetSubtype="4" fill="hold" grpId="0" nodeType="withEffect">
+                                  <p:stCondLst>
+                                    <p:cond delay="0"/>
+                                  </p:stCondLst>
+                                  <p:childTnLst>
+                                    <p:set>
+                                      <p:cBhvr>
+                                        <p:cTn id="34" dur="1" fill="hold">
+                                          <p:stCondLst>
+                                            <p:cond delay="0"/>
+                                          </p:stCondLst>
+                                        </p:cTn>
+                                        <p:tgtEl>
+                                          <p:spTgt spid="3">
+                                            <p:txEl>
+                                              <p:pRg st="8" end="8"/>
+                                            </p:txEl>
+                                          </p:spTgt>
+                                        </p:tgtEl>
+                                        <p:attrNameLst>
+                                          <p:attrName>style.visibility</p:attrName>
+                                        </p:attrNameLst>
+                                      </p:cBhvr>
+                                      <p:to>
+                                        <p:strVal val="visible"/>
+                                      </p:to>
+                                    </p:set>
+                                    <p:anim calcmode="lin" valueType="num">
+                                      <p:cBhvr additive="base">
+                                        <p:cTn id="35" dur="500" fill="hold"/>
+                                        <p:tgtEl>
+                                          <p:spTgt spid="3">
+                                            <p:txEl>
+                                              <p:pRg st="8" end="8"/>
+                                            </p:txEl>
+                                          </p:spTgt>
+                                        </p:tgtEl>
+                                        <p:attrNameLst>
+                                          <p:attrName>ppt_x</p:attrName>
+                                        </p:attrNameLst>
+                                      </p:cBhvr>
+                                      <p:tavLst>
+                                        <p:tav tm="0">
+                                          <p:val>
+                                            <p:strVal val="#ppt_x"/>
+                                          </p:val>
+                                        </p:tav>
+                                        <p:tav tm="100000">
+                                          <p:val>
+                                            <p:strVal val="#ppt_x"/>
+                                          </p:val>
+                                        </p:tav>
+                                      </p:tavLst>
+                                    </p:anim>
+                                    <p:anim calcmode="lin" valueType="num">
+                                      <p:cBhvr additive="base">
+                                        <p:cTn id="36" dur="500" fill="hold"/>
+                                        <p:tgtEl>
+                                          <p:spTgt spid="3">
+                                            <p:txEl>
+                                              <p:pRg st="8" end="8"/>
+                                            </p:txEl>
+                                          </p:spTgt>
+                                        </p:tgtEl>
+                                        <p:attrNameLst>
+                                          <p:attrName>ppt_y</p:attrName>
+                                        </p:attrNameLst>
+                                      </p:cBhvr>
+                                      <p:tavLst>
+                                        <p:tav tm="0">
+                                          <p:val>
+                                            <p:strVal val="1+#ppt_h/2"/>
+                                          </p:val>
+                                        </p:tav>
+                                        <p:tav tm="100000">
+                                          <p:val>
+                                            <p:strVal val="#ppt_y"/>
+                                          </p:val>
+                                        </p:tav>
+                                      </p:tavLst>
+                                    </p:anim>
+                                  </p:childTnLst>
+                                </p:cTn>
+                              </p:par>
+                            </p:childTnLst>
+                          </p:cTn>
+                        </p:par>
+                      </p:childTnLst>
+                    </p:cTn>
+                  </p:par>
+                  <p:par>
+                    <p:cTn id="37" fill="hold">
+                      <p:stCondLst>
+                        <p:cond delay="indefinite"/>
+                      </p:stCondLst>
+                      <p:childTnLst>
+                        <p:par>
+                          <p:cTn id="38" fill="hold">
+                            <p:stCondLst>
+                              <p:cond delay="0"/>
+                            </p:stCondLst>
+                            <p:childTnLst>
+                              <p:par>
+                                <p:cTn id="39" presetID="2" presetClass="entr" presetSubtype="4" fill="hold" grpId="0" nodeType="clickEffect">
+                                  <p:stCondLst>
+                                    <p:cond delay="0"/>
+                                  </p:stCondLst>
+                                  <p:childTnLst>
+                                    <p:set>
+                                      <p:cBhvr>
+                                        <p:cTn id="40" dur="1" fill="hold">
+                                          <p:stCondLst>
+                                            <p:cond delay="0"/>
+                                          </p:stCondLst>
+                                        </p:cTn>
+                                        <p:tgtEl>
+                                          <p:spTgt spid="3">
+                                            <p:txEl>
+                                              <p:pRg st="10" end="10"/>
+                                            </p:txEl>
+                                          </p:spTgt>
+                                        </p:tgtEl>
+                                        <p:attrNameLst>
+                                          <p:attrName>style.visibility</p:attrName>
+                                        </p:attrNameLst>
+                                      </p:cBhvr>
+                                      <p:to>
+                                        <p:strVal val="visible"/>
+                                      </p:to>
+                                    </p:set>
+                                    <p:anim calcmode="lin" valueType="num">
+                                      <p:cBhvr additive="base">
+                                        <p:cTn id="41" dur="500" fill="hold"/>
+                                        <p:tgtEl>
+                                          <p:spTgt spid="3">
+                                            <p:txEl>
+                                              <p:pRg st="10" end="10"/>
+                                            </p:txEl>
+                                          </p:spTgt>
+                                        </p:tgtEl>
+                                        <p:attrNameLst>
+                                          <p:attrName>ppt_x</p:attrName>
+                                        </p:attrNameLst>
+                                      </p:cBhvr>
+                                      <p:tavLst>
+                                        <p:tav tm="0">
+                                          <p:val>
+                                            <p:strVal val="#ppt_x"/>
+                                          </p:val>
+                                        </p:tav>
+                                        <p:tav tm="100000">
+                                          <p:val>
+                                            <p:strVal val="#ppt_x"/>
+                                          </p:val>
+                                        </p:tav>
+                                      </p:tavLst>
+                                    </p:anim>
+                                    <p:anim calcmode="lin" valueType="num">
+                                      <p:cBhvr additive="base">
+                                        <p:cTn id="42" dur="500" fill="hold"/>
+                                        <p:tgtEl>
+                                          <p:spTgt spid="3">
+                                            <p:txEl>
+                                              <p:pRg st="10" end="10"/>
+                                            </p:txEl>
+                                          </p:spTgt>
+                                        </p:tgtEl>
+                                        <p:attrNameLst>
+                                          <p:attrName>ppt_y</p:attrName>
+                                        </p:attrNameLst>
+                                      </p:cBhvr>
+                                      <p:tavLst>
+                                        <p:tav tm="0">
+                                          <p:val>
+                                            <p:strVal val="1+#ppt_h/2"/>
+                                          </p:val>
+                                        </p:tav>
+                                        <p:tav tm="100000">
+                                          <p:val>
+                                            <p:strVal val="#ppt_y"/>
+                                          </p:val>
+                                        </p:tav>
+                                      </p:tavLst>
+                                    </p:anim>
+                                  </p:childTnLst>
+                                </p:cTn>
+                              </p:par>
+                              <p:par>
+                                <p:cTn id="43" presetID="2" presetClass="entr" presetSubtype="4" fill="hold" grpId="0" nodeType="withEffect">
+                                  <p:stCondLst>
+                                    <p:cond delay="0"/>
+                                  </p:stCondLst>
+                                  <p:childTnLst>
+                                    <p:set>
+                                      <p:cBhvr>
+                                        <p:cTn id="44" dur="1" fill="hold">
+                                          <p:stCondLst>
+                                            <p:cond delay="0"/>
+                                          </p:stCondLst>
+                                        </p:cTn>
+                                        <p:tgtEl>
+                                          <p:spTgt spid="3">
+                                            <p:txEl>
+                                              <p:pRg st="11" end="11"/>
+                                            </p:txEl>
+                                          </p:spTgt>
+                                        </p:tgtEl>
+                                        <p:attrNameLst>
+                                          <p:attrName>style.visibility</p:attrName>
+                                        </p:attrNameLst>
+                                      </p:cBhvr>
+                                      <p:to>
+                                        <p:strVal val="visible"/>
+                                      </p:to>
+                                    </p:set>
+                                    <p:anim calcmode="lin" valueType="num">
+                                      <p:cBhvr additive="base">
+                                        <p:cTn id="45" dur="500" fill="hold"/>
+                                        <p:tgtEl>
+                                          <p:spTgt spid="3">
+                                            <p:txEl>
+                                              <p:pRg st="11" end="11"/>
+                                            </p:txEl>
+                                          </p:spTgt>
+                                        </p:tgtEl>
+                                        <p:attrNameLst>
+                                          <p:attrName>ppt_x</p:attrName>
+                                        </p:attrNameLst>
+                                      </p:cBhvr>
+                                      <p:tavLst>
+                                        <p:tav tm="0">
+                                          <p:val>
+                                            <p:strVal val="#ppt_x"/>
+                                          </p:val>
+                                        </p:tav>
+                                        <p:tav tm="100000">
+                                          <p:val>
+                                            <p:strVal val="#ppt_x"/>
+                                          </p:val>
+                                        </p:tav>
+                                      </p:tavLst>
+                                    </p:anim>
+                                    <p:anim calcmode="lin" valueType="num">
+                                      <p:cBhvr additive="base">
+                                        <p:cTn id="46" dur="500" fill="hold"/>
+                                        <p:tgtEl>
+                                          <p:spTgt spid="3">
+                                            <p:txEl>
+                                              <p:pRg st="11" end="11"/>
+                                            </p:txEl>
+                                          </p:spTgt>
+                                        </p:tgtEl>
+                                        <p:attrNameLst>
+                                          <p:attrName>ppt_y</p:attrName>
+                                        </p:attrNameLst>
+                                      </p:cBhvr>
+                                      <p:tavLst>
+                                        <p:tav tm="0">
+                                          <p:val>
+                                            <p:strVal val="1+#ppt_h/2"/>
+                                          </p:val>
+                                        </p:tav>
+                                        <p:tav tm="100000">
+                                          <p:val>
+                                            <p:strVal val="#ppt_y"/>
+                                          </p:val>
+                                        </p:tav>
+                                      </p:tavLst>
+                                    </p:anim>
+                                  </p:childTnLst>
+                                </p:cTn>
+                              </p:par>
+                              <p:par>
+                                <p:cTn id="47" presetID="2" presetClass="entr" presetSubtype="4" fill="hold" grpId="0" nodeType="withEffect">
+                                  <p:stCondLst>
+                                    <p:cond delay="0"/>
+                                  </p:stCondLst>
+                                  <p:childTnLst>
+                                    <p:set>
+                                      <p:cBhvr>
+                                        <p:cTn id="48" dur="1" fill="hold">
+                                          <p:stCondLst>
+                                            <p:cond delay="0"/>
+                                          </p:stCondLst>
+                                        </p:cTn>
+                                        <p:tgtEl>
+                                          <p:spTgt spid="3">
+                                            <p:txEl>
+                                              <p:pRg st="12" end="12"/>
+                                            </p:txEl>
+                                          </p:spTgt>
+                                        </p:tgtEl>
+                                        <p:attrNameLst>
+                                          <p:attrName>style.visibility</p:attrName>
+                                        </p:attrNameLst>
+                                      </p:cBhvr>
+                                      <p:to>
+                                        <p:strVal val="visible"/>
+                                      </p:to>
+                                    </p:set>
+                                    <p:anim calcmode="lin" valueType="num">
+                                      <p:cBhvr additive="base">
+                                        <p:cTn id="49" dur="500" fill="hold"/>
+                                        <p:tgtEl>
+                                          <p:spTgt spid="3">
+                                            <p:txEl>
+                                              <p:pRg st="12" end="12"/>
+                                            </p:txEl>
+                                          </p:spTgt>
+                                        </p:tgtEl>
+                                        <p:attrNameLst>
+                                          <p:attrName>ppt_x</p:attrName>
+                                        </p:attrNameLst>
+                                      </p:cBhvr>
+                                      <p:tavLst>
+                                        <p:tav tm="0">
+                                          <p:val>
+                                            <p:strVal val="#ppt_x"/>
+                                          </p:val>
+                                        </p:tav>
+                                        <p:tav tm="100000">
+                                          <p:val>
+                                            <p:strVal val="#ppt_x"/>
+                                          </p:val>
+                                        </p:tav>
+                                      </p:tavLst>
+                                    </p:anim>
+                                    <p:anim calcmode="lin" valueType="num">
+                                      <p:cBhvr additive="base">
+                                        <p:cTn id="50" dur="500" fill="hold"/>
+                                        <p:tgtEl>
+                                          <p:spTgt spid="3">
+                                            <p:txEl>
+                                              <p:pRg st="12" end="12"/>
+                                            </p:txEl>
+                                          </p:spTgt>
+                                        </p:tgtEl>
+                                        <p:attrNameLst>
+                                          <p:attrName>ppt_y</p:attrName>
+                                        </p:attrNameLst>
+                                      </p:cBhvr>
+                                      <p:tavLst>
+                                        <p:tav tm="0">
+                                          <p:val>
+                                            <p:strVal val="1+#ppt_h/2"/>
+                                          </p:val>
+                                        </p:tav>
+                                        <p:tav tm="100000">
+                                          <p:val>
+                                            <p:strVal val="#ppt_y"/>
+                                          </p:val>
+                                        </p:tav>
+                                      </p:tavLst>
+                                    </p:anim>
+                                  </p:childTnLst>
+                                </p:cTn>
+                              </p:par>
+                            </p:childTnLst>
+                          </p:cTn>
+                        </p:par>
+                      </p:childTnLst>
+                    </p:cTn>
+                  </p:par>
+                  <p:par>
+                    <p:cTn id="51" fill="hold">
+                      <p:stCondLst>
+                        <p:cond delay="indefinite"/>
+                      </p:stCondLst>
+                      <p:childTnLst>
+                        <p:par>
+                          <p:cTn id="52" fill="hold">
+                            <p:stCondLst>
+                              <p:cond delay="0"/>
+                            </p:stCondLst>
+                            <p:childTnLst>
+                              <p:par>
+                                <p:cTn id="53" presetID="2" presetClass="entr" presetSubtype="4" fill="hold" grpId="0" nodeType="clickEffect">
+                                  <p:stCondLst>
+                                    <p:cond delay="0"/>
+                                  </p:stCondLst>
+                                  <p:childTnLst>
+                                    <p:set>
+                                      <p:cBhvr>
+                                        <p:cTn id="54" dur="1" fill="hold">
+                                          <p:stCondLst>
+                                            <p:cond delay="0"/>
+                                          </p:stCondLst>
+                                        </p:cTn>
+                                        <p:tgtEl>
+                                          <p:spTgt spid="3">
+                                            <p:txEl>
+                                              <p:pRg st="14" end="14"/>
+                                            </p:txEl>
+                                          </p:spTgt>
+                                        </p:tgtEl>
+                                        <p:attrNameLst>
+                                          <p:attrName>style.visibility</p:attrName>
+                                        </p:attrNameLst>
+                                      </p:cBhvr>
+                                      <p:to>
+                                        <p:strVal val="visible"/>
+                                      </p:to>
+                                    </p:set>
+                                    <p:anim calcmode="lin" valueType="num">
+                                      <p:cBhvr additive="base">
+                                        <p:cTn id="55" dur="500" fill="hold"/>
+                                        <p:tgtEl>
+                                          <p:spTgt spid="3">
+                                            <p:txEl>
+                                              <p:pRg st="14" end="14"/>
+                                            </p:txEl>
+                                          </p:spTgt>
+                                        </p:tgtEl>
+                                        <p:attrNameLst>
+                                          <p:attrName>ppt_x</p:attrName>
+                                        </p:attrNameLst>
+                                      </p:cBhvr>
+                                      <p:tavLst>
+                                        <p:tav tm="0">
+                                          <p:val>
+                                            <p:strVal val="#ppt_x"/>
+                                          </p:val>
+                                        </p:tav>
+                                        <p:tav tm="100000">
+                                          <p:val>
+                                            <p:strVal val="#ppt_x"/>
+                                          </p:val>
+                                        </p:tav>
+                                      </p:tavLst>
+                                    </p:anim>
+                                    <p:anim calcmode="lin" valueType="num">
+                                      <p:cBhvr additive="base">
+                                        <p:cTn id="56" dur="500" fill="hold"/>
+                                        <p:tgtEl>
+                                          <p:spTgt spid="3">
+                                            <p:txEl>
+                                              <p:pRg st="14" end="14"/>
+                                            </p:txEl>
+                                          </p:spTgt>
+                                        </p:tgtEl>
+                                        <p:attrNameLst>
+                                          <p:attrName>ppt_y</p:attrName>
+                                        </p:attrNameLst>
+                                      </p:cBhvr>
+                                      <p:tavLst>
+                                        <p:tav tm="0">
+                                          <p:val>
+                                            <p:strVal val="1+#ppt_h/2"/>
+                                          </p:val>
+                                        </p:tav>
+                                        <p:tav tm="100000">
+                                          <p:val>
+                                            <p:strVal val="#ppt_y"/>
+                                          </p:val>
+                                        </p:tav>
+                                      </p:tavLst>
+                                    </p:anim>
+                                  </p:childTnLst>
+                                </p:cTn>
+                              </p:par>
+                              <p:par>
+                                <p:cTn id="57" presetID="2" presetClass="entr" presetSubtype="4" fill="hold" grpId="0" nodeType="withEffect">
+                                  <p:stCondLst>
+                                    <p:cond delay="0"/>
+                                  </p:stCondLst>
+                                  <p:childTnLst>
+                                    <p:set>
+                                      <p:cBhvr>
+                                        <p:cTn id="58" dur="1" fill="hold">
+                                          <p:stCondLst>
+                                            <p:cond delay="0"/>
+                                          </p:stCondLst>
+                                        </p:cTn>
+                                        <p:tgtEl>
+                                          <p:spTgt spid="3">
+                                            <p:txEl>
+                                              <p:pRg st="15" end="15"/>
+                                            </p:txEl>
+                                          </p:spTgt>
+                                        </p:tgtEl>
+                                        <p:attrNameLst>
+                                          <p:attrName>style.visibility</p:attrName>
+                                        </p:attrNameLst>
+                                      </p:cBhvr>
+                                      <p:to>
+                                        <p:strVal val="visible"/>
+                                      </p:to>
+                                    </p:set>
+                                    <p:anim calcmode="lin" valueType="num">
+                                      <p:cBhvr additive="base">
+                                        <p:cTn id="59" dur="500" fill="hold"/>
+                                        <p:tgtEl>
+                                          <p:spTgt spid="3">
+                                            <p:txEl>
+                                              <p:pRg st="15" end="15"/>
+                                            </p:txEl>
+                                          </p:spTgt>
+                                        </p:tgtEl>
+                                        <p:attrNameLst>
+                                          <p:attrName>ppt_x</p:attrName>
+                                        </p:attrNameLst>
+                                      </p:cBhvr>
+                                      <p:tavLst>
+                                        <p:tav tm="0">
+                                          <p:val>
+                                            <p:strVal val="#ppt_x"/>
+                                          </p:val>
+                                        </p:tav>
+                                        <p:tav tm="100000">
+                                          <p:val>
+                                            <p:strVal val="#ppt_x"/>
+                                          </p:val>
+                                        </p:tav>
+                                      </p:tavLst>
+                                    </p:anim>
+                                    <p:anim calcmode="lin" valueType="num">
+                                      <p:cBhvr additive="base">
+                                        <p:cTn id="60" dur="500" fill="hold"/>
+                                        <p:tgtEl>
+                                          <p:spTgt spid="3">
+                                            <p:txEl>
+                                              <p:pRg st="15" end="15"/>
+                                            </p:txEl>
+                                          </p:spTgt>
+                                        </p:tgtEl>
+                                        <p:attrNameLst>
+                                          <p:attrName>ppt_y</p:attrName>
+                                        </p:attrNameLst>
+                                      </p:cBhvr>
+                                      <p:tavLst>
+                                        <p:tav tm="0">
+                                          <p:val>
+                                            <p:strVal val="1+#ppt_h/2"/>
+                                          </p:val>
+                                        </p:tav>
+                                        <p:tav tm="100000">
+                                          <p:val>
+                                            <p:strVal val="#ppt_y"/>
+                                          </p:val>
+                                        </p:tav>
+                                      </p:tavLst>
+                                    </p:anim>
+                                  </p:childTnLst>
+                                </p:cTn>
+                              </p:par>
+                              <p:par>
+                                <p:cTn id="61" presetID="2" presetClass="entr" presetSubtype="4" fill="hold" grpId="0" nodeType="withEffect">
+                                  <p:stCondLst>
+                                    <p:cond delay="0"/>
+                                  </p:stCondLst>
+                                  <p:childTnLst>
+                                    <p:set>
+                                      <p:cBhvr>
+                                        <p:cTn id="62" dur="1" fill="hold">
+                                          <p:stCondLst>
+                                            <p:cond delay="0"/>
+                                          </p:stCondLst>
+                                        </p:cTn>
+                                        <p:tgtEl>
+                                          <p:spTgt spid="3">
+                                            <p:txEl>
+                                              <p:pRg st="16" end="16"/>
+                                            </p:txEl>
+                                          </p:spTgt>
+                                        </p:tgtEl>
+                                        <p:attrNameLst>
+                                          <p:attrName>style.visibility</p:attrName>
+                                        </p:attrNameLst>
+                                      </p:cBhvr>
+                                      <p:to>
+                                        <p:strVal val="visible"/>
+                                      </p:to>
+                                    </p:set>
+                                    <p:anim calcmode="lin" valueType="num">
+                                      <p:cBhvr additive="base">
+                                        <p:cTn id="63" dur="500" fill="hold"/>
+                                        <p:tgtEl>
+                                          <p:spTgt spid="3">
+                                            <p:txEl>
+                                              <p:pRg st="16" end="16"/>
+                                            </p:txEl>
+                                          </p:spTgt>
+                                        </p:tgtEl>
+                                        <p:attrNameLst>
+                                          <p:attrName>ppt_x</p:attrName>
+                                        </p:attrNameLst>
+                                      </p:cBhvr>
+                                      <p:tavLst>
+                                        <p:tav tm="0">
+                                          <p:val>
+                                            <p:strVal val="#ppt_x"/>
+                                          </p:val>
+                                        </p:tav>
+                                        <p:tav tm="100000">
+                                          <p:val>
+                                            <p:strVal val="#ppt_x"/>
+                                          </p:val>
+                                        </p:tav>
+                                      </p:tavLst>
+                                    </p:anim>
+                                    <p:anim calcmode="lin" valueType="num">
+                                      <p:cBhvr additive="base">
+                                        <p:cTn id="64" dur="500" fill="hold"/>
+                                        <p:tgtEl>
+                                          <p:spTgt spid="3">
+                                            <p:txEl>
+                                              <p:pRg st="16" end="16"/>
+                                            </p:txEl>
+                                          </p:spTgt>
+                                        </p:tgtEl>
+                                        <p:attrNameLst>
+                                          <p:attrName>ppt_y</p:attrName>
+                                        </p:attrNameLst>
+                                      </p:cBhvr>
+                                      <p:tavLst>
+                                        <p:tav tm="0">
+                                          <p:val>
+                                            <p:strVal val="1+#ppt_h/2"/>
+                                          </p:val>
+                                        </p:tav>
+                                        <p:tav tm="100000">
+                                          <p:val>
+                                            <p:strVal val="#ppt_y"/>
+                                          </p:val>
+                                        </p:tav>
+                                      </p:tavLst>
+                                    </p:anim>
+                                  </p:childTnLst>
+                                </p:cTn>
+                              </p:par>
+                              <p:par>
+                                <p:cTn id="65" presetID="2" presetClass="entr" presetSubtype="4" fill="hold" grpId="0" nodeType="withEffect">
+                                  <p:stCondLst>
+                                    <p:cond delay="0"/>
+                                  </p:stCondLst>
+                                  <p:childTnLst>
+                                    <p:set>
+                                      <p:cBhvr>
+                                        <p:cTn id="66" dur="1" fill="hold">
+                                          <p:stCondLst>
+                                            <p:cond delay="0"/>
+                                          </p:stCondLst>
+                                        </p:cTn>
+                                        <p:tgtEl>
+                                          <p:spTgt spid="3">
+                                            <p:txEl>
+                                              <p:pRg st="17" end="17"/>
+                                            </p:txEl>
+                                          </p:spTgt>
+                                        </p:tgtEl>
+                                        <p:attrNameLst>
+                                          <p:attrName>style.visibility</p:attrName>
+                                        </p:attrNameLst>
+                                      </p:cBhvr>
+                                      <p:to>
+                                        <p:strVal val="visible"/>
+                                      </p:to>
+                                    </p:set>
+                                    <p:anim calcmode="lin" valueType="num">
+                                      <p:cBhvr additive="base">
+                                        <p:cTn id="67" dur="500" fill="hold"/>
+                                        <p:tgtEl>
+                                          <p:spTgt spid="3">
+                                            <p:txEl>
+                                              <p:pRg st="17" end="17"/>
+                                            </p:txEl>
+                                          </p:spTgt>
+                                        </p:tgtEl>
+                                        <p:attrNameLst>
+                                          <p:attrName>ppt_x</p:attrName>
+                                        </p:attrNameLst>
+                                      </p:cBhvr>
+                                      <p:tavLst>
+                                        <p:tav tm="0">
+                                          <p:val>
+                                            <p:strVal val="#ppt_x"/>
+                                          </p:val>
+                                        </p:tav>
+                                        <p:tav tm="100000">
+                                          <p:val>
+                                            <p:strVal val="#ppt_x"/>
+                                          </p:val>
+                                        </p:tav>
+                                      </p:tavLst>
+                                    </p:anim>
+                                    <p:anim calcmode="lin" valueType="num">
+                                      <p:cBhvr additive="base">
+                                        <p:cTn id="68" dur="500" fill="hold"/>
+                                        <p:tgtEl>
+                                          <p:spTgt spid="3">
+                                            <p:txEl>
+                                              <p:pRg st="17" end="17"/>
+                                            </p:txEl>
+                                          </p:spTgt>
+                                        </p:tgtEl>
+                                        <p:attrNameLst>
+                                          <p:attrName>ppt_y</p:attrName>
+                                        </p:attrNameLst>
+                                      </p:cBhvr>
+                                      <p:tavLst>
+                                        <p:tav tm="0">
+                                          <p:val>
+                                            <p:strVal val="1+#ppt_h/2"/>
+                                          </p:val>
+                                        </p:tav>
+                                        <p:tav tm="100000">
+                                          <p:val>
+                                            <p:strVal val="#ppt_y"/>
+                                          </p:val>
+                                        </p:tav>
+                                      </p:tavLst>
+                                    </p:anim>
+                                  </p:childTnLst>
+                                </p:cTn>
+                              </p:par>
+                            </p:childTnLst>
+                          </p:cTn>
+                        </p:par>
+                      </p:childTnLst>
+                    </p:cTn>
+                  </p:par>
+                </p:childTnLst>
+              </p:cTn>
+              <p:prevCondLst>
+                <p:cond evt="onPrev" delay="0">
+                  <p:tgtEl>
+                    <p:sldTgt/>
+                  </p:tgtEl>
+                </p:cond>
+              </p:prevCondLst>
+              <p:nextCondLst>
+                <p:cond evt="onNext" delay="0">
+                  <p:tgtEl>
+                    <p:sldTgt/>
+                  </p:tgtEl>
+                </p:cond>
+              </p:nextCondLst>
+            </p:seq>
+          </p:childTnLst>
+        </p:cTn>
+      </p:par>
+    </p:tnLst>
+    <p:bldLst>
+      <p:bldP spid="3" grpId="0" build="p"/>
+    </p:bldLst>
+  </p:timing>
+</p:sld>
+</file>
+
+<file path=ppt/slides/slide20.xml><?xml version="1.0" encoding="utf-8"?>
+<p:sld xmlns:a="http://schemas.openxmlformats.org/drawingml/2006/main" xmlns:r="http://schemas.openxmlformats.org/officeDocument/2006/relationships" xmlns:p="http://schemas.openxmlformats.org/presentationml/2006/main">
+  <p:cSld>
+    <p:spTree>
+      <p:nvGrpSpPr>
+        <p:cNvPr id="1" name=""/>
+        <p:cNvGrpSpPr/>
+        <p:nvPr/>
+      </p:nvGrpSpPr>
+      <p:grpSpPr>
+        <a:xfrm>
+          <a:off x="0" y="0"/>
+          <a:ext cx="0" cy="0"/>
+          <a:chOff x="0" y="0"/>
+          <a:chExt cx="0" cy="0"/>
+        </a:xfrm>
+      </p:grpSpPr>
+      <p:sp>
+        <p:nvSpPr>
+          <p:cNvPr id="2" name="Title 1">
+            <a:extLst>
+              <a:ext uri="{FF2B5EF4-FFF2-40B4-BE49-F238E27FC236}">
+                <a16:creationId xmlns:a16="http://schemas.microsoft.com/office/drawing/2014/main" id="{88A9553E-23AD-444B-96C8-B03D18D13FBE}"/>
+              </a:ext>
+            </a:extLst>
+          </p:cNvPr>
+          <p:cNvSpPr>
+            <a:spLocks noGrp="1"/>
+          </p:cNvSpPr>
+          <p:nvPr>
+            <p:ph type="title"/>
+          </p:nvPr>
+        </p:nvSpPr>
+        <p:spPr/>
+        <p:txBody>
+          <a:bodyPr/>
+          <a:lstStyle/>
+          <a:p>
+            <a:pPr algn="ctr"/>
+            <a:r>
+              <a:rPr lang="en-US" b="1" dirty="0"/>
+              <a:t>That was tedious and confusing </a:t>
+            </a:r>
+          </a:p>
+        </p:txBody>
+      </p:sp>
+      <p:sp>
+        <p:nvSpPr>
+          <p:cNvPr id="3" name="Content Placeholder 2">
+            <a:extLst>
+              <a:ext uri="{FF2B5EF4-FFF2-40B4-BE49-F238E27FC236}">
+                <a16:creationId xmlns:a16="http://schemas.microsoft.com/office/drawing/2014/main" id="{71DB3AEA-5410-964D-9AB4-9EDB6A81976A}"/>
+              </a:ext>
+            </a:extLst>
+          </p:cNvPr>
+          <p:cNvSpPr>
+            <a:spLocks noGrp="1"/>
+          </p:cNvSpPr>
+          <p:nvPr>
+            <p:ph idx="1"/>
+          </p:nvPr>
+        </p:nvSpPr>
+        <p:spPr/>
+        <p:txBody>
+          <a:bodyPr/>
+          <a:lstStyle/>
+          <a:p>
+            <a:r>
+              <a:rPr lang="en-US" dirty="0"/>
+              <a:t>There has to be a better way to go about and do this right?</a:t>
+            </a:r>
+          </a:p>
+          <a:p>
+            <a:endParaRPr lang="en-US" dirty="0"/>
+          </a:p>
+          <a:p>
+            <a:r>
+              <a:rPr lang="en-US" dirty="0"/>
+              <a:t>Wouldn’t it be great if we could create our own data structure?</a:t>
+            </a:r>
+          </a:p>
+          <a:p>
+            <a:endParaRPr lang="en-US" dirty="0"/>
+          </a:p>
+          <a:p>
+            <a:r>
+              <a:rPr lang="en-US" dirty="0"/>
+              <a:t>Luckily this is actually possible!</a:t>
+            </a:r>
+          </a:p>
+        </p:txBody>
+      </p:sp>
+    </p:spTree>
+    <p:extLst>
+      <p:ext uri="{BB962C8B-B14F-4D97-AF65-F5344CB8AC3E}">
+        <p14:creationId xmlns:p14="http://schemas.microsoft.com/office/powerpoint/2010/main" val="1543572007"/>
+      </p:ext>
+    </p:extLst>
+  </p:cSld>
+  <p:clrMapOvr>
+    <a:masterClrMapping/>
+  </p:clrMapOvr>
+  <p:timing>
+    <p:tnLst>
+      <p:par>
+        <p:cTn id="1" dur="indefinite" restart="never" nodeType="tmRoot">
+          <p:childTnLst>
+            <p:seq concurrent="1" nextAc="seek">
+              <p:cTn id="2" dur="indefinite" nodeType="mainSeq">
+                <p:childTnLst>
+                  <p:par>
+                    <p:cTn id="3" fill="hold">
+                      <p:stCondLst>
+                        <p:cond delay="indefinite"/>
+                      </p:stCondLst>
+                      <p:childTnLst>
+                        <p:par>
+                          <p:cTn id="4" fill="hold">
+                            <p:stCondLst>
+                              <p:cond delay="0"/>
+                            </p:stCondLst>
+                            <p:childTnLst>
+                              <p:par>
+                                <p:cTn id="5" presetID="2" presetClass="entr" presetSubtype="4" fill="hold" grpId="0" nodeType="clickEffect">
+                                  <p:stCondLst>
+                                    <p:cond delay="0"/>
+                                  </p:stCondLst>
+                                  <p:childTnLst>
+                                    <p:set>
+                                      <p:cBhvr>
+                                        <p:cTn id="6" dur="1" fill="hold">
+                                          <p:stCondLst>
+                                            <p:cond delay="0"/>
+                                          </p:stCondLst>
+                                        </p:cTn>
+                                        <p:tgtEl>
+                                          <p:spTgt spid="3">
+                                            <p:txEl>
+                                              <p:pRg st="0" end="0"/>
+                                            </p:txEl>
+                                          </p:spTgt>
+                                        </p:tgtEl>
+                                        <p:attrNameLst>
+                                          <p:attrName>style.visibility</p:attrName>
+                                        </p:attrNameLst>
+                                      </p:cBhvr>
+                                      <p:to>
+                                        <p:strVal val="visible"/>
+                                      </p:to>
+                                    </p:set>
+                                    <p:anim calcmode="lin" valueType="num">
+                                      <p:cBhvr additive="base">
+                                        <p:cTn id="7" dur="500" fill="hold"/>
+                                        <p:tgtEl>
+                                          <p:spTgt spid="3">
+                                            <p:txEl>
+                                              <p:pRg st="0" end="0"/>
+                                            </p:txEl>
+                                          </p:spTgt>
+                                        </p:tgtEl>
+                                        <p:attrNameLst>
+                                          <p:attrName>ppt_x</p:attrName>
+                                        </p:attrNameLst>
+                                      </p:cBhvr>
+                                      <p:tavLst>
+                                        <p:tav tm="0">
+                                          <p:val>
+                                            <p:strVal val="#ppt_x"/>
+                                          </p:val>
+                                        </p:tav>
+                                        <p:tav tm="100000">
+                                          <p:val>
+                                            <p:strVal val="#ppt_x"/>
+                                          </p:val>
+                                        </p:tav>
+                                      </p:tavLst>
+                                    </p:anim>
+                                    <p:anim calcmode="lin" valueType="num">
+                                      <p:cBhvr additive="base">
+                                        <p:cTn id="8" dur="500" fill="hold"/>
+                                        <p:tgtEl>
+                                          <p:spTgt spid="3">
+                                            <p:txEl>
+                                              <p:pRg st="0" end="0"/>
+                                            </p:txEl>
+                                          </p:spTgt>
+                                        </p:tgtEl>
+                                        <p:attrNameLst>
+                                          <p:attrName>ppt_y</p:attrName>
+                                        </p:attrNameLst>
+                                      </p:cBhvr>
+                                      <p:tavLst>
+                                        <p:tav tm="0">
+                                          <p:val>
+                                            <p:strVal val="1+#ppt_h/2"/>
+                                          </p:val>
+                                        </p:tav>
+                                        <p:tav tm="100000">
+                                          <p:val>
+                                            <p:strVal val="#ppt_y"/>
+                                          </p:val>
+                                        </p:tav>
+                                      </p:tavLst>
+                                    </p:anim>
+                                  </p:childTnLst>
+                                </p:cTn>
+                              </p:par>
+                            </p:childTnLst>
+                          </p:cTn>
+                        </p:par>
+                      </p:childTnLst>
+                    </p:cTn>
+                  </p:par>
+                  <p:par>
+                    <p:cTn id="9" fill="hold">
+                      <p:stCondLst>
+                        <p:cond delay="indefinite"/>
+                      </p:stCondLst>
+                      <p:childTnLst>
+                        <p:par>
+                          <p:cTn id="10" fill="hold">
+                            <p:stCondLst>
+                              <p:cond delay="0"/>
+                            </p:stCondLst>
+                            <p:childTnLst>
+                              <p:par>
+                                <p:cTn id="11" presetID="2" presetClass="entr" presetSubtype="4" fill="hold" grpId="0" nodeType="clickEffect">
+                                  <p:stCondLst>
+                                    <p:cond delay="0"/>
+                                  </p:stCondLst>
+                                  <p:childTnLst>
+                                    <p:set>
+                                      <p:cBhvr>
+                                        <p:cTn id="12" dur="1" fill="hold">
+                                          <p:stCondLst>
+                                            <p:cond delay="0"/>
+                                          </p:stCondLst>
+                                        </p:cTn>
+                                        <p:tgtEl>
+                                          <p:spTgt spid="3">
+                                            <p:txEl>
+                                              <p:pRg st="2" end="2"/>
+                                            </p:txEl>
+                                          </p:spTgt>
+                                        </p:tgtEl>
+                                        <p:attrNameLst>
+                                          <p:attrName>style.visibility</p:attrName>
+                                        </p:attrNameLst>
+                                      </p:cBhvr>
+                                      <p:to>
+                                        <p:strVal val="visible"/>
+                                      </p:to>
+                                    </p:set>
+                                    <p:anim calcmode="lin" valueType="num">
+                                      <p:cBhvr additive="base">
+                                        <p:cTn id="13" dur="500" fill="hold"/>
+                                        <p:tgtEl>
+                                          <p:spTgt spid="3">
+                                            <p:txEl>
+                                              <p:pRg st="2" end="2"/>
+                                            </p:txEl>
+                                          </p:spTgt>
+                                        </p:tgtEl>
+                                        <p:attrNameLst>
+                                          <p:attrName>ppt_x</p:attrName>
+                                        </p:attrNameLst>
+                                      </p:cBhvr>
+                                      <p:tavLst>
+                                        <p:tav tm="0">
+                                          <p:val>
+                                            <p:strVal val="#ppt_x"/>
+                                          </p:val>
+                                        </p:tav>
+                                        <p:tav tm="100000">
+                                          <p:val>
+                                            <p:strVal val="#ppt_x"/>
+                                          </p:val>
+                                        </p:tav>
+                                      </p:tavLst>
+                                    </p:anim>
+                                    <p:anim calcmode="lin" valueType="num">
+                                      <p:cBhvr additive="base">
+                                        <p:cTn id="14" dur="500" fill="hold"/>
+                                        <p:tgtEl>
+                                          <p:spTgt spid="3">
+                                            <p:txEl>
+                                              <p:pRg st="2" end="2"/>
+                                            </p:txEl>
+                                          </p:spTgt>
+                                        </p:tgtEl>
+                                        <p:attrNameLst>
+                                          <p:attrName>ppt_y</p:attrName>
+                                        </p:attrNameLst>
+                                      </p:cBhvr>
+                                      <p:tavLst>
+                                        <p:tav tm="0">
+                                          <p:val>
+                                            <p:strVal val="1+#ppt_h/2"/>
+                                          </p:val>
+                                        </p:tav>
+                                        <p:tav tm="100000">
+                                          <p:val>
+                                            <p:strVal val="#ppt_y"/>
+                                          </p:val>
+                                        </p:tav>
+                                      </p:tavLst>
+                                    </p:anim>
+                                  </p:childTnLst>
+                                </p:cTn>
+                              </p:par>
+                            </p:childTnLst>
+                          </p:cTn>
+                        </p:par>
+                      </p:childTnLst>
+                    </p:cTn>
+                  </p:par>
+                  <p:par>
+                    <p:cTn id="15" fill="hold">
+                      <p:stCondLst>
+                        <p:cond delay="indefinite"/>
+                      </p:stCondLst>
+                      <p:childTnLst>
+                        <p:par>
+                          <p:cTn id="16" fill="hold">
+                            <p:stCondLst>
+                              <p:cond delay="0"/>
+                            </p:stCondLst>
+                            <p:childTnLst>
+                              <p:par>
+                                <p:cTn id="17" presetID="2" presetClass="entr" presetSubtype="4" fill="hold" grpId="0" nodeType="clickEffect">
+                                  <p:stCondLst>
+                                    <p:cond delay="0"/>
+                                  </p:stCondLst>
+                                  <p:childTnLst>
+                                    <p:set>
+                                      <p:cBhvr>
+                                        <p:cTn id="18" dur="1" fill="hold">
+                                          <p:stCondLst>
+                                            <p:cond delay="0"/>
+                                          </p:stCondLst>
+                                        </p:cTn>
+                                        <p:tgtEl>
+                                          <p:spTgt spid="3">
+                                            <p:txEl>
+                                              <p:pRg st="4" end="4"/>
+                                            </p:txEl>
+                                          </p:spTgt>
+                                        </p:tgtEl>
+                                        <p:attrNameLst>
+                                          <p:attrName>style.visibility</p:attrName>
+                                        </p:attrNameLst>
+                                      </p:cBhvr>
+                                      <p:to>
+                                        <p:strVal val="visible"/>
+                                      </p:to>
+                                    </p:set>
+                                    <p:anim calcmode="lin" valueType="num">
+                                      <p:cBhvr additive="base">
+                                        <p:cTn id="19" dur="500" fill="hold"/>
+                                        <p:tgtEl>
+                                          <p:spTgt spid="3">
+                                            <p:txEl>
+                                              <p:pRg st="4" end="4"/>
+                                            </p:txEl>
+                                          </p:spTgt>
+                                        </p:tgtEl>
+                                        <p:attrNameLst>
+                                          <p:attrName>ppt_x</p:attrName>
+                                        </p:attrNameLst>
+                                      </p:cBhvr>
+                                      <p:tavLst>
+                                        <p:tav tm="0">
+                                          <p:val>
+                                            <p:strVal val="#ppt_x"/>
+                                          </p:val>
+                                        </p:tav>
+                                        <p:tav tm="100000">
+                                          <p:val>
+                                            <p:strVal val="#ppt_x"/>
+                                          </p:val>
+                                        </p:tav>
+                                      </p:tavLst>
+                                    </p:anim>
+                                    <p:anim calcmode="lin" valueType="num">
+                                      <p:cBhvr additive="base">
+                                        <p:cTn id="20" dur="500" fill="hold"/>
+                                        <p:tgtEl>
+                                          <p:spTgt spid="3">
+                                            <p:txEl>
+                                              <p:pRg st="4" end="4"/>
+                                            </p:txEl>
+                                          </p:spTgt>
+                                        </p:tgtEl>
+                                        <p:attrNameLst>
+                                          <p:attrName>ppt_y</p:attrName>
+                                        </p:attrNameLst>
+                                      </p:cBhvr>
+                                      <p:tavLst>
+                                        <p:tav tm="0">
+                                          <p:val>
+                                            <p:strVal val="1+#ppt_h/2"/>
+                                          </p:val>
+                                        </p:tav>
+                                        <p:tav tm="100000">
+                                          <p:val>
+                                            <p:strVal val="#ppt_y"/>
+                                          </p:val>
+                                        </p:tav>
+                                      </p:tavLst>
+                                    </p:anim>
+                                  </p:childTnLst>
+                                </p:cTn>
+                              </p:par>
+                            </p:childTnLst>
+                          </p:cTn>
+                        </p:par>
+                      </p:childTnLst>
+                    </p:cTn>
+                  </p:par>
+                </p:childTnLst>
+              </p:cTn>
+              <p:prevCondLst>
+                <p:cond evt="onPrev" delay="0">
+                  <p:tgtEl>
+                    <p:sldTgt/>
+                  </p:tgtEl>
+                </p:cond>
+              </p:prevCondLst>
+              <p:nextCondLst>
+                <p:cond evt="onNext" delay="0">
+                  <p:tgtEl>
+                    <p:sldTgt/>
+                  </p:tgtEl>
+                </p:cond>
+              </p:nextCondLst>
+            </p:seq>
+          </p:childTnLst>
+        </p:cTn>
+      </p:par>
+    </p:tnLst>
+    <p:bldLst>
+      <p:bldP spid="3" grpId="0" build="p"/>
+    </p:bldLst>
+  </p:timing>
+</p:sld>
+</file>
+
+<file path=ppt/slides/slide21.xml><?xml version="1.0" encoding="utf-8"?>
+<p:sld xmlns:a="http://schemas.openxmlformats.org/drawingml/2006/main" xmlns:r="http://schemas.openxmlformats.org/officeDocument/2006/relationships" xmlns:p="http://schemas.openxmlformats.org/presentationml/2006/main">
+  <p:cSld>
+    <p:spTree>
+      <p:nvGrpSpPr>
+        <p:cNvPr id="1" name=""/>
+        <p:cNvGrpSpPr/>
+        <p:nvPr/>
+      </p:nvGrpSpPr>
+      <p:grpSpPr>
+        <a:xfrm>
+          <a:off x="0" y="0"/>
+          <a:ext cx="0" cy="0"/>
+          <a:chOff x="0" y="0"/>
+          <a:chExt cx="0" cy="0"/>
+        </a:xfrm>
+      </p:grpSpPr>
+      <p:sp>
+        <p:nvSpPr>
+          <p:cNvPr id="2" name="Title 1">
+            <a:extLst>
+              <a:ext uri="{FF2B5EF4-FFF2-40B4-BE49-F238E27FC236}">
+                <a16:creationId xmlns:a16="http://schemas.microsoft.com/office/drawing/2014/main" id="{9B04FB3C-E5FB-2E4C-8208-A8B6FE725910}"/>
+              </a:ext>
+            </a:extLst>
+          </p:cNvPr>
+          <p:cNvSpPr>
+            <a:spLocks noGrp="1"/>
+          </p:cNvSpPr>
+          <p:nvPr>
+            <p:ph type="title"/>
+          </p:nvPr>
+        </p:nvSpPr>
+        <p:spPr/>
+        <p:txBody>
+          <a:bodyPr/>
+          <a:lstStyle/>
+          <a:p>
+            <a:pPr algn="ctr"/>
+            <a:r>
+              <a:rPr lang="en-US" b="1" dirty="0"/>
+              <a:t>Struct</a:t>
+            </a:r>
+          </a:p>
+        </p:txBody>
+      </p:sp>
+      <p:sp>
+        <p:nvSpPr>
+          <p:cNvPr id="3" name="Content Placeholder 2">
+            <a:extLst>
+              <a:ext uri="{FF2B5EF4-FFF2-40B4-BE49-F238E27FC236}">
+                <a16:creationId xmlns:a16="http://schemas.microsoft.com/office/drawing/2014/main" id="{11A23008-31C2-CA47-854E-496EB51697B2}"/>
+              </a:ext>
+            </a:extLst>
+          </p:cNvPr>
+          <p:cNvSpPr>
+            <a:spLocks noGrp="1"/>
+          </p:cNvSpPr>
+          <p:nvPr>
+            <p:ph idx="1"/>
+          </p:nvPr>
+        </p:nvSpPr>
+        <p:spPr/>
+        <p:txBody>
+          <a:bodyPr/>
+          <a:lstStyle/>
+          <a:p>
+            <a:r>
+              <a:rPr lang="en-US" dirty="0"/>
+              <a:t>We can create something called a </a:t>
+            </a:r>
+            <a:r>
+              <a:rPr lang="en-US" dirty="0">
+                <a:solidFill>
+                  <a:srgbClr val="FF7AB0"/>
+                </a:solidFill>
+                <a:latin typeface="Consolas" panose="020B0609020204030204" pitchFamily="49" charset="0"/>
+                <a:cs typeface="Consolas" panose="020B0609020204030204" pitchFamily="49" charset="0"/>
+              </a:rPr>
+              <a:t>struct</a:t>
+            </a:r>
+          </a:p>
+          <a:p>
+            <a:endParaRPr lang="en-US" dirty="0"/>
+          </a:p>
+          <a:p>
+            <a:r>
+              <a:rPr lang="en-US" dirty="0"/>
+              <a:t>A </a:t>
+            </a:r>
+            <a:r>
+              <a:rPr lang="en-US" dirty="0">
+                <a:solidFill>
+                  <a:srgbClr val="FF7AB0"/>
+                </a:solidFill>
+                <a:latin typeface="Consolas" panose="020B0609020204030204" pitchFamily="49" charset="0"/>
+                <a:cs typeface="Consolas" panose="020B0609020204030204" pitchFamily="49" charset="0"/>
+              </a:rPr>
+              <a:t>struct</a:t>
+            </a:r>
+            <a:r>
+              <a:rPr lang="en-US" dirty="0"/>
+              <a:t> is defined as follows:</a:t>
+            </a:r>
+          </a:p>
+          <a:p>
+            <a:endParaRPr lang="en-US" dirty="0"/>
+          </a:p>
+        </p:txBody>
+      </p:sp>
+      <p:pic>
+        <p:nvPicPr>
+          <p:cNvPr id="7" name="Picture 6">
+            <a:extLst>
+              <a:ext uri="{FF2B5EF4-FFF2-40B4-BE49-F238E27FC236}">
+                <a16:creationId xmlns:a16="http://schemas.microsoft.com/office/drawing/2014/main" id="{5600B3C2-18A1-FD49-BEE8-A53435843626}"/>
+              </a:ext>
+            </a:extLst>
+          </p:cNvPr>
+          <p:cNvPicPr>
+            <a:picLocks noChangeAspect="1"/>
+          </p:cNvPicPr>
+          <p:nvPr/>
+        </p:nvPicPr>
+        <p:blipFill>
+          <a:blip r:embed="rId2"/>
+          <a:stretch>
+            <a:fillRect/>
+          </a:stretch>
+        </p:blipFill>
+        <p:spPr>
+          <a:xfrm>
+            <a:off x="2452052" y="4340832"/>
+            <a:ext cx="4198423" cy="1898650"/>
+          </a:xfrm>
+          <a:prstGeom prst="rect">
+            <a:avLst/>
+          </a:prstGeom>
+        </p:spPr>
+      </p:pic>
+    </p:spTree>
+    <p:extLst>
+      <p:ext uri="{BB962C8B-B14F-4D97-AF65-F5344CB8AC3E}">
+        <p14:creationId xmlns:p14="http://schemas.microsoft.com/office/powerpoint/2010/main" val="3004594764"/>
+      </p:ext>
+    </p:extLst>
+  </p:cSld>
+  <p:clrMapOvr>
+    <a:masterClrMapping/>
+  </p:clrMapOvr>
+  <p:timing>
+    <p:tnLst>
+      <p:par>
+        <p:cTn id="1" dur="indefinite" restart="never" nodeType="tmRoot">
+          <p:childTnLst>
+            <p:seq concurrent="1" nextAc="seek">
+              <p:cTn id="2" dur="indefinite" nodeType="mainSeq">
+                <p:childTnLst>
+                  <p:par>
+                    <p:cTn id="3" fill="hold">
+                      <p:stCondLst>
+                        <p:cond delay="indefinite"/>
+                      </p:stCondLst>
+                      <p:childTnLst>
+                        <p:par>
+                          <p:cTn id="4" fill="hold">
+                            <p:stCondLst>
+                              <p:cond delay="0"/>
+                            </p:stCondLst>
+                            <p:childTnLst>
+                              <p:par>
+                                <p:cTn id="5" presetID="2" presetClass="entr" presetSubtype="6" fill="hold" grpId="0" nodeType="clickEffect">
+                                  <p:stCondLst>
+                                    <p:cond delay="0"/>
+                                  </p:stCondLst>
+                                  <p:childTnLst>
+                                    <p:set>
+                                      <p:cBhvr>
+                                        <p:cTn id="6" dur="1" fill="hold">
+                                          <p:stCondLst>
+                                            <p:cond delay="0"/>
+                                          </p:stCondLst>
+                                        </p:cTn>
+                                        <p:tgtEl>
+                                          <p:spTgt spid="3">
+                                            <p:txEl>
+                                              <p:pRg st="0" end="0"/>
+                                            </p:txEl>
+                                          </p:spTgt>
+                                        </p:tgtEl>
+                                        <p:attrNameLst>
+                                          <p:attrName>style.visibility</p:attrName>
+                                        </p:attrNameLst>
+                                      </p:cBhvr>
+                                      <p:to>
+                                        <p:strVal val="visible"/>
+                                      </p:to>
+                                    </p:set>
+                                    <p:anim calcmode="lin" valueType="num">
+                                      <p:cBhvr additive="base">
+                                        <p:cTn id="7" dur="500" fill="hold"/>
+                                        <p:tgtEl>
+                                          <p:spTgt spid="3">
+                                            <p:txEl>
+                                              <p:pRg st="0" end="0"/>
+                                            </p:txEl>
+                                          </p:spTgt>
+                                        </p:tgtEl>
+                                        <p:attrNameLst>
+                                          <p:attrName>ppt_x</p:attrName>
+                                        </p:attrNameLst>
+                                      </p:cBhvr>
+                                      <p:tavLst>
+                                        <p:tav tm="0">
+                                          <p:val>
+                                            <p:strVal val="1+#ppt_w/2"/>
+                                          </p:val>
+                                        </p:tav>
+                                        <p:tav tm="100000">
+                                          <p:val>
+                                            <p:strVal val="#ppt_x"/>
+                                          </p:val>
+                                        </p:tav>
+                                      </p:tavLst>
+                                    </p:anim>
+                                    <p:anim calcmode="lin" valueType="num">
+                                      <p:cBhvr additive="base">
+                                        <p:cTn id="8" dur="500" fill="hold"/>
+                                        <p:tgtEl>
+                                          <p:spTgt spid="3">
+                                            <p:txEl>
+                                              <p:pRg st="0" end="0"/>
+                                            </p:txEl>
+                                          </p:spTgt>
+                                        </p:tgtEl>
+                                        <p:attrNameLst>
+                                          <p:attrName>ppt_y</p:attrName>
+                                        </p:attrNameLst>
+                                      </p:cBhvr>
+                                      <p:tavLst>
+                                        <p:tav tm="0">
+                                          <p:val>
+                                            <p:strVal val="1+#ppt_h/2"/>
+                                          </p:val>
+                                        </p:tav>
+                                        <p:tav tm="100000">
+                                          <p:val>
+                                            <p:strVal val="#ppt_y"/>
+                                          </p:val>
+                                        </p:tav>
+                                      </p:tavLst>
+                                    </p:anim>
+                                  </p:childTnLst>
+                                </p:cTn>
+                              </p:par>
+                            </p:childTnLst>
+                          </p:cTn>
+                        </p:par>
+                      </p:childTnLst>
+                    </p:cTn>
+                  </p:par>
+                  <p:par>
+                    <p:cTn id="9" fill="hold">
+                      <p:stCondLst>
+                        <p:cond delay="indefinite"/>
+                      </p:stCondLst>
+                      <p:childTnLst>
+                        <p:par>
+                          <p:cTn id="10" fill="hold">
+                            <p:stCondLst>
+                              <p:cond delay="0"/>
+                            </p:stCondLst>
+                            <p:childTnLst>
+                              <p:par>
+                                <p:cTn id="11" presetID="2" presetClass="entr" presetSubtype="6" fill="hold" grpId="0" nodeType="clickEffect">
+                                  <p:stCondLst>
+                                    <p:cond delay="0"/>
+                                  </p:stCondLst>
+                                  <p:childTnLst>
+                                    <p:set>
+                                      <p:cBhvr>
+                                        <p:cTn id="12" dur="1" fill="hold">
+                                          <p:stCondLst>
+                                            <p:cond delay="0"/>
+                                          </p:stCondLst>
+                                        </p:cTn>
+                                        <p:tgtEl>
+                                          <p:spTgt spid="3">
+                                            <p:txEl>
+                                              <p:pRg st="2" end="2"/>
+                                            </p:txEl>
+                                          </p:spTgt>
+                                        </p:tgtEl>
+                                        <p:attrNameLst>
+                                          <p:attrName>style.visibility</p:attrName>
+                                        </p:attrNameLst>
+                                      </p:cBhvr>
+                                      <p:to>
+                                        <p:strVal val="visible"/>
+                                      </p:to>
+                                    </p:set>
+                                    <p:anim calcmode="lin" valueType="num">
+                                      <p:cBhvr additive="base">
+                                        <p:cTn id="13" dur="500" fill="hold"/>
+                                        <p:tgtEl>
+                                          <p:spTgt spid="3">
+                                            <p:txEl>
+                                              <p:pRg st="2" end="2"/>
+                                            </p:txEl>
+                                          </p:spTgt>
+                                        </p:tgtEl>
+                                        <p:attrNameLst>
+                                          <p:attrName>ppt_x</p:attrName>
+                                        </p:attrNameLst>
+                                      </p:cBhvr>
+                                      <p:tavLst>
+                                        <p:tav tm="0">
+                                          <p:val>
+                                            <p:strVal val="1+#ppt_w/2"/>
+                                          </p:val>
+                                        </p:tav>
+                                        <p:tav tm="100000">
+                                          <p:val>
+                                            <p:strVal val="#ppt_x"/>
+                                          </p:val>
+                                        </p:tav>
+                                      </p:tavLst>
+                                    </p:anim>
+                                    <p:anim calcmode="lin" valueType="num">
+                                      <p:cBhvr additive="base">
+                                        <p:cTn id="14" dur="500" fill="hold"/>
+                                        <p:tgtEl>
+                                          <p:spTgt spid="3">
+                                            <p:txEl>
+                                              <p:pRg st="2" end="2"/>
+                                            </p:txEl>
+                                          </p:spTgt>
+                                        </p:tgtEl>
+                                        <p:attrNameLst>
+                                          <p:attrName>ppt_y</p:attrName>
+                                        </p:attrNameLst>
+                                      </p:cBhvr>
+                                      <p:tavLst>
+                                        <p:tav tm="0">
+                                          <p:val>
+                                            <p:strVal val="1+#ppt_h/2"/>
+                                          </p:val>
+                                        </p:tav>
+                                        <p:tav tm="100000">
+                                          <p:val>
+                                            <p:strVal val="#ppt_y"/>
+                                          </p:val>
+                                        </p:tav>
+                                      </p:tavLst>
+                                    </p:anim>
+                                  </p:childTnLst>
+                                </p:cTn>
+                              </p:par>
+                            </p:childTnLst>
+                          </p:cTn>
+                        </p:par>
+                        <p:par>
+                          <p:cTn id="15" fill="hold">
+                            <p:stCondLst>
+                              <p:cond delay="500"/>
+                            </p:stCondLst>
+                            <p:childTnLst>
+                              <p:par>
+                                <p:cTn id="16" presetID="52" presetClass="entr" presetSubtype="0" fill="hold" nodeType="afterEffect">
+                                  <p:stCondLst>
+                                    <p:cond delay="0"/>
+                                  </p:stCondLst>
+                                  <p:childTnLst>
+                                    <p:set>
+                                      <p:cBhvr>
+                                        <p:cTn id="17" dur="1" fill="hold">
+                                          <p:stCondLst>
+                                            <p:cond delay="0"/>
+                                          </p:stCondLst>
+                                        </p:cTn>
+                                        <p:tgtEl>
+                                          <p:spTgt spid="7"/>
+                                        </p:tgtEl>
+                                        <p:attrNameLst>
+                                          <p:attrName>style.visibility</p:attrName>
+                                        </p:attrNameLst>
+                                      </p:cBhvr>
+                                      <p:to>
+                                        <p:strVal val="visible"/>
+                                      </p:to>
+                                    </p:set>
+                                    <p:animScale>
+                                      <p:cBhvr>
+                                        <p:cTn id="18" dur="1000" decel="50000" fill="hold">
+                                          <p:stCondLst>
+                                            <p:cond delay="0"/>
+                                          </p:stCondLst>
+                                        </p:cTn>
+                                        <p:tgtEl>
+                                          <p:spTgt spid="7"/>
+                                        </p:tgtEl>
+                                      </p:cBhvr>
+                                      <p:from x="250000" y="250000"/>
+                                      <p:to x="100000" y="100000"/>
+                                    </p:animScale>
+                                    <p:animMotion origin="layout" path="M -0.46736 0.92887  C -0.37517 0.88508  -0.02552 0.75279  0.0908 0.66613  C  0.20747 0.57948  0.21649 0.50394  0.23177 0.40825  C 0.24705 0.31256  0.22118 0.15964   0.18264 0.09152  C 0.1441 0.02341  0.03802 0.0  0.0 0.0  " pathEditMode="relative" ptsTypes="">
+                                      <p:cBhvr>
+                                        <p:cTn id="19" dur="1000" decel="50000" fill="hold">
+                                          <p:stCondLst>
+                                            <p:cond delay="0"/>
+                                          </p:stCondLst>
+                                        </p:cTn>
+                                        <p:tgtEl>
+                                          <p:spTgt spid="7"/>
+                                        </p:tgtEl>
+                                        <p:attrNameLst>
+                                          <p:attrName>ppt_x</p:attrName>
+                                          <p:attrName>ppt_y</p:attrName>
+                                        </p:attrNameLst>
+                                      </p:cBhvr>
+                                    </p:animMotion>
+                                    <p:animEffect transition="in" filter="fade">
+                                      <p:cBhvr>
+                                        <p:cTn id="20" dur="1000"/>
+                                        <p:tgtEl>
+                                          <p:spTgt spid="7"/>
+                                        </p:tgtEl>
+                                      </p:cBhvr>
+                                    </p:animEffect>
+                                  </p:childTnLst>
+                                </p:cTn>
+                              </p:par>
+                            </p:childTnLst>
+                          </p:cTn>
+                        </p:par>
+                      </p:childTnLst>
+                    </p:cTn>
+                  </p:par>
+                </p:childTnLst>
+              </p:cTn>
+              <p:prevCondLst>
+                <p:cond evt="onPrev" delay="0">
+                  <p:tgtEl>
+                    <p:sldTgt/>
+                  </p:tgtEl>
+                </p:cond>
+              </p:prevCondLst>
+              <p:nextCondLst>
+                <p:cond evt="onNext" delay="0">
+                  <p:tgtEl>
+                    <p:sldTgt/>
+                  </p:tgtEl>
+                </p:cond>
+              </p:nextCondLst>
+            </p:seq>
+          </p:childTnLst>
+        </p:cTn>
+      </p:par>
+    </p:tnLst>
+    <p:bldLst>
+      <p:bldP spid="3" grpId="0" build="p"/>
+    </p:bldLst>
+  </p:timing>
+</p:sld>
+</file>
+
+<file path=ppt/slides/slide22.xml><?xml version="1.0" encoding="utf-8"?>
+<p:sld xmlns:a="http://schemas.openxmlformats.org/drawingml/2006/main" xmlns:r="http://schemas.openxmlformats.org/officeDocument/2006/relationships" xmlns:p="http://schemas.openxmlformats.org/presentationml/2006/main">
+  <p:cSld>
+    <p:spTree>
+      <p:nvGrpSpPr>
+        <p:cNvPr id="1" name=""/>
+        <p:cNvGrpSpPr/>
+        <p:nvPr/>
+      </p:nvGrpSpPr>
+      <p:grpSpPr>
+        <a:xfrm>
+          <a:off x="0" y="0"/>
+          <a:ext cx="0" cy="0"/>
+          <a:chOff x="0" y="0"/>
+          <a:chExt cx="0" cy="0"/>
+        </a:xfrm>
+      </p:grpSpPr>
+      <p:sp>
+        <p:nvSpPr>
+          <p:cNvPr id="2" name="Title 1">
+            <a:extLst>
+              <a:ext uri="{FF2B5EF4-FFF2-40B4-BE49-F238E27FC236}">
+                <a16:creationId xmlns:a16="http://schemas.microsoft.com/office/drawing/2014/main" id="{FED2D094-0BAC-1142-930C-29CEDEC6FC0B}"/>
+              </a:ext>
+            </a:extLst>
+          </p:cNvPr>
+          <p:cNvSpPr>
+            <a:spLocks noGrp="1"/>
+          </p:cNvSpPr>
+          <p:nvPr>
+            <p:ph type="title"/>
+          </p:nvPr>
+        </p:nvSpPr>
+        <p:spPr/>
+        <p:txBody>
+          <a:bodyPr/>
+          <a:lstStyle/>
+          <a:p>
+            <a:pPr algn="ctr"/>
+            <a:r>
+              <a:rPr lang="en-US" b="1" dirty="0"/>
+              <a:t>Syntax of a struct</a:t>
+            </a:r>
+          </a:p>
+        </p:txBody>
+      </p:sp>
+      <p:sp>
+        <p:nvSpPr>
+          <p:cNvPr id="3" name="Content Placeholder 2">
+            <a:extLst>
+              <a:ext uri="{FF2B5EF4-FFF2-40B4-BE49-F238E27FC236}">
+                <a16:creationId xmlns:a16="http://schemas.microsoft.com/office/drawing/2014/main" id="{E25870F7-B1C5-1143-8C8B-E4C92748DE2D}"/>
+              </a:ext>
+            </a:extLst>
+          </p:cNvPr>
+          <p:cNvSpPr>
+            <a:spLocks noGrp="1"/>
+          </p:cNvSpPr>
+          <p:nvPr>
+            <p:ph idx="1"/>
+          </p:nvPr>
+        </p:nvSpPr>
+        <p:spPr>
+          <a:xfrm>
+            <a:off x="1141412" y="2249487"/>
+            <a:ext cx="9905999" cy="3989995"/>
+          </a:xfrm>
+        </p:spPr>
+        <p:txBody>
+          <a:bodyPr>
+            <a:normAutofit/>
+          </a:bodyPr>
+          <a:lstStyle/>
+          <a:p>
+            <a:r>
+              <a:rPr lang="en-US" b="1" dirty="0"/>
+              <a:t>Struct name</a:t>
+            </a:r>
+            <a:r>
+              <a:rPr lang="en-US" dirty="0"/>
+              <a:t>: This is what will call our new data-type.</a:t>
+            </a:r>
+          </a:p>
+          <a:p>
+            <a:endParaRPr lang="en-US" dirty="0"/>
+          </a:p>
+          <a:p>
+            <a:r>
+              <a:rPr lang="en-US" b="1" dirty="0"/>
+              <a:t>Attributes</a:t>
+            </a:r>
+            <a:r>
+              <a:rPr lang="en-US" dirty="0"/>
+              <a:t>: This is what our data structure includes.</a:t>
+            </a:r>
+          </a:p>
+          <a:p>
+            <a:endParaRPr lang="en-US" dirty="0"/>
+          </a:p>
+          <a:p>
+            <a:endParaRPr lang="en-US" dirty="0"/>
+          </a:p>
+          <a:p>
+            <a:r>
+              <a:rPr lang="en-US" dirty="0"/>
+              <a:t>Let’s create a datatype for a student record </a:t>
+            </a:r>
+          </a:p>
+        </p:txBody>
+      </p:sp>
+    </p:spTree>
+    <p:extLst>
+      <p:ext uri="{BB962C8B-B14F-4D97-AF65-F5344CB8AC3E}">
+        <p14:creationId xmlns:p14="http://schemas.microsoft.com/office/powerpoint/2010/main" val="2448664950"/>
+      </p:ext>
+    </p:extLst>
+  </p:cSld>
+  <p:clrMapOvr>
+    <a:masterClrMapping/>
+  </p:clrMapOvr>
+  <p:timing>
+    <p:tnLst>
+      <p:par>
+        <p:cTn id="1" dur="indefinite" restart="never" nodeType="tmRoot">
+          <p:childTnLst>
+            <p:seq concurrent="1" nextAc="seek">
+              <p:cTn id="2" dur="indefinite" nodeType="mainSeq">
+                <p:childTnLst>
+                  <p:par>
+                    <p:cTn id="3" fill="hold">
+                      <p:stCondLst>
+                        <p:cond delay="indefinite"/>
+                      </p:stCondLst>
+                      <p:childTnLst>
+                        <p:par>
+                          <p:cTn id="4" fill="hold">
+                            <p:stCondLst>
+                              <p:cond delay="0"/>
+                            </p:stCondLst>
+                            <p:childTnLst>
+                              <p:par>
+                                <p:cTn id="5" presetID="52" presetClass="entr" presetSubtype="0" fill="hold" grpId="0" nodeType="clickEffect">
+                                  <p:stCondLst>
+                                    <p:cond delay="0"/>
+                                  </p:stCondLst>
+                                  <p:childTnLst>
+                                    <p:set>
+                                      <p:cBhvr>
+                                        <p:cTn id="6" dur="1" fill="hold">
+                                          <p:stCondLst>
+                                            <p:cond delay="0"/>
+                                          </p:stCondLst>
+                                        </p:cTn>
+                                        <p:tgtEl>
+                                          <p:spTgt spid="3">
+                                            <p:txEl>
+                                              <p:pRg st="0" end="0"/>
+                                            </p:txEl>
+                                          </p:spTgt>
+                                        </p:tgtEl>
+                                        <p:attrNameLst>
+                                          <p:attrName>style.visibility</p:attrName>
+                                        </p:attrNameLst>
+                                      </p:cBhvr>
+                                      <p:to>
+                                        <p:strVal val="visible"/>
+                                      </p:to>
+                                    </p:set>
+                                    <p:animScale>
+                                      <p:cBhvr>
+                                        <p:cTn id="7" dur="1000" decel="50000" fill="hold">
+                                          <p:stCondLst>
+                                            <p:cond delay="0"/>
+                                          </p:stCondLst>
+                                        </p:cTn>
+                                        <p:tgtEl>
+                                          <p:spTgt spid="3">
+                                            <p:txEl>
+                                              <p:pRg st="0" end="0"/>
+                                            </p:txEl>
+                                          </p:spTgt>
+                                        </p:tgtEl>
+                                      </p:cBhvr>
+                                      <p:from x="250000" y="250000"/>
+                                      <p:to x="100000" y="100000"/>
+                                    </p:animScale>
+                                    <p:animMotion origin="layout" path="M -0.46736 0.92887  C -0.37517 0.88508  -0.02552 0.75279  0.0908 0.66613  C  0.20747 0.57948  0.21649 0.50394  0.23177 0.40825  C 0.24705 0.31256  0.22118 0.15964   0.18264 0.09152  C 0.1441 0.02341  0.03802 0.0  0.0 0.0  " pathEditMode="relative" ptsTypes="">
+                                      <p:cBhvr>
+                                        <p:cTn id="8" dur="1000" decel="50000" fill="hold">
+                                          <p:stCondLst>
+                                            <p:cond delay="0"/>
+                                          </p:stCondLst>
+                                        </p:cTn>
+                                        <p:tgtEl>
+                                          <p:spTgt spid="3">
+                                            <p:txEl>
+                                              <p:pRg st="0" end="0"/>
+                                            </p:txEl>
+                                          </p:spTgt>
+                                        </p:tgtEl>
+                                        <p:attrNameLst>
+                                          <p:attrName>ppt_x</p:attrName>
+                                          <p:attrName>ppt_y</p:attrName>
+                                        </p:attrNameLst>
+                                      </p:cBhvr>
+                                    </p:animMotion>
+                                    <p:animEffect transition="in" filter="fade">
+                                      <p:cBhvr>
+                                        <p:cTn id="9" dur="1000"/>
+                                        <p:tgtEl>
+                                          <p:spTgt spid="3">
+                                            <p:txEl>
+                                              <p:pRg st="0" end="0"/>
+                                            </p:txEl>
+                                          </p:spTgt>
+                                        </p:tgtEl>
+                                      </p:cBhvr>
+                                    </p:animEffect>
+                                  </p:childTnLst>
+                                </p:cTn>
+                              </p:par>
+                            </p:childTnLst>
+                          </p:cTn>
+                        </p:par>
+                      </p:childTnLst>
+                    </p:cTn>
+                  </p:par>
+                  <p:par>
+                    <p:cTn id="10" fill="hold">
+                      <p:stCondLst>
+                        <p:cond delay="indefinite"/>
+                      </p:stCondLst>
+                      <p:childTnLst>
+                        <p:par>
+                          <p:cTn id="11" fill="hold">
+                            <p:stCondLst>
+                              <p:cond delay="0"/>
+                            </p:stCondLst>
+                            <p:childTnLst>
+                              <p:par>
+                                <p:cTn id="12" presetID="52" presetClass="entr" presetSubtype="0" fill="hold" grpId="0" nodeType="clickEffect">
+                                  <p:stCondLst>
+                                    <p:cond delay="0"/>
+                                  </p:stCondLst>
+                                  <p:childTnLst>
+                                    <p:set>
+                                      <p:cBhvr>
+                                        <p:cTn id="13" dur="1" fill="hold">
+                                          <p:stCondLst>
+                                            <p:cond delay="0"/>
+                                          </p:stCondLst>
+                                        </p:cTn>
+                                        <p:tgtEl>
+                                          <p:spTgt spid="3">
+                                            <p:txEl>
+                                              <p:pRg st="2" end="2"/>
+                                            </p:txEl>
+                                          </p:spTgt>
+                                        </p:tgtEl>
+                                        <p:attrNameLst>
+                                          <p:attrName>style.visibility</p:attrName>
+                                        </p:attrNameLst>
+                                      </p:cBhvr>
+                                      <p:to>
+                                        <p:strVal val="visible"/>
+                                      </p:to>
+                                    </p:set>
+                                    <p:animScale>
+                                      <p:cBhvr>
+                                        <p:cTn id="14" dur="1000" decel="50000" fill="hold">
+                                          <p:stCondLst>
+                                            <p:cond delay="0"/>
+                                          </p:stCondLst>
+                                        </p:cTn>
+                                        <p:tgtEl>
+                                          <p:spTgt spid="3">
+                                            <p:txEl>
+                                              <p:pRg st="2" end="2"/>
+                                            </p:txEl>
+                                          </p:spTgt>
+                                        </p:tgtEl>
+                                      </p:cBhvr>
+                                      <p:from x="250000" y="250000"/>
+                                      <p:to x="100000" y="100000"/>
+                                    </p:animScale>
+                                    <p:animMotion origin="layout" path="M -0.46736 0.92887  C -0.37517 0.88508  -0.02552 0.75279  0.0908 0.66613  C  0.20747 0.57948  0.21649 0.50394  0.23177 0.40825  C 0.24705 0.31256  0.22118 0.15964   0.18264 0.09152  C 0.1441 0.02341  0.03802 0.0  0.0 0.0  " pathEditMode="relative" ptsTypes="">
+                                      <p:cBhvr>
+                                        <p:cTn id="15" dur="1000" decel="50000" fill="hold">
+                                          <p:stCondLst>
+                                            <p:cond delay="0"/>
+                                          </p:stCondLst>
+                                        </p:cTn>
+                                        <p:tgtEl>
+                                          <p:spTgt spid="3">
+                                            <p:txEl>
+                                              <p:pRg st="2" end="2"/>
+                                            </p:txEl>
+                                          </p:spTgt>
+                                        </p:tgtEl>
+                                        <p:attrNameLst>
+                                          <p:attrName>ppt_x</p:attrName>
+                                          <p:attrName>ppt_y</p:attrName>
+                                        </p:attrNameLst>
+                                      </p:cBhvr>
+                                    </p:animMotion>
+                                    <p:animEffect transition="in" filter="fade">
+                                      <p:cBhvr>
+                                        <p:cTn id="16" dur="1000"/>
+                                        <p:tgtEl>
+                                          <p:spTgt spid="3">
+                                            <p:txEl>
+                                              <p:pRg st="2" end="2"/>
+                                            </p:txEl>
+                                          </p:spTgt>
+                                        </p:tgtEl>
+                                      </p:cBhvr>
+                                    </p:animEffect>
+                                  </p:childTnLst>
+                                </p:cTn>
+                              </p:par>
+                            </p:childTnLst>
+                          </p:cTn>
+                        </p:par>
+                      </p:childTnLst>
+                    </p:cTn>
+                  </p:par>
+                  <p:par>
+                    <p:cTn id="17" fill="hold">
+                      <p:stCondLst>
+                        <p:cond delay="indefinite"/>
+                      </p:stCondLst>
+                      <p:childTnLst>
+                        <p:par>
+                          <p:cTn id="18" fill="hold">
+                            <p:stCondLst>
+                              <p:cond delay="0"/>
+                            </p:stCondLst>
+                            <p:childTnLst>
+                              <p:par>
+                                <p:cTn id="19" presetID="52" presetClass="entr" presetSubtype="0" fill="hold" grpId="0" nodeType="clickEffect">
+                                  <p:stCondLst>
+                                    <p:cond delay="0"/>
+                                  </p:stCondLst>
+                                  <p:childTnLst>
+                                    <p:set>
+                                      <p:cBhvr>
+                                        <p:cTn id="20" dur="1" fill="hold">
+                                          <p:stCondLst>
+                                            <p:cond delay="0"/>
+                                          </p:stCondLst>
+                                        </p:cTn>
+                                        <p:tgtEl>
+                                          <p:spTgt spid="3">
+                                            <p:txEl>
+                                              <p:pRg st="5" end="5"/>
+                                            </p:txEl>
+                                          </p:spTgt>
+                                        </p:tgtEl>
+                                        <p:attrNameLst>
+                                          <p:attrName>style.visibility</p:attrName>
+                                        </p:attrNameLst>
+                                      </p:cBhvr>
+                                      <p:to>
+                                        <p:strVal val="visible"/>
+                                      </p:to>
+                                    </p:set>
+                                    <p:animScale>
+                                      <p:cBhvr>
+                                        <p:cTn id="21" dur="1000" decel="50000" fill="hold">
+                                          <p:stCondLst>
+                                            <p:cond delay="0"/>
+                                          </p:stCondLst>
+                                        </p:cTn>
+                                        <p:tgtEl>
+                                          <p:spTgt spid="3">
+                                            <p:txEl>
+                                              <p:pRg st="5" end="5"/>
+                                            </p:txEl>
+                                          </p:spTgt>
+                                        </p:tgtEl>
+                                      </p:cBhvr>
+                                      <p:from x="250000" y="250000"/>
+                                      <p:to x="100000" y="100000"/>
+                                    </p:animScale>
+                                    <p:animMotion origin="layout" path="M -0.46736 0.92887  C -0.37517 0.88508  -0.02552 0.75279  0.0908 0.66613  C  0.20747 0.57948  0.21649 0.50394  0.23177 0.40825  C 0.24705 0.31256  0.22118 0.15964   0.18264 0.09152  C 0.1441 0.02341  0.03802 0.0  0.0 0.0  " pathEditMode="relative" ptsTypes="">
+                                      <p:cBhvr>
+                                        <p:cTn id="22" dur="1000" decel="50000" fill="hold">
+                                          <p:stCondLst>
+                                            <p:cond delay="0"/>
+                                          </p:stCondLst>
+                                        </p:cTn>
+                                        <p:tgtEl>
+                                          <p:spTgt spid="3">
+                                            <p:txEl>
+                                              <p:pRg st="5" end="5"/>
+                                            </p:txEl>
+                                          </p:spTgt>
+                                        </p:tgtEl>
+                                        <p:attrNameLst>
+                                          <p:attrName>ppt_x</p:attrName>
+                                          <p:attrName>ppt_y</p:attrName>
+                                        </p:attrNameLst>
+                                      </p:cBhvr>
+                                    </p:animMotion>
+                                    <p:animEffect transition="in" filter="fade">
+                                      <p:cBhvr>
+                                        <p:cTn id="23" dur="1000"/>
+                                        <p:tgtEl>
+                                          <p:spTgt spid="3">
+                                            <p:txEl>
+                                              <p:pRg st="5" end="5"/>
+                                            </p:txEl>
+                                          </p:spTgt>
+                                        </p:tgtEl>
+                                      </p:cBhvr>
+                                    </p:animEffect>
+                                  </p:childTnLst>
+                                </p:cTn>
+                              </p:par>
+                            </p:childTnLst>
+                          </p:cTn>
+                        </p:par>
+                      </p:childTnLst>
+                    </p:cTn>
+                  </p:par>
+                </p:childTnLst>
+              </p:cTn>
+              <p:prevCondLst>
+                <p:cond evt="onPrev" delay="0">
+                  <p:tgtEl>
+                    <p:sldTgt/>
+                  </p:tgtEl>
+                </p:cond>
+              </p:prevCondLst>
+              <p:nextCondLst>
+                <p:cond evt="onNext" delay="0">
+                  <p:tgtEl>
+                    <p:sldTgt/>
+                  </p:tgtEl>
+                </p:cond>
+              </p:nextCondLst>
+            </p:seq>
+          </p:childTnLst>
+        </p:cTn>
+      </p:par>
+    </p:tnLst>
+    <p:bldLst>
+      <p:bldP spid="3" grpId="0" build="p"/>
+    </p:bldLst>
+  </p:timing>
+</p:sld>
+</file>
+
+<file path=ppt/slides/slide23.xml><?xml version="1.0" encoding="utf-8"?>
+<p:sld xmlns:a="http://schemas.openxmlformats.org/drawingml/2006/main" xmlns:r="http://schemas.openxmlformats.org/officeDocument/2006/relationships" xmlns:p="http://schemas.openxmlformats.org/presentationml/2006/main">
+  <p:cSld>
+    <p:spTree>
+      <p:nvGrpSpPr>
+        <p:cNvPr id="1" name=""/>
+        <p:cNvGrpSpPr/>
+        <p:nvPr/>
+      </p:nvGrpSpPr>
+      <p:grpSpPr>
+        <a:xfrm>
+          <a:off x="0" y="0"/>
+          <a:ext cx="0" cy="0"/>
+          <a:chOff x="0" y="0"/>
+          <a:chExt cx="0" cy="0"/>
+        </a:xfrm>
+      </p:grpSpPr>
+      <p:sp>
+        <p:nvSpPr>
+          <p:cNvPr id="2" name="Title 1">
+            <a:extLst>
+              <a:ext uri="{FF2B5EF4-FFF2-40B4-BE49-F238E27FC236}">
+                <a16:creationId xmlns:a16="http://schemas.microsoft.com/office/drawing/2014/main" id="{B96D18AE-F3B3-3E47-A92B-392431BE7124}"/>
+              </a:ext>
+            </a:extLst>
+          </p:cNvPr>
+          <p:cNvSpPr>
+            <a:spLocks noGrp="1"/>
+          </p:cNvSpPr>
+          <p:nvPr>
+            <p:ph type="title"/>
+          </p:nvPr>
+        </p:nvSpPr>
+        <p:spPr/>
+        <p:txBody>
+          <a:bodyPr/>
+          <a:lstStyle/>
+          <a:p>
+            <a:pPr algn="ctr"/>
+            <a:r>
+              <a:rPr lang="en-US" b="1" dirty="0"/>
+              <a:t>Struct Example: Student record</a:t>
+            </a:r>
+          </a:p>
+        </p:txBody>
+      </p:sp>
+      <p:pic>
+        <p:nvPicPr>
+          <p:cNvPr id="5" name="Content Placeholder 4">
+            <a:extLst>
+              <a:ext uri="{FF2B5EF4-FFF2-40B4-BE49-F238E27FC236}">
+                <a16:creationId xmlns:a16="http://schemas.microsoft.com/office/drawing/2014/main" id="{373651AA-5F25-C441-8D55-220CFC8FA4E7}"/>
+              </a:ext>
+            </a:extLst>
+          </p:cNvPr>
+          <p:cNvPicPr>
+            <a:picLocks noGrp="1" noChangeAspect="1"/>
+          </p:cNvPicPr>
+          <p:nvPr>
+            <p:ph idx="1"/>
+          </p:nvPr>
+        </p:nvPicPr>
+        <p:blipFill>
+          <a:blip r:embed="rId2"/>
+          <a:stretch>
+            <a:fillRect/>
+          </a:stretch>
+        </p:blipFill>
+        <p:spPr>
+          <a:xfrm>
+            <a:off x="3402488" y="2097088"/>
+            <a:ext cx="5383848" cy="3704727"/>
+          </a:xfrm>
+        </p:spPr>
+      </p:pic>
+      <p:sp>
+        <p:nvSpPr>
+          <p:cNvPr id="6" name="TextBox 5">
+            <a:extLst>
+              <a:ext uri="{FF2B5EF4-FFF2-40B4-BE49-F238E27FC236}">
+                <a16:creationId xmlns:a16="http://schemas.microsoft.com/office/drawing/2014/main" id="{ACA4AA96-AD0B-0C4D-BBAC-C2342E7D254A}"/>
+              </a:ext>
+            </a:extLst>
+          </p:cNvPr>
+          <p:cNvSpPr txBox="1"/>
+          <p:nvPr/>
+        </p:nvSpPr>
+        <p:spPr>
+          <a:xfrm>
+            <a:off x="1510593" y="6054816"/>
+            <a:ext cx="9167638" cy="369332"/>
+          </a:xfrm>
+          <a:prstGeom prst="rect">
+            <a:avLst/>
+          </a:prstGeom>
+          <a:noFill/>
+        </p:spPr>
+        <p:txBody>
+          <a:bodyPr wrap="none" rtlCol="0">
+            <a:spAutoFit/>
+          </a:bodyPr>
+          <a:lstStyle/>
+          <a:p>
+            <a:r>
+              <a:rPr lang="en-US" b="1" dirty="0"/>
+              <a:t>NOTE</a:t>
+            </a:r>
+            <a:r>
+              <a:rPr lang="en-US" dirty="0"/>
+              <a:t>: The </a:t>
+            </a:r>
+            <a:r>
+              <a:rPr lang="en-US" dirty="0">
+                <a:latin typeface="Consolas" panose="020B0609020204030204" pitchFamily="49" charset="0"/>
+                <a:cs typeface="Consolas" panose="020B0609020204030204" pitchFamily="49" charset="0"/>
+              </a:rPr>
+              <a:t>s_</a:t>
+            </a:r>
+            <a:r>
+              <a:rPr lang="en-US" dirty="0"/>
+              <a:t> is just a </a:t>
+            </a:r>
+            <a:r>
+              <a:rPr lang="en-US" b="1" dirty="0"/>
+              <a:t>convention</a:t>
+            </a:r>
+            <a:r>
+              <a:rPr lang="en-US" dirty="0"/>
+              <a:t> that </a:t>
+            </a:r>
+            <a:r>
+              <a:rPr lang="en-US" b="1" dirty="0"/>
+              <a:t>I use</a:t>
+            </a:r>
+            <a:r>
+              <a:rPr lang="en-US" dirty="0"/>
+              <a:t> to indicate that this is a</a:t>
+            </a:r>
+            <a:r>
+              <a:rPr lang="en-US" b="1" dirty="0"/>
+              <a:t> member variable of student</a:t>
+            </a:r>
+          </a:p>
+        </p:txBody>
+      </p:sp>
+    </p:spTree>
+    <p:extLst>
+      <p:ext uri="{BB962C8B-B14F-4D97-AF65-F5344CB8AC3E}">
+        <p14:creationId xmlns:p14="http://schemas.microsoft.com/office/powerpoint/2010/main" val="2348922084"/>
+      </p:ext>
+    </p:extLst>
+  </p:cSld>
+  <p:clrMapOvr>
+    <a:masterClrMapping/>
+  </p:clrMapOvr>
+  <p:timing>
+    <p:tnLst>
+      <p:par>
+        <p:cTn id="1" dur="indefinite" restart="never" nodeType="tmRoot">
+          <p:childTnLst>
+            <p:seq concurrent="1" nextAc="seek">
+              <p:cTn id="2" dur="indefinite" nodeType="mainSeq">
+                <p:childTnLst>
+                  <p:par>
+                    <p:cTn id="3" fill="hold">
+                      <p:stCondLst>
+                        <p:cond delay="indefinite"/>
+                      </p:stCondLst>
+                      <p:childTnLst>
+                        <p:par>
+                          <p:cTn id="4" fill="hold">
+                            <p:stCondLst>
+                              <p:cond delay="0"/>
+                            </p:stCondLst>
+                            <p:childTnLst>
+                              <p:par>
+                                <p:cTn id="5" presetID="2" presetClass="entr" presetSubtype="6" fill="hold" nodeType="clickEffect">
+                                  <p:stCondLst>
+                                    <p:cond delay="0"/>
+                                  </p:stCondLst>
+                                  <p:childTnLst>
+                                    <p:set>
+                                      <p:cBhvr>
+                                        <p:cTn id="6" dur="1" fill="hold">
+                                          <p:stCondLst>
+                                            <p:cond delay="0"/>
+                                          </p:stCondLst>
+                                        </p:cTn>
+                                        <p:tgtEl>
+                                          <p:spTgt spid="5"/>
+                                        </p:tgtEl>
+                                        <p:attrNameLst>
+                                          <p:attrName>style.visibility</p:attrName>
+                                        </p:attrNameLst>
+                                      </p:cBhvr>
+                                      <p:to>
+                                        <p:strVal val="visible"/>
+                                      </p:to>
+                                    </p:set>
+                                    <p:anim calcmode="lin" valueType="num">
+                                      <p:cBhvr additive="base">
+                                        <p:cTn id="7" dur="500" fill="hold"/>
+                                        <p:tgtEl>
+                                          <p:spTgt spid="5"/>
+                                        </p:tgtEl>
+                                        <p:attrNameLst>
+                                          <p:attrName>ppt_x</p:attrName>
+                                        </p:attrNameLst>
+                                      </p:cBhvr>
+                                      <p:tavLst>
+                                        <p:tav tm="0">
+                                          <p:val>
+                                            <p:strVal val="1+#ppt_w/2"/>
+                                          </p:val>
+                                        </p:tav>
+                                        <p:tav tm="100000">
+                                          <p:val>
+                                            <p:strVal val="#ppt_x"/>
+                                          </p:val>
+                                        </p:tav>
+                                      </p:tavLst>
+                                    </p:anim>
+                                    <p:anim calcmode="lin" valueType="num">
+                                      <p:cBhvr additive="base">
+                                        <p:cTn id="8" dur="500" fill="hold"/>
+                                        <p:tgtEl>
+                                          <p:spTgt spid="5"/>
+                                        </p:tgtEl>
+                                        <p:attrNameLst>
+                                          <p:attrName>ppt_y</p:attrName>
+                                        </p:attrNameLst>
+                                      </p:cBhvr>
+                                      <p:tavLst>
+                                        <p:tav tm="0">
+                                          <p:val>
+                                            <p:strVal val="1+#ppt_h/2"/>
+                                          </p:val>
+                                        </p:tav>
+                                        <p:tav tm="100000">
+                                          <p:val>
+                                            <p:strVal val="#ppt_y"/>
+                                          </p:val>
+                                        </p:tav>
+                                      </p:tavLst>
+                                    </p:anim>
+                                  </p:childTnLst>
+                                </p:cTn>
+                              </p:par>
+                            </p:childTnLst>
+                          </p:cTn>
+                        </p:par>
+                        <p:par>
+                          <p:cTn id="9" fill="hold">
+                            <p:stCondLst>
+                              <p:cond delay="500"/>
+                            </p:stCondLst>
+                            <p:childTnLst>
+                              <p:par>
+                                <p:cTn id="10" presetID="2" presetClass="entr" presetSubtype="4" fill="hold" grpId="0" nodeType="afterEffect">
+                                  <p:stCondLst>
+                                    <p:cond delay="0"/>
+                                  </p:stCondLst>
+                                  <p:childTnLst>
+                                    <p:set>
+                                      <p:cBhvr>
+                                        <p:cTn id="11" dur="1" fill="hold">
+                                          <p:stCondLst>
+                                            <p:cond delay="0"/>
+                                          </p:stCondLst>
+                                        </p:cTn>
+                                        <p:tgtEl>
+                                          <p:spTgt spid="6"/>
+                                        </p:tgtEl>
+                                        <p:attrNameLst>
+                                          <p:attrName>style.visibility</p:attrName>
+                                        </p:attrNameLst>
+                                      </p:cBhvr>
+                                      <p:to>
+                                        <p:strVal val="visible"/>
+                                      </p:to>
+                                    </p:set>
+                                    <p:anim calcmode="lin" valueType="num">
+                                      <p:cBhvr additive="base">
+                                        <p:cTn id="12" dur="500" fill="hold"/>
+                                        <p:tgtEl>
+                                          <p:spTgt spid="6"/>
+                                        </p:tgtEl>
+                                        <p:attrNameLst>
+                                          <p:attrName>ppt_x</p:attrName>
+                                        </p:attrNameLst>
+                                      </p:cBhvr>
+                                      <p:tavLst>
+                                        <p:tav tm="0">
+                                          <p:val>
+                                            <p:strVal val="#ppt_x"/>
+                                          </p:val>
+                                        </p:tav>
+                                        <p:tav tm="100000">
+                                          <p:val>
+                                            <p:strVal val="#ppt_x"/>
+                                          </p:val>
+                                        </p:tav>
+                                      </p:tavLst>
+                                    </p:anim>
+                                    <p:anim calcmode="lin" valueType="num">
+                                      <p:cBhvr additive="base">
+                                        <p:cTn id="13" dur="500" fill="hold"/>
+                                        <p:tgtEl>
+                                          <p:spTgt spid="6"/>
+                                        </p:tgtEl>
+                                        <p:attrNameLst>
+                                          <p:attrName>ppt_y</p:attrName>
+                                        </p:attrNameLst>
+                                      </p:cBhvr>
+                                      <p:tavLst>
+                                        <p:tav tm="0">
+                                          <p:val>
+                                            <p:strVal val="1+#ppt_h/2"/>
+                                          </p:val>
+                                        </p:tav>
+                                        <p:tav tm="100000">
+                                          <p:val>
+                                            <p:strVal val="#ppt_y"/>
+                                          </p:val>
+                                        </p:tav>
+                                      </p:tavLst>
+                                    </p:anim>
+                                  </p:childTnLst>
+                                </p:cTn>
+                              </p:par>
+                            </p:childTnLst>
+                          </p:cTn>
+                        </p:par>
+                      </p:childTnLst>
+                    </p:cTn>
+                  </p:par>
+                </p:childTnLst>
+              </p:cTn>
+              <p:prevCondLst>
+                <p:cond evt="onPrev" delay="0">
+                  <p:tgtEl>
+                    <p:sldTgt/>
+                  </p:tgtEl>
+                </p:cond>
+              </p:prevCondLst>
+              <p:nextCondLst>
+                <p:cond evt="onNext" delay="0">
+                  <p:tgtEl>
+                    <p:sldTgt/>
+                  </p:tgtEl>
+                </p:cond>
+              </p:nextCondLst>
+            </p:seq>
+          </p:childTnLst>
+        </p:cTn>
+      </p:par>
+    </p:tnLst>
+    <p:bldLst>
+      <p:bldP spid="6" grpId="0"/>
+    </p:bldLst>
+  </p:timing>
+</p:sld>
+</file>
+
+<file path=ppt/slides/slide24.xml><?xml version="1.0" encoding="utf-8"?>
+<p:sld xmlns:a="http://schemas.openxmlformats.org/drawingml/2006/main" xmlns:r="http://schemas.openxmlformats.org/officeDocument/2006/relationships" xmlns:p="http://schemas.openxmlformats.org/presentationml/2006/main">
+  <p:cSld>
+    <p:spTree>
+      <p:nvGrpSpPr>
+        <p:cNvPr id="1" name=""/>
+        <p:cNvGrpSpPr/>
+        <p:nvPr/>
+      </p:nvGrpSpPr>
+      <p:grpSpPr>
+        <a:xfrm>
+          <a:off x="0" y="0"/>
+          <a:ext cx="0" cy="0"/>
+          <a:chOff x="0" y="0"/>
+          <a:chExt cx="0" cy="0"/>
+        </a:xfrm>
+      </p:grpSpPr>
+      <p:sp>
+        <p:nvSpPr>
+          <p:cNvPr id="2" name="Title 1">
+            <a:extLst>
+              <a:ext uri="{FF2B5EF4-FFF2-40B4-BE49-F238E27FC236}">
+                <a16:creationId xmlns:a16="http://schemas.microsoft.com/office/drawing/2014/main" id="{13CD5045-7134-294D-AECE-13F9B5C7663A}"/>
+              </a:ext>
+            </a:extLst>
+          </p:cNvPr>
+          <p:cNvSpPr>
+            <a:spLocks noGrp="1"/>
+          </p:cNvSpPr>
+          <p:nvPr>
+            <p:ph type="title"/>
+          </p:nvPr>
+        </p:nvSpPr>
+        <p:spPr/>
+        <p:txBody>
+          <a:bodyPr/>
+          <a:lstStyle/>
+          <a:p>
+            <a:pPr algn="ctr"/>
+            <a:r>
+              <a:rPr lang="en-US" b="1" dirty="0"/>
+              <a:t>Let’s use our data structure</a:t>
+            </a:r>
+          </a:p>
+        </p:txBody>
+      </p:sp>
+      <p:pic>
+        <p:nvPicPr>
+          <p:cNvPr id="5" name="Content Placeholder 4">
+            <a:extLst>
+              <a:ext uri="{FF2B5EF4-FFF2-40B4-BE49-F238E27FC236}">
+                <a16:creationId xmlns:a16="http://schemas.microsoft.com/office/drawing/2014/main" id="{9AAFB15A-3F4A-BB4B-999B-05583E3F6801}"/>
+              </a:ext>
+            </a:extLst>
+          </p:cNvPr>
+          <p:cNvPicPr>
+            <a:picLocks noGrp="1" noChangeAspect="1"/>
+          </p:cNvPicPr>
+          <p:nvPr>
+            <p:ph idx="1"/>
+          </p:nvPr>
+        </p:nvPicPr>
+        <p:blipFill>
+          <a:blip r:embed="rId2"/>
+          <a:stretch>
+            <a:fillRect/>
+          </a:stretch>
+        </p:blipFill>
+        <p:spPr>
+          <a:xfrm>
+            <a:off x="2964467" y="1914208"/>
+            <a:ext cx="6259889" cy="4673224"/>
+          </a:xfrm>
+        </p:spPr>
+      </p:pic>
+    </p:spTree>
+    <p:extLst>
+      <p:ext uri="{BB962C8B-B14F-4D97-AF65-F5344CB8AC3E}">
+        <p14:creationId xmlns:p14="http://schemas.microsoft.com/office/powerpoint/2010/main" val="2969810264"/>
+      </p:ext>
+    </p:extLst>
+  </p:cSld>
+  <p:clrMapOvr>
+    <a:masterClrMapping/>
+  </p:clrMapOvr>
+  <p:timing>
+    <p:tnLst>
+      <p:par>
+        <p:cTn id="1" dur="indefinite" restart="never" nodeType="tmRoot">
+          <p:childTnLst>
+            <p:seq concurrent="1" nextAc="seek">
+              <p:cTn id="2" dur="indefinite" nodeType="mainSeq">
+                <p:childTnLst>
+                  <p:par>
+                    <p:cTn id="3" fill="hold">
+                      <p:stCondLst>
+                        <p:cond delay="indefinite"/>
+                      </p:stCondLst>
+                      <p:childTnLst>
+                        <p:par>
+                          <p:cTn id="4" fill="hold">
+                            <p:stCondLst>
+                              <p:cond delay="0"/>
+                            </p:stCondLst>
+                            <p:childTnLst>
+                              <p:par>
+                                <p:cTn id="5" presetID="2" presetClass="entr" presetSubtype="6" fill="hold" nodeType="clickEffect">
+                                  <p:stCondLst>
+                                    <p:cond delay="0"/>
+                                  </p:stCondLst>
+                                  <p:childTnLst>
+                                    <p:set>
+                                      <p:cBhvr>
+                                        <p:cTn id="6" dur="1" fill="hold">
+                                          <p:stCondLst>
+                                            <p:cond delay="0"/>
+                                          </p:stCondLst>
+                                        </p:cTn>
+                                        <p:tgtEl>
+                                          <p:spTgt spid="5"/>
+                                        </p:tgtEl>
+                                        <p:attrNameLst>
+                                          <p:attrName>style.visibility</p:attrName>
+                                        </p:attrNameLst>
+                                      </p:cBhvr>
+                                      <p:to>
+                                        <p:strVal val="visible"/>
+                                      </p:to>
+                                    </p:set>
+                                    <p:anim calcmode="lin" valueType="num">
+                                      <p:cBhvr additive="base">
+                                        <p:cTn id="7" dur="500" fill="hold"/>
+                                        <p:tgtEl>
+                                          <p:spTgt spid="5"/>
+                                        </p:tgtEl>
+                                        <p:attrNameLst>
+                                          <p:attrName>ppt_x</p:attrName>
+                                        </p:attrNameLst>
+                                      </p:cBhvr>
+                                      <p:tavLst>
+                                        <p:tav tm="0">
+                                          <p:val>
+                                            <p:strVal val="1+#ppt_w/2"/>
+                                          </p:val>
+                                        </p:tav>
+                                        <p:tav tm="100000">
+                                          <p:val>
+                                            <p:strVal val="#ppt_x"/>
+                                          </p:val>
+                                        </p:tav>
+                                      </p:tavLst>
+                                    </p:anim>
+                                    <p:anim calcmode="lin" valueType="num">
+                                      <p:cBhvr additive="base">
+                                        <p:cTn id="8" dur="500" fill="hold"/>
+                                        <p:tgtEl>
+                                          <p:spTgt spid="5"/>
+                                        </p:tgtEl>
+                                        <p:attrNameLst>
+                                          <p:attrName>ppt_y</p:attrName>
+                                        </p:attrNameLst>
+                                      </p:cBhvr>
+                                      <p:tavLst>
+                                        <p:tav tm="0">
+                                          <p:val>
+                                            <p:strVal val="1+#ppt_h/2"/>
+                                          </p:val>
+                                        </p:tav>
+                                        <p:tav tm="100000">
+                                          <p:val>
+                                            <p:strVal val="#ppt_y"/>
+                                          </p:val>
+                                        </p:tav>
+                                      </p:tavLst>
+                                    </p:anim>
+                                  </p:childTnLst>
+                                </p:cTn>
+                              </p:par>
+                            </p:childTnLst>
+                          </p:cTn>
+                        </p:par>
+                      </p:childTnLst>
+                    </p:cTn>
+                  </p:par>
+                </p:childTnLst>
+              </p:cTn>
+              <p:prevCondLst>
+                <p:cond evt="onPrev" delay="0">
+                  <p:tgtEl>
+                    <p:sldTgt/>
+                  </p:tgtEl>
+                </p:cond>
+              </p:prevCondLst>
+              <p:nextCondLst>
+                <p:cond evt="onNext" delay="0">
+                  <p:tgtEl>
+                    <p:sldTgt/>
+                  </p:tgtEl>
+                </p:cond>
+              </p:nextCondLst>
+            </p:seq>
+          </p:childTnLst>
+        </p:cTn>
+      </p:par>
+    </p:tnLst>
+  </p:timing>
+</p:sld>
+</file>
+
+<file path=ppt/slides/slide25.xml><?xml version="1.0" encoding="utf-8"?>
+<p:sld xmlns:a="http://schemas.openxmlformats.org/drawingml/2006/main" xmlns:r="http://schemas.openxmlformats.org/officeDocument/2006/relationships" xmlns:p="http://schemas.openxmlformats.org/presentationml/2006/main">
+  <p:cSld>
+    <p:spTree>
+      <p:nvGrpSpPr>
+        <p:cNvPr id="1" name=""/>
+        <p:cNvGrpSpPr/>
+        <p:nvPr/>
+      </p:nvGrpSpPr>
+      <p:grpSpPr>
+        <a:xfrm>
+          <a:off x="0" y="0"/>
+          <a:ext cx="0" cy="0"/>
+          <a:chOff x="0" y="0"/>
+          <a:chExt cx="0" cy="0"/>
+        </a:xfrm>
+      </p:grpSpPr>
+      <p:sp>
+        <p:nvSpPr>
+          <p:cNvPr id="2" name="Title 1">
+            <a:extLst>
+              <a:ext uri="{FF2B5EF4-FFF2-40B4-BE49-F238E27FC236}">
+                <a16:creationId xmlns:a16="http://schemas.microsoft.com/office/drawing/2014/main" id="{53B7042A-E552-0D48-82DF-9F960FE7FDFF}"/>
+              </a:ext>
+            </a:extLst>
+          </p:cNvPr>
+          <p:cNvSpPr>
+            <a:spLocks noGrp="1"/>
+          </p:cNvSpPr>
+          <p:nvPr>
+            <p:ph type="title"/>
+          </p:nvPr>
+        </p:nvSpPr>
+        <p:spPr/>
+        <p:txBody>
+          <a:bodyPr/>
+          <a:lstStyle/>
+          <a:p>
+            <a:pPr algn="ctr"/>
+            <a:r>
+              <a:rPr lang="en-US" b="1" dirty="0"/>
+              <a:t>Struct exercise</a:t>
+            </a:r>
+          </a:p>
+        </p:txBody>
+      </p:sp>
+      <p:sp>
+        <p:nvSpPr>
+          <p:cNvPr id="3" name="Content Placeholder 2">
+            <a:extLst>
+              <a:ext uri="{FF2B5EF4-FFF2-40B4-BE49-F238E27FC236}">
+                <a16:creationId xmlns:a16="http://schemas.microsoft.com/office/drawing/2014/main" id="{2B5DBC29-C5E1-8448-A23F-2E24A600B839}"/>
+              </a:ext>
+            </a:extLst>
+          </p:cNvPr>
+          <p:cNvSpPr>
+            <a:spLocks noGrp="1"/>
+          </p:cNvSpPr>
+          <p:nvPr>
+            <p:ph idx="1"/>
+          </p:nvPr>
+        </p:nvSpPr>
+        <p:spPr/>
+        <p:txBody>
+          <a:bodyPr/>
+          <a:lstStyle/>
+          <a:p>
+            <a:r>
+              <a:rPr lang="en-US" dirty="0"/>
+              <a:t>Create your own struct and use it for something</a:t>
+            </a:r>
+          </a:p>
+          <a:p>
+            <a:endParaRPr lang="en-US" dirty="0"/>
+          </a:p>
+          <a:p>
+            <a:r>
+              <a:rPr lang="en-US" dirty="0"/>
+              <a:t>You may experiment around with this for the next 10-15 minutes</a:t>
+            </a:r>
+          </a:p>
+          <a:p>
+            <a:endParaRPr lang="en-US" dirty="0"/>
+          </a:p>
+          <a:p>
+            <a:r>
+              <a:rPr lang="en-US" b="1" dirty="0"/>
+              <a:t>Note</a:t>
+            </a:r>
+            <a:r>
+              <a:rPr lang="en-US" dirty="0"/>
+              <a:t>: The dot (</a:t>
+            </a:r>
+            <a:r>
+              <a:rPr lang="en-US" dirty="0">
+                <a:latin typeface="Consolas" panose="020B0609020204030204" pitchFamily="49" charset="0"/>
+                <a:cs typeface="Consolas" panose="020B0609020204030204" pitchFamily="49" charset="0"/>
+              </a:rPr>
+              <a:t>.</a:t>
+            </a:r>
+            <a:r>
+              <a:rPr lang="en-US" dirty="0">
+                <a:cs typeface="Consolas" panose="020B0609020204030204" pitchFamily="49" charset="0"/>
+              </a:rPr>
+              <a:t>)</a:t>
+            </a:r>
+            <a:r>
+              <a:rPr lang="en-US" dirty="0"/>
+              <a:t> operator is what lets you access an attribute of your struct</a:t>
+            </a:r>
+          </a:p>
+        </p:txBody>
+      </p:sp>
+    </p:spTree>
+    <p:extLst>
+      <p:ext uri="{BB962C8B-B14F-4D97-AF65-F5344CB8AC3E}">
+        <p14:creationId xmlns:p14="http://schemas.microsoft.com/office/powerpoint/2010/main" val="4224503747"/>
+      </p:ext>
+    </p:extLst>
+  </p:cSld>
+  <p:clrMapOvr>
+    <a:masterClrMapping/>
+  </p:clrMapOvr>
+  <p:timing>
+    <p:tnLst>
+      <p:par>
+        <p:cTn id="1" dur="indefinite" restart="never" nodeType="tmRoot">
+          <p:childTnLst>
+            <p:seq concurrent="1" nextAc="seek">
+              <p:cTn id="2" dur="indefinite" nodeType="mainSeq">
+                <p:childTnLst>
+                  <p:par>
+                    <p:cTn id="3" fill="hold">
+                      <p:stCondLst>
+                        <p:cond delay="indefinite"/>
+                      </p:stCondLst>
+                      <p:childTnLst>
+                        <p:par>
+                          <p:cTn id="4" fill="hold">
+                            <p:stCondLst>
+                              <p:cond delay="0"/>
+                            </p:stCondLst>
+                            <p:childTnLst>
+                              <p:par>
+                                <p:cTn id="5" presetID="2" presetClass="entr" presetSubtype="4" fill="hold" grpId="0" nodeType="clickEffect">
+                                  <p:stCondLst>
+                                    <p:cond delay="0"/>
+                                  </p:stCondLst>
+                                  <p:childTnLst>
+                                    <p:set>
+                                      <p:cBhvr>
+                                        <p:cTn id="6" dur="1" fill="hold">
+                                          <p:stCondLst>
+                                            <p:cond delay="0"/>
+                                          </p:stCondLst>
+                                        </p:cTn>
+                                        <p:tgtEl>
+                                          <p:spTgt spid="3">
+                                            <p:txEl>
+                                              <p:pRg st="0" end="0"/>
+                                            </p:txEl>
+                                          </p:spTgt>
+                                        </p:tgtEl>
+                                        <p:attrNameLst>
+                                          <p:attrName>style.visibility</p:attrName>
+                                        </p:attrNameLst>
+                                      </p:cBhvr>
+                                      <p:to>
+                                        <p:strVal val="visible"/>
+                                      </p:to>
+                                    </p:set>
+                                    <p:anim calcmode="lin" valueType="num">
+                                      <p:cBhvr additive="base">
+                                        <p:cTn id="7" dur="500" fill="hold"/>
+                                        <p:tgtEl>
+                                          <p:spTgt spid="3">
+                                            <p:txEl>
+                                              <p:pRg st="0" end="0"/>
+                                            </p:txEl>
+                                          </p:spTgt>
+                                        </p:tgtEl>
+                                        <p:attrNameLst>
+                                          <p:attrName>ppt_x</p:attrName>
+                                        </p:attrNameLst>
+                                      </p:cBhvr>
+                                      <p:tavLst>
+                                        <p:tav tm="0">
+                                          <p:val>
+                                            <p:strVal val="#ppt_x"/>
+                                          </p:val>
+                                        </p:tav>
+                                        <p:tav tm="100000">
+                                          <p:val>
+                                            <p:strVal val="#ppt_x"/>
+                                          </p:val>
+                                        </p:tav>
+                                      </p:tavLst>
+                                    </p:anim>
+                                    <p:anim calcmode="lin" valueType="num">
+                                      <p:cBhvr additive="base">
+                                        <p:cTn id="8" dur="500" fill="hold"/>
+                                        <p:tgtEl>
+                                          <p:spTgt spid="3">
+                                            <p:txEl>
+                                              <p:pRg st="0" end="0"/>
+                                            </p:txEl>
+                                          </p:spTgt>
+                                        </p:tgtEl>
+                                        <p:attrNameLst>
+                                          <p:attrName>ppt_y</p:attrName>
+                                        </p:attrNameLst>
+                                      </p:cBhvr>
+                                      <p:tavLst>
+                                        <p:tav tm="0">
+                                          <p:val>
+                                            <p:strVal val="1+#ppt_h/2"/>
+                                          </p:val>
+                                        </p:tav>
+                                        <p:tav tm="100000">
+                                          <p:val>
+                                            <p:strVal val="#ppt_y"/>
+                                          </p:val>
+                                        </p:tav>
+                                      </p:tavLst>
+                                    </p:anim>
+                                  </p:childTnLst>
+                                </p:cTn>
+                              </p:par>
+                            </p:childTnLst>
+                          </p:cTn>
+                        </p:par>
+                      </p:childTnLst>
+                    </p:cTn>
+                  </p:par>
+                  <p:par>
+                    <p:cTn id="9" fill="hold">
+                      <p:stCondLst>
+                        <p:cond delay="indefinite"/>
+                      </p:stCondLst>
+                      <p:childTnLst>
+                        <p:par>
+                          <p:cTn id="10" fill="hold">
+                            <p:stCondLst>
+                              <p:cond delay="0"/>
+                            </p:stCondLst>
+                            <p:childTnLst>
+                              <p:par>
+                                <p:cTn id="11" presetID="2" presetClass="entr" presetSubtype="4" fill="hold" grpId="0" nodeType="clickEffect">
+                                  <p:stCondLst>
+                                    <p:cond delay="0"/>
+                                  </p:stCondLst>
+                                  <p:childTnLst>
+                                    <p:set>
+                                      <p:cBhvr>
+                                        <p:cTn id="12" dur="1" fill="hold">
+                                          <p:stCondLst>
+                                            <p:cond delay="0"/>
+                                          </p:stCondLst>
+                                        </p:cTn>
+                                        <p:tgtEl>
+                                          <p:spTgt spid="3">
+                                            <p:txEl>
+                                              <p:pRg st="2" end="2"/>
+                                            </p:txEl>
+                                          </p:spTgt>
+                                        </p:tgtEl>
+                                        <p:attrNameLst>
+                                          <p:attrName>style.visibility</p:attrName>
+                                        </p:attrNameLst>
+                                      </p:cBhvr>
+                                      <p:to>
+                                        <p:strVal val="visible"/>
+                                      </p:to>
+                                    </p:set>
+                                    <p:anim calcmode="lin" valueType="num">
+                                      <p:cBhvr additive="base">
+                                        <p:cTn id="13" dur="500" fill="hold"/>
+                                        <p:tgtEl>
+                                          <p:spTgt spid="3">
+                                            <p:txEl>
+                                              <p:pRg st="2" end="2"/>
+                                            </p:txEl>
+                                          </p:spTgt>
+                                        </p:tgtEl>
+                                        <p:attrNameLst>
+                                          <p:attrName>ppt_x</p:attrName>
+                                        </p:attrNameLst>
+                                      </p:cBhvr>
+                                      <p:tavLst>
+                                        <p:tav tm="0">
+                                          <p:val>
+                                            <p:strVal val="#ppt_x"/>
+                                          </p:val>
+                                        </p:tav>
+                                        <p:tav tm="100000">
+                                          <p:val>
+                                            <p:strVal val="#ppt_x"/>
+                                          </p:val>
+                                        </p:tav>
+                                      </p:tavLst>
+                                    </p:anim>
+                                    <p:anim calcmode="lin" valueType="num">
+                                      <p:cBhvr additive="base">
+                                        <p:cTn id="14" dur="500" fill="hold"/>
+                                        <p:tgtEl>
+                                          <p:spTgt spid="3">
+                                            <p:txEl>
+                                              <p:pRg st="2" end="2"/>
+                                            </p:txEl>
+                                          </p:spTgt>
+                                        </p:tgtEl>
+                                        <p:attrNameLst>
+                                          <p:attrName>ppt_y</p:attrName>
+                                        </p:attrNameLst>
+                                      </p:cBhvr>
+                                      <p:tavLst>
+                                        <p:tav tm="0">
+                                          <p:val>
+                                            <p:strVal val="1+#ppt_h/2"/>
+                                          </p:val>
+                                        </p:tav>
+                                        <p:tav tm="100000">
+                                          <p:val>
+                                            <p:strVal val="#ppt_y"/>
+                                          </p:val>
+                                        </p:tav>
+                                      </p:tavLst>
+                                    </p:anim>
+                                  </p:childTnLst>
+                                </p:cTn>
+                              </p:par>
+                            </p:childTnLst>
+                          </p:cTn>
+                        </p:par>
+                      </p:childTnLst>
+                    </p:cTn>
+                  </p:par>
+                  <p:par>
+                    <p:cTn id="15" fill="hold">
+                      <p:stCondLst>
+                        <p:cond delay="indefinite"/>
+                      </p:stCondLst>
+                      <p:childTnLst>
+                        <p:par>
+                          <p:cTn id="16" fill="hold">
+                            <p:stCondLst>
+                              <p:cond delay="0"/>
+                            </p:stCondLst>
+                            <p:childTnLst>
+                              <p:par>
+                                <p:cTn id="17" presetID="2" presetClass="entr" presetSubtype="4" fill="hold" grpId="0" nodeType="clickEffect">
+                                  <p:stCondLst>
+                                    <p:cond delay="0"/>
+                                  </p:stCondLst>
+                                  <p:childTnLst>
+                                    <p:set>
+                                      <p:cBhvr>
+                                        <p:cTn id="18" dur="1" fill="hold">
+                                          <p:stCondLst>
+                                            <p:cond delay="0"/>
+                                          </p:stCondLst>
+                                        </p:cTn>
+                                        <p:tgtEl>
+                                          <p:spTgt spid="3">
+                                            <p:txEl>
+                                              <p:pRg st="4" end="4"/>
+                                            </p:txEl>
+                                          </p:spTgt>
+                                        </p:tgtEl>
+                                        <p:attrNameLst>
+                                          <p:attrName>style.visibility</p:attrName>
+                                        </p:attrNameLst>
+                                      </p:cBhvr>
+                                      <p:to>
+                                        <p:strVal val="visible"/>
+                                      </p:to>
+                                    </p:set>
+                                    <p:anim calcmode="lin" valueType="num">
+                                      <p:cBhvr additive="base">
+                                        <p:cTn id="19" dur="500" fill="hold"/>
+                                        <p:tgtEl>
+                                          <p:spTgt spid="3">
+                                            <p:txEl>
+                                              <p:pRg st="4" end="4"/>
+                                            </p:txEl>
+                                          </p:spTgt>
+                                        </p:tgtEl>
+                                        <p:attrNameLst>
+                                          <p:attrName>ppt_x</p:attrName>
+                                        </p:attrNameLst>
+                                      </p:cBhvr>
+                                      <p:tavLst>
+                                        <p:tav tm="0">
+                                          <p:val>
+                                            <p:strVal val="#ppt_x"/>
+                                          </p:val>
+                                        </p:tav>
+                                        <p:tav tm="100000">
+                                          <p:val>
+                                            <p:strVal val="#ppt_x"/>
+                                          </p:val>
+                                        </p:tav>
+                                      </p:tavLst>
+                                    </p:anim>
+                                    <p:anim calcmode="lin" valueType="num">
+                                      <p:cBhvr additive="base">
+                                        <p:cTn id="20" dur="500" fill="hold"/>
+                                        <p:tgtEl>
+                                          <p:spTgt spid="3">
+                                            <p:txEl>
+                                              <p:pRg st="4" end="4"/>
+                                            </p:txEl>
+                                          </p:spTgt>
+                                        </p:tgtEl>
+                                        <p:attrNameLst>
+                                          <p:attrName>ppt_y</p:attrName>
+                                        </p:attrNameLst>
+                                      </p:cBhvr>
+                                      <p:tavLst>
+                                        <p:tav tm="0">
+                                          <p:val>
+                                            <p:strVal val="1+#ppt_h/2"/>
+                                          </p:val>
+                                        </p:tav>
+                                        <p:tav tm="100000">
+                                          <p:val>
+                                            <p:strVal val="#ppt_y"/>
+                                          </p:val>
+                                        </p:tav>
+                                      </p:tavLst>
+                                    </p:anim>
+                                  </p:childTnLst>
+                                </p:cTn>
+                              </p:par>
+                            </p:childTnLst>
+                          </p:cTn>
+                        </p:par>
+                      </p:childTnLst>
+                    </p:cTn>
+                  </p:par>
+                </p:childTnLst>
+              </p:cTn>
+              <p:prevCondLst>
+                <p:cond evt="onPrev" delay="0">
+                  <p:tgtEl>
+                    <p:sldTgt/>
+                  </p:tgtEl>
+                </p:cond>
+              </p:prevCondLst>
+              <p:nextCondLst>
+                <p:cond evt="onNext" delay="0">
+                  <p:tgtEl>
+                    <p:sldTgt/>
+                  </p:tgtEl>
+                </p:cond>
+              </p:nextCondLst>
+            </p:seq>
+          </p:childTnLst>
+        </p:cTn>
+      </p:par>
+    </p:tnLst>
+    <p:bldLst>
+      <p:bldP spid="3" grpId="0" build="p"/>
+    </p:bldLst>
+  </p:timing>
+</p:sld>
+</file>
+
+<file path=ppt/slides/slide26.xml><?xml version="1.0" encoding="utf-8"?>
 <p:sld xmlns:a="http://schemas.openxmlformats.org/drawingml/2006/main" xmlns:r="http://schemas.openxmlformats.org/officeDocument/2006/relationships" xmlns:p="http://schemas.openxmlformats.org/presentationml/2006/main">
   <p:cSld>
     <p:spTree>
@@ -16842,7 +23033,7 @@
 </p:sld>
 </file>
 
-<file path=ppt/slides/slide19.xml><?xml version="1.0" encoding="utf-8"?>
+<file path=ppt/slides/slide27.xml><?xml version="1.0" encoding="utf-8"?>
 <p:sld xmlns:a="http://schemas.openxmlformats.org/drawingml/2006/main" xmlns:r="http://schemas.openxmlformats.org/officeDocument/2006/relationships" xmlns:p="http://schemas.openxmlformats.org/presentationml/2006/main">
   <p:cSld>
     <p:spTree>
@@ -17582,1539 +23773,7 @@
 </p:sld>
 </file>
 
-<file path=ppt/slides/slide2.xml><?xml version="1.0" encoding="utf-8"?>
-<p:sld xmlns:a="http://schemas.openxmlformats.org/drawingml/2006/main" xmlns:r="http://schemas.openxmlformats.org/officeDocument/2006/relationships" xmlns:p="http://schemas.openxmlformats.org/presentationml/2006/main">
-  <p:cSld>
-    <p:spTree>
-      <p:nvGrpSpPr>
-        <p:cNvPr id="1" name=""/>
-        <p:cNvGrpSpPr/>
-        <p:nvPr/>
-      </p:nvGrpSpPr>
-      <p:grpSpPr>
-        <a:xfrm>
-          <a:off x="0" y="0"/>
-          <a:ext cx="0" cy="0"/>
-          <a:chOff x="0" y="0"/>
-          <a:chExt cx="0" cy="0"/>
-        </a:xfrm>
-      </p:grpSpPr>
-      <p:sp>
-        <p:nvSpPr>
-          <p:cNvPr id="2" name="Title 1">
-            <a:extLst>
-              <a:ext uri="{FF2B5EF4-FFF2-40B4-BE49-F238E27FC236}">
-                <a16:creationId xmlns:a16="http://schemas.microsoft.com/office/drawing/2014/main" id="{F20BE667-C98D-9144-9E17-7CE2D19C88A4}"/>
-              </a:ext>
-            </a:extLst>
-          </p:cNvPr>
-          <p:cNvSpPr>
-            <a:spLocks noGrp="1"/>
-          </p:cNvSpPr>
-          <p:nvPr>
-            <p:ph type="title"/>
-          </p:nvPr>
-        </p:nvSpPr>
-        <p:spPr>
-          <a:xfrm>
-            <a:off x="1141413" y="618518"/>
-            <a:ext cx="9905998" cy="1210282"/>
-          </a:xfrm>
-        </p:spPr>
-        <p:txBody>
-          <a:bodyPr/>
-          <a:lstStyle/>
-          <a:p>
-            <a:pPr algn="ctr"/>
-            <a:r>
-              <a:rPr lang="en-US" b="1" dirty="0"/>
-              <a:t>Goals for today</a:t>
-            </a:r>
-          </a:p>
-        </p:txBody>
-      </p:sp>
-      <p:sp>
-        <p:nvSpPr>
-          <p:cNvPr id="3" name="Content Placeholder 2">
-            <a:extLst>
-              <a:ext uri="{FF2B5EF4-FFF2-40B4-BE49-F238E27FC236}">
-                <a16:creationId xmlns:a16="http://schemas.microsoft.com/office/drawing/2014/main" id="{0E12CCC8-EDEC-EB41-A02A-9DF49915A958}"/>
-              </a:ext>
-            </a:extLst>
-          </p:cNvPr>
-          <p:cNvSpPr>
-            <a:spLocks noGrp="1"/>
-          </p:cNvSpPr>
-          <p:nvPr>
-            <p:ph idx="1"/>
-          </p:nvPr>
-        </p:nvSpPr>
-        <p:spPr>
-          <a:xfrm>
-            <a:off x="1141412" y="1828800"/>
-            <a:ext cx="9905999" cy="5029200"/>
-          </a:xfrm>
-        </p:spPr>
-        <p:txBody>
-          <a:bodyPr>
-            <a:normAutofit fontScale="55000" lnSpcReduction="20000"/>
-          </a:bodyPr>
-          <a:lstStyle/>
-          <a:p>
-            <a:r>
-              <a:rPr lang="en-US" b="1" dirty="0"/>
-              <a:t>Memory</a:t>
-            </a:r>
-            <a:r>
-              <a:rPr lang="en-US" dirty="0"/>
-              <a:t> revision</a:t>
-            </a:r>
-          </a:p>
-          <a:p>
-            <a:pPr lvl="1"/>
-            <a:r>
-              <a:rPr lang="en-US" dirty="0"/>
-              <a:t>How does memory work in terms of saving variables?</a:t>
-            </a:r>
-          </a:p>
-          <a:p>
-            <a:pPr lvl="1"/>
-            <a:r>
-              <a:rPr lang="en-US" dirty="0"/>
-              <a:t>What are variable names in the context of memory? </a:t>
-            </a:r>
-          </a:p>
-          <a:p>
-            <a:pPr lvl="1"/>
-            <a:endParaRPr lang="en-US" dirty="0"/>
-          </a:p>
-          <a:p>
-            <a:r>
-              <a:rPr lang="en-US" b="1" dirty="0"/>
-              <a:t>Multidimensional</a:t>
-            </a:r>
-            <a:r>
-              <a:rPr lang="en-US" dirty="0"/>
-              <a:t> arrays</a:t>
-            </a:r>
-          </a:p>
-          <a:p>
-            <a:pPr lvl="1"/>
-            <a:r>
-              <a:rPr lang="en-US" dirty="0"/>
-              <a:t>What is a multidimensional array?</a:t>
-            </a:r>
-          </a:p>
-          <a:p>
-            <a:endParaRPr lang="en-US" dirty="0"/>
-          </a:p>
-          <a:p>
-            <a:r>
-              <a:rPr lang="en-US" b="1" dirty="0"/>
-              <a:t>Structs</a:t>
-            </a:r>
-          </a:p>
-          <a:p>
-            <a:pPr lvl="1"/>
-            <a:r>
-              <a:rPr lang="en-US" dirty="0"/>
-              <a:t>What are structs?</a:t>
-            </a:r>
-          </a:p>
-          <a:p>
-            <a:pPr lvl="1"/>
-            <a:endParaRPr lang="en-US" b="1" dirty="0"/>
-          </a:p>
-          <a:p>
-            <a:r>
-              <a:rPr lang="en-US" dirty="0"/>
-              <a:t>An introduction to </a:t>
-            </a:r>
-            <a:r>
-              <a:rPr lang="en-US" b="1" dirty="0"/>
-              <a:t>pointers</a:t>
-            </a:r>
-          </a:p>
-          <a:p>
-            <a:pPr lvl="1"/>
-            <a:r>
-              <a:rPr lang="en-US" dirty="0"/>
-              <a:t>What is a pointer?</a:t>
-            </a:r>
-          </a:p>
-          <a:p>
-            <a:pPr lvl="1"/>
-            <a:r>
-              <a:rPr lang="en-US" dirty="0"/>
-              <a:t>Why are pointers so useful?</a:t>
-            </a:r>
-          </a:p>
-          <a:p>
-            <a:pPr marL="457200" lvl="1" indent="0">
-              <a:buNone/>
-            </a:pPr>
-            <a:endParaRPr lang="en-US" b="1" dirty="0"/>
-          </a:p>
-          <a:p>
-            <a:r>
-              <a:rPr lang="en-US" b="1" dirty="0"/>
-              <a:t>Revision</a:t>
-            </a:r>
-            <a:r>
-              <a:rPr lang="en-US" dirty="0"/>
-              <a:t> of previous topics</a:t>
-            </a:r>
-          </a:p>
-          <a:p>
-            <a:pPr lvl="1"/>
-            <a:r>
-              <a:rPr lang="en-US" dirty="0"/>
-              <a:t>Manipulating variables</a:t>
-            </a:r>
-          </a:p>
-          <a:p>
-            <a:pPr lvl="1"/>
-            <a:r>
-              <a:rPr lang="en-US" dirty="0"/>
-              <a:t>Nested loops</a:t>
-            </a:r>
-          </a:p>
-          <a:p>
-            <a:pPr lvl="1"/>
-            <a:r>
-              <a:rPr lang="en-US" dirty="0"/>
-              <a:t>Variable scope</a:t>
-            </a:r>
-          </a:p>
-        </p:txBody>
-      </p:sp>
-    </p:spTree>
-    <p:extLst>
-      <p:ext uri="{BB962C8B-B14F-4D97-AF65-F5344CB8AC3E}">
-        <p14:creationId xmlns:p14="http://schemas.microsoft.com/office/powerpoint/2010/main" val="3929659060"/>
-      </p:ext>
-    </p:extLst>
-  </p:cSld>
-  <p:clrMapOvr>
-    <a:masterClrMapping/>
-  </p:clrMapOvr>
-  <p:timing>
-    <p:tnLst>
-      <p:par>
-        <p:cTn id="1" dur="indefinite" restart="never" nodeType="tmRoot">
-          <p:childTnLst>
-            <p:seq concurrent="1" nextAc="seek">
-              <p:cTn id="2" dur="indefinite" nodeType="mainSeq">
-                <p:childTnLst>
-                  <p:par>
-                    <p:cTn id="3" fill="hold">
-                      <p:stCondLst>
-                        <p:cond delay="indefinite"/>
-                      </p:stCondLst>
-                      <p:childTnLst>
-                        <p:par>
-                          <p:cTn id="4" fill="hold">
-                            <p:stCondLst>
-                              <p:cond delay="0"/>
-                            </p:stCondLst>
-                            <p:childTnLst>
-                              <p:par>
-                                <p:cTn id="5" presetID="2" presetClass="entr" presetSubtype="4" fill="hold" grpId="0" nodeType="clickEffect">
-                                  <p:stCondLst>
-                                    <p:cond delay="0"/>
-                                  </p:stCondLst>
-                                  <p:childTnLst>
-                                    <p:set>
-                                      <p:cBhvr>
-                                        <p:cTn id="6" dur="1" fill="hold">
-                                          <p:stCondLst>
-                                            <p:cond delay="0"/>
-                                          </p:stCondLst>
-                                        </p:cTn>
-                                        <p:tgtEl>
-                                          <p:spTgt spid="3">
-                                            <p:txEl>
-                                              <p:pRg st="0" end="0"/>
-                                            </p:txEl>
-                                          </p:spTgt>
-                                        </p:tgtEl>
-                                        <p:attrNameLst>
-                                          <p:attrName>style.visibility</p:attrName>
-                                        </p:attrNameLst>
-                                      </p:cBhvr>
-                                      <p:to>
-                                        <p:strVal val="visible"/>
-                                      </p:to>
-                                    </p:set>
-                                    <p:anim calcmode="lin" valueType="num">
-                                      <p:cBhvr additive="base">
-                                        <p:cTn id="7" dur="500" fill="hold"/>
-                                        <p:tgtEl>
-                                          <p:spTgt spid="3">
-                                            <p:txEl>
-                                              <p:pRg st="0" end="0"/>
-                                            </p:txEl>
-                                          </p:spTgt>
-                                        </p:tgtEl>
-                                        <p:attrNameLst>
-                                          <p:attrName>ppt_x</p:attrName>
-                                        </p:attrNameLst>
-                                      </p:cBhvr>
-                                      <p:tavLst>
-                                        <p:tav tm="0">
-                                          <p:val>
-                                            <p:strVal val="#ppt_x"/>
-                                          </p:val>
-                                        </p:tav>
-                                        <p:tav tm="100000">
-                                          <p:val>
-                                            <p:strVal val="#ppt_x"/>
-                                          </p:val>
-                                        </p:tav>
-                                      </p:tavLst>
-                                    </p:anim>
-                                    <p:anim calcmode="lin" valueType="num">
-                                      <p:cBhvr additive="base">
-                                        <p:cTn id="8" dur="500" fill="hold"/>
-                                        <p:tgtEl>
-                                          <p:spTgt spid="3">
-                                            <p:txEl>
-                                              <p:pRg st="0" end="0"/>
-                                            </p:txEl>
-                                          </p:spTgt>
-                                        </p:tgtEl>
-                                        <p:attrNameLst>
-                                          <p:attrName>ppt_y</p:attrName>
-                                        </p:attrNameLst>
-                                      </p:cBhvr>
-                                      <p:tavLst>
-                                        <p:tav tm="0">
-                                          <p:val>
-                                            <p:strVal val="1+#ppt_h/2"/>
-                                          </p:val>
-                                        </p:tav>
-                                        <p:tav tm="100000">
-                                          <p:val>
-                                            <p:strVal val="#ppt_y"/>
-                                          </p:val>
-                                        </p:tav>
-                                      </p:tavLst>
-                                    </p:anim>
-                                  </p:childTnLst>
-                                </p:cTn>
-                              </p:par>
-                              <p:par>
-                                <p:cTn id="9" presetID="2" presetClass="entr" presetSubtype="4" fill="hold" grpId="0" nodeType="withEffect">
-                                  <p:stCondLst>
-                                    <p:cond delay="0"/>
-                                  </p:stCondLst>
-                                  <p:childTnLst>
-                                    <p:set>
-                                      <p:cBhvr>
-                                        <p:cTn id="10" dur="1" fill="hold">
-                                          <p:stCondLst>
-                                            <p:cond delay="0"/>
-                                          </p:stCondLst>
-                                        </p:cTn>
-                                        <p:tgtEl>
-                                          <p:spTgt spid="3">
-                                            <p:txEl>
-                                              <p:pRg st="1" end="1"/>
-                                            </p:txEl>
-                                          </p:spTgt>
-                                        </p:tgtEl>
-                                        <p:attrNameLst>
-                                          <p:attrName>style.visibility</p:attrName>
-                                        </p:attrNameLst>
-                                      </p:cBhvr>
-                                      <p:to>
-                                        <p:strVal val="visible"/>
-                                      </p:to>
-                                    </p:set>
-                                    <p:anim calcmode="lin" valueType="num">
-                                      <p:cBhvr additive="base">
-                                        <p:cTn id="11" dur="500" fill="hold"/>
-                                        <p:tgtEl>
-                                          <p:spTgt spid="3">
-                                            <p:txEl>
-                                              <p:pRg st="1" end="1"/>
-                                            </p:txEl>
-                                          </p:spTgt>
-                                        </p:tgtEl>
-                                        <p:attrNameLst>
-                                          <p:attrName>ppt_x</p:attrName>
-                                        </p:attrNameLst>
-                                      </p:cBhvr>
-                                      <p:tavLst>
-                                        <p:tav tm="0">
-                                          <p:val>
-                                            <p:strVal val="#ppt_x"/>
-                                          </p:val>
-                                        </p:tav>
-                                        <p:tav tm="100000">
-                                          <p:val>
-                                            <p:strVal val="#ppt_x"/>
-                                          </p:val>
-                                        </p:tav>
-                                      </p:tavLst>
-                                    </p:anim>
-                                    <p:anim calcmode="lin" valueType="num">
-                                      <p:cBhvr additive="base">
-                                        <p:cTn id="12" dur="500" fill="hold"/>
-                                        <p:tgtEl>
-                                          <p:spTgt spid="3">
-                                            <p:txEl>
-                                              <p:pRg st="1" end="1"/>
-                                            </p:txEl>
-                                          </p:spTgt>
-                                        </p:tgtEl>
-                                        <p:attrNameLst>
-                                          <p:attrName>ppt_y</p:attrName>
-                                        </p:attrNameLst>
-                                      </p:cBhvr>
-                                      <p:tavLst>
-                                        <p:tav tm="0">
-                                          <p:val>
-                                            <p:strVal val="1+#ppt_h/2"/>
-                                          </p:val>
-                                        </p:tav>
-                                        <p:tav tm="100000">
-                                          <p:val>
-                                            <p:strVal val="#ppt_y"/>
-                                          </p:val>
-                                        </p:tav>
-                                      </p:tavLst>
-                                    </p:anim>
-                                  </p:childTnLst>
-                                </p:cTn>
-                              </p:par>
-                              <p:par>
-                                <p:cTn id="13" presetID="2" presetClass="entr" presetSubtype="4" fill="hold" grpId="0" nodeType="withEffect">
-                                  <p:stCondLst>
-                                    <p:cond delay="0"/>
-                                  </p:stCondLst>
-                                  <p:childTnLst>
-                                    <p:set>
-                                      <p:cBhvr>
-                                        <p:cTn id="14" dur="1" fill="hold">
-                                          <p:stCondLst>
-                                            <p:cond delay="0"/>
-                                          </p:stCondLst>
-                                        </p:cTn>
-                                        <p:tgtEl>
-                                          <p:spTgt spid="3">
-                                            <p:txEl>
-                                              <p:pRg st="2" end="2"/>
-                                            </p:txEl>
-                                          </p:spTgt>
-                                        </p:tgtEl>
-                                        <p:attrNameLst>
-                                          <p:attrName>style.visibility</p:attrName>
-                                        </p:attrNameLst>
-                                      </p:cBhvr>
-                                      <p:to>
-                                        <p:strVal val="visible"/>
-                                      </p:to>
-                                    </p:set>
-                                    <p:anim calcmode="lin" valueType="num">
-                                      <p:cBhvr additive="base">
-                                        <p:cTn id="15" dur="500" fill="hold"/>
-                                        <p:tgtEl>
-                                          <p:spTgt spid="3">
-                                            <p:txEl>
-                                              <p:pRg st="2" end="2"/>
-                                            </p:txEl>
-                                          </p:spTgt>
-                                        </p:tgtEl>
-                                        <p:attrNameLst>
-                                          <p:attrName>ppt_x</p:attrName>
-                                        </p:attrNameLst>
-                                      </p:cBhvr>
-                                      <p:tavLst>
-                                        <p:tav tm="0">
-                                          <p:val>
-                                            <p:strVal val="#ppt_x"/>
-                                          </p:val>
-                                        </p:tav>
-                                        <p:tav tm="100000">
-                                          <p:val>
-                                            <p:strVal val="#ppt_x"/>
-                                          </p:val>
-                                        </p:tav>
-                                      </p:tavLst>
-                                    </p:anim>
-                                    <p:anim calcmode="lin" valueType="num">
-                                      <p:cBhvr additive="base">
-                                        <p:cTn id="16" dur="500" fill="hold"/>
-                                        <p:tgtEl>
-                                          <p:spTgt spid="3">
-                                            <p:txEl>
-                                              <p:pRg st="2" end="2"/>
-                                            </p:txEl>
-                                          </p:spTgt>
-                                        </p:tgtEl>
-                                        <p:attrNameLst>
-                                          <p:attrName>ppt_y</p:attrName>
-                                        </p:attrNameLst>
-                                      </p:cBhvr>
-                                      <p:tavLst>
-                                        <p:tav tm="0">
-                                          <p:val>
-                                            <p:strVal val="1+#ppt_h/2"/>
-                                          </p:val>
-                                        </p:tav>
-                                        <p:tav tm="100000">
-                                          <p:val>
-                                            <p:strVal val="#ppt_y"/>
-                                          </p:val>
-                                        </p:tav>
-                                      </p:tavLst>
-                                    </p:anim>
-                                  </p:childTnLst>
-                                </p:cTn>
-                              </p:par>
-                            </p:childTnLst>
-                          </p:cTn>
-                        </p:par>
-                      </p:childTnLst>
-                    </p:cTn>
-                  </p:par>
-                  <p:par>
-                    <p:cTn id="17" fill="hold">
-                      <p:stCondLst>
-                        <p:cond delay="indefinite"/>
-                      </p:stCondLst>
-                      <p:childTnLst>
-                        <p:par>
-                          <p:cTn id="18" fill="hold">
-                            <p:stCondLst>
-                              <p:cond delay="0"/>
-                            </p:stCondLst>
-                            <p:childTnLst>
-                              <p:par>
-                                <p:cTn id="19" presetID="2" presetClass="entr" presetSubtype="4" fill="hold" grpId="0" nodeType="clickEffect">
-                                  <p:stCondLst>
-                                    <p:cond delay="0"/>
-                                  </p:stCondLst>
-                                  <p:childTnLst>
-                                    <p:set>
-                                      <p:cBhvr>
-                                        <p:cTn id="20" dur="1" fill="hold">
-                                          <p:stCondLst>
-                                            <p:cond delay="0"/>
-                                          </p:stCondLst>
-                                        </p:cTn>
-                                        <p:tgtEl>
-                                          <p:spTgt spid="3">
-                                            <p:txEl>
-                                              <p:pRg st="4" end="4"/>
-                                            </p:txEl>
-                                          </p:spTgt>
-                                        </p:tgtEl>
-                                        <p:attrNameLst>
-                                          <p:attrName>style.visibility</p:attrName>
-                                        </p:attrNameLst>
-                                      </p:cBhvr>
-                                      <p:to>
-                                        <p:strVal val="visible"/>
-                                      </p:to>
-                                    </p:set>
-                                    <p:anim calcmode="lin" valueType="num">
-                                      <p:cBhvr additive="base">
-                                        <p:cTn id="21" dur="500" fill="hold"/>
-                                        <p:tgtEl>
-                                          <p:spTgt spid="3">
-                                            <p:txEl>
-                                              <p:pRg st="4" end="4"/>
-                                            </p:txEl>
-                                          </p:spTgt>
-                                        </p:tgtEl>
-                                        <p:attrNameLst>
-                                          <p:attrName>ppt_x</p:attrName>
-                                        </p:attrNameLst>
-                                      </p:cBhvr>
-                                      <p:tavLst>
-                                        <p:tav tm="0">
-                                          <p:val>
-                                            <p:strVal val="#ppt_x"/>
-                                          </p:val>
-                                        </p:tav>
-                                        <p:tav tm="100000">
-                                          <p:val>
-                                            <p:strVal val="#ppt_x"/>
-                                          </p:val>
-                                        </p:tav>
-                                      </p:tavLst>
-                                    </p:anim>
-                                    <p:anim calcmode="lin" valueType="num">
-                                      <p:cBhvr additive="base">
-                                        <p:cTn id="22" dur="500" fill="hold"/>
-                                        <p:tgtEl>
-                                          <p:spTgt spid="3">
-                                            <p:txEl>
-                                              <p:pRg st="4" end="4"/>
-                                            </p:txEl>
-                                          </p:spTgt>
-                                        </p:tgtEl>
-                                        <p:attrNameLst>
-                                          <p:attrName>ppt_y</p:attrName>
-                                        </p:attrNameLst>
-                                      </p:cBhvr>
-                                      <p:tavLst>
-                                        <p:tav tm="0">
-                                          <p:val>
-                                            <p:strVal val="1+#ppt_h/2"/>
-                                          </p:val>
-                                        </p:tav>
-                                        <p:tav tm="100000">
-                                          <p:val>
-                                            <p:strVal val="#ppt_y"/>
-                                          </p:val>
-                                        </p:tav>
-                                      </p:tavLst>
-                                    </p:anim>
-                                  </p:childTnLst>
-                                </p:cTn>
-                              </p:par>
-                              <p:par>
-                                <p:cTn id="23" presetID="2" presetClass="entr" presetSubtype="4" fill="hold" grpId="0" nodeType="withEffect">
-                                  <p:stCondLst>
-                                    <p:cond delay="0"/>
-                                  </p:stCondLst>
-                                  <p:childTnLst>
-                                    <p:set>
-                                      <p:cBhvr>
-                                        <p:cTn id="24" dur="1" fill="hold">
-                                          <p:stCondLst>
-                                            <p:cond delay="0"/>
-                                          </p:stCondLst>
-                                        </p:cTn>
-                                        <p:tgtEl>
-                                          <p:spTgt spid="3">
-                                            <p:txEl>
-                                              <p:pRg st="5" end="5"/>
-                                            </p:txEl>
-                                          </p:spTgt>
-                                        </p:tgtEl>
-                                        <p:attrNameLst>
-                                          <p:attrName>style.visibility</p:attrName>
-                                        </p:attrNameLst>
-                                      </p:cBhvr>
-                                      <p:to>
-                                        <p:strVal val="visible"/>
-                                      </p:to>
-                                    </p:set>
-                                    <p:anim calcmode="lin" valueType="num">
-                                      <p:cBhvr additive="base">
-                                        <p:cTn id="25" dur="500" fill="hold"/>
-                                        <p:tgtEl>
-                                          <p:spTgt spid="3">
-                                            <p:txEl>
-                                              <p:pRg st="5" end="5"/>
-                                            </p:txEl>
-                                          </p:spTgt>
-                                        </p:tgtEl>
-                                        <p:attrNameLst>
-                                          <p:attrName>ppt_x</p:attrName>
-                                        </p:attrNameLst>
-                                      </p:cBhvr>
-                                      <p:tavLst>
-                                        <p:tav tm="0">
-                                          <p:val>
-                                            <p:strVal val="#ppt_x"/>
-                                          </p:val>
-                                        </p:tav>
-                                        <p:tav tm="100000">
-                                          <p:val>
-                                            <p:strVal val="#ppt_x"/>
-                                          </p:val>
-                                        </p:tav>
-                                      </p:tavLst>
-                                    </p:anim>
-                                    <p:anim calcmode="lin" valueType="num">
-                                      <p:cBhvr additive="base">
-                                        <p:cTn id="26" dur="500" fill="hold"/>
-                                        <p:tgtEl>
-                                          <p:spTgt spid="3">
-                                            <p:txEl>
-                                              <p:pRg st="5" end="5"/>
-                                            </p:txEl>
-                                          </p:spTgt>
-                                        </p:tgtEl>
-                                        <p:attrNameLst>
-                                          <p:attrName>ppt_y</p:attrName>
-                                        </p:attrNameLst>
-                                      </p:cBhvr>
-                                      <p:tavLst>
-                                        <p:tav tm="0">
-                                          <p:val>
-                                            <p:strVal val="1+#ppt_h/2"/>
-                                          </p:val>
-                                        </p:tav>
-                                        <p:tav tm="100000">
-                                          <p:val>
-                                            <p:strVal val="#ppt_y"/>
-                                          </p:val>
-                                        </p:tav>
-                                      </p:tavLst>
-                                    </p:anim>
-                                  </p:childTnLst>
-                                </p:cTn>
-                              </p:par>
-                            </p:childTnLst>
-                          </p:cTn>
-                        </p:par>
-                      </p:childTnLst>
-                    </p:cTn>
-                  </p:par>
-                  <p:par>
-                    <p:cTn id="27" fill="hold">
-                      <p:stCondLst>
-                        <p:cond delay="indefinite"/>
-                      </p:stCondLst>
-                      <p:childTnLst>
-                        <p:par>
-                          <p:cTn id="28" fill="hold">
-                            <p:stCondLst>
-                              <p:cond delay="0"/>
-                            </p:stCondLst>
-                            <p:childTnLst>
-                              <p:par>
-                                <p:cTn id="29" presetID="2" presetClass="entr" presetSubtype="4" fill="hold" grpId="0" nodeType="clickEffect">
-                                  <p:stCondLst>
-                                    <p:cond delay="0"/>
-                                  </p:stCondLst>
-                                  <p:childTnLst>
-                                    <p:set>
-                                      <p:cBhvr>
-                                        <p:cTn id="30" dur="1" fill="hold">
-                                          <p:stCondLst>
-                                            <p:cond delay="0"/>
-                                          </p:stCondLst>
-                                        </p:cTn>
-                                        <p:tgtEl>
-                                          <p:spTgt spid="3">
-                                            <p:txEl>
-                                              <p:pRg st="7" end="7"/>
-                                            </p:txEl>
-                                          </p:spTgt>
-                                        </p:tgtEl>
-                                        <p:attrNameLst>
-                                          <p:attrName>style.visibility</p:attrName>
-                                        </p:attrNameLst>
-                                      </p:cBhvr>
-                                      <p:to>
-                                        <p:strVal val="visible"/>
-                                      </p:to>
-                                    </p:set>
-                                    <p:anim calcmode="lin" valueType="num">
-                                      <p:cBhvr additive="base">
-                                        <p:cTn id="31" dur="500" fill="hold"/>
-                                        <p:tgtEl>
-                                          <p:spTgt spid="3">
-                                            <p:txEl>
-                                              <p:pRg st="7" end="7"/>
-                                            </p:txEl>
-                                          </p:spTgt>
-                                        </p:tgtEl>
-                                        <p:attrNameLst>
-                                          <p:attrName>ppt_x</p:attrName>
-                                        </p:attrNameLst>
-                                      </p:cBhvr>
-                                      <p:tavLst>
-                                        <p:tav tm="0">
-                                          <p:val>
-                                            <p:strVal val="#ppt_x"/>
-                                          </p:val>
-                                        </p:tav>
-                                        <p:tav tm="100000">
-                                          <p:val>
-                                            <p:strVal val="#ppt_x"/>
-                                          </p:val>
-                                        </p:tav>
-                                      </p:tavLst>
-                                    </p:anim>
-                                    <p:anim calcmode="lin" valueType="num">
-                                      <p:cBhvr additive="base">
-                                        <p:cTn id="32" dur="500" fill="hold"/>
-                                        <p:tgtEl>
-                                          <p:spTgt spid="3">
-                                            <p:txEl>
-                                              <p:pRg st="7" end="7"/>
-                                            </p:txEl>
-                                          </p:spTgt>
-                                        </p:tgtEl>
-                                        <p:attrNameLst>
-                                          <p:attrName>ppt_y</p:attrName>
-                                        </p:attrNameLst>
-                                      </p:cBhvr>
-                                      <p:tavLst>
-                                        <p:tav tm="0">
-                                          <p:val>
-                                            <p:strVal val="1+#ppt_h/2"/>
-                                          </p:val>
-                                        </p:tav>
-                                        <p:tav tm="100000">
-                                          <p:val>
-                                            <p:strVal val="#ppt_y"/>
-                                          </p:val>
-                                        </p:tav>
-                                      </p:tavLst>
-                                    </p:anim>
-                                  </p:childTnLst>
-                                </p:cTn>
-                              </p:par>
-                              <p:par>
-                                <p:cTn id="33" presetID="2" presetClass="entr" presetSubtype="4" fill="hold" grpId="0" nodeType="withEffect">
-                                  <p:stCondLst>
-                                    <p:cond delay="0"/>
-                                  </p:stCondLst>
-                                  <p:childTnLst>
-                                    <p:set>
-                                      <p:cBhvr>
-                                        <p:cTn id="34" dur="1" fill="hold">
-                                          <p:stCondLst>
-                                            <p:cond delay="0"/>
-                                          </p:stCondLst>
-                                        </p:cTn>
-                                        <p:tgtEl>
-                                          <p:spTgt spid="3">
-                                            <p:txEl>
-                                              <p:pRg st="8" end="8"/>
-                                            </p:txEl>
-                                          </p:spTgt>
-                                        </p:tgtEl>
-                                        <p:attrNameLst>
-                                          <p:attrName>style.visibility</p:attrName>
-                                        </p:attrNameLst>
-                                      </p:cBhvr>
-                                      <p:to>
-                                        <p:strVal val="visible"/>
-                                      </p:to>
-                                    </p:set>
-                                    <p:anim calcmode="lin" valueType="num">
-                                      <p:cBhvr additive="base">
-                                        <p:cTn id="35" dur="500" fill="hold"/>
-                                        <p:tgtEl>
-                                          <p:spTgt spid="3">
-                                            <p:txEl>
-                                              <p:pRg st="8" end="8"/>
-                                            </p:txEl>
-                                          </p:spTgt>
-                                        </p:tgtEl>
-                                        <p:attrNameLst>
-                                          <p:attrName>ppt_x</p:attrName>
-                                        </p:attrNameLst>
-                                      </p:cBhvr>
-                                      <p:tavLst>
-                                        <p:tav tm="0">
-                                          <p:val>
-                                            <p:strVal val="#ppt_x"/>
-                                          </p:val>
-                                        </p:tav>
-                                        <p:tav tm="100000">
-                                          <p:val>
-                                            <p:strVal val="#ppt_x"/>
-                                          </p:val>
-                                        </p:tav>
-                                      </p:tavLst>
-                                    </p:anim>
-                                    <p:anim calcmode="lin" valueType="num">
-                                      <p:cBhvr additive="base">
-                                        <p:cTn id="36" dur="500" fill="hold"/>
-                                        <p:tgtEl>
-                                          <p:spTgt spid="3">
-                                            <p:txEl>
-                                              <p:pRg st="8" end="8"/>
-                                            </p:txEl>
-                                          </p:spTgt>
-                                        </p:tgtEl>
-                                        <p:attrNameLst>
-                                          <p:attrName>ppt_y</p:attrName>
-                                        </p:attrNameLst>
-                                      </p:cBhvr>
-                                      <p:tavLst>
-                                        <p:tav tm="0">
-                                          <p:val>
-                                            <p:strVal val="1+#ppt_h/2"/>
-                                          </p:val>
-                                        </p:tav>
-                                        <p:tav tm="100000">
-                                          <p:val>
-                                            <p:strVal val="#ppt_y"/>
-                                          </p:val>
-                                        </p:tav>
-                                      </p:tavLst>
-                                    </p:anim>
-                                  </p:childTnLst>
-                                </p:cTn>
-                              </p:par>
-                            </p:childTnLst>
-                          </p:cTn>
-                        </p:par>
-                      </p:childTnLst>
-                    </p:cTn>
-                  </p:par>
-                  <p:par>
-                    <p:cTn id="37" fill="hold">
-                      <p:stCondLst>
-                        <p:cond delay="indefinite"/>
-                      </p:stCondLst>
-                      <p:childTnLst>
-                        <p:par>
-                          <p:cTn id="38" fill="hold">
-                            <p:stCondLst>
-                              <p:cond delay="0"/>
-                            </p:stCondLst>
-                            <p:childTnLst>
-                              <p:par>
-                                <p:cTn id="39" presetID="2" presetClass="entr" presetSubtype="4" fill="hold" grpId="0" nodeType="clickEffect">
-                                  <p:stCondLst>
-                                    <p:cond delay="0"/>
-                                  </p:stCondLst>
-                                  <p:childTnLst>
-                                    <p:set>
-                                      <p:cBhvr>
-                                        <p:cTn id="40" dur="1" fill="hold">
-                                          <p:stCondLst>
-                                            <p:cond delay="0"/>
-                                          </p:stCondLst>
-                                        </p:cTn>
-                                        <p:tgtEl>
-                                          <p:spTgt spid="3">
-                                            <p:txEl>
-                                              <p:pRg st="10" end="10"/>
-                                            </p:txEl>
-                                          </p:spTgt>
-                                        </p:tgtEl>
-                                        <p:attrNameLst>
-                                          <p:attrName>style.visibility</p:attrName>
-                                        </p:attrNameLst>
-                                      </p:cBhvr>
-                                      <p:to>
-                                        <p:strVal val="visible"/>
-                                      </p:to>
-                                    </p:set>
-                                    <p:anim calcmode="lin" valueType="num">
-                                      <p:cBhvr additive="base">
-                                        <p:cTn id="41" dur="500" fill="hold"/>
-                                        <p:tgtEl>
-                                          <p:spTgt spid="3">
-                                            <p:txEl>
-                                              <p:pRg st="10" end="10"/>
-                                            </p:txEl>
-                                          </p:spTgt>
-                                        </p:tgtEl>
-                                        <p:attrNameLst>
-                                          <p:attrName>ppt_x</p:attrName>
-                                        </p:attrNameLst>
-                                      </p:cBhvr>
-                                      <p:tavLst>
-                                        <p:tav tm="0">
-                                          <p:val>
-                                            <p:strVal val="#ppt_x"/>
-                                          </p:val>
-                                        </p:tav>
-                                        <p:tav tm="100000">
-                                          <p:val>
-                                            <p:strVal val="#ppt_x"/>
-                                          </p:val>
-                                        </p:tav>
-                                      </p:tavLst>
-                                    </p:anim>
-                                    <p:anim calcmode="lin" valueType="num">
-                                      <p:cBhvr additive="base">
-                                        <p:cTn id="42" dur="500" fill="hold"/>
-                                        <p:tgtEl>
-                                          <p:spTgt spid="3">
-                                            <p:txEl>
-                                              <p:pRg st="10" end="10"/>
-                                            </p:txEl>
-                                          </p:spTgt>
-                                        </p:tgtEl>
-                                        <p:attrNameLst>
-                                          <p:attrName>ppt_y</p:attrName>
-                                        </p:attrNameLst>
-                                      </p:cBhvr>
-                                      <p:tavLst>
-                                        <p:tav tm="0">
-                                          <p:val>
-                                            <p:strVal val="1+#ppt_h/2"/>
-                                          </p:val>
-                                        </p:tav>
-                                        <p:tav tm="100000">
-                                          <p:val>
-                                            <p:strVal val="#ppt_y"/>
-                                          </p:val>
-                                        </p:tav>
-                                      </p:tavLst>
-                                    </p:anim>
-                                  </p:childTnLst>
-                                </p:cTn>
-                              </p:par>
-                              <p:par>
-                                <p:cTn id="43" presetID="2" presetClass="entr" presetSubtype="4" fill="hold" grpId="0" nodeType="withEffect">
-                                  <p:stCondLst>
-                                    <p:cond delay="0"/>
-                                  </p:stCondLst>
-                                  <p:childTnLst>
-                                    <p:set>
-                                      <p:cBhvr>
-                                        <p:cTn id="44" dur="1" fill="hold">
-                                          <p:stCondLst>
-                                            <p:cond delay="0"/>
-                                          </p:stCondLst>
-                                        </p:cTn>
-                                        <p:tgtEl>
-                                          <p:spTgt spid="3">
-                                            <p:txEl>
-                                              <p:pRg st="11" end="11"/>
-                                            </p:txEl>
-                                          </p:spTgt>
-                                        </p:tgtEl>
-                                        <p:attrNameLst>
-                                          <p:attrName>style.visibility</p:attrName>
-                                        </p:attrNameLst>
-                                      </p:cBhvr>
-                                      <p:to>
-                                        <p:strVal val="visible"/>
-                                      </p:to>
-                                    </p:set>
-                                    <p:anim calcmode="lin" valueType="num">
-                                      <p:cBhvr additive="base">
-                                        <p:cTn id="45" dur="500" fill="hold"/>
-                                        <p:tgtEl>
-                                          <p:spTgt spid="3">
-                                            <p:txEl>
-                                              <p:pRg st="11" end="11"/>
-                                            </p:txEl>
-                                          </p:spTgt>
-                                        </p:tgtEl>
-                                        <p:attrNameLst>
-                                          <p:attrName>ppt_x</p:attrName>
-                                        </p:attrNameLst>
-                                      </p:cBhvr>
-                                      <p:tavLst>
-                                        <p:tav tm="0">
-                                          <p:val>
-                                            <p:strVal val="#ppt_x"/>
-                                          </p:val>
-                                        </p:tav>
-                                        <p:tav tm="100000">
-                                          <p:val>
-                                            <p:strVal val="#ppt_x"/>
-                                          </p:val>
-                                        </p:tav>
-                                      </p:tavLst>
-                                    </p:anim>
-                                    <p:anim calcmode="lin" valueType="num">
-                                      <p:cBhvr additive="base">
-                                        <p:cTn id="46" dur="500" fill="hold"/>
-                                        <p:tgtEl>
-                                          <p:spTgt spid="3">
-                                            <p:txEl>
-                                              <p:pRg st="11" end="11"/>
-                                            </p:txEl>
-                                          </p:spTgt>
-                                        </p:tgtEl>
-                                        <p:attrNameLst>
-                                          <p:attrName>ppt_y</p:attrName>
-                                        </p:attrNameLst>
-                                      </p:cBhvr>
-                                      <p:tavLst>
-                                        <p:tav tm="0">
-                                          <p:val>
-                                            <p:strVal val="1+#ppt_h/2"/>
-                                          </p:val>
-                                        </p:tav>
-                                        <p:tav tm="100000">
-                                          <p:val>
-                                            <p:strVal val="#ppt_y"/>
-                                          </p:val>
-                                        </p:tav>
-                                      </p:tavLst>
-                                    </p:anim>
-                                  </p:childTnLst>
-                                </p:cTn>
-                              </p:par>
-                              <p:par>
-                                <p:cTn id="47" presetID="2" presetClass="entr" presetSubtype="4" fill="hold" grpId="0" nodeType="withEffect">
-                                  <p:stCondLst>
-                                    <p:cond delay="0"/>
-                                  </p:stCondLst>
-                                  <p:childTnLst>
-                                    <p:set>
-                                      <p:cBhvr>
-                                        <p:cTn id="48" dur="1" fill="hold">
-                                          <p:stCondLst>
-                                            <p:cond delay="0"/>
-                                          </p:stCondLst>
-                                        </p:cTn>
-                                        <p:tgtEl>
-                                          <p:spTgt spid="3">
-                                            <p:txEl>
-                                              <p:pRg st="12" end="12"/>
-                                            </p:txEl>
-                                          </p:spTgt>
-                                        </p:tgtEl>
-                                        <p:attrNameLst>
-                                          <p:attrName>style.visibility</p:attrName>
-                                        </p:attrNameLst>
-                                      </p:cBhvr>
-                                      <p:to>
-                                        <p:strVal val="visible"/>
-                                      </p:to>
-                                    </p:set>
-                                    <p:anim calcmode="lin" valueType="num">
-                                      <p:cBhvr additive="base">
-                                        <p:cTn id="49" dur="500" fill="hold"/>
-                                        <p:tgtEl>
-                                          <p:spTgt spid="3">
-                                            <p:txEl>
-                                              <p:pRg st="12" end="12"/>
-                                            </p:txEl>
-                                          </p:spTgt>
-                                        </p:tgtEl>
-                                        <p:attrNameLst>
-                                          <p:attrName>ppt_x</p:attrName>
-                                        </p:attrNameLst>
-                                      </p:cBhvr>
-                                      <p:tavLst>
-                                        <p:tav tm="0">
-                                          <p:val>
-                                            <p:strVal val="#ppt_x"/>
-                                          </p:val>
-                                        </p:tav>
-                                        <p:tav tm="100000">
-                                          <p:val>
-                                            <p:strVal val="#ppt_x"/>
-                                          </p:val>
-                                        </p:tav>
-                                      </p:tavLst>
-                                    </p:anim>
-                                    <p:anim calcmode="lin" valueType="num">
-                                      <p:cBhvr additive="base">
-                                        <p:cTn id="50" dur="500" fill="hold"/>
-                                        <p:tgtEl>
-                                          <p:spTgt spid="3">
-                                            <p:txEl>
-                                              <p:pRg st="12" end="12"/>
-                                            </p:txEl>
-                                          </p:spTgt>
-                                        </p:tgtEl>
-                                        <p:attrNameLst>
-                                          <p:attrName>ppt_y</p:attrName>
-                                        </p:attrNameLst>
-                                      </p:cBhvr>
-                                      <p:tavLst>
-                                        <p:tav tm="0">
-                                          <p:val>
-                                            <p:strVal val="1+#ppt_h/2"/>
-                                          </p:val>
-                                        </p:tav>
-                                        <p:tav tm="100000">
-                                          <p:val>
-                                            <p:strVal val="#ppt_y"/>
-                                          </p:val>
-                                        </p:tav>
-                                      </p:tavLst>
-                                    </p:anim>
-                                  </p:childTnLst>
-                                </p:cTn>
-                              </p:par>
-                            </p:childTnLst>
-                          </p:cTn>
-                        </p:par>
-                      </p:childTnLst>
-                    </p:cTn>
-                  </p:par>
-                  <p:par>
-                    <p:cTn id="51" fill="hold">
-                      <p:stCondLst>
-                        <p:cond delay="indefinite"/>
-                      </p:stCondLst>
-                      <p:childTnLst>
-                        <p:par>
-                          <p:cTn id="52" fill="hold">
-                            <p:stCondLst>
-                              <p:cond delay="0"/>
-                            </p:stCondLst>
-                            <p:childTnLst>
-                              <p:par>
-                                <p:cTn id="53" presetID="2" presetClass="entr" presetSubtype="4" fill="hold" grpId="0" nodeType="clickEffect">
-                                  <p:stCondLst>
-                                    <p:cond delay="0"/>
-                                  </p:stCondLst>
-                                  <p:childTnLst>
-                                    <p:set>
-                                      <p:cBhvr>
-                                        <p:cTn id="54" dur="1" fill="hold">
-                                          <p:stCondLst>
-                                            <p:cond delay="0"/>
-                                          </p:stCondLst>
-                                        </p:cTn>
-                                        <p:tgtEl>
-                                          <p:spTgt spid="3">
-                                            <p:txEl>
-                                              <p:pRg st="14" end="14"/>
-                                            </p:txEl>
-                                          </p:spTgt>
-                                        </p:tgtEl>
-                                        <p:attrNameLst>
-                                          <p:attrName>style.visibility</p:attrName>
-                                        </p:attrNameLst>
-                                      </p:cBhvr>
-                                      <p:to>
-                                        <p:strVal val="visible"/>
-                                      </p:to>
-                                    </p:set>
-                                    <p:anim calcmode="lin" valueType="num">
-                                      <p:cBhvr additive="base">
-                                        <p:cTn id="55" dur="500" fill="hold"/>
-                                        <p:tgtEl>
-                                          <p:spTgt spid="3">
-                                            <p:txEl>
-                                              <p:pRg st="14" end="14"/>
-                                            </p:txEl>
-                                          </p:spTgt>
-                                        </p:tgtEl>
-                                        <p:attrNameLst>
-                                          <p:attrName>ppt_x</p:attrName>
-                                        </p:attrNameLst>
-                                      </p:cBhvr>
-                                      <p:tavLst>
-                                        <p:tav tm="0">
-                                          <p:val>
-                                            <p:strVal val="#ppt_x"/>
-                                          </p:val>
-                                        </p:tav>
-                                        <p:tav tm="100000">
-                                          <p:val>
-                                            <p:strVal val="#ppt_x"/>
-                                          </p:val>
-                                        </p:tav>
-                                      </p:tavLst>
-                                    </p:anim>
-                                    <p:anim calcmode="lin" valueType="num">
-                                      <p:cBhvr additive="base">
-                                        <p:cTn id="56" dur="500" fill="hold"/>
-                                        <p:tgtEl>
-                                          <p:spTgt spid="3">
-                                            <p:txEl>
-                                              <p:pRg st="14" end="14"/>
-                                            </p:txEl>
-                                          </p:spTgt>
-                                        </p:tgtEl>
-                                        <p:attrNameLst>
-                                          <p:attrName>ppt_y</p:attrName>
-                                        </p:attrNameLst>
-                                      </p:cBhvr>
-                                      <p:tavLst>
-                                        <p:tav tm="0">
-                                          <p:val>
-                                            <p:strVal val="1+#ppt_h/2"/>
-                                          </p:val>
-                                        </p:tav>
-                                        <p:tav tm="100000">
-                                          <p:val>
-                                            <p:strVal val="#ppt_y"/>
-                                          </p:val>
-                                        </p:tav>
-                                      </p:tavLst>
-                                    </p:anim>
-                                  </p:childTnLst>
-                                </p:cTn>
-                              </p:par>
-                              <p:par>
-                                <p:cTn id="57" presetID="2" presetClass="entr" presetSubtype="4" fill="hold" grpId="0" nodeType="withEffect">
-                                  <p:stCondLst>
-                                    <p:cond delay="0"/>
-                                  </p:stCondLst>
-                                  <p:childTnLst>
-                                    <p:set>
-                                      <p:cBhvr>
-                                        <p:cTn id="58" dur="1" fill="hold">
-                                          <p:stCondLst>
-                                            <p:cond delay="0"/>
-                                          </p:stCondLst>
-                                        </p:cTn>
-                                        <p:tgtEl>
-                                          <p:spTgt spid="3">
-                                            <p:txEl>
-                                              <p:pRg st="15" end="15"/>
-                                            </p:txEl>
-                                          </p:spTgt>
-                                        </p:tgtEl>
-                                        <p:attrNameLst>
-                                          <p:attrName>style.visibility</p:attrName>
-                                        </p:attrNameLst>
-                                      </p:cBhvr>
-                                      <p:to>
-                                        <p:strVal val="visible"/>
-                                      </p:to>
-                                    </p:set>
-                                    <p:anim calcmode="lin" valueType="num">
-                                      <p:cBhvr additive="base">
-                                        <p:cTn id="59" dur="500" fill="hold"/>
-                                        <p:tgtEl>
-                                          <p:spTgt spid="3">
-                                            <p:txEl>
-                                              <p:pRg st="15" end="15"/>
-                                            </p:txEl>
-                                          </p:spTgt>
-                                        </p:tgtEl>
-                                        <p:attrNameLst>
-                                          <p:attrName>ppt_x</p:attrName>
-                                        </p:attrNameLst>
-                                      </p:cBhvr>
-                                      <p:tavLst>
-                                        <p:tav tm="0">
-                                          <p:val>
-                                            <p:strVal val="#ppt_x"/>
-                                          </p:val>
-                                        </p:tav>
-                                        <p:tav tm="100000">
-                                          <p:val>
-                                            <p:strVal val="#ppt_x"/>
-                                          </p:val>
-                                        </p:tav>
-                                      </p:tavLst>
-                                    </p:anim>
-                                    <p:anim calcmode="lin" valueType="num">
-                                      <p:cBhvr additive="base">
-                                        <p:cTn id="60" dur="500" fill="hold"/>
-                                        <p:tgtEl>
-                                          <p:spTgt spid="3">
-                                            <p:txEl>
-                                              <p:pRg st="15" end="15"/>
-                                            </p:txEl>
-                                          </p:spTgt>
-                                        </p:tgtEl>
-                                        <p:attrNameLst>
-                                          <p:attrName>ppt_y</p:attrName>
-                                        </p:attrNameLst>
-                                      </p:cBhvr>
-                                      <p:tavLst>
-                                        <p:tav tm="0">
-                                          <p:val>
-                                            <p:strVal val="1+#ppt_h/2"/>
-                                          </p:val>
-                                        </p:tav>
-                                        <p:tav tm="100000">
-                                          <p:val>
-                                            <p:strVal val="#ppt_y"/>
-                                          </p:val>
-                                        </p:tav>
-                                      </p:tavLst>
-                                    </p:anim>
-                                  </p:childTnLst>
-                                </p:cTn>
-                              </p:par>
-                              <p:par>
-                                <p:cTn id="61" presetID="2" presetClass="entr" presetSubtype="4" fill="hold" grpId="0" nodeType="withEffect">
-                                  <p:stCondLst>
-                                    <p:cond delay="0"/>
-                                  </p:stCondLst>
-                                  <p:childTnLst>
-                                    <p:set>
-                                      <p:cBhvr>
-                                        <p:cTn id="62" dur="1" fill="hold">
-                                          <p:stCondLst>
-                                            <p:cond delay="0"/>
-                                          </p:stCondLst>
-                                        </p:cTn>
-                                        <p:tgtEl>
-                                          <p:spTgt spid="3">
-                                            <p:txEl>
-                                              <p:pRg st="16" end="16"/>
-                                            </p:txEl>
-                                          </p:spTgt>
-                                        </p:tgtEl>
-                                        <p:attrNameLst>
-                                          <p:attrName>style.visibility</p:attrName>
-                                        </p:attrNameLst>
-                                      </p:cBhvr>
-                                      <p:to>
-                                        <p:strVal val="visible"/>
-                                      </p:to>
-                                    </p:set>
-                                    <p:anim calcmode="lin" valueType="num">
-                                      <p:cBhvr additive="base">
-                                        <p:cTn id="63" dur="500" fill="hold"/>
-                                        <p:tgtEl>
-                                          <p:spTgt spid="3">
-                                            <p:txEl>
-                                              <p:pRg st="16" end="16"/>
-                                            </p:txEl>
-                                          </p:spTgt>
-                                        </p:tgtEl>
-                                        <p:attrNameLst>
-                                          <p:attrName>ppt_x</p:attrName>
-                                        </p:attrNameLst>
-                                      </p:cBhvr>
-                                      <p:tavLst>
-                                        <p:tav tm="0">
-                                          <p:val>
-                                            <p:strVal val="#ppt_x"/>
-                                          </p:val>
-                                        </p:tav>
-                                        <p:tav tm="100000">
-                                          <p:val>
-                                            <p:strVal val="#ppt_x"/>
-                                          </p:val>
-                                        </p:tav>
-                                      </p:tavLst>
-                                    </p:anim>
-                                    <p:anim calcmode="lin" valueType="num">
-                                      <p:cBhvr additive="base">
-                                        <p:cTn id="64" dur="500" fill="hold"/>
-                                        <p:tgtEl>
-                                          <p:spTgt spid="3">
-                                            <p:txEl>
-                                              <p:pRg st="16" end="16"/>
-                                            </p:txEl>
-                                          </p:spTgt>
-                                        </p:tgtEl>
-                                        <p:attrNameLst>
-                                          <p:attrName>ppt_y</p:attrName>
-                                        </p:attrNameLst>
-                                      </p:cBhvr>
-                                      <p:tavLst>
-                                        <p:tav tm="0">
-                                          <p:val>
-                                            <p:strVal val="1+#ppt_h/2"/>
-                                          </p:val>
-                                        </p:tav>
-                                        <p:tav tm="100000">
-                                          <p:val>
-                                            <p:strVal val="#ppt_y"/>
-                                          </p:val>
-                                        </p:tav>
-                                      </p:tavLst>
-                                    </p:anim>
-                                  </p:childTnLst>
-                                </p:cTn>
-                              </p:par>
-                              <p:par>
-                                <p:cTn id="65" presetID="2" presetClass="entr" presetSubtype="4" fill="hold" grpId="0" nodeType="withEffect">
-                                  <p:stCondLst>
-                                    <p:cond delay="0"/>
-                                  </p:stCondLst>
-                                  <p:childTnLst>
-                                    <p:set>
-                                      <p:cBhvr>
-                                        <p:cTn id="66" dur="1" fill="hold">
-                                          <p:stCondLst>
-                                            <p:cond delay="0"/>
-                                          </p:stCondLst>
-                                        </p:cTn>
-                                        <p:tgtEl>
-                                          <p:spTgt spid="3">
-                                            <p:txEl>
-                                              <p:pRg st="17" end="17"/>
-                                            </p:txEl>
-                                          </p:spTgt>
-                                        </p:tgtEl>
-                                        <p:attrNameLst>
-                                          <p:attrName>style.visibility</p:attrName>
-                                        </p:attrNameLst>
-                                      </p:cBhvr>
-                                      <p:to>
-                                        <p:strVal val="visible"/>
-                                      </p:to>
-                                    </p:set>
-                                    <p:anim calcmode="lin" valueType="num">
-                                      <p:cBhvr additive="base">
-                                        <p:cTn id="67" dur="500" fill="hold"/>
-                                        <p:tgtEl>
-                                          <p:spTgt spid="3">
-                                            <p:txEl>
-                                              <p:pRg st="17" end="17"/>
-                                            </p:txEl>
-                                          </p:spTgt>
-                                        </p:tgtEl>
-                                        <p:attrNameLst>
-                                          <p:attrName>ppt_x</p:attrName>
-                                        </p:attrNameLst>
-                                      </p:cBhvr>
-                                      <p:tavLst>
-                                        <p:tav tm="0">
-                                          <p:val>
-                                            <p:strVal val="#ppt_x"/>
-                                          </p:val>
-                                        </p:tav>
-                                        <p:tav tm="100000">
-                                          <p:val>
-                                            <p:strVal val="#ppt_x"/>
-                                          </p:val>
-                                        </p:tav>
-                                      </p:tavLst>
-                                    </p:anim>
-                                    <p:anim calcmode="lin" valueType="num">
-                                      <p:cBhvr additive="base">
-                                        <p:cTn id="68" dur="500" fill="hold"/>
-                                        <p:tgtEl>
-                                          <p:spTgt spid="3">
-                                            <p:txEl>
-                                              <p:pRg st="17" end="17"/>
-                                            </p:txEl>
-                                          </p:spTgt>
-                                        </p:tgtEl>
-                                        <p:attrNameLst>
-                                          <p:attrName>ppt_y</p:attrName>
-                                        </p:attrNameLst>
-                                      </p:cBhvr>
-                                      <p:tavLst>
-                                        <p:tav tm="0">
-                                          <p:val>
-                                            <p:strVal val="1+#ppt_h/2"/>
-                                          </p:val>
-                                        </p:tav>
-                                        <p:tav tm="100000">
-                                          <p:val>
-                                            <p:strVal val="#ppt_y"/>
-                                          </p:val>
-                                        </p:tav>
-                                      </p:tavLst>
-                                    </p:anim>
-                                  </p:childTnLst>
-                                </p:cTn>
-                              </p:par>
-                            </p:childTnLst>
-                          </p:cTn>
-                        </p:par>
-                      </p:childTnLst>
-                    </p:cTn>
-                  </p:par>
-                </p:childTnLst>
-              </p:cTn>
-              <p:prevCondLst>
-                <p:cond evt="onPrev" delay="0">
-                  <p:tgtEl>
-                    <p:sldTgt/>
-                  </p:tgtEl>
-                </p:cond>
-              </p:prevCondLst>
-              <p:nextCondLst>
-                <p:cond evt="onNext" delay="0">
-                  <p:tgtEl>
-                    <p:sldTgt/>
-                  </p:tgtEl>
-                </p:cond>
-              </p:nextCondLst>
-            </p:seq>
-          </p:childTnLst>
-        </p:cTn>
-      </p:par>
-    </p:tnLst>
-    <p:bldLst>
-      <p:bldP spid="3" grpId="0" build="p"/>
-    </p:bldLst>
-  </p:timing>
-</p:sld>
-</file>
-
-<file path=ppt/slides/slide20.xml><?xml version="1.0" encoding="utf-8"?>
+<file path=ppt/slides/slide28.xml><?xml version="1.0" encoding="utf-8"?>
 <p:sld xmlns:a="http://schemas.openxmlformats.org/drawingml/2006/main" xmlns:r="http://schemas.openxmlformats.org/officeDocument/2006/relationships" xmlns:p="http://schemas.openxmlformats.org/presentationml/2006/main">
   <p:cSld>
     <p:spTree>
@@ -19275,7 +23934,7 @@
 </p:sld>
 </file>
 
-<file path=ppt/slides/slide21.xml><?xml version="1.0" encoding="utf-8"?>
+<file path=ppt/slides/slide29.xml><?xml version="1.0" encoding="utf-8"?>
 <p:sld xmlns:a="http://schemas.openxmlformats.org/drawingml/2006/main" xmlns:r="http://schemas.openxmlformats.org/officeDocument/2006/relationships" xmlns:p="http://schemas.openxmlformats.org/presentationml/2006/main">
   <p:cSld>
     <p:spTree>
@@ -19810,7 +24469,122 @@
 </p:sld>
 </file>
 
-<file path=ppt/slides/slide22.xml><?xml version="1.0" encoding="utf-8"?>
+<file path=ppt/slides/slide3.xml><?xml version="1.0" encoding="utf-8"?>
+<p:sld xmlns:a="http://schemas.openxmlformats.org/drawingml/2006/main" xmlns:r="http://schemas.openxmlformats.org/officeDocument/2006/relationships" xmlns:p="http://schemas.openxmlformats.org/presentationml/2006/main">
+  <p:cSld>
+    <p:spTree>
+      <p:nvGrpSpPr>
+        <p:cNvPr id="1" name=""/>
+        <p:cNvGrpSpPr/>
+        <p:nvPr/>
+      </p:nvGrpSpPr>
+      <p:grpSpPr>
+        <a:xfrm>
+          <a:off x="0" y="0"/>
+          <a:ext cx="0" cy="0"/>
+          <a:chOff x="0" y="0"/>
+          <a:chExt cx="0" cy="0"/>
+        </a:xfrm>
+      </p:grpSpPr>
+      <p:sp>
+        <p:nvSpPr>
+          <p:cNvPr id="2" name="Title 1">
+            <a:extLst>
+              <a:ext uri="{FF2B5EF4-FFF2-40B4-BE49-F238E27FC236}">
+                <a16:creationId xmlns:a16="http://schemas.microsoft.com/office/drawing/2014/main" id="{730D2A00-B7CA-BD4A-BEEC-6EFC11C120EF}"/>
+              </a:ext>
+            </a:extLst>
+          </p:cNvPr>
+          <p:cNvSpPr>
+            <a:spLocks noGrp="1"/>
+          </p:cNvSpPr>
+          <p:nvPr>
+            <p:ph type="title"/>
+          </p:nvPr>
+        </p:nvSpPr>
+        <p:spPr/>
+        <p:txBody>
+          <a:bodyPr/>
+          <a:lstStyle/>
+          <a:p>
+            <a:pPr algn="ctr"/>
+            <a:r>
+              <a:rPr lang="en-US" b="1" dirty="0"/>
+              <a:t>Memory revision</a:t>
+            </a:r>
+          </a:p>
+        </p:txBody>
+      </p:sp>
+      <p:sp>
+        <p:nvSpPr>
+          <p:cNvPr id="3" name="Content Placeholder 2">
+            <a:extLst>
+              <a:ext uri="{FF2B5EF4-FFF2-40B4-BE49-F238E27FC236}">
+                <a16:creationId xmlns:a16="http://schemas.microsoft.com/office/drawing/2014/main" id="{D9DBA1DD-530F-BE47-86CB-A4187A1FCB03}"/>
+              </a:ext>
+            </a:extLst>
+          </p:cNvPr>
+          <p:cNvSpPr>
+            <a:spLocks noGrp="1"/>
+          </p:cNvSpPr>
+          <p:nvPr>
+            <p:ph idx="1"/>
+          </p:nvPr>
+        </p:nvSpPr>
+        <p:spPr/>
+        <p:txBody>
+          <a:bodyPr/>
+          <a:lstStyle/>
+          <a:p>
+            <a:r>
+              <a:rPr lang="en-US" b="1" dirty="0"/>
+              <a:t>Memory</a:t>
+            </a:r>
+            <a:r>
+              <a:rPr lang="en-US" dirty="0"/>
+              <a:t>: The location in which our program gets stored.</a:t>
+            </a:r>
+          </a:p>
+          <a:p>
+            <a:endParaRPr lang="en-US" dirty="0"/>
+          </a:p>
+          <a:p>
+            <a:r>
+              <a:rPr lang="en-US" dirty="0"/>
+              <a:t>Our program gets put into memory before it is run.</a:t>
+            </a:r>
+          </a:p>
+          <a:p>
+            <a:endParaRPr lang="en-US" dirty="0"/>
+          </a:p>
+          <a:p>
+            <a:r>
+              <a:rPr lang="en-US" dirty="0"/>
+              <a:t>The memory is one of the most important things that we need to understand</a:t>
+            </a:r>
+          </a:p>
+          <a:p>
+            <a:endParaRPr lang="en-US" dirty="0"/>
+          </a:p>
+          <a:p>
+            <a:endParaRPr lang="en-US" dirty="0"/>
+          </a:p>
+        </p:txBody>
+      </p:sp>
+    </p:spTree>
+    <p:extLst>
+      <p:ext uri="{BB962C8B-B14F-4D97-AF65-F5344CB8AC3E}">
+        <p14:creationId xmlns:p14="http://schemas.microsoft.com/office/powerpoint/2010/main" val="152910630"/>
+      </p:ext>
+    </p:extLst>
+  </p:cSld>
+  <p:clrMapOvr>
+    <a:masterClrMapping/>
+  </p:clrMapOvr>
+</p:sld>
+</file>
+
+<file path=ppt/slides/slide30.xml><?xml version="1.0" encoding="utf-8"?>
 <p:sld xmlns:a="http://schemas.openxmlformats.org/drawingml/2006/main" xmlns:r="http://schemas.openxmlformats.org/officeDocument/2006/relationships" xmlns:p="http://schemas.openxmlformats.org/presentationml/2006/main">
   <p:cSld>
     <p:spTree>
@@ -20392,7 +25166,7 @@
 </p:sld>
 </file>
 
-<file path=ppt/slides/slide23.xml><?xml version="1.0" encoding="utf-8"?>
+<file path=ppt/slides/slide31.xml><?xml version="1.0" encoding="utf-8"?>
 <p:sld xmlns:a="http://schemas.openxmlformats.org/drawingml/2006/main" xmlns:r="http://schemas.openxmlformats.org/officeDocument/2006/relationships" xmlns:p="http://schemas.openxmlformats.org/presentationml/2006/main">
   <p:cSld>
     <p:spTree>
@@ -21032,7 +25806,7 @@
 </p:sld>
 </file>
 
-<file path=ppt/slides/slide24.xml><?xml version="1.0" encoding="utf-8"?>
+<file path=ppt/slides/slide32.xml><?xml version="1.0" encoding="utf-8"?>
 <p:sld xmlns:a="http://schemas.openxmlformats.org/drawingml/2006/main" xmlns:r="http://schemas.openxmlformats.org/officeDocument/2006/relationships" xmlns:p="http://schemas.openxmlformats.org/presentationml/2006/main">
   <p:cSld>
     <p:spTree>
@@ -21497,7 +26271,7 @@
 </p:sld>
 </file>
 
-<file path=ppt/slides/slide25.xml><?xml version="1.0" encoding="utf-8"?>
+<file path=ppt/slides/slide33.xml><?xml version="1.0" encoding="utf-8"?>
 <p:sld xmlns:a="http://schemas.openxmlformats.org/drawingml/2006/main" xmlns:r="http://schemas.openxmlformats.org/officeDocument/2006/relationships" xmlns:p="http://schemas.openxmlformats.org/presentationml/2006/main">
   <p:cSld>
     <p:spTree>
@@ -21959,7 +26733,7 @@
 </p:sld>
 </file>
 
-<file path=ppt/slides/slide26.xml><?xml version="1.0" encoding="utf-8"?>
+<file path=ppt/slides/slide34.xml><?xml version="1.0" encoding="utf-8"?>
 <p:sld xmlns:a="http://schemas.openxmlformats.org/drawingml/2006/main" xmlns:r="http://schemas.openxmlformats.org/officeDocument/2006/relationships" xmlns:p="http://schemas.openxmlformats.org/presentationml/2006/main">
   <p:cSld>
     <p:spTree>
@@ -22527,7 +27301,7 @@
 </p:sld>
 </file>
 
-<file path=ppt/slides/slide27.xml><?xml version="1.0" encoding="utf-8"?>
+<file path=ppt/slides/slide35.xml><?xml version="1.0" encoding="utf-8"?>
 <p:sld xmlns:a="http://schemas.openxmlformats.org/drawingml/2006/main" xmlns:r="http://schemas.openxmlformats.org/officeDocument/2006/relationships" xmlns:p="http://schemas.openxmlformats.org/presentationml/2006/main" showMasterSp="0">
   <p:cSld>
     <p:bg>
@@ -22652,7 +27426,7 @@
 </p:sld>
 </file>
 
-<file path=ppt/slides/slide28.xml><?xml version="1.0" encoding="utf-8"?>
+<file path=ppt/slides/slide36.xml><?xml version="1.0" encoding="utf-8"?>
 <p:sld xmlns:a="http://schemas.openxmlformats.org/drawingml/2006/main" xmlns:r="http://schemas.openxmlformats.org/officeDocument/2006/relationships" xmlns:p="http://schemas.openxmlformats.org/presentationml/2006/main" showMasterSp="0">
   <p:cSld>
     <p:bg>
@@ -22819,7 +27593,7 @@
 </p:sld>
 </file>
 
-<file path=ppt/slides/slide29.xml><?xml version="1.0" encoding="utf-8"?>
+<file path=ppt/slides/slide37.xml><?xml version="1.0" encoding="utf-8"?>
 <p:sld xmlns:a="http://schemas.openxmlformats.org/drawingml/2006/main" xmlns:r="http://schemas.openxmlformats.org/officeDocument/2006/relationships" xmlns:p="http://schemas.openxmlformats.org/presentationml/2006/main">
   <p:cSld>
     <p:spTree>
@@ -23652,121 +28426,6 @@
       <p:bldP spid="9" grpId="0"/>
     </p:bldLst>
   </p:timing>
-</p:sld>
-</file>
-
-<file path=ppt/slides/slide3.xml><?xml version="1.0" encoding="utf-8"?>
-<p:sld xmlns:a="http://schemas.openxmlformats.org/drawingml/2006/main" xmlns:r="http://schemas.openxmlformats.org/officeDocument/2006/relationships" xmlns:p="http://schemas.openxmlformats.org/presentationml/2006/main">
-  <p:cSld>
-    <p:spTree>
-      <p:nvGrpSpPr>
-        <p:cNvPr id="1" name=""/>
-        <p:cNvGrpSpPr/>
-        <p:nvPr/>
-      </p:nvGrpSpPr>
-      <p:grpSpPr>
-        <a:xfrm>
-          <a:off x="0" y="0"/>
-          <a:ext cx="0" cy="0"/>
-          <a:chOff x="0" y="0"/>
-          <a:chExt cx="0" cy="0"/>
-        </a:xfrm>
-      </p:grpSpPr>
-      <p:sp>
-        <p:nvSpPr>
-          <p:cNvPr id="2" name="Title 1">
-            <a:extLst>
-              <a:ext uri="{FF2B5EF4-FFF2-40B4-BE49-F238E27FC236}">
-                <a16:creationId xmlns:a16="http://schemas.microsoft.com/office/drawing/2014/main" id="{730D2A00-B7CA-BD4A-BEEC-6EFC11C120EF}"/>
-              </a:ext>
-            </a:extLst>
-          </p:cNvPr>
-          <p:cNvSpPr>
-            <a:spLocks noGrp="1"/>
-          </p:cNvSpPr>
-          <p:nvPr>
-            <p:ph type="title"/>
-          </p:nvPr>
-        </p:nvSpPr>
-        <p:spPr/>
-        <p:txBody>
-          <a:bodyPr/>
-          <a:lstStyle/>
-          <a:p>
-            <a:pPr algn="ctr"/>
-            <a:r>
-              <a:rPr lang="en-US" b="1" dirty="0"/>
-              <a:t>Memory revision</a:t>
-            </a:r>
-          </a:p>
-        </p:txBody>
-      </p:sp>
-      <p:sp>
-        <p:nvSpPr>
-          <p:cNvPr id="3" name="Content Placeholder 2">
-            <a:extLst>
-              <a:ext uri="{FF2B5EF4-FFF2-40B4-BE49-F238E27FC236}">
-                <a16:creationId xmlns:a16="http://schemas.microsoft.com/office/drawing/2014/main" id="{D9DBA1DD-530F-BE47-86CB-A4187A1FCB03}"/>
-              </a:ext>
-            </a:extLst>
-          </p:cNvPr>
-          <p:cNvSpPr>
-            <a:spLocks noGrp="1"/>
-          </p:cNvSpPr>
-          <p:nvPr>
-            <p:ph idx="1"/>
-          </p:nvPr>
-        </p:nvSpPr>
-        <p:spPr/>
-        <p:txBody>
-          <a:bodyPr/>
-          <a:lstStyle/>
-          <a:p>
-            <a:r>
-              <a:rPr lang="en-US" b="1" dirty="0"/>
-              <a:t>Memory</a:t>
-            </a:r>
-            <a:r>
-              <a:rPr lang="en-US" dirty="0"/>
-              <a:t>: The location in which our program gets stored.</a:t>
-            </a:r>
-          </a:p>
-          <a:p>
-            <a:endParaRPr lang="en-US" dirty="0"/>
-          </a:p>
-          <a:p>
-            <a:r>
-              <a:rPr lang="en-US" dirty="0"/>
-              <a:t>Our program gets put into memory before it is run.</a:t>
-            </a:r>
-          </a:p>
-          <a:p>
-            <a:endParaRPr lang="en-US" dirty="0"/>
-          </a:p>
-          <a:p>
-            <a:r>
-              <a:rPr lang="en-US" dirty="0"/>
-              <a:t>The memory is one of the most important things that we need to understand</a:t>
-            </a:r>
-          </a:p>
-          <a:p>
-            <a:endParaRPr lang="en-US" dirty="0"/>
-          </a:p>
-          <a:p>
-            <a:endParaRPr lang="en-US" dirty="0"/>
-          </a:p>
-        </p:txBody>
-      </p:sp>
-    </p:spTree>
-    <p:extLst>
-      <p:ext uri="{BB962C8B-B14F-4D97-AF65-F5344CB8AC3E}">
-        <p14:creationId xmlns:p14="http://schemas.microsoft.com/office/powerpoint/2010/main" val="152910630"/>
-      </p:ext>
-    </p:extLst>
-  </p:cSld>
-  <p:clrMapOvr>
-    <a:masterClrMapping/>
-  </p:clrMapOvr>
 </p:sld>
 </file>
 

--- a/Day_5/Day_5.pptx
+++ b/Day_5/Day_5.pptx
@@ -29,19 +29,21 @@
     <p:sldId id="338" r:id="rId23"/>
     <p:sldId id="339" r:id="rId24"/>
     <p:sldId id="340" r:id="rId25"/>
-    <p:sldId id="341" r:id="rId26"/>
-    <p:sldId id="321" r:id="rId27"/>
-    <p:sldId id="265" r:id="rId28"/>
-    <p:sldId id="280" r:id="rId29"/>
-    <p:sldId id="281" r:id="rId30"/>
-    <p:sldId id="322" r:id="rId31"/>
-    <p:sldId id="323" r:id="rId32"/>
-    <p:sldId id="326" r:id="rId33"/>
-    <p:sldId id="327" r:id="rId34"/>
-    <p:sldId id="328" r:id="rId35"/>
-    <p:sldId id="288" r:id="rId36"/>
-    <p:sldId id="324" r:id="rId37"/>
-    <p:sldId id="325" r:id="rId38"/>
+    <p:sldId id="343" r:id="rId26"/>
+    <p:sldId id="341" r:id="rId27"/>
+    <p:sldId id="321" r:id="rId28"/>
+    <p:sldId id="265" r:id="rId29"/>
+    <p:sldId id="280" r:id="rId30"/>
+    <p:sldId id="281" r:id="rId31"/>
+    <p:sldId id="322" r:id="rId32"/>
+    <p:sldId id="323" r:id="rId33"/>
+    <p:sldId id="326" r:id="rId34"/>
+    <p:sldId id="327" r:id="rId35"/>
+    <p:sldId id="328" r:id="rId36"/>
+    <p:sldId id="288" r:id="rId37"/>
+    <p:sldId id="324" r:id="rId38"/>
+    <p:sldId id="325" r:id="rId39"/>
+    <p:sldId id="342" r:id="rId40"/>
   </p:sldIdLst>
   <p:sldSz cx="12192000" cy="6858000"/>
   <p:notesSz cx="6858000" cy="9144000"/>
@@ -21311,6 +21313,474 @@
           <p:cNvPr id="2" name="Title 1">
             <a:extLst>
               <a:ext uri="{FF2B5EF4-FFF2-40B4-BE49-F238E27FC236}">
+                <a16:creationId xmlns:a16="http://schemas.microsoft.com/office/drawing/2014/main" id="{BE676ED6-EEAB-8A4C-8FAE-935947800F61}"/>
+              </a:ext>
+            </a:extLst>
+          </p:cNvPr>
+          <p:cNvSpPr>
+            <a:spLocks noGrp="1"/>
+          </p:cNvSpPr>
+          <p:nvPr>
+            <p:ph type="title"/>
+          </p:nvPr>
+        </p:nvSpPr>
+        <p:spPr>
+          <a:xfrm>
+            <a:off x="1141413" y="618518"/>
+            <a:ext cx="9905998" cy="1478570"/>
+          </a:xfrm>
+        </p:spPr>
+        <p:txBody>
+          <a:bodyPr/>
+          <a:lstStyle/>
+          <a:p>
+            <a:pPr algn="ctr"/>
+            <a:r>
+              <a:rPr lang="en-US" b="1" dirty="0"/>
+              <a:t>another way to initialize the struct</a:t>
+            </a:r>
+          </a:p>
+        </p:txBody>
+      </p:sp>
+      <p:sp>
+        <p:nvSpPr>
+          <p:cNvPr id="3" name="Content Placeholder 2">
+            <a:extLst>
+              <a:ext uri="{FF2B5EF4-FFF2-40B4-BE49-F238E27FC236}">
+                <a16:creationId xmlns:a16="http://schemas.microsoft.com/office/drawing/2014/main" id="{2671D79F-F3A3-D543-9F05-C80D0328EAD4}"/>
+              </a:ext>
+            </a:extLst>
+          </p:cNvPr>
+          <p:cNvSpPr>
+            <a:spLocks noGrp="1"/>
+          </p:cNvSpPr>
+          <p:nvPr>
+            <p:ph idx="1"/>
+          </p:nvPr>
+        </p:nvSpPr>
+        <p:spPr>
+          <a:xfrm>
+            <a:off x="1141412" y="2249487"/>
+            <a:ext cx="9905999" cy="2292033"/>
+          </a:xfrm>
+        </p:spPr>
+        <p:txBody>
+          <a:bodyPr>
+            <a:normAutofit/>
+          </a:bodyPr>
+          <a:lstStyle/>
+          <a:p>
+            <a:r>
+              <a:rPr lang="en-US" dirty="0"/>
+              <a:t>This is almost identical to how we initialize arrays</a:t>
+            </a:r>
+          </a:p>
+          <a:p>
+            <a:endParaRPr lang="en-US" dirty="0"/>
+          </a:p>
+          <a:p>
+            <a:r>
+              <a:rPr lang="en-US" dirty="0"/>
+              <a:t>What do you think this looks like?</a:t>
+            </a:r>
+          </a:p>
+        </p:txBody>
+      </p:sp>
+      <p:pic>
+        <p:nvPicPr>
+          <p:cNvPr id="5" name="Picture 4">
+            <a:extLst>
+              <a:ext uri="{FF2B5EF4-FFF2-40B4-BE49-F238E27FC236}">
+                <a16:creationId xmlns:a16="http://schemas.microsoft.com/office/drawing/2014/main" id="{A86AE5A5-3A2F-F64C-A641-0623B9327779}"/>
+              </a:ext>
+            </a:extLst>
+          </p:cNvPr>
+          <p:cNvPicPr>
+            <a:picLocks noChangeAspect="1"/>
+          </p:cNvPicPr>
+          <p:nvPr/>
+        </p:nvPicPr>
+        <p:blipFill>
+          <a:blip r:embed="rId2"/>
+          <a:stretch>
+            <a:fillRect/>
+          </a:stretch>
+        </p:blipFill>
+        <p:spPr>
+          <a:xfrm>
+            <a:off x="1141412" y="5607022"/>
+            <a:ext cx="8517128" cy="632460"/>
+          </a:xfrm>
+          <a:prstGeom prst="rect">
+            <a:avLst/>
+          </a:prstGeom>
+        </p:spPr>
+      </p:pic>
+    </p:spTree>
+    <p:extLst>
+      <p:ext uri="{BB962C8B-B14F-4D97-AF65-F5344CB8AC3E}">
+        <p14:creationId xmlns:p14="http://schemas.microsoft.com/office/powerpoint/2010/main" val="1721410452"/>
+      </p:ext>
+    </p:extLst>
+  </p:cSld>
+  <p:clrMapOvr>
+    <a:masterClrMapping/>
+  </p:clrMapOvr>
+  <p:timing>
+    <p:tnLst>
+      <p:par>
+        <p:cTn id="1" dur="indefinite" restart="never" nodeType="tmRoot">
+          <p:childTnLst>
+            <p:seq concurrent="1" nextAc="seek">
+              <p:cTn id="2" dur="indefinite" nodeType="mainSeq">
+                <p:childTnLst>
+                  <p:par>
+                    <p:cTn id="3" fill="hold">
+                      <p:stCondLst>
+                        <p:cond delay="indefinite"/>
+                      </p:stCondLst>
+                      <p:childTnLst>
+                        <p:par>
+                          <p:cTn id="4" fill="hold">
+                            <p:stCondLst>
+                              <p:cond delay="0"/>
+                            </p:stCondLst>
+                            <p:childTnLst>
+                              <p:par>
+                                <p:cTn id="5" presetID="2" presetClass="entr" presetSubtype="4" fill="hold" grpId="0" nodeType="clickEffect">
+                                  <p:stCondLst>
+                                    <p:cond delay="0"/>
+                                  </p:stCondLst>
+                                  <p:childTnLst>
+                                    <p:set>
+                                      <p:cBhvr>
+                                        <p:cTn id="6" dur="1" fill="hold">
+                                          <p:stCondLst>
+                                            <p:cond delay="0"/>
+                                          </p:stCondLst>
+                                        </p:cTn>
+                                        <p:tgtEl>
+                                          <p:spTgt spid="3">
+                                            <p:txEl>
+                                              <p:pRg st="0" end="0"/>
+                                            </p:txEl>
+                                          </p:spTgt>
+                                        </p:tgtEl>
+                                        <p:attrNameLst>
+                                          <p:attrName>style.visibility</p:attrName>
+                                        </p:attrNameLst>
+                                      </p:cBhvr>
+                                      <p:to>
+                                        <p:strVal val="visible"/>
+                                      </p:to>
+                                    </p:set>
+                                    <p:anim calcmode="lin" valueType="num">
+                                      <p:cBhvr additive="base">
+                                        <p:cTn id="7" dur="500" fill="hold"/>
+                                        <p:tgtEl>
+                                          <p:spTgt spid="3">
+                                            <p:txEl>
+                                              <p:pRg st="0" end="0"/>
+                                            </p:txEl>
+                                          </p:spTgt>
+                                        </p:tgtEl>
+                                        <p:attrNameLst>
+                                          <p:attrName>ppt_x</p:attrName>
+                                        </p:attrNameLst>
+                                      </p:cBhvr>
+                                      <p:tavLst>
+                                        <p:tav tm="0">
+                                          <p:val>
+                                            <p:strVal val="#ppt_x"/>
+                                          </p:val>
+                                        </p:tav>
+                                        <p:tav tm="100000">
+                                          <p:val>
+                                            <p:strVal val="#ppt_x"/>
+                                          </p:val>
+                                        </p:tav>
+                                      </p:tavLst>
+                                    </p:anim>
+                                    <p:anim calcmode="lin" valueType="num">
+                                      <p:cBhvr additive="base">
+                                        <p:cTn id="8" dur="500" fill="hold"/>
+                                        <p:tgtEl>
+                                          <p:spTgt spid="3">
+                                            <p:txEl>
+                                              <p:pRg st="0" end="0"/>
+                                            </p:txEl>
+                                          </p:spTgt>
+                                        </p:tgtEl>
+                                        <p:attrNameLst>
+                                          <p:attrName>ppt_y</p:attrName>
+                                        </p:attrNameLst>
+                                      </p:cBhvr>
+                                      <p:tavLst>
+                                        <p:tav tm="0">
+                                          <p:val>
+                                            <p:strVal val="1+#ppt_h/2"/>
+                                          </p:val>
+                                        </p:tav>
+                                        <p:tav tm="100000">
+                                          <p:val>
+                                            <p:strVal val="#ppt_y"/>
+                                          </p:val>
+                                        </p:tav>
+                                      </p:tavLst>
+                                    </p:anim>
+                                  </p:childTnLst>
+                                </p:cTn>
+                              </p:par>
+                            </p:childTnLst>
+                          </p:cTn>
+                        </p:par>
+                      </p:childTnLst>
+                    </p:cTn>
+                  </p:par>
+                  <p:par>
+                    <p:cTn id="9" fill="hold">
+                      <p:stCondLst>
+                        <p:cond delay="indefinite"/>
+                      </p:stCondLst>
+                      <p:childTnLst>
+                        <p:par>
+                          <p:cTn id="10" fill="hold">
+                            <p:stCondLst>
+                              <p:cond delay="0"/>
+                            </p:stCondLst>
+                            <p:childTnLst>
+                              <p:par>
+                                <p:cTn id="11" presetID="2" presetClass="entr" presetSubtype="4" fill="hold" grpId="0" nodeType="clickEffect">
+                                  <p:stCondLst>
+                                    <p:cond delay="0"/>
+                                  </p:stCondLst>
+                                  <p:childTnLst>
+                                    <p:set>
+                                      <p:cBhvr>
+                                        <p:cTn id="12" dur="1" fill="hold">
+                                          <p:stCondLst>
+                                            <p:cond delay="0"/>
+                                          </p:stCondLst>
+                                        </p:cTn>
+                                        <p:tgtEl>
+                                          <p:spTgt spid="3">
+                                            <p:txEl>
+                                              <p:pRg st="2" end="2"/>
+                                            </p:txEl>
+                                          </p:spTgt>
+                                        </p:tgtEl>
+                                        <p:attrNameLst>
+                                          <p:attrName>style.visibility</p:attrName>
+                                        </p:attrNameLst>
+                                      </p:cBhvr>
+                                      <p:to>
+                                        <p:strVal val="visible"/>
+                                      </p:to>
+                                    </p:set>
+                                    <p:anim calcmode="lin" valueType="num">
+                                      <p:cBhvr additive="base">
+                                        <p:cTn id="13" dur="500" fill="hold"/>
+                                        <p:tgtEl>
+                                          <p:spTgt spid="3">
+                                            <p:txEl>
+                                              <p:pRg st="2" end="2"/>
+                                            </p:txEl>
+                                          </p:spTgt>
+                                        </p:tgtEl>
+                                        <p:attrNameLst>
+                                          <p:attrName>ppt_x</p:attrName>
+                                        </p:attrNameLst>
+                                      </p:cBhvr>
+                                      <p:tavLst>
+                                        <p:tav tm="0">
+                                          <p:val>
+                                            <p:strVal val="#ppt_x"/>
+                                          </p:val>
+                                        </p:tav>
+                                        <p:tav tm="100000">
+                                          <p:val>
+                                            <p:strVal val="#ppt_x"/>
+                                          </p:val>
+                                        </p:tav>
+                                      </p:tavLst>
+                                    </p:anim>
+                                    <p:anim calcmode="lin" valueType="num">
+                                      <p:cBhvr additive="base">
+                                        <p:cTn id="14" dur="500" fill="hold"/>
+                                        <p:tgtEl>
+                                          <p:spTgt spid="3">
+                                            <p:txEl>
+                                              <p:pRg st="2" end="2"/>
+                                            </p:txEl>
+                                          </p:spTgt>
+                                        </p:tgtEl>
+                                        <p:attrNameLst>
+                                          <p:attrName>ppt_y</p:attrName>
+                                        </p:attrNameLst>
+                                      </p:cBhvr>
+                                      <p:tavLst>
+                                        <p:tav tm="0">
+                                          <p:val>
+                                            <p:strVal val="1+#ppt_h/2"/>
+                                          </p:val>
+                                        </p:tav>
+                                        <p:tav tm="100000">
+                                          <p:val>
+                                            <p:strVal val="#ppt_y"/>
+                                          </p:val>
+                                        </p:tav>
+                                      </p:tavLst>
+                                    </p:anim>
+                                  </p:childTnLst>
+                                </p:cTn>
+                              </p:par>
+                            </p:childTnLst>
+                          </p:cTn>
+                        </p:par>
+                      </p:childTnLst>
+                    </p:cTn>
+                  </p:par>
+                  <p:par>
+                    <p:cTn id="15" fill="hold">
+                      <p:stCondLst>
+                        <p:cond delay="indefinite"/>
+                      </p:stCondLst>
+                      <p:childTnLst>
+                        <p:par>
+                          <p:cTn id="16" fill="hold">
+                            <p:stCondLst>
+                              <p:cond delay="0"/>
+                            </p:stCondLst>
+                            <p:childTnLst>
+                              <p:par>
+                                <p:cTn id="17" presetID="2" presetClass="entr" presetSubtype="6" fill="hold" nodeType="clickEffect">
+                                  <p:stCondLst>
+                                    <p:cond delay="0"/>
+                                  </p:stCondLst>
+                                  <p:childTnLst>
+                                    <p:set>
+                                      <p:cBhvr>
+                                        <p:cTn id="18" dur="1" fill="hold">
+                                          <p:stCondLst>
+                                            <p:cond delay="0"/>
+                                          </p:stCondLst>
+                                        </p:cTn>
+                                        <p:tgtEl>
+                                          <p:spTgt spid="5"/>
+                                        </p:tgtEl>
+                                        <p:attrNameLst>
+                                          <p:attrName>style.visibility</p:attrName>
+                                        </p:attrNameLst>
+                                      </p:cBhvr>
+                                      <p:to>
+                                        <p:strVal val="visible"/>
+                                      </p:to>
+                                    </p:set>
+                                    <p:anim calcmode="lin" valueType="num">
+                                      <p:cBhvr additive="base">
+                                        <p:cTn id="19" dur="500" fill="hold"/>
+                                        <p:tgtEl>
+                                          <p:spTgt spid="5"/>
+                                        </p:tgtEl>
+                                        <p:attrNameLst>
+                                          <p:attrName>ppt_x</p:attrName>
+                                        </p:attrNameLst>
+                                      </p:cBhvr>
+                                      <p:tavLst>
+                                        <p:tav tm="0">
+                                          <p:val>
+                                            <p:strVal val="1+#ppt_w/2"/>
+                                          </p:val>
+                                        </p:tav>
+                                        <p:tav tm="100000">
+                                          <p:val>
+                                            <p:strVal val="#ppt_x"/>
+                                          </p:val>
+                                        </p:tav>
+                                      </p:tavLst>
+                                    </p:anim>
+                                    <p:anim calcmode="lin" valueType="num">
+                                      <p:cBhvr additive="base">
+                                        <p:cTn id="20" dur="500" fill="hold"/>
+                                        <p:tgtEl>
+                                          <p:spTgt spid="5"/>
+                                        </p:tgtEl>
+                                        <p:attrNameLst>
+                                          <p:attrName>ppt_y</p:attrName>
+                                        </p:attrNameLst>
+                                      </p:cBhvr>
+                                      <p:tavLst>
+                                        <p:tav tm="0">
+                                          <p:val>
+                                            <p:strVal val="1+#ppt_h/2"/>
+                                          </p:val>
+                                        </p:tav>
+                                        <p:tav tm="100000">
+                                          <p:val>
+                                            <p:strVal val="#ppt_y"/>
+                                          </p:val>
+                                        </p:tav>
+                                      </p:tavLst>
+                                    </p:anim>
+                                  </p:childTnLst>
+                                </p:cTn>
+                              </p:par>
+                            </p:childTnLst>
+                          </p:cTn>
+                        </p:par>
+                      </p:childTnLst>
+                    </p:cTn>
+                  </p:par>
+                </p:childTnLst>
+              </p:cTn>
+              <p:prevCondLst>
+                <p:cond evt="onPrev" delay="0">
+                  <p:tgtEl>
+                    <p:sldTgt/>
+                  </p:tgtEl>
+                </p:cond>
+              </p:prevCondLst>
+              <p:nextCondLst>
+                <p:cond evt="onNext" delay="0">
+                  <p:tgtEl>
+                    <p:sldTgt/>
+                  </p:tgtEl>
+                </p:cond>
+              </p:nextCondLst>
+            </p:seq>
+          </p:childTnLst>
+        </p:cTn>
+      </p:par>
+    </p:tnLst>
+    <p:bldLst>
+      <p:bldP spid="3" grpId="0" build="p"/>
+    </p:bldLst>
+  </p:timing>
+</p:sld>
+</file>
+
+<file path=ppt/slides/slide26.xml><?xml version="1.0" encoding="utf-8"?>
+<p:sld xmlns:a="http://schemas.openxmlformats.org/drawingml/2006/main" xmlns:r="http://schemas.openxmlformats.org/officeDocument/2006/relationships" xmlns:p="http://schemas.openxmlformats.org/presentationml/2006/main">
+  <p:cSld>
+    <p:spTree>
+      <p:nvGrpSpPr>
+        <p:cNvPr id="1" name=""/>
+        <p:cNvGrpSpPr/>
+        <p:nvPr/>
+      </p:nvGrpSpPr>
+      <p:grpSpPr>
+        <a:xfrm>
+          <a:off x="0" y="0"/>
+          <a:ext cx="0" cy="0"/>
+          <a:chOff x="0" y="0"/>
+          <a:chExt cx="0" cy="0"/>
+        </a:xfrm>
+      </p:grpSpPr>
+      <p:sp>
+        <p:nvSpPr>
+          <p:cNvPr id="2" name="Title 1">
+            <a:extLst>
+              <a:ext uri="{FF2B5EF4-FFF2-40B4-BE49-F238E27FC236}">
                 <a16:creationId xmlns:a16="http://schemas.microsoft.com/office/drawing/2014/main" id="{53B7042A-E552-0D48-82DF-9F960FE7FDFF}"/>
               </a:ext>
             </a:extLst>
@@ -21757,7 +22227,7 @@
 </p:sld>
 </file>
 
-<file path=ppt/slides/slide26.xml><?xml version="1.0" encoding="utf-8"?>
+<file path=ppt/slides/slide27.xml><?xml version="1.0" encoding="utf-8"?>
 <p:sld xmlns:a="http://schemas.openxmlformats.org/drawingml/2006/main" xmlns:r="http://schemas.openxmlformats.org/officeDocument/2006/relationships" xmlns:p="http://schemas.openxmlformats.org/presentationml/2006/main">
   <p:cSld>
     <p:spTree>
@@ -23033,7 +23503,7 @@
 </p:sld>
 </file>
 
-<file path=ppt/slides/slide27.xml><?xml version="1.0" encoding="utf-8"?>
+<file path=ppt/slides/slide28.xml><?xml version="1.0" encoding="utf-8"?>
 <p:sld xmlns:a="http://schemas.openxmlformats.org/drawingml/2006/main" xmlns:r="http://schemas.openxmlformats.org/officeDocument/2006/relationships" xmlns:p="http://schemas.openxmlformats.org/presentationml/2006/main">
   <p:cSld>
     <p:spTree>
@@ -23773,7 +24243,7 @@
 </p:sld>
 </file>
 
-<file path=ppt/slides/slide28.xml><?xml version="1.0" encoding="utf-8"?>
+<file path=ppt/slides/slide29.xml><?xml version="1.0" encoding="utf-8"?>
 <p:sld xmlns:a="http://schemas.openxmlformats.org/drawingml/2006/main" xmlns:r="http://schemas.openxmlformats.org/officeDocument/2006/relationships" xmlns:p="http://schemas.openxmlformats.org/presentationml/2006/main">
   <p:cSld>
     <p:spTree>
@@ -23934,7 +24404,122 @@
 </p:sld>
 </file>
 
-<file path=ppt/slides/slide29.xml><?xml version="1.0" encoding="utf-8"?>
+<file path=ppt/slides/slide3.xml><?xml version="1.0" encoding="utf-8"?>
+<p:sld xmlns:a="http://schemas.openxmlformats.org/drawingml/2006/main" xmlns:r="http://schemas.openxmlformats.org/officeDocument/2006/relationships" xmlns:p="http://schemas.openxmlformats.org/presentationml/2006/main">
+  <p:cSld>
+    <p:spTree>
+      <p:nvGrpSpPr>
+        <p:cNvPr id="1" name=""/>
+        <p:cNvGrpSpPr/>
+        <p:nvPr/>
+      </p:nvGrpSpPr>
+      <p:grpSpPr>
+        <a:xfrm>
+          <a:off x="0" y="0"/>
+          <a:ext cx="0" cy="0"/>
+          <a:chOff x="0" y="0"/>
+          <a:chExt cx="0" cy="0"/>
+        </a:xfrm>
+      </p:grpSpPr>
+      <p:sp>
+        <p:nvSpPr>
+          <p:cNvPr id="2" name="Title 1">
+            <a:extLst>
+              <a:ext uri="{FF2B5EF4-FFF2-40B4-BE49-F238E27FC236}">
+                <a16:creationId xmlns:a16="http://schemas.microsoft.com/office/drawing/2014/main" id="{730D2A00-B7CA-BD4A-BEEC-6EFC11C120EF}"/>
+              </a:ext>
+            </a:extLst>
+          </p:cNvPr>
+          <p:cNvSpPr>
+            <a:spLocks noGrp="1"/>
+          </p:cNvSpPr>
+          <p:nvPr>
+            <p:ph type="title"/>
+          </p:nvPr>
+        </p:nvSpPr>
+        <p:spPr/>
+        <p:txBody>
+          <a:bodyPr/>
+          <a:lstStyle/>
+          <a:p>
+            <a:pPr algn="ctr"/>
+            <a:r>
+              <a:rPr lang="en-US" b="1" dirty="0"/>
+              <a:t>Memory revision</a:t>
+            </a:r>
+          </a:p>
+        </p:txBody>
+      </p:sp>
+      <p:sp>
+        <p:nvSpPr>
+          <p:cNvPr id="3" name="Content Placeholder 2">
+            <a:extLst>
+              <a:ext uri="{FF2B5EF4-FFF2-40B4-BE49-F238E27FC236}">
+                <a16:creationId xmlns:a16="http://schemas.microsoft.com/office/drawing/2014/main" id="{D9DBA1DD-530F-BE47-86CB-A4187A1FCB03}"/>
+              </a:ext>
+            </a:extLst>
+          </p:cNvPr>
+          <p:cNvSpPr>
+            <a:spLocks noGrp="1"/>
+          </p:cNvSpPr>
+          <p:nvPr>
+            <p:ph idx="1"/>
+          </p:nvPr>
+        </p:nvSpPr>
+        <p:spPr/>
+        <p:txBody>
+          <a:bodyPr/>
+          <a:lstStyle/>
+          <a:p>
+            <a:r>
+              <a:rPr lang="en-US" b="1" dirty="0"/>
+              <a:t>Memory</a:t>
+            </a:r>
+            <a:r>
+              <a:rPr lang="en-US" dirty="0"/>
+              <a:t>: The location in which our program gets stored.</a:t>
+            </a:r>
+          </a:p>
+          <a:p>
+            <a:endParaRPr lang="en-US" dirty="0"/>
+          </a:p>
+          <a:p>
+            <a:r>
+              <a:rPr lang="en-US" dirty="0"/>
+              <a:t>Our program gets put into memory before it is run.</a:t>
+            </a:r>
+          </a:p>
+          <a:p>
+            <a:endParaRPr lang="en-US" dirty="0"/>
+          </a:p>
+          <a:p>
+            <a:r>
+              <a:rPr lang="en-US" dirty="0"/>
+              <a:t>The memory is one of the most important things that we need to understand</a:t>
+            </a:r>
+          </a:p>
+          <a:p>
+            <a:endParaRPr lang="en-US" dirty="0"/>
+          </a:p>
+          <a:p>
+            <a:endParaRPr lang="en-US" dirty="0"/>
+          </a:p>
+        </p:txBody>
+      </p:sp>
+    </p:spTree>
+    <p:extLst>
+      <p:ext uri="{BB962C8B-B14F-4D97-AF65-F5344CB8AC3E}">
+        <p14:creationId xmlns:p14="http://schemas.microsoft.com/office/powerpoint/2010/main" val="152910630"/>
+      </p:ext>
+    </p:extLst>
+  </p:cSld>
+  <p:clrMapOvr>
+    <a:masterClrMapping/>
+  </p:clrMapOvr>
+</p:sld>
+</file>
+
+<file path=ppt/slides/slide30.xml><?xml version="1.0" encoding="utf-8"?>
 <p:sld xmlns:a="http://schemas.openxmlformats.org/drawingml/2006/main" xmlns:r="http://schemas.openxmlformats.org/officeDocument/2006/relationships" xmlns:p="http://schemas.openxmlformats.org/presentationml/2006/main">
   <p:cSld>
     <p:spTree>
@@ -24469,122 +25054,7 @@
 </p:sld>
 </file>
 
-<file path=ppt/slides/slide3.xml><?xml version="1.0" encoding="utf-8"?>
-<p:sld xmlns:a="http://schemas.openxmlformats.org/drawingml/2006/main" xmlns:r="http://schemas.openxmlformats.org/officeDocument/2006/relationships" xmlns:p="http://schemas.openxmlformats.org/presentationml/2006/main">
-  <p:cSld>
-    <p:spTree>
-      <p:nvGrpSpPr>
-        <p:cNvPr id="1" name=""/>
-        <p:cNvGrpSpPr/>
-        <p:nvPr/>
-      </p:nvGrpSpPr>
-      <p:grpSpPr>
-        <a:xfrm>
-          <a:off x="0" y="0"/>
-          <a:ext cx="0" cy="0"/>
-          <a:chOff x="0" y="0"/>
-          <a:chExt cx="0" cy="0"/>
-        </a:xfrm>
-      </p:grpSpPr>
-      <p:sp>
-        <p:nvSpPr>
-          <p:cNvPr id="2" name="Title 1">
-            <a:extLst>
-              <a:ext uri="{FF2B5EF4-FFF2-40B4-BE49-F238E27FC236}">
-                <a16:creationId xmlns:a16="http://schemas.microsoft.com/office/drawing/2014/main" id="{730D2A00-B7CA-BD4A-BEEC-6EFC11C120EF}"/>
-              </a:ext>
-            </a:extLst>
-          </p:cNvPr>
-          <p:cNvSpPr>
-            <a:spLocks noGrp="1"/>
-          </p:cNvSpPr>
-          <p:nvPr>
-            <p:ph type="title"/>
-          </p:nvPr>
-        </p:nvSpPr>
-        <p:spPr/>
-        <p:txBody>
-          <a:bodyPr/>
-          <a:lstStyle/>
-          <a:p>
-            <a:pPr algn="ctr"/>
-            <a:r>
-              <a:rPr lang="en-US" b="1" dirty="0"/>
-              <a:t>Memory revision</a:t>
-            </a:r>
-          </a:p>
-        </p:txBody>
-      </p:sp>
-      <p:sp>
-        <p:nvSpPr>
-          <p:cNvPr id="3" name="Content Placeholder 2">
-            <a:extLst>
-              <a:ext uri="{FF2B5EF4-FFF2-40B4-BE49-F238E27FC236}">
-                <a16:creationId xmlns:a16="http://schemas.microsoft.com/office/drawing/2014/main" id="{D9DBA1DD-530F-BE47-86CB-A4187A1FCB03}"/>
-              </a:ext>
-            </a:extLst>
-          </p:cNvPr>
-          <p:cNvSpPr>
-            <a:spLocks noGrp="1"/>
-          </p:cNvSpPr>
-          <p:nvPr>
-            <p:ph idx="1"/>
-          </p:nvPr>
-        </p:nvSpPr>
-        <p:spPr/>
-        <p:txBody>
-          <a:bodyPr/>
-          <a:lstStyle/>
-          <a:p>
-            <a:r>
-              <a:rPr lang="en-US" b="1" dirty="0"/>
-              <a:t>Memory</a:t>
-            </a:r>
-            <a:r>
-              <a:rPr lang="en-US" dirty="0"/>
-              <a:t>: The location in which our program gets stored.</a:t>
-            </a:r>
-          </a:p>
-          <a:p>
-            <a:endParaRPr lang="en-US" dirty="0"/>
-          </a:p>
-          <a:p>
-            <a:r>
-              <a:rPr lang="en-US" dirty="0"/>
-              <a:t>Our program gets put into memory before it is run.</a:t>
-            </a:r>
-          </a:p>
-          <a:p>
-            <a:endParaRPr lang="en-US" dirty="0"/>
-          </a:p>
-          <a:p>
-            <a:r>
-              <a:rPr lang="en-US" dirty="0"/>
-              <a:t>The memory is one of the most important things that we need to understand</a:t>
-            </a:r>
-          </a:p>
-          <a:p>
-            <a:endParaRPr lang="en-US" dirty="0"/>
-          </a:p>
-          <a:p>
-            <a:endParaRPr lang="en-US" dirty="0"/>
-          </a:p>
-        </p:txBody>
-      </p:sp>
-    </p:spTree>
-    <p:extLst>
-      <p:ext uri="{BB962C8B-B14F-4D97-AF65-F5344CB8AC3E}">
-        <p14:creationId xmlns:p14="http://schemas.microsoft.com/office/powerpoint/2010/main" val="152910630"/>
-      </p:ext>
-    </p:extLst>
-  </p:cSld>
-  <p:clrMapOvr>
-    <a:masterClrMapping/>
-  </p:clrMapOvr>
-</p:sld>
-</file>
-
-<file path=ppt/slides/slide30.xml><?xml version="1.0" encoding="utf-8"?>
+<file path=ppt/slides/slide31.xml><?xml version="1.0" encoding="utf-8"?>
 <p:sld xmlns:a="http://schemas.openxmlformats.org/drawingml/2006/main" xmlns:r="http://schemas.openxmlformats.org/officeDocument/2006/relationships" xmlns:p="http://schemas.openxmlformats.org/presentationml/2006/main">
   <p:cSld>
     <p:spTree>
@@ -25166,7 +25636,7 @@
 </p:sld>
 </file>
 
-<file path=ppt/slides/slide31.xml><?xml version="1.0" encoding="utf-8"?>
+<file path=ppt/slides/slide32.xml><?xml version="1.0" encoding="utf-8"?>
 <p:sld xmlns:a="http://schemas.openxmlformats.org/drawingml/2006/main" xmlns:r="http://schemas.openxmlformats.org/officeDocument/2006/relationships" xmlns:p="http://schemas.openxmlformats.org/presentationml/2006/main">
   <p:cSld>
     <p:spTree>
@@ -25806,7 +26276,7 @@
 </p:sld>
 </file>
 
-<file path=ppt/slides/slide32.xml><?xml version="1.0" encoding="utf-8"?>
+<file path=ppt/slides/slide33.xml><?xml version="1.0" encoding="utf-8"?>
 <p:sld xmlns:a="http://schemas.openxmlformats.org/drawingml/2006/main" xmlns:r="http://schemas.openxmlformats.org/officeDocument/2006/relationships" xmlns:p="http://schemas.openxmlformats.org/presentationml/2006/main">
   <p:cSld>
     <p:spTree>
@@ -26271,7 +26741,7 @@
 </p:sld>
 </file>
 
-<file path=ppt/slides/slide33.xml><?xml version="1.0" encoding="utf-8"?>
+<file path=ppt/slides/slide34.xml><?xml version="1.0" encoding="utf-8"?>
 <p:sld xmlns:a="http://schemas.openxmlformats.org/drawingml/2006/main" xmlns:r="http://schemas.openxmlformats.org/officeDocument/2006/relationships" xmlns:p="http://schemas.openxmlformats.org/presentationml/2006/main">
   <p:cSld>
     <p:spTree>
@@ -26733,7 +27203,7 @@
 </p:sld>
 </file>
 
-<file path=ppt/slides/slide34.xml><?xml version="1.0" encoding="utf-8"?>
+<file path=ppt/slides/slide35.xml><?xml version="1.0" encoding="utf-8"?>
 <p:sld xmlns:a="http://schemas.openxmlformats.org/drawingml/2006/main" xmlns:r="http://schemas.openxmlformats.org/officeDocument/2006/relationships" xmlns:p="http://schemas.openxmlformats.org/presentationml/2006/main">
   <p:cSld>
     <p:spTree>
@@ -27301,7 +27771,7 @@
 </p:sld>
 </file>
 
-<file path=ppt/slides/slide35.xml><?xml version="1.0" encoding="utf-8"?>
+<file path=ppt/slides/slide36.xml><?xml version="1.0" encoding="utf-8"?>
 <p:sld xmlns:a="http://schemas.openxmlformats.org/drawingml/2006/main" xmlns:r="http://schemas.openxmlformats.org/officeDocument/2006/relationships" xmlns:p="http://schemas.openxmlformats.org/presentationml/2006/main" showMasterSp="0">
   <p:cSld>
     <p:bg>
@@ -27426,7 +27896,7 @@
 </p:sld>
 </file>
 
-<file path=ppt/slides/slide36.xml><?xml version="1.0" encoding="utf-8"?>
+<file path=ppt/slides/slide37.xml><?xml version="1.0" encoding="utf-8"?>
 <p:sld xmlns:a="http://schemas.openxmlformats.org/drawingml/2006/main" xmlns:r="http://schemas.openxmlformats.org/officeDocument/2006/relationships" xmlns:p="http://schemas.openxmlformats.org/presentationml/2006/main" showMasterSp="0">
   <p:cSld>
     <p:bg>
@@ -27593,7 +28063,7 @@
 </p:sld>
 </file>
 
-<file path=ppt/slides/slide37.xml><?xml version="1.0" encoding="utf-8"?>
+<file path=ppt/slides/slide38.xml><?xml version="1.0" encoding="utf-8"?>
 <p:sld xmlns:a="http://schemas.openxmlformats.org/drawingml/2006/main" xmlns:r="http://schemas.openxmlformats.org/officeDocument/2006/relationships" xmlns:p="http://schemas.openxmlformats.org/presentationml/2006/main">
   <p:cSld>
     <p:spTree>
@@ -27786,7 +28256,7 @@
         </p:nvSpPr>
         <p:spPr>
           <a:xfrm>
-            <a:off x="1913363" y="5870150"/>
+            <a:off x="1913363" y="5516880"/>
             <a:ext cx="5499454" cy="369332"/>
           </a:xfrm>
           <a:prstGeom prst="rect">
@@ -27810,15 +28280,65 @@
             </a:r>
             <a:r>
               <a:rPr lang="en-US" dirty="0" err="1">
+                <a:solidFill>
+                  <a:srgbClr val="FF7AB0"/>
+                </a:solidFill>
                 <a:latin typeface="Consolas" panose="020B0609020204030204" pitchFamily="49" charset="0"/>
                 <a:cs typeface="Consolas" panose="020B0609020204030204" pitchFamily="49" charset="0"/>
               </a:rPr>
-              <a:t>int_ptr</a:t>
+              <a:t>int</a:t>
+            </a:r>
+            <a:r>
+              <a:rPr lang="en-US" dirty="0" err="1">
+                <a:latin typeface="Consolas" panose="020B0609020204030204" pitchFamily="49" charset="0"/>
+                <a:cs typeface="Consolas" panose="020B0609020204030204" pitchFamily="49" charset="0"/>
+              </a:rPr>
+              <a:t>_ptr</a:t>
             </a:r>
             <a:r>
               <a:rPr lang="en-US" dirty="0"/>
               <a:t>?</a:t>
             </a:r>
+          </a:p>
+        </p:txBody>
+      </p:sp>
+      <p:sp>
+        <p:nvSpPr>
+          <p:cNvPr id="7" name="TextBox 6">
+            <a:extLst>
+              <a:ext uri="{FF2B5EF4-FFF2-40B4-BE49-F238E27FC236}">
+                <a16:creationId xmlns:a16="http://schemas.microsoft.com/office/drawing/2014/main" id="{CBFFF692-73DC-0D42-9BF9-58A0CAA5D1EB}"/>
+              </a:ext>
+            </a:extLst>
+          </p:cNvPr>
+          <p:cNvSpPr txBox="1"/>
+          <p:nvPr/>
+        </p:nvSpPr>
+        <p:spPr>
+          <a:xfrm>
+            <a:off x="1970088" y="6218317"/>
+            <a:ext cx="2699906" cy="369332"/>
+          </a:xfrm>
+          <a:prstGeom prst="rect">
+            <a:avLst/>
+          </a:prstGeom>
+          <a:noFill/>
+        </p:spPr>
+        <p:txBody>
+          <a:bodyPr wrap="none" rtlCol="0">
+            <a:spAutoFit/>
+          </a:bodyPr>
+          <a:lstStyle/>
+          <a:p>
+            <a:r>
+              <a:rPr lang="en-US" b="1" dirty="0"/>
+              <a:t>Let’s play around </a:t>
+            </a:r>
+            <a:r>
+              <a:rPr lang="en-US" b="1"/>
+              <a:t>with this</a:t>
+            </a:r>
+            <a:endParaRPr lang="en-US" dirty="0"/>
           </a:p>
         </p:txBody>
       </p:sp>
@@ -28400,6 +28920,97 @@
                       </p:childTnLst>
                     </p:cTn>
                   </p:par>
+                  <p:par>
+                    <p:cTn id="38" fill="hold">
+                      <p:stCondLst>
+                        <p:cond delay="indefinite"/>
+                      </p:stCondLst>
+                      <p:childTnLst>
+                        <p:par>
+                          <p:cTn id="39" fill="hold">
+                            <p:stCondLst>
+                              <p:cond delay="0"/>
+                            </p:stCondLst>
+                            <p:childTnLst>
+                              <p:par>
+                                <p:cTn id="40" presetID="2" presetClass="entr" presetSubtype="4" fill="hold" grpId="0" nodeType="clickEffect">
+                                  <p:stCondLst>
+                                    <p:cond delay="0"/>
+                                  </p:stCondLst>
+                                  <p:childTnLst>
+                                    <p:set>
+                                      <p:cBhvr>
+                                        <p:cTn id="41" dur="1" fill="hold">
+                                          <p:stCondLst>
+                                            <p:cond delay="0"/>
+                                          </p:stCondLst>
+                                        </p:cTn>
+                                        <p:tgtEl>
+                                          <p:spTgt spid="7"/>
+                                        </p:tgtEl>
+                                        <p:attrNameLst>
+                                          <p:attrName>style.visibility</p:attrName>
+                                        </p:attrNameLst>
+                                      </p:cBhvr>
+                                      <p:to>
+                                        <p:strVal val="visible"/>
+                                      </p:to>
+                                    </p:set>
+                                    <p:anim calcmode="lin" valueType="num">
+                                      <p:cBhvr additive="base">
+                                        <p:cTn id="42" dur="500" fill="hold"/>
+                                        <p:tgtEl>
+                                          <p:spTgt spid="7"/>
+                                        </p:tgtEl>
+                                        <p:attrNameLst>
+                                          <p:attrName>ppt_x</p:attrName>
+                                        </p:attrNameLst>
+                                      </p:cBhvr>
+                                      <p:tavLst>
+                                        <p:tav tm="0">
+                                          <p:val>
+                                            <p:strVal val="#ppt_x"/>
+                                          </p:val>
+                                        </p:tav>
+                                        <p:tav tm="100000">
+                                          <p:val>
+                                            <p:strVal val="#ppt_x"/>
+                                          </p:val>
+                                        </p:tav>
+                                      </p:tavLst>
+                                    </p:anim>
+                                    <p:anim calcmode="lin" valueType="num">
+                                      <p:cBhvr additive="base">
+                                        <p:cTn id="43" dur="500" fill="hold"/>
+                                        <p:tgtEl>
+                                          <p:spTgt spid="7"/>
+                                        </p:tgtEl>
+                                        <p:attrNameLst>
+                                          <p:attrName>ppt_y</p:attrName>
+                                        </p:attrNameLst>
+                                      </p:cBhvr>
+                                      <p:tavLst>
+                                        <p:tav tm="0">
+                                          <p:val>
+                                            <p:strVal val="1+#ppt_h/2"/>
+                                          </p:val>
+                                        </p:tav>
+                                        <p:tav tm="100000">
+                                          <p:val>
+                                            <p:strVal val="#ppt_y"/>
+                                          </p:val>
+                                        </p:tav>
+                                      </p:tavLst>
+                                    </p:anim>
+                                  </p:childTnLst>
+                                </p:cTn>
+                              </p:par>
+                            </p:childTnLst>
+                          </p:cTn>
+                        </p:par>
+                      </p:childTnLst>
+                    </p:cTn>
+                  </p:par>
                 </p:childTnLst>
               </p:cTn>
               <p:prevCondLst>
@@ -28424,8 +29035,155 @@
     <p:bldLst>
       <p:bldP spid="6" grpId="0"/>
       <p:bldP spid="9" grpId="0"/>
+      <p:bldP spid="7" grpId="0"/>
     </p:bldLst>
   </p:timing>
+</p:sld>
+</file>
+
+<file path=ppt/slides/slide39.xml><?xml version="1.0" encoding="utf-8"?>
+<p:sld xmlns:a="http://schemas.openxmlformats.org/drawingml/2006/main" xmlns:r="http://schemas.openxmlformats.org/officeDocument/2006/relationships" xmlns:p="http://schemas.openxmlformats.org/presentationml/2006/main">
+  <p:cSld>
+    <p:spTree>
+      <p:nvGrpSpPr>
+        <p:cNvPr id="1" name=""/>
+        <p:cNvGrpSpPr/>
+        <p:nvPr/>
+      </p:nvGrpSpPr>
+      <p:grpSpPr>
+        <a:xfrm>
+          <a:off x="0" y="0"/>
+          <a:ext cx="0" cy="0"/>
+          <a:chOff x="0" y="0"/>
+          <a:chExt cx="0" cy="0"/>
+        </a:xfrm>
+      </p:grpSpPr>
+      <p:sp>
+        <p:nvSpPr>
+          <p:cNvPr id="2" name="Title 1">
+            <a:extLst>
+              <a:ext uri="{FF2B5EF4-FFF2-40B4-BE49-F238E27FC236}">
+                <a16:creationId xmlns:a16="http://schemas.microsoft.com/office/drawing/2014/main" id="{FA6BE736-CF47-B94C-8991-DFB41BD72C0E}"/>
+              </a:ext>
+            </a:extLst>
+          </p:cNvPr>
+          <p:cNvSpPr>
+            <a:spLocks noGrp="1"/>
+          </p:cNvSpPr>
+          <p:nvPr>
+            <p:ph type="title"/>
+          </p:nvPr>
+        </p:nvSpPr>
+        <p:spPr/>
+        <p:txBody>
+          <a:bodyPr/>
+          <a:lstStyle/>
+          <a:p>
+            <a:pPr algn="ctr"/>
+            <a:r>
+              <a:rPr lang="en-US" b="1" dirty="0"/>
+              <a:t>remainder of the lesson</a:t>
+            </a:r>
+          </a:p>
+        </p:txBody>
+      </p:sp>
+      <p:sp>
+        <p:nvSpPr>
+          <p:cNvPr id="3" name="Content Placeholder 2">
+            <a:extLst>
+              <a:ext uri="{FF2B5EF4-FFF2-40B4-BE49-F238E27FC236}">
+                <a16:creationId xmlns:a16="http://schemas.microsoft.com/office/drawing/2014/main" id="{573C5726-E58C-FA49-A8A1-460FD943E191}"/>
+              </a:ext>
+            </a:extLst>
+          </p:cNvPr>
+          <p:cNvSpPr>
+            <a:spLocks noGrp="1"/>
+          </p:cNvSpPr>
+          <p:nvPr>
+            <p:ph idx="1"/>
+          </p:nvPr>
+        </p:nvSpPr>
+        <p:spPr>
+          <a:xfrm>
+            <a:off x="1141412" y="2249486"/>
+            <a:ext cx="9905999" cy="4318953"/>
+          </a:xfrm>
+        </p:spPr>
+        <p:txBody>
+          <a:bodyPr>
+            <a:normAutofit/>
+          </a:bodyPr>
+          <a:lstStyle/>
+          <a:p>
+            <a:r>
+              <a:rPr lang="en-US" dirty="0"/>
+              <a:t>From what I saw, people were struggling with the following:</a:t>
+            </a:r>
+          </a:p>
+          <a:p>
+            <a:pPr lvl="1"/>
+            <a:r>
+              <a:rPr lang="en-US" dirty="0"/>
+              <a:t>Assignment vs comparison</a:t>
+            </a:r>
+          </a:p>
+          <a:p>
+            <a:pPr lvl="1"/>
+            <a:r>
+              <a:rPr lang="en-US" dirty="0"/>
+              <a:t>Nested loops (Day_3)</a:t>
+            </a:r>
+          </a:p>
+          <a:p>
+            <a:pPr lvl="1"/>
+            <a:r>
+              <a:rPr lang="en-US" dirty="0"/>
+              <a:t>Variable scope (Day_2)</a:t>
+            </a:r>
+          </a:p>
+          <a:p>
+            <a:pPr lvl="1"/>
+            <a:r>
+              <a:rPr lang="en-US" dirty="0"/>
+              <a:t>Variable reassignment </a:t>
+            </a:r>
+          </a:p>
+          <a:p>
+            <a:pPr lvl="1"/>
+            <a:endParaRPr lang="en-US" dirty="0"/>
+          </a:p>
+          <a:p>
+            <a:r>
+              <a:rPr lang="en-US" dirty="0"/>
+              <a:t>Let’s go through this and do some revision</a:t>
+            </a:r>
+          </a:p>
+          <a:p>
+            <a:r>
+              <a:rPr lang="en-US" dirty="0"/>
+              <a:t>This will mostly consist of you coding and experimenting with these principles</a:t>
+            </a:r>
+          </a:p>
+          <a:p>
+            <a:pPr lvl="1"/>
+            <a:endParaRPr lang="en-US" dirty="0"/>
+          </a:p>
+          <a:p>
+            <a:pPr lvl="1"/>
+            <a:endParaRPr lang="en-US" dirty="0"/>
+          </a:p>
+        </p:txBody>
+      </p:sp>
+    </p:spTree>
+    <p:extLst>
+      <p:ext uri="{BB962C8B-B14F-4D97-AF65-F5344CB8AC3E}">
+        <p14:creationId xmlns:p14="http://schemas.microsoft.com/office/powerpoint/2010/main" val="2191529746"/>
+      </p:ext>
+    </p:extLst>
+  </p:cSld>
+  <p:clrMapOvr>
+    <a:masterClrMapping/>
+  </p:clrMapOvr>
 </p:sld>
 </file>
 

--- a/Day_5/Day_5.pptx
+++ b/Day_5/Day_5.pptx
@@ -12414,7 +12414,7 @@
           <a:p>
             <a:pPr algn="ctr"/>
             <a:r>
-              <a:rPr lang="en-US" dirty="0"/>
+              <a:rPr lang="en-US" b="1" dirty="0"/>
               <a:t>Pointers</a:t>
             </a:r>
           </a:p>
@@ -28332,11 +28332,7 @@
           <a:p>
             <a:r>
               <a:rPr lang="en-US" b="1" dirty="0"/>
-              <a:t>Let’s play around </a:t>
-            </a:r>
-            <a:r>
-              <a:rPr lang="en-US" b="1"/>
-              <a:t>with this</a:t>
+              <a:t>Let’s play around with this</a:t>
             </a:r>
             <a:endParaRPr lang="en-US" dirty="0"/>
           </a:p>
